--- a/DOCUMENTOS FASE1/evidencias grupales/Presentacion_Proyecto.pptx
+++ b/DOCUMENTOS FASE1/evidencias grupales/Presentacion_Proyecto.pptx
@@ -1,47 +1,47 @@
 
 <file path=ppt/presentation.xml><?xml version="1.0" encoding="utf-8"?>
-<p:presentation xmlns:a="http://schemas.openxmlformats.org/drawingml/2006/main" xmlns:r="http://schemas.openxmlformats.org/officeDocument/2006/relationships" xmlns:mc="http://schemas.openxmlformats.org/markup-compatibility/2006" xmlns:mv="urn:schemas-microsoft-com:mac:vml" xmlns:p="http://schemas.openxmlformats.org/presentationml/2006/main" xmlns:c="http://schemas.openxmlformats.org/drawingml/2006/chart" xmlns:dgm="http://schemas.openxmlformats.org/drawingml/2006/diagram" xmlns:o="urn:schemas-microsoft-com:office:office" xmlns:v="urn:schemas-microsoft-com:vml" xmlns:pvml="urn:schemas-microsoft-com:office:powerpoint" xmlns:com="http://schemas.openxmlformats.org/drawingml/2006/compatibility" xmlns:p14="http://schemas.microsoft.com/office/powerpoint/2010/main" xmlns:p15="http://schemas.microsoft.com/office/powerpoint/2012/main" xmlns:ahyp="http://schemas.microsoft.com/office/drawing/2018/hyperlinkcolor" autoCompressPictures="0" embedTrueTypeFonts="1" strictFirstAndLastChars="0" saveSubsetFonts="1">
+<p:presentation xmlns:a="http://schemas.openxmlformats.org/drawingml/2006/main" xmlns:r="http://schemas.openxmlformats.org/officeDocument/2006/relationships" xmlns:p="http://schemas.openxmlformats.org/presentationml/2006/main" strictFirstAndLastChars="0" embedTrueTypeFonts="1" saveSubsetFonts="1" autoCompressPictures="0">
   <p:sldMasterIdLst>
-    <p:sldMasterId id="2147483659" r:id="rId4"/>
+    <p:sldMasterId id="2147483659" r:id="rId1"/>
   </p:sldMasterIdLst>
   <p:notesMasterIdLst>
-    <p:notesMasterId r:id="rId5"/>
+    <p:notesMasterId r:id="rId22"/>
   </p:notesMasterIdLst>
   <p:sldIdLst>
-    <p:sldId id="256" r:id="rId6"/>
-    <p:sldId id="257" r:id="rId7"/>
-    <p:sldId id="258" r:id="rId8"/>
-    <p:sldId id="259" r:id="rId9"/>
-    <p:sldId id="260" r:id="rId10"/>
-    <p:sldId id="261" r:id="rId11"/>
-    <p:sldId id="262" r:id="rId12"/>
-    <p:sldId id="263" r:id="rId13"/>
-    <p:sldId id="264" r:id="rId14"/>
-    <p:sldId id="265" r:id="rId15"/>
-    <p:sldId id="266" r:id="rId16"/>
-    <p:sldId id="267" r:id="rId17"/>
-    <p:sldId id="268" r:id="rId18"/>
-    <p:sldId id="269" r:id="rId19"/>
-    <p:sldId id="270" r:id="rId20"/>
-    <p:sldId id="271" r:id="rId21"/>
-    <p:sldId id="272" r:id="rId22"/>
-    <p:sldId id="273" r:id="rId23"/>
-    <p:sldId id="274" r:id="rId24"/>
-    <p:sldId id="275" r:id="rId25"/>
+    <p:sldId id="256" r:id="rId2"/>
+    <p:sldId id="257" r:id="rId3"/>
+    <p:sldId id="258" r:id="rId4"/>
+    <p:sldId id="259" r:id="rId5"/>
+    <p:sldId id="260" r:id="rId6"/>
+    <p:sldId id="261" r:id="rId7"/>
+    <p:sldId id="262" r:id="rId8"/>
+    <p:sldId id="263" r:id="rId9"/>
+    <p:sldId id="264" r:id="rId10"/>
+    <p:sldId id="265" r:id="rId11"/>
+    <p:sldId id="266" r:id="rId12"/>
+    <p:sldId id="267" r:id="rId13"/>
+    <p:sldId id="268" r:id="rId14"/>
+    <p:sldId id="269" r:id="rId15"/>
+    <p:sldId id="270" r:id="rId16"/>
+    <p:sldId id="271" r:id="rId17"/>
+    <p:sldId id="272" r:id="rId18"/>
+    <p:sldId id="273" r:id="rId19"/>
+    <p:sldId id="274" r:id="rId20"/>
+    <p:sldId id="275" r:id="rId21"/>
   </p:sldIdLst>
-  <p:sldSz cy="5143500" cx="9144000"/>
+  <p:sldSz cx="9144000" cy="5143500" type="screen16x9"/>
   <p:notesSz cx="6858000" cy="9144000"/>
   <p:embeddedFontLst>
     <p:embeddedFont>
-      <p:font typeface="Montserrat"/>
-      <p:regular r:id="rId26"/>
-      <p:bold r:id="rId27"/>
-      <p:italic r:id="rId28"/>
-      <p:boldItalic r:id="rId29"/>
+      <p:font typeface="Montserrat" panose="00000500000000000000" pitchFamily="2" charset="0"/>
+      <p:regular r:id="rId23"/>
+      <p:bold r:id="rId24"/>
+      <p:italic r:id="rId25"/>
+      <p:boldItalic r:id="rId26"/>
     </p:embeddedFont>
   </p:embeddedFontLst>
   <p:defaultTextStyle>
-    <a:defPPr lvl="0" marR="0" rtl="0" algn="l">
+    <a:defPPr marR="0" lvl="0" algn="l" rtl="0">
       <a:lnSpc>
         <a:spcPct val="100000"/>
       </a:lnSpc>
@@ -52,7 +52,7 @@
         <a:spcPts val="0"/>
       </a:spcAft>
     </a:defPPr>
-    <a:lvl1pPr lvl="0" marR="0" rtl="0" algn="l">
+    <a:lvl1pPr marR="0" lvl="0" algn="l" rtl="0">
       <a:lnSpc>
         <a:spcPct val="100000"/>
       </a:lnSpc>
@@ -66,7 +66,7 @@
         <a:srgbClr val="000000"/>
       </a:buClr>
       <a:buFont typeface="Arial"/>
-      <a:defRPr b="0" i="0" sz="1400" u="none" cap="none" strike="noStrike">
+      <a:defRPr sz="1400" b="0" i="0" u="none" strike="noStrike" cap="none">
         <a:solidFill>
           <a:srgbClr val="000000"/>
         </a:solidFill>
@@ -76,7 +76,7 @@
         <a:sym typeface="Arial"/>
       </a:defRPr>
     </a:lvl1pPr>
-    <a:lvl2pPr lvl="1" marR="0" rtl="0" algn="l">
+    <a:lvl2pPr marR="0" lvl="1" algn="l" rtl="0">
       <a:lnSpc>
         <a:spcPct val="100000"/>
       </a:lnSpc>
@@ -90,7 +90,7 @@
         <a:srgbClr val="000000"/>
       </a:buClr>
       <a:buFont typeface="Arial"/>
-      <a:defRPr b="0" i="0" sz="1400" u="none" cap="none" strike="noStrike">
+      <a:defRPr sz="1400" b="0" i="0" u="none" strike="noStrike" cap="none">
         <a:solidFill>
           <a:srgbClr val="000000"/>
         </a:solidFill>
@@ -100,7 +100,7 @@
         <a:sym typeface="Arial"/>
       </a:defRPr>
     </a:lvl2pPr>
-    <a:lvl3pPr lvl="2" marR="0" rtl="0" algn="l">
+    <a:lvl3pPr marR="0" lvl="2" algn="l" rtl="0">
       <a:lnSpc>
         <a:spcPct val="100000"/>
       </a:lnSpc>
@@ -114,7 +114,7 @@
         <a:srgbClr val="000000"/>
       </a:buClr>
       <a:buFont typeface="Arial"/>
-      <a:defRPr b="0" i="0" sz="1400" u="none" cap="none" strike="noStrike">
+      <a:defRPr sz="1400" b="0" i="0" u="none" strike="noStrike" cap="none">
         <a:solidFill>
           <a:srgbClr val="000000"/>
         </a:solidFill>
@@ -124,7 +124,7 @@
         <a:sym typeface="Arial"/>
       </a:defRPr>
     </a:lvl3pPr>
-    <a:lvl4pPr lvl="3" marR="0" rtl="0" algn="l">
+    <a:lvl4pPr marR="0" lvl="3" algn="l" rtl="0">
       <a:lnSpc>
         <a:spcPct val="100000"/>
       </a:lnSpc>
@@ -138,7 +138,7 @@
         <a:srgbClr val="000000"/>
       </a:buClr>
       <a:buFont typeface="Arial"/>
-      <a:defRPr b="0" i="0" sz="1400" u="none" cap="none" strike="noStrike">
+      <a:defRPr sz="1400" b="0" i="0" u="none" strike="noStrike" cap="none">
         <a:solidFill>
           <a:srgbClr val="000000"/>
         </a:solidFill>
@@ -148,7 +148,7 @@
         <a:sym typeface="Arial"/>
       </a:defRPr>
     </a:lvl4pPr>
-    <a:lvl5pPr lvl="4" marR="0" rtl="0" algn="l">
+    <a:lvl5pPr marR="0" lvl="4" algn="l" rtl="0">
       <a:lnSpc>
         <a:spcPct val="100000"/>
       </a:lnSpc>
@@ -162,7 +162,7 @@
         <a:srgbClr val="000000"/>
       </a:buClr>
       <a:buFont typeface="Arial"/>
-      <a:defRPr b="0" i="0" sz="1400" u="none" cap="none" strike="noStrike">
+      <a:defRPr sz="1400" b="0" i="0" u="none" strike="noStrike" cap="none">
         <a:solidFill>
           <a:srgbClr val="000000"/>
         </a:solidFill>
@@ -172,7 +172,7 @@
         <a:sym typeface="Arial"/>
       </a:defRPr>
     </a:lvl5pPr>
-    <a:lvl6pPr lvl="5" marR="0" rtl="0" algn="l">
+    <a:lvl6pPr marR="0" lvl="5" algn="l" rtl="0">
       <a:lnSpc>
         <a:spcPct val="100000"/>
       </a:lnSpc>
@@ -186,7 +186,7 @@
         <a:srgbClr val="000000"/>
       </a:buClr>
       <a:buFont typeface="Arial"/>
-      <a:defRPr b="0" i="0" sz="1400" u="none" cap="none" strike="noStrike">
+      <a:defRPr sz="1400" b="0" i="0" u="none" strike="noStrike" cap="none">
         <a:solidFill>
           <a:srgbClr val="000000"/>
         </a:solidFill>
@@ -196,7 +196,7 @@
         <a:sym typeface="Arial"/>
       </a:defRPr>
     </a:lvl6pPr>
-    <a:lvl7pPr lvl="6" marR="0" rtl="0" algn="l">
+    <a:lvl7pPr marR="0" lvl="6" algn="l" rtl="0">
       <a:lnSpc>
         <a:spcPct val="100000"/>
       </a:lnSpc>
@@ -210,7 +210,7 @@
         <a:srgbClr val="000000"/>
       </a:buClr>
       <a:buFont typeface="Arial"/>
-      <a:defRPr b="0" i="0" sz="1400" u="none" cap="none" strike="noStrike">
+      <a:defRPr sz="1400" b="0" i="0" u="none" strike="noStrike" cap="none">
         <a:solidFill>
           <a:srgbClr val="000000"/>
         </a:solidFill>
@@ -220,7 +220,7 @@
         <a:sym typeface="Arial"/>
       </a:defRPr>
     </a:lvl7pPr>
-    <a:lvl8pPr lvl="7" marR="0" rtl="0" algn="l">
+    <a:lvl8pPr marR="0" lvl="7" algn="l" rtl="0">
       <a:lnSpc>
         <a:spcPct val="100000"/>
       </a:lnSpc>
@@ -234,7 +234,7 @@
         <a:srgbClr val="000000"/>
       </a:buClr>
       <a:buFont typeface="Arial"/>
-      <a:defRPr b="0" i="0" sz="1400" u="none" cap="none" strike="noStrike">
+      <a:defRPr sz="1400" b="0" i="0" u="none" strike="noStrike" cap="none">
         <a:solidFill>
           <a:srgbClr val="000000"/>
         </a:solidFill>
@@ -244,7 +244,7 @@
         <a:sym typeface="Arial"/>
       </a:defRPr>
     </a:lvl8pPr>
-    <a:lvl9pPr lvl="8" marR="0" rtl="0" algn="l">
+    <a:lvl9pPr marR="0" lvl="8" algn="l" rtl="0">
       <a:lnSpc>
         <a:spcPct val="100000"/>
       </a:lnSpc>
@@ -258,7 +258,7 @@
         <a:srgbClr val="000000"/>
       </a:buClr>
       <a:buFont typeface="Arial"/>
-      <a:defRPr b="0" i="0" sz="1400" u="none" cap="none" strike="noStrike">
+      <a:defRPr sz="1400" b="0" i="0" u="none" strike="noStrike" cap="none">
         <a:solidFill>
           <a:srgbClr val="000000"/>
         </a:solidFill>
@@ -273,11 +273,16 @@
 </file>
 
 <file path=ppt/notesMasters/notesMaster1.xml><?xml version="1.0" encoding="utf-8"?>
-<p:notesMaster xmlns:a="http://schemas.openxmlformats.org/drawingml/2006/main" xmlns:r="http://schemas.openxmlformats.org/officeDocument/2006/relationships" xmlns:mc="http://schemas.openxmlformats.org/markup-compatibility/2006" xmlns:mv="urn:schemas-microsoft-com:mac:vml" xmlns:p="http://schemas.openxmlformats.org/presentationml/2006/main" xmlns:c="http://schemas.openxmlformats.org/drawingml/2006/chart" xmlns:dgm="http://schemas.openxmlformats.org/drawingml/2006/diagram" xmlns:o="urn:schemas-microsoft-com:office:office" xmlns:v="urn:schemas-microsoft-com:vml" xmlns:pvml="urn:schemas-microsoft-com:office:powerpoint" xmlns:com="http://schemas.openxmlformats.org/drawingml/2006/compatibility" xmlns:p14="http://schemas.microsoft.com/office/powerpoint/2010/main" xmlns:p15="http://schemas.microsoft.com/office/powerpoint/2012/main" xmlns:ahyp="http://schemas.microsoft.com/office/drawing/2018/hyperlinkcolor">
+<p:notesMaster xmlns:a="http://schemas.openxmlformats.org/drawingml/2006/main" xmlns:r="http://schemas.openxmlformats.org/officeDocument/2006/relationships" xmlns:p="http://schemas.openxmlformats.org/presentationml/2006/main">
   <p:cSld>
+    <p:bg>
+      <p:bgRef idx="1001">
+        <a:schemeClr val="bg1"/>
+      </p:bgRef>
+    </p:bg>
     <p:spTree>
       <p:nvGrpSpPr>
-        <p:cNvPr id="2" name="Shape 2"/>
+        <p:cNvPr id="1" name="Shape 2"/>
         <p:cNvGrpSpPr/>
         <p:nvPr/>
       </p:nvGrpSpPr>
@@ -292,9 +297,11 @@
       <p:sp>
         <p:nvSpPr>
           <p:cNvPr id="3" name="Google Shape;3;n"/>
-          <p:cNvSpPr/>
+          <p:cNvSpPr>
+            <a:spLocks noGrp="1" noRot="1" noChangeAspect="1"/>
+          </p:cNvSpPr>
           <p:nvPr>
-            <p:ph idx="2" type="sldImg"/>
+            <p:ph type="sldImg" idx="2"/>
           </p:nvPr>
         </p:nvSpPr>
         <p:spPr>
@@ -303,9 +310,13 @@
             <a:ext cx="6096075" cy="3429000"/>
           </a:xfrm>
           <a:custGeom>
-            <a:rect b="b" l="l" r="r" t="t"/>
+            <a:avLst/>
+            <a:gdLst/>
+            <a:ahLst/>
+            <a:cxnLst/>
+            <a:rect l="l" t="t" r="r" b="b"/>
             <a:pathLst>
-              <a:path extrusionOk="0" h="120000" w="120000">
+              <a:path w="120000" h="120000" extrusionOk="0">
                 <a:moveTo>
                   <a:pt x="0" y="0"/>
                 </a:moveTo>
@@ -323,23 +334,25 @@
             </a:pathLst>
           </a:custGeom>
           <a:noFill/>
-          <a:ln cap="flat" cmpd="sng" w="9525">
+          <a:ln w="9525" cap="flat" cmpd="sng">
             <a:solidFill>
               <a:srgbClr val="000000"/>
             </a:solidFill>
             <a:prstDash val="solid"/>
             <a:round/>
-            <a:headEnd len="sm" w="sm" type="none"/>
-            <a:tailEnd len="sm" w="sm" type="none"/>
+            <a:headEnd type="none" w="sm" len="sm"/>
+            <a:tailEnd type="none" w="sm" len="sm"/>
           </a:ln>
         </p:spPr>
       </p:sp>
       <p:sp>
         <p:nvSpPr>
           <p:cNvPr id="4" name="Google Shape;4;n"/>
-          <p:cNvSpPr txBox="1"/>
+          <p:cNvSpPr txBox="1">
+            <a:spLocks noGrp="1"/>
+          </p:cNvSpPr>
           <p:nvPr>
-            <p:ph idx="1" type="body"/>
+            <p:ph type="body" idx="1"/>
           </p:nvPr>
         </p:nvSpPr>
         <p:spPr>
@@ -356,11 +369,11 @@
           </a:ln>
         </p:spPr>
         <p:txBody>
-          <a:bodyPr anchorCtr="0" anchor="t" bIns="91425" lIns="91425" spcFirstLastPara="1" rIns="91425" wrap="square" tIns="91425">
+          <a:bodyPr spcFirstLastPara="1" wrap="square" lIns="91425" tIns="91425" rIns="91425" bIns="91425" anchor="t" anchorCtr="0">
             <a:noAutofit/>
           </a:bodyPr>
           <a:lstStyle>
-            <a:lvl1pPr indent="-298450" lvl="0" marL="457200">
+            <a:lvl1pPr marL="457200" lvl="0" indent="-298450">
               <a:spcBef>
                 <a:spcPts val="0"/>
               </a:spcBef>
@@ -371,7 +384,7 @@
               <a:buChar char="●"/>
               <a:defRPr sz="1100"/>
             </a:lvl1pPr>
-            <a:lvl2pPr indent="-298450" lvl="1" marL="914400">
+            <a:lvl2pPr marL="914400" lvl="1" indent="-298450">
               <a:spcBef>
                 <a:spcPts val="0"/>
               </a:spcBef>
@@ -382,7 +395,7 @@
               <a:buChar char="○"/>
               <a:defRPr sz="1100"/>
             </a:lvl2pPr>
-            <a:lvl3pPr indent="-298450" lvl="2" marL="1371600">
+            <a:lvl3pPr marL="1371600" lvl="2" indent="-298450">
               <a:spcBef>
                 <a:spcPts val="0"/>
               </a:spcBef>
@@ -393,7 +406,7 @@
               <a:buChar char="■"/>
               <a:defRPr sz="1100"/>
             </a:lvl3pPr>
-            <a:lvl4pPr indent="-298450" lvl="3" marL="1828800">
+            <a:lvl4pPr marL="1828800" lvl="3" indent="-298450">
               <a:spcBef>
                 <a:spcPts val="0"/>
               </a:spcBef>
@@ -404,7 +417,7 @@
               <a:buChar char="●"/>
               <a:defRPr sz="1100"/>
             </a:lvl4pPr>
-            <a:lvl5pPr indent="-298450" lvl="4" marL="2286000">
+            <a:lvl5pPr marL="2286000" lvl="4" indent="-298450">
               <a:spcBef>
                 <a:spcPts val="0"/>
               </a:spcBef>
@@ -415,7 +428,7 @@
               <a:buChar char="○"/>
               <a:defRPr sz="1100"/>
             </a:lvl5pPr>
-            <a:lvl6pPr indent="-298450" lvl="5" marL="2743200">
+            <a:lvl6pPr marL="2743200" lvl="5" indent="-298450">
               <a:spcBef>
                 <a:spcPts val="0"/>
               </a:spcBef>
@@ -426,7 +439,7 @@
               <a:buChar char="■"/>
               <a:defRPr sz="1100"/>
             </a:lvl6pPr>
-            <a:lvl7pPr indent="-298450" lvl="6" marL="3200400">
+            <a:lvl7pPr marL="3200400" lvl="6" indent="-298450">
               <a:spcBef>
                 <a:spcPts val="0"/>
               </a:spcBef>
@@ -437,7 +450,7 @@
               <a:buChar char="●"/>
               <a:defRPr sz="1100"/>
             </a:lvl7pPr>
-            <a:lvl8pPr indent="-298450" lvl="7" marL="3657600">
+            <a:lvl8pPr marL="3657600" lvl="7" indent="-298450">
               <a:spcBef>
                 <a:spcPts val="0"/>
               </a:spcBef>
@@ -448,7 +461,7 @@
               <a:buChar char="○"/>
               <a:defRPr sz="1100"/>
             </a:lvl8pPr>
-            <a:lvl9pPr indent="-298450" lvl="8" marL="4114800">
+            <a:lvl9pPr marL="4114800" lvl="8" indent="-298450">
               <a:spcBef>
                 <a:spcPts val="0"/>
               </a:spcBef>
@@ -460,14 +473,16 @@
               <a:defRPr sz="1100"/>
             </a:lvl9pPr>
           </a:lstStyle>
-          <a:p/>
+          <a:p>
+            <a:endParaRPr/>
+          </a:p>
         </p:txBody>
       </p:sp>
     </p:spTree>
   </p:cSld>
-  <p:clrMap accent1="accent1" accent2="accent2" accent3="accent3" accent4="accent4" accent5="accent5" accent6="accent6" bg1="lt1" bg2="dk2" tx1="dk1" tx2="lt2" folHlink="folHlink" hlink="hlink"/>
+  <p:clrMap bg1="lt1" tx1="dk1" bg2="dk2" tx2="lt2" accent1="accent1" accent2="accent2" accent3="accent3" accent4="accent4" accent5="accent5" accent6="accent6" hlink="hlink" folHlink="folHlink"/>
   <p:notesStyle>
-    <a:defPPr lvl="0" marR="0" rtl="0" algn="l">
+    <a:defPPr marR="0" lvl="0" algn="l" rtl="0">
       <a:lnSpc>
         <a:spcPct val="100000"/>
       </a:lnSpc>
@@ -478,7 +493,7 @@
         <a:spcPts val="0"/>
       </a:spcAft>
     </a:defPPr>
-    <a:lvl1pPr lvl="0" marR="0" rtl="0" algn="l">
+    <a:lvl1pPr marR="0" lvl="0" algn="l" rtl="0">
       <a:lnSpc>
         <a:spcPct val="100000"/>
       </a:lnSpc>
@@ -492,7 +507,7 @@
         <a:srgbClr val="000000"/>
       </a:buClr>
       <a:buFont typeface="Arial"/>
-      <a:defRPr b="0" i="0" sz="1400" u="none" cap="none" strike="noStrike">
+      <a:defRPr sz="1400" b="0" i="0" u="none" strike="noStrike" cap="none">
         <a:solidFill>
           <a:srgbClr val="000000"/>
         </a:solidFill>
@@ -502,7 +517,7 @@
         <a:sym typeface="Arial"/>
       </a:defRPr>
     </a:lvl1pPr>
-    <a:lvl2pPr lvl="1" marR="0" rtl="0" algn="l">
+    <a:lvl2pPr marR="0" lvl="1" algn="l" rtl="0">
       <a:lnSpc>
         <a:spcPct val="100000"/>
       </a:lnSpc>
@@ -516,7 +531,7 @@
         <a:srgbClr val="000000"/>
       </a:buClr>
       <a:buFont typeface="Arial"/>
-      <a:defRPr b="0" i="0" sz="1400" u="none" cap="none" strike="noStrike">
+      <a:defRPr sz="1400" b="0" i="0" u="none" strike="noStrike" cap="none">
         <a:solidFill>
           <a:srgbClr val="000000"/>
         </a:solidFill>
@@ -526,7 +541,7 @@
         <a:sym typeface="Arial"/>
       </a:defRPr>
     </a:lvl2pPr>
-    <a:lvl3pPr lvl="2" marR="0" rtl="0" algn="l">
+    <a:lvl3pPr marR="0" lvl="2" algn="l" rtl="0">
       <a:lnSpc>
         <a:spcPct val="100000"/>
       </a:lnSpc>
@@ -540,7 +555,7 @@
         <a:srgbClr val="000000"/>
       </a:buClr>
       <a:buFont typeface="Arial"/>
-      <a:defRPr b="0" i="0" sz="1400" u="none" cap="none" strike="noStrike">
+      <a:defRPr sz="1400" b="0" i="0" u="none" strike="noStrike" cap="none">
         <a:solidFill>
           <a:srgbClr val="000000"/>
         </a:solidFill>
@@ -550,7 +565,7 @@
         <a:sym typeface="Arial"/>
       </a:defRPr>
     </a:lvl3pPr>
-    <a:lvl4pPr lvl="3" marR="0" rtl="0" algn="l">
+    <a:lvl4pPr marR="0" lvl="3" algn="l" rtl="0">
       <a:lnSpc>
         <a:spcPct val="100000"/>
       </a:lnSpc>
@@ -564,7 +579,7 @@
         <a:srgbClr val="000000"/>
       </a:buClr>
       <a:buFont typeface="Arial"/>
-      <a:defRPr b="0" i="0" sz="1400" u="none" cap="none" strike="noStrike">
+      <a:defRPr sz="1400" b="0" i="0" u="none" strike="noStrike" cap="none">
         <a:solidFill>
           <a:srgbClr val="000000"/>
         </a:solidFill>
@@ -574,7 +589,7 @@
         <a:sym typeface="Arial"/>
       </a:defRPr>
     </a:lvl4pPr>
-    <a:lvl5pPr lvl="4" marR="0" rtl="0" algn="l">
+    <a:lvl5pPr marR="0" lvl="4" algn="l" rtl="0">
       <a:lnSpc>
         <a:spcPct val="100000"/>
       </a:lnSpc>
@@ -588,7 +603,7 @@
         <a:srgbClr val="000000"/>
       </a:buClr>
       <a:buFont typeface="Arial"/>
-      <a:defRPr b="0" i="0" sz="1400" u="none" cap="none" strike="noStrike">
+      <a:defRPr sz="1400" b="0" i="0" u="none" strike="noStrike" cap="none">
         <a:solidFill>
           <a:srgbClr val="000000"/>
         </a:solidFill>
@@ -598,7 +613,7 @@
         <a:sym typeface="Arial"/>
       </a:defRPr>
     </a:lvl5pPr>
-    <a:lvl6pPr lvl="5" marR="0" rtl="0" algn="l">
+    <a:lvl6pPr marR="0" lvl="5" algn="l" rtl="0">
       <a:lnSpc>
         <a:spcPct val="100000"/>
       </a:lnSpc>
@@ -612,7 +627,7 @@
         <a:srgbClr val="000000"/>
       </a:buClr>
       <a:buFont typeface="Arial"/>
-      <a:defRPr b="0" i="0" sz="1400" u="none" cap="none" strike="noStrike">
+      <a:defRPr sz="1400" b="0" i="0" u="none" strike="noStrike" cap="none">
         <a:solidFill>
           <a:srgbClr val="000000"/>
         </a:solidFill>
@@ -622,7 +637,7 @@
         <a:sym typeface="Arial"/>
       </a:defRPr>
     </a:lvl6pPr>
-    <a:lvl7pPr lvl="6" marR="0" rtl="0" algn="l">
+    <a:lvl7pPr marR="0" lvl="6" algn="l" rtl="0">
       <a:lnSpc>
         <a:spcPct val="100000"/>
       </a:lnSpc>
@@ -636,7 +651,7 @@
         <a:srgbClr val="000000"/>
       </a:buClr>
       <a:buFont typeface="Arial"/>
-      <a:defRPr b="0" i="0" sz="1400" u="none" cap="none" strike="noStrike">
+      <a:defRPr sz="1400" b="0" i="0" u="none" strike="noStrike" cap="none">
         <a:solidFill>
           <a:srgbClr val="000000"/>
         </a:solidFill>
@@ -646,7 +661,7 @@
         <a:sym typeface="Arial"/>
       </a:defRPr>
     </a:lvl7pPr>
-    <a:lvl8pPr lvl="7" marR="0" rtl="0" algn="l">
+    <a:lvl8pPr marR="0" lvl="7" algn="l" rtl="0">
       <a:lnSpc>
         <a:spcPct val="100000"/>
       </a:lnSpc>
@@ -660,7 +675,7 @@
         <a:srgbClr val="000000"/>
       </a:buClr>
       <a:buFont typeface="Arial"/>
-      <a:defRPr b="0" i="0" sz="1400" u="none" cap="none" strike="noStrike">
+      <a:defRPr sz="1400" b="0" i="0" u="none" strike="noStrike" cap="none">
         <a:solidFill>
           <a:srgbClr val="000000"/>
         </a:solidFill>
@@ -670,7 +685,7 @@
         <a:sym typeface="Arial"/>
       </a:defRPr>
     </a:lvl8pPr>
-    <a:lvl9pPr lvl="8" marR="0" rtl="0" algn="l">
+    <a:lvl9pPr marR="0" lvl="8" algn="l" rtl="0">
       <a:lnSpc>
         <a:spcPct val="100000"/>
       </a:lnSpc>
@@ -684,7 +699,7 @@
         <a:srgbClr val="000000"/>
       </a:buClr>
       <a:buFont typeface="Arial"/>
-      <a:defRPr b="0" i="0" sz="1400" u="none" cap="none" strike="noStrike">
+      <a:defRPr sz="1400" b="0" i="0" u="none" strike="noStrike" cap="none">
         <a:solidFill>
           <a:srgbClr val="000000"/>
         </a:solidFill>
@@ -699,11 +714,11 @@
 </file>
 
 <file path=ppt/notesSlides/notesSlide1.xml><?xml version="1.0" encoding="utf-8"?>
-<p:notes xmlns:a="http://schemas.openxmlformats.org/drawingml/2006/main" xmlns:r="http://schemas.openxmlformats.org/officeDocument/2006/relationships" xmlns:mc="http://schemas.openxmlformats.org/markup-compatibility/2006" xmlns:mv="urn:schemas-microsoft-com:mac:vml" xmlns:p="http://schemas.openxmlformats.org/presentationml/2006/main" xmlns:c="http://schemas.openxmlformats.org/drawingml/2006/chart" xmlns:dgm="http://schemas.openxmlformats.org/drawingml/2006/diagram" xmlns:o="urn:schemas-microsoft-com:office:office" xmlns:v="urn:schemas-microsoft-com:vml" xmlns:pvml="urn:schemas-microsoft-com:office:powerpoint" xmlns:com="http://schemas.openxmlformats.org/drawingml/2006/compatibility" xmlns:p14="http://schemas.microsoft.com/office/powerpoint/2010/main" xmlns:p15="http://schemas.microsoft.com/office/powerpoint/2012/main" xmlns:ahyp="http://schemas.microsoft.com/office/drawing/2018/hyperlinkcolor" showMasterPhAnim="0" showMasterSp="0">
+<p:notes xmlns:a="http://schemas.openxmlformats.org/drawingml/2006/main" xmlns:r="http://schemas.openxmlformats.org/officeDocument/2006/relationships" xmlns:p="http://schemas.openxmlformats.org/presentationml/2006/main" showMasterSp="0" showMasterPhAnim="0">
   <p:cSld>
     <p:spTree>
       <p:nvGrpSpPr>
-        <p:cNvPr id="50" name="Shape 50"/>
+        <p:cNvPr id="1" name="Shape 50"/>
         <p:cNvGrpSpPr/>
         <p:nvPr/>
       </p:nvGrpSpPr>
@@ -718,9 +733,11 @@
       <p:sp>
         <p:nvSpPr>
           <p:cNvPr id="51" name="Google Shape;51;p:notes"/>
-          <p:cNvSpPr/>
+          <p:cNvSpPr>
+            <a:spLocks noGrp="1" noRot="1" noChangeAspect="1"/>
+          </p:cNvSpPr>
           <p:nvPr>
-            <p:ph idx="2" type="sldImg"/>
+            <p:ph type="sldImg" idx="2"/>
           </p:nvPr>
         </p:nvSpPr>
         <p:spPr>
@@ -729,9 +746,13 @@
             <a:ext cx="6096075" cy="3429000"/>
           </a:xfrm>
           <a:custGeom>
-            <a:rect b="b" l="l" r="r" t="t"/>
+            <a:avLst/>
+            <a:gdLst/>
+            <a:ahLst/>
+            <a:cxnLst/>
+            <a:rect l="l" t="t" r="r" b="b"/>
             <a:pathLst>
-              <a:path extrusionOk="0" h="120000" w="120000">
+              <a:path w="120000" h="120000" extrusionOk="0">
                 <a:moveTo>
                   <a:pt x="0" y="0"/>
                 </a:moveTo>
@@ -753,9 +774,11 @@
       <p:sp>
         <p:nvSpPr>
           <p:cNvPr id="52" name="Google Shape;52;p:notes"/>
-          <p:cNvSpPr txBox="1"/>
+          <p:cNvSpPr txBox="1">
+            <a:spLocks noGrp="1"/>
+          </p:cNvSpPr>
           <p:nvPr>
-            <p:ph idx="1" type="body"/>
+            <p:ph type="body" idx="1"/>
           </p:nvPr>
         </p:nvSpPr>
         <p:spPr>
@@ -768,23 +791,20 @@
           </a:prstGeom>
         </p:spPr>
         <p:txBody>
-          <a:bodyPr anchorCtr="0" anchor="t" bIns="91425" lIns="91425" spcFirstLastPara="1" rIns="91425" wrap="square" tIns="91425">
+          <a:bodyPr spcFirstLastPara="1" wrap="square" lIns="91425" tIns="91425" rIns="91425" bIns="91425" anchor="t" anchorCtr="0">
             <a:noAutofit/>
           </a:bodyPr>
           <a:lstStyle/>
           <a:p>
-            <a:pPr indent="0" lvl="0" marL="0" rtl="0" algn="l">
-              <a:spcBef>
-                <a:spcPts val="0"/>
-              </a:spcBef>
-              <a:spcAft>
-                <a:spcPts val="0"/>
-              </a:spcAft>
-              <a:buNone/>
-            </a:pPr>
-            <a:r>
-              <a:t/>
-            </a:r>
+            <a:pPr marL="0" lvl="0" indent="0" algn="l" rtl="0">
+              <a:spcBef>
+                <a:spcPts val="0"/>
+              </a:spcBef>
+              <a:spcAft>
+                <a:spcPts val="0"/>
+              </a:spcAft>
+              <a:buNone/>
+            </a:pPr>
             <a:endParaRPr/>
           </a:p>
         </p:txBody>
@@ -798,11 +818,11 @@
 </file>
 
 <file path=ppt/notesSlides/notesSlide10.xml><?xml version="1.0" encoding="utf-8"?>
-<p:notes xmlns:a="http://schemas.openxmlformats.org/drawingml/2006/main" xmlns:r="http://schemas.openxmlformats.org/officeDocument/2006/relationships" xmlns:mc="http://schemas.openxmlformats.org/markup-compatibility/2006" xmlns:mv="urn:schemas-microsoft-com:mac:vml" xmlns:p="http://schemas.openxmlformats.org/presentationml/2006/main" xmlns:c="http://schemas.openxmlformats.org/drawingml/2006/chart" xmlns:dgm="http://schemas.openxmlformats.org/drawingml/2006/diagram" xmlns:o="urn:schemas-microsoft-com:office:office" xmlns:v="urn:schemas-microsoft-com:vml" xmlns:pvml="urn:schemas-microsoft-com:office:powerpoint" xmlns:com="http://schemas.openxmlformats.org/drawingml/2006/compatibility" xmlns:p14="http://schemas.microsoft.com/office/powerpoint/2010/main" xmlns:p15="http://schemas.microsoft.com/office/powerpoint/2012/main" xmlns:ahyp="http://schemas.microsoft.com/office/drawing/2018/hyperlinkcolor" showMasterPhAnim="0" showMasterSp="0">
+<p:notes xmlns:a="http://schemas.openxmlformats.org/drawingml/2006/main" xmlns:r="http://schemas.openxmlformats.org/officeDocument/2006/relationships" xmlns:p="http://schemas.openxmlformats.org/presentationml/2006/main" showMasterSp="0" showMasterPhAnim="0">
   <p:cSld>
     <p:spTree>
       <p:nvGrpSpPr>
-        <p:cNvPr id="107" name="Shape 107"/>
+        <p:cNvPr id="1" name="Shape 107"/>
         <p:cNvGrpSpPr/>
         <p:nvPr/>
       </p:nvGrpSpPr>
@@ -817,9 +837,11 @@
       <p:sp>
         <p:nvSpPr>
           <p:cNvPr id="108" name="Google Shape;108;g385949a9bd0_0_105:notes"/>
-          <p:cNvSpPr/>
+          <p:cNvSpPr>
+            <a:spLocks noGrp="1" noRot="1" noChangeAspect="1"/>
+          </p:cNvSpPr>
           <p:nvPr>
-            <p:ph idx="2" type="sldImg"/>
+            <p:ph type="sldImg" idx="2"/>
           </p:nvPr>
         </p:nvSpPr>
         <p:spPr>
@@ -828,9 +850,13 @@
             <a:ext cx="6096000" cy="3429000"/>
           </a:xfrm>
           <a:custGeom>
-            <a:rect b="b" l="l" r="r" t="t"/>
+            <a:avLst/>
+            <a:gdLst/>
+            <a:ahLst/>
+            <a:cxnLst/>
+            <a:rect l="l" t="t" r="r" b="b"/>
             <a:pathLst>
-              <a:path extrusionOk="0" h="120000" w="120000">
+              <a:path w="120000" h="120000" extrusionOk="0">
                 <a:moveTo>
                   <a:pt x="0" y="0"/>
                 </a:moveTo>
@@ -852,9 +878,11 @@
       <p:sp>
         <p:nvSpPr>
           <p:cNvPr id="109" name="Google Shape;109;g385949a9bd0_0_105:notes"/>
-          <p:cNvSpPr txBox="1"/>
+          <p:cNvSpPr txBox="1">
+            <a:spLocks noGrp="1"/>
+          </p:cNvSpPr>
           <p:nvPr>
-            <p:ph idx="1" type="body"/>
+            <p:ph type="body" idx="1"/>
           </p:nvPr>
         </p:nvSpPr>
         <p:spPr>
@@ -867,23 +895,20 @@
           </a:prstGeom>
         </p:spPr>
         <p:txBody>
-          <a:bodyPr anchorCtr="0" anchor="t" bIns="91425" lIns="91425" spcFirstLastPara="1" rIns="91425" wrap="square" tIns="91425">
+          <a:bodyPr spcFirstLastPara="1" wrap="square" lIns="91425" tIns="91425" rIns="91425" bIns="91425" anchor="t" anchorCtr="0">
             <a:noAutofit/>
           </a:bodyPr>
           <a:lstStyle/>
           <a:p>
-            <a:pPr indent="0" lvl="0" marL="0" rtl="0" algn="l">
-              <a:spcBef>
-                <a:spcPts val="0"/>
-              </a:spcBef>
-              <a:spcAft>
-                <a:spcPts val="0"/>
-              </a:spcAft>
-              <a:buNone/>
-            </a:pPr>
-            <a:r>
-              <a:t/>
-            </a:r>
+            <a:pPr marL="0" lvl="0" indent="0" algn="l" rtl="0">
+              <a:spcBef>
+                <a:spcPts val="0"/>
+              </a:spcBef>
+              <a:spcAft>
+                <a:spcPts val="0"/>
+              </a:spcAft>
+              <a:buNone/>
+            </a:pPr>
             <a:endParaRPr/>
           </a:p>
         </p:txBody>
@@ -897,11 +922,11 @@
 </file>
 
 <file path=ppt/notesSlides/notesSlide11.xml><?xml version="1.0" encoding="utf-8"?>
-<p:notes xmlns:a="http://schemas.openxmlformats.org/drawingml/2006/main" xmlns:r="http://schemas.openxmlformats.org/officeDocument/2006/relationships" xmlns:mc="http://schemas.openxmlformats.org/markup-compatibility/2006" xmlns:mv="urn:schemas-microsoft-com:mac:vml" xmlns:p="http://schemas.openxmlformats.org/presentationml/2006/main" xmlns:c="http://schemas.openxmlformats.org/drawingml/2006/chart" xmlns:dgm="http://schemas.openxmlformats.org/drawingml/2006/diagram" xmlns:o="urn:schemas-microsoft-com:office:office" xmlns:v="urn:schemas-microsoft-com:vml" xmlns:pvml="urn:schemas-microsoft-com:office:powerpoint" xmlns:com="http://schemas.openxmlformats.org/drawingml/2006/compatibility" xmlns:p14="http://schemas.microsoft.com/office/powerpoint/2010/main" xmlns:p15="http://schemas.microsoft.com/office/powerpoint/2012/main" xmlns:ahyp="http://schemas.microsoft.com/office/drawing/2018/hyperlinkcolor" showMasterPhAnim="0" showMasterSp="0">
+<p:notes xmlns:a="http://schemas.openxmlformats.org/drawingml/2006/main" xmlns:r="http://schemas.openxmlformats.org/officeDocument/2006/relationships" xmlns:p="http://schemas.openxmlformats.org/presentationml/2006/main" showMasterSp="0" showMasterPhAnim="0">
   <p:cSld>
     <p:spTree>
       <p:nvGrpSpPr>
-        <p:cNvPr id="115" name="Shape 115"/>
+        <p:cNvPr id="1" name="Shape 115"/>
         <p:cNvGrpSpPr/>
         <p:nvPr/>
       </p:nvGrpSpPr>
@@ -916,9 +941,11 @@
       <p:sp>
         <p:nvSpPr>
           <p:cNvPr id="116" name="Google Shape;116;g38873b77c7c_0_59:notes"/>
-          <p:cNvSpPr/>
+          <p:cNvSpPr>
+            <a:spLocks noGrp="1" noRot="1" noChangeAspect="1"/>
+          </p:cNvSpPr>
           <p:nvPr>
-            <p:ph idx="2" type="sldImg"/>
+            <p:ph type="sldImg" idx="2"/>
           </p:nvPr>
         </p:nvSpPr>
         <p:spPr>
@@ -927,9 +954,13 @@
             <a:ext cx="6096000" cy="3429000"/>
           </a:xfrm>
           <a:custGeom>
-            <a:rect b="b" l="l" r="r" t="t"/>
+            <a:avLst/>
+            <a:gdLst/>
+            <a:ahLst/>
+            <a:cxnLst/>
+            <a:rect l="l" t="t" r="r" b="b"/>
             <a:pathLst>
-              <a:path extrusionOk="0" h="120000" w="120000">
+              <a:path w="120000" h="120000" extrusionOk="0">
                 <a:moveTo>
                   <a:pt x="0" y="0"/>
                 </a:moveTo>
@@ -951,9 +982,11 @@
       <p:sp>
         <p:nvSpPr>
           <p:cNvPr id="117" name="Google Shape;117;g38873b77c7c_0_59:notes"/>
-          <p:cNvSpPr txBox="1"/>
+          <p:cNvSpPr txBox="1">
+            <a:spLocks noGrp="1"/>
+          </p:cNvSpPr>
           <p:nvPr>
-            <p:ph idx="1" type="body"/>
+            <p:ph type="body" idx="1"/>
           </p:nvPr>
         </p:nvSpPr>
         <p:spPr>
@@ -966,23 +999,20 @@
           </a:prstGeom>
         </p:spPr>
         <p:txBody>
-          <a:bodyPr anchorCtr="0" anchor="t" bIns="91425" lIns="91425" spcFirstLastPara="1" rIns="91425" wrap="square" tIns="91425">
+          <a:bodyPr spcFirstLastPara="1" wrap="square" lIns="91425" tIns="91425" rIns="91425" bIns="91425" anchor="t" anchorCtr="0">
             <a:noAutofit/>
           </a:bodyPr>
           <a:lstStyle/>
           <a:p>
-            <a:pPr indent="0" lvl="0" marL="0" rtl="0" algn="l">
-              <a:spcBef>
-                <a:spcPts val="0"/>
-              </a:spcBef>
-              <a:spcAft>
-                <a:spcPts val="0"/>
-              </a:spcAft>
-              <a:buNone/>
-            </a:pPr>
-            <a:r>
-              <a:t/>
-            </a:r>
+            <a:pPr marL="0" lvl="0" indent="0" algn="l" rtl="0">
+              <a:spcBef>
+                <a:spcPts val="0"/>
+              </a:spcBef>
+              <a:spcAft>
+                <a:spcPts val="0"/>
+              </a:spcAft>
+              <a:buNone/>
+            </a:pPr>
             <a:endParaRPr/>
           </a:p>
         </p:txBody>
@@ -996,11 +1026,11 @@
 </file>
 
 <file path=ppt/notesSlides/notesSlide12.xml><?xml version="1.0" encoding="utf-8"?>
-<p:notes xmlns:a="http://schemas.openxmlformats.org/drawingml/2006/main" xmlns:r="http://schemas.openxmlformats.org/officeDocument/2006/relationships" xmlns:mc="http://schemas.openxmlformats.org/markup-compatibility/2006" xmlns:mv="urn:schemas-microsoft-com:mac:vml" xmlns:p="http://schemas.openxmlformats.org/presentationml/2006/main" xmlns:c="http://schemas.openxmlformats.org/drawingml/2006/chart" xmlns:dgm="http://schemas.openxmlformats.org/drawingml/2006/diagram" xmlns:o="urn:schemas-microsoft-com:office:office" xmlns:v="urn:schemas-microsoft-com:vml" xmlns:pvml="urn:schemas-microsoft-com:office:powerpoint" xmlns:com="http://schemas.openxmlformats.org/drawingml/2006/compatibility" xmlns:p14="http://schemas.microsoft.com/office/powerpoint/2010/main" xmlns:p15="http://schemas.microsoft.com/office/powerpoint/2012/main" xmlns:ahyp="http://schemas.microsoft.com/office/drawing/2018/hyperlinkcolor" showMasterPhAnim="0" showMasterSp="0">
+<p:notes xmlns:a="http://schemas.openxmlformats.org/drawingml/2006/main" xmlns:r="http://schemas.openxmlformats.org/officeDocument/2006/relationships" xmlns:p="http://schemas.openxmlformats.org/presentationml/2006/main" showMasterSp="0" showMasterPhAnim="0">
   <p:cSld>
     <p:spTree>
       <p:nvGrpSpPr>
-        <p:cNvPr id="121" name="Shape 121"/>
+        <p:cNvPr id="1" name="Shape 121"/>
         <p:cNvGrpSpPr/>
         <p:nvPr/>
       </p:nvGrpSpPr>
@@ -1015,9 +1045,11 @@
       <p:sp>
         <p:nvSpPr>
           <p:cNvPr id="122" name="Google Shape;122;g385949a9bd0_0_61:notes"/>
-          <p:cNvSpPr/>
+          <p:cNvSpPr>
+            <a:spLocks noGrp="1" noRot="1" noChangeAspect="1"/>
+          </p:cNvSpPr>
           <p:nvPr>
-            <p:ph idx="2" type="sldImg"/>
+            <p:ph type="sldImg" idx="2"/>
           </p:nvPr>
         </p:nvSpPr>
         <p:spPr>
@@ -1026,9 +1058,13 @@
             <a:ext cx="6096000" cy="3429000"/>
           </a:xfrm>
           <a:custGeom>
-            <a:rect b="b" l="l" r="r" t="t"/>
+            <a:avLst/>
+            <a:gdLst/>
+            <a:ahLst/>
+            <a:cxnLst/>
+            <a:rect l="l" t="t" r="r" b="b"/>
             <a:pathLst>
-              <a:path extrusionOk="0" h="120000" w="120000">
+              <a:path w="120000" h="120000" extrusionOk="0">
                 <a:moveTo>
                   <a:pt x="0" y="0"/>
                 </a:moveTo>
@@ -1050,9 +1086,11 @@
       <p:sp>
         <p:nvSpPr>
           <p:cNvPr id="123" name="Google Shape;123;g385949a9bd0_0_61:notes"/>
-          <p:cNvSpPr txBox="1"/>
+          <p:cNvSpPr txBox="1">
+            <a:spLocks noGrp="1"/>
+          </p:cNvSpPr>
           <p:nvPr>
-            <p:ph idx="1" type="body"/>
+            <p:ph type="body" idx="1"/>
           </p:nvPr>
         </p:nvSpPr>
         <p:spPr>
@@ -1065,23 +1103,20 @@
           </a:prstGeom>
         </p:spPr>
         <p:txBody>
-          <a:bodyPr anchorCtr="0" anchor="t" bIns="91425" lIns="91425" spcFirstLastPara="1" rIns="91425" wrap="square" tIns="91425">
+          <a:bodyPr spcFirstLastPara="1" wrap="square" lIns="91425" tIns="91425" rIns="91425" bIns="91425" anchor="t" anchorCtr="0">
             <a:noAutofit/>
           </a:bodyPr>
           <a:lstStyle/>
           <a:p>
-            <a:pPr indent="0" lvl="0" marL="0" rtl="0" algn="l">
-              <a:spcBef>
-                <a:spcPts val="0"/>
-              </a:spcBef>
-              <a:spcAft>
-                <a:spcPts val="0"/>
-              </a:spcAft>
-              <a:buNone/>
-            </a:pPr>
-            <a:r>
-              <a:t/>
-            </a:r>
+            <a:pPr marL="0" lvl="0" indent="0" algn="l" rtl="0">
+              <a:spcBef>
+                <a:spcPts val="0"/>
+              </a:spcBef>
+              <a:spcAft>
+                <a:spcPts val="0"/>
+              </a:spcAft>
+              <a:buNone/>
+            </a:pPr>
             <a:endParaRPr/>
           </a:p>
         </p:txBody>
@@ -1095,11 +1130,11 @@
 </file>
 
 <file path=ppt/notesSlides/notesSlide13.xml><?xml version="1.0" encoding="utf-8"?>
-<p:notes xmlns:a="http://schemas.openxmlformats.org/drawingml/2006/main" xmlns:r="http://schemas.openxmlformats.org/officeDocument/2006/relationships" xmlns:mc="http://schemas.openxmlformats.org/markup-compatibility/2006" xmlns:mv="urn:schemas-microsoft-com:mac:vml" xmlns:p="http://schemas.openxmlformats.org/presentationml/2006/main" xmlns:c="http://schemas.openxmlformats.org/drawingml/2006/chart" xmlns:dgm="http://schemas.openxmlformats.org/drawingml/2006/diagram" xmlns:o="urn:schemas-microsoft-com:office:office" xmlns:v="urn:schemas-microsoft-com:vml" xmlns:pvml="urn:schemas-microsoft-com:office:powerpoint" xmlns:com="http://schemas.openxmlformats.org/drawingml/2006/compatibility" xmlns:p14="http://schemas.microsoft.com/office/powerpoint/2010/main" xmlns:p15="http://schemas.microsoft.com/office/powerpoint/2012/main" xmlns:ahyp="http://schemas.microsoft.com/office/drawing/2018/hyperlinkcolor" showMasterPhAnim="0" showMasterSp="0">
+<p:notes xmlns:a="http://schemas.openxmlformats.org/drawingml/2006/main" xmlns:r="http://schemas.openxmlformats.org/officeDocument/2006/relationships" xmlns:p="http://schemas.openxmlformats.org/presentationml/2006/main" showMasterSp="0" showMasterPhAnim="0">
   <p:cSld>
     <p:spTree>
       <p:nvGrpSpPr>
-        <p:cNvPr id="127" name="Shape 127"/>
+        <p:cNvPr id="1" name="Shape 127"/>
         <p:cNvGrpSpPr/>
         <p:nvPr/>
       </p:nvGrpSpPr>
@@ -1114,9 +1149,11 @@
       <p:sp>
         <p:nvSpPr>
           <p:cNvPr id="128" name="Google Shape;128;g38873b77c7c_0_22:notes"/>
-          <p:cNvSpPr/>
+          <p:cNvSpPr>
+            <a:spLocks noGrp="1" noRot="1" noChangeAspect="1"/>
+          </p:cNvSpPr>
           <p:nvPr>
-            <p:ph idx="2" type="sldImg"/>
+            <p:ph type="sldImg" idx="2"/>
           </p:nvPr>
         </p:nvSpPr>
         <p:spPr>
@@ -1125,9 +1162,13 @@
             <a:ext cx="6096000" cy="3429000"/>
           </a:xfrm>
           <a:custGeom>
-            <a:rect b="b" l="l" r="r" t="t"/>
+            <a:avLst/>
+            <a:gdLst/>
+            <a:ahLst/>
+            <a:cxnLst/>
+            <a:rect l="l" t="t" r="r" b="b"/>
             <a:pathLst>
-              <a:path extrusionOk="0" h="120000" w="120000">
+              <a:path w="120000" h="120000" extrusionOk="0">
                 <a:moveTo>
                   <a:pt x="0" y="0"/>
                 </a:moveTo>
@@ -1149,9 +1190,11 @@
       <p:sp>
         <p:nvSpPr>
           <p:cNvPr id="129" name="Google Shape;129;g38873b77c7c_0_22:notes"/>
-          <p:cNvSpPr txBox="1"/>
+          <p:cNvSpPr txBox="1">
+            <a:spLocks noGrp="1"/>
+          </p:cNvSpPr>
           <p:nvPr>
-            <p:ph idx="1" type="body"/>
+            <p:ph type="body" idx="1"/>
           </p:nvPr>
         </p:nvSpPr>
         <p:spPr>
@@ -1164,23 +1207,20 @@
           </a:prstGeom>
         </p:spPr>
         <p:txBody>
-          <a:bodyPr anchorCtr="0" anchor="t" bIns="91425" lIns="91425" spcFirstLastPara="1" rIns="91425" wrap="square" tIns="91425">
+          <a:bodyPr spcFirstLastPara="1" wrap="square" lIns="91425" tIns="91425" rIns="91425" bIns="91425" anchor="t" anchorCtr="0">
             <a:noAutofit/>
           </a:bodyPr>
           <a:lstStyle/>
           <a:p>
-            <a:pPr indent="0" lvl="0" marL="0" rtl="0" algn="l">
-              <a:spcBef>
-                <a:spcPts val="0"/>
-              </a:spcBef>
-              <a:spcAft>
-                <a:spcPts val="0"/>
-              </a:spcAft>
-              <a:buNone/>
-            </a:pPr>
-            <a:r>
-              <a:t/>
-            </a:r>
+            <a:pPr marL="0" lvl="0" indent="0" algn="l" rtl="0">
+              <a:spcBef>
+                <a:spcPts val="0"/>
+              </a:spcBef>
+              <a:spcAft>
+                <a:spcPts val="0"/>
+              </a:spcAft>
+              <a:buNone/>
+            </a:pPr>
             <a:endParaRPr/>
           </a:p>
         </p:txBody>
@@ -1194,11 +1234,11 @@
 </file>
 
 <file path=ppt/notesSlides/notesSlide14.xml><?xml version="1.0" encoding="utf-8"?>
-<p:notes xmlns:a="http://schemas.openxmlformats.org/drawingml/2006/main" xmlns:r="http://schemas.openxmlformats.org/officeDocument/2006/relationships" xmlns:mc="http://schemas.openxmlformats.org/markup-compatibility/2006" xmlns:mv="urn:schemas-microsoft-com:mac:vml" xmlns:p="http://schemas.openxmlformats.org/presentationml/2006/main" xmlns:c="http://schemas.openxmlformats.org/drawingml/2006/chart" xmlns:dgm="http://schemas.openxmlformats.org/drawingml/2006/diagram" xmlns:o="urn:schemas-microsoft-com:office:office" xmlns:v="urn:schemas-microsoft-com:vml" xmlns:pvml="urn:schemas-microsoft-com:office:powerpoint" xmlns:com="http://schemas.openxmlformats.org/drawingml/2006/compatibility" xmlns:p14="http://schemas.microsoft.com/office/powerpoint/2010/main" xmlns:p15="http://schemas.microsoft.com/office/powerpoint/2012/main" xmlns:ahyp="http://schemas.microsoft.com/office/drawing/2018/hyperlinkcolor" showMasterPhAnim="0" showMasterSp="0">
+<p:notes xmlns:a="http://schemas.openxmlformats.org/drawingml/2006/main" xmlns:r="http://schemas.openxmlformats.org/officeDocument/2006/relationships" xmlns:p="http://schemas.openxmlformats.org/presentationml/2006/main" showMasterSp="0" showMasterPhAnim="0">
   <p:cSld>
     <p:spTree>
       <p:nvGrpSpPr>
-        <p:cNvPr id="133" name="Shape 133"/>
+        <p:cNvPr id="1" name="Shape 133"/>
         <p:cNvGrpSpPr/>
         <p:nvPr/>
       </p:nvGrpSpPr>
@@ -1213,9 +1253,11 @@
       <p:sp>
         <p:nvSpPr>
           <p:cNvPr id="134" name="Google Shape;134;g38873b77c7c_0_29:notes"/>
-          <p:cNvSpPr/>
+          <p:cNvSpPr>
+            <a:spLocks noGrp="1" noRot="1" noChangeAspect="1"/>
+          </p:cNvSpPr>
           <p:nvPr>
-            <p:ph idx="2" type="sldImg"/>
+            <p:ph type="sldImg" idx="2"/>
           </p:nvPr>
         </p:nvSpPr>
         <p:spPr>
@@ -1224,9 +1266,13 @@
             <a:ext cx="6096000" cy="3429000"/>
           </a:xfrm>
           <a:custGeom>
-            <a:rect b="b" l="l" r="r" t="t"/>
+            <a:avLst/>
+            <a:gdLst/>
+            <a:ahLst/>
+            <a:cxnLst/>
+            <a:rect l="l" t="t" r="r" b="b"/>
             <a:pathLst>
-              <a:path extrusionOk="0" h="120000" w="120000">
+              <a:path w="120000" h="120000" extrusionOk="0">
                 <a:moveTo>
                   <a:pt x="0" y="0"/>
                 </a:moveTo>
@@ -1248,9 +1294,11 @@
       <p:sp>
         <p:nvSpPr>
           <p:cNvPr id="135" name="Google Shape;135;g38873b77c7c_0_29:notes"/>
-          <p:cNvSpPr txBox="1"/>
+          <p:cNvSpPr txBox="1">
+            <a:spLocks noGrp="1"/>
+          </p:cNvSpPr>
           <p:nvPr>
-            <p:ph idx="1" type="body"/>
+            <p:ph type="body" idx="1"/>
           </p:nvPr>
         </p:nvSpPr>
         <p:spPr>
@@ -1263,23 +1311,20 @@
           </a:prstGeom>
         </p:spPr>
         <p:txBody>
-          <a:bodyPr anchorCtr="0" anchor="t" bIns="91425" lIns="91425" spcFirstLastPara="1" rIns="91425" wrap="square" tIns="91425">
+          <a:bodyPr spcFirstLastPara="1" wrap="square" lIns="91425" tIns="91425" rIns="91425" bIns="91425" anchor="t" anchorCtr="0">
             <a:noAutofit/>
           </a:bodyPr>
           <a:lstStyle/>
           <a:p>
-            <a:pPr indent="0" lvl="0" marL="0" rtl="0" algn="l">
-              <a:spcBef>
-                <a:spcPts val="0"/>
-              </a:spcBef>
-              <a:spcAft>
-                <a:spcPts val="0"/>
-              </a:spcAft>
-              <a:buNone/>
-            </a:pPr>
-            <a:r>
-              <a:t/>
-            </a:r>
+            <a:pPr marL="0" lvl="0" indent="0" algn="l" rtl="0">
+              <a:spcBef>
+                <a:spcPts val="0"/>
+              </a:spcBef>
+              <a:spcAft>
+                <a:spcPts val="0"/>
+              </a:spcAft>
+              <a:buNone/>
+            </a:pPr>
             <a:endParaRPr/>
           </a:p>
         </p:txBody>
@@ -1293,11 +1338,11 @@
 </file>
 
 <file path=ppt/notesSlides/notesSlide15.xml><?xml version="1.0" encoding="utf-8"?>
-<p:notes xmlns:a="http://schemas.openxmlformats.org/drawingml/2006/main" xmlns:r="http://schemas.openxmlformats.org/officeDocument/2006/relationships" xmlns:mc="http://schemas.openxmlformats.org/markup-compatibility/2006" xmlns:mv="urn:schemas-microsoft-com:mac:vml" xmlns:p="http://schemas.openxmlformats.org/presentationml/2006/main" xmlns:c="http://schemas.openxmlformats.org/drawingml/2006/chart" xmlns:dgm="http://schemas.openxmlformats.org/drawingml/2006/diagram" xmlns:o="urn:schemas-microsoft-com:office:office" xmlns:v="urn:schemas-microsoft-com:vml" xmlns:pvml="urn:schemas-microsoft-com:office:powerpoint" xmlns:com="http://schemas.openxmlformats.org/drawingml/2006/compatibility" xmlns:p14="http://schemas.microsoft.com/office/powerpoint/2010/main" xmlns:p15="http://schemas.microsoft.com/office/powerpoint/2012/main" xmlns:ahyp="http://schemas.microsoft.com/office/drawing/2018/hyperlinkcolor" showMasterPhAnim="0" showMasterSp="0">
+<p:notes xmlns:a="http://schemas.openxmlformats.org/drawingml/2006/main" xmlns:r="http://schemas.openxmlformats.org/officeDocument/2006/relationships" xmlns:p="http://schemas.openxmlformats.org/presentationml/2006/main" showMasterSp="0" showMasterPhAnim="0">
   <p:cSld>
     <p:spTree>
       <p:nvGrpSpPr>
-        <p:cNvPr id="139" name="Shape 139"/>
+        <p:cNvPr id="1" name="Shape 139"/>
         <p:cNvGrpSpPr/>
         <p:nvPr/>
       </p:nvGrpSpPr>
@@ -1312,9 +1357,11 @@
       <p:sp>
         <p:nvSpPr>
           <p:cNvPr id="140" name="Google Shape;140;g38873b77c7c_0_36:notes"/>
-          <p:cNvSpPr/>
+          <p:cNvSpPr>
+            <a:spLocks noGrp="1" noRot="1" noChangeAspect="1"/>
+          </p:cNvSpPr>
           <p:nvPr>
-            <p:ph idx="2" type="sldImg"/>
+            <p:ph type="sldImg" idx="2"/>
           </p:nvPr>
         </p:nvSpPr>
         <p:spPr>
@@ -1323,9 +1370,13 @@
             <a:ext cx="6096000" cy="3429000"/>
           </a:xfrm>
           <a:custGeom>
-            <a:rect b="b" l="l" r="r" t="t"/>
+            <a:avLst/>
+            <a:gdLst/>
+            <a:ahLst/>
+            <a:cxnLst/>
+            <a:rect l="l" t="t" r="r" b="b"/>
             <a:pathLst>
-              <a:path extrusionOk="0" h="120000" w="120000">
+              <a:path w="120000" h="120000" extrusionOk="0">
                 <a:moveTo>
                   <a:pt x="0" y="0"/>
                 </a:moveTo>
@@ -1347,9 +1398,11 @@
       <p:sp>
         <p:nvSpPr>
           <p:cNvPr id="141" name="Google Shape;141;g38873b77c7c_0_36:notes"/>
-          <p:cNvSpPr txBox="1"/>
+          <p:cNvSpPr txBox="1">
+            <a:spLocks noGrp="1"/>
+          </p:cNvSpPr>
           <p:nvPr>
-            <p:ph idx="1" type="body"/>
+            <p:ph type="body" idx="1"/>
           </p:nvPr>
         </p:nvSpPr>
         <p:spPr>
@@ -1362,23 +1415,20 @@
           </a:prstGeom>
         </p:spPr>
         <p:txBody>
-          <a:bodyPr anchorCtr="0" anchor="t" bIns="91425" lIns="91425" spcFirstLastPara="1" rIns="91425" wrap="square" tIns="91425">
+          <a:bodyPr spcFirstLastPara="1" wrap="square" lIns="91425" tIns="91425" rIns="91425" bIns="91425" anchor="t" anchorCtr="0">
             <a:noAutofit/>
           </a:bodyPr>
           <a:lstStyle/>
           <a:p>
-            <a:pPr indent="0" lvl="0" marL="0" rtl="0" algn="l">
-              <a:spcBef>
-                <a:spcPts val="0"/>
-              </a:spcBef>
-              <a:spcAft>
-                <a:spcPts val="0"/>
-              </a:spcAft>
-              <a:buNone/>
-            </a:pPr>
-            <a:r>
-              <a:t/>
-            </a:r>
+            <a:pPr marL="0" lvl="0" indent="0" algn="l" rtl="0">
+              <a:spcBef>
+                <a:spcPts val="0"/>
+              </a:spcBef>
+              <a:spcAft>
+                <a:spcPts val="0"/>
+              </a:spcAft>
+              <a:buNone/>
+            </a:pPr>
             <a:endParaRPr/>
           </a:p>
         </p:txBody>
@@ -1392,11 +1442,11 @@
 </file>
 
 <file path=ppt/notesSlides/notesSlide16.xml><?xml version="1.0" encoding="utf-8"?>
-<p:notes xmlns:a="http://schemas.openxmlformats.org/drawingml/2006/main" xmlns:r="http://schemas.openxmlformats.org/officeDocument/2006/relationships" xmlns:mc="http://schemas.openxmlformats.org/markup-compatibility/2006" xmlns:mv="urn:schemas-microsoft-com:mac:vml" xmlns:p="http://schemas.openxmlformats.org/presentationml/2006/main" xmlns:c="http://schemas.openxmlformats.org/drawingml/2006/chart" xmlns:dgm="http://schemas.openxmlformats.org/drawingml/2006/diagram" xmlns:o="urn:schemas-microsoft-com:office:office" xmlns:v="urn:schemas-microsoft-com:vml" xmlns:pvml="urn:schemas-microsoft-com:office:powerpoint" xmlns:com="http://schemas.openxmlformats.org/drawingml/2006/compatibility" xmlns:p14="http://schemas.microsoft.com/office/powerpoint/2010/main" xmlns:p15="http://schemas.microsoft.com/office/powerpoint/2012/main" xmlns:ahyp="http://schemas.microsoft.com/office/drawing/2018/hyperlinkcolor" showMasterPhAnim="0" showMasterSp="0">
+<p:notes xmlns:a="http://schemas.openxmlformats.org/drawingml/2006/main" xmlns:r="http://schemas.openxmlformats.org/officeDocument/2006/relationships" xmlns:p="http://schemas.openxmlformats.org/presentationml/2006/main" showMasterSp="0" showMasterPhAnim="0">
   <p:cSld>
     <p:spTree>
       <p:nvGrpSpPr>
-        <p:cNvPr id="145" name="Shape 145"/>
+        <p:cNvPr id="1" name="Shape 145"/>
         <p:cNvGrpSpPr/>
         <p:nvPr/>
       </p:nvGrpSpPr>
@@ -1411,9 +1461,11 @@
       <p:sp>
         <p:nvSpPr>
           <p:cNvPr id="146" name="Google Shape;146;g38873b77c7c_0_42:notes"/>
-          <p:cNvSpPr/>
+          <p:cNvSpPr>
+            <a:spLocks noGrp="1" noRot="1" noChangeAspect="1"/>
+          </p:cNvSpPr>
           <p:nvPr>
-            <p:ph idx="2" type="sldImg"/>
+            <p:ph type="sldImg" idx="2"/>
           </p:nvPr>
         </p:nvSpPr>
         <p:spPr>
@@ -1422,9 +1474,13 @@
             <a:ext cx="6096000" cy="3429000"/>
           </a:xfrm>
           <a:custGeom>
-            <a:rect b="b" l="l" r="r" t="t"/>
+            <a:avLst/>
+            <a:gdLst/>
+            <a:ahLst/>
+            <a:cxnLst/>
+            <a:rect l="l" t="t" r="r" b="b"/>
             <a:pathLst>
-              <a:path extrusionOk="0" h="120000" w="120000">
+              <a:path w="120000" h="120000" extrusionOk="0">
                 <a:moveTo>
                   <a:pt x="0" y="0"/>
                 </a:moveTo>
@@ -1446,9 +1502,11 @@
       <p:sp>
         <p:nvSpPr>
           <p:cNvPr id="147" name="Google Shape;147;g38873b77c7c_0_42:notes"/>
-          <p:cNvSpPr txBox="1"/>
+          <p:cNvSpPr txBox="1">
+            <a:spLocks noGrp="1"/>
+          </p:cNvSpPr>
           <p:nvPr>
-            <p:ph idx="1" type="body"/>
+            <p:ph type="body" idx="1"/>
           </p:nvPr>
         </p:nvSpPr>
         <p:spPr>
@@ -1461,23 +1519,20 @@
           </a:prstGeom>
         </p:spPr>
         <p:txBody>
-          <a:bodyPr anchorCtr="0" anchor="t" bIns="91425" lIns="91425" spcFirstLastPara="1" rIns="91425" wrap="square" tIns="91425">
+          <a:bodyPr spcFirstLastPara="1" wrap="square" lIns="91425" tIns="91425" rIns="91425" bIns="91425" anchor="t" anchorCtr="0">
             <a:noAutofit/>
           </a:bodyPr>
           <a:lstStyle/>
           <a:p>
-            <a:pPr indent="0" lvl="0" marL="0" rtl="0" algn="l">
-              <a:spcBef>
-                <a:spcPts val="0"/>
-              </a:spcBef>
-              <a:spcAft>
-                <a:spcPts val="0"/>
-              </a:spcAft>
-              <a:buNone/>
-            </a:pPr>
-            <a:r>
-              <a:t/>
-            </a:r>
+            <a:pPr marL="0" lvl="0" indent="0" algn="l" rtl="0">
+              <a:spcBef>
+                <a:spcPts val="0"/>
+              </a:spcBef>
+              <a:spcAft>
+                <a:spcPts val="0"/>
+              </a:spcAft>
+              <a:buNone/>
+            </a:pPr>
             <a:endParaRPr/>
           </a:p>
         </p:txBody>
@@ -1491,11 +1546,11 @@
 </file>
 
 <file path=ppt/notesSlides/notesSlide17.xml><?xml version="1.0" encoding="utf-8"?>
-<p:notes xmlns:a="http://schemas.openxmlformats.org/drawingml/2006/main" xmlns:r="http://schemas.openxmlformats.org/officeDocument/2006/relationships" xmlns:mc="http://schemas.openxmlformats.org/markup-compatibility/2006" xmlns:mv="urn:schemas-microsoft-com:mac:vml" xmlns:p="http://schemas.openxmlformats.org/presentationml/2006/main" xmlns:c="http://schemas.openxmlformats.org/drawingml/2006/chart" xmlns:dgm="http://schemas.openxmlformats.org/drawingml/2006/diagram" xmlns:o="urn:schemas-microsoft-com:office:office" xmlns:v="urn:schemas-microsoft-com:vml" xmlns:pvml="urn:schemas-microsoft-com:office:powerpoint" xmlns:com="http://schemas.openxmlformats.org/drawingml/2006/compatibility" xmlns:p14="http://schemas.microsoft.com/office/powerpoint/2010/main" xmlns:p15="http://schemas.microsoft.com/office/powerpoint/2012/main" xmlns:ahyp="http://schemas.microsoft.com/office/drawing/2018/hyperlinkcolor" showMasterPhAnim="0" showMasterSp="0">
+<p:notes xmlns:a="http://schemas.openxmlformats.org/drawingml/2006/main" xmlns:r="http://schemas.openxmlformats.org/officeDocument/2006/relationships" xmlns:p="http://schemas.openxmlformats.org/presentationml/2006/main" showMasterSp="0" showMasterPhAnim="0">
   <p:cSld>
     <p:spTree>
       <p:nvGrpSpPr>
-        <p:cNvPr id="151" name="Shape 151"/>
+        <p:cNvPr id="1" name="Shape 151"/>
         <p:cNvGrpSpPr/>
         <p:nvPr/>
       </p:nvGrpSpPr>
@@ -1510,20 +1565,26 @@
       <p:sp>
         <p:nvSpPr>
           <p:cNvPr id="152" name="Google Shape;152;g38873b77c7c_0_48:notes"/>
-          <p:cNvSpPr/>
+          <p:cNvSpPr>
+            <a:spLocks noGrp="1" noRot="1" noChangeAspect="1"/>
+          </p:cNvSpPr>
           <p:nvPr>
-            <p:ph idx="2" type="sldImg"/>
+            <p:ph type="sldImg" idx="2"/>
           </p:nvPr>
         </p:nvSpPr>
         <p:spPr>
           <a:xfrm>
-            <a:off x="381300" y="685800"/>
+            <a:off x="381000" y="685800"/>
             <a:ext cx="6096000" cy="3429000"/>
           </a:xfrm>
           <a:custGeom>
-            <a:rect b="b" l="l" r="r" t="t"/>
+            <a:avLst/>
+            <a:gdLst/>
+            <a:ahLst/>
+            <a:cxnLst/>
+            <a:rect l="l" t="t" r="r" b="b"/>
             <a:pathLst>
-              <a:path extrusionOk="0" h="120000" w="120000">
+              <a:path w="120000" h="120000" extrusionOk="0">
                 <a:moveTo>
                   <a:pt x="0" y="0"/>
                 </a:moveTo>
@@ -1545,9 +1606,11 @@
       <p:sp>
         <p:nvSpPr>
           <p:cNvPr id="153" name="Google Shape;153;g38873b77c7c_0_48:notes"/>
-          <p:cNvSpPr txBox="1"/>
+          <p:cNvSpPr txBox="1">
+            <a:spLocks noGrp="1"/>
+          </p:cNvSpPr>
           <p:nvPr>
-            <p:ph idx="1" type="body"/>
+            <p:ph type="body" idx="1"/>
           </p:nvPr>
         </p:nvSpPr>
         <p:spPr>
@@ -1560,23 +1623,20 @@
           </a:prstGeom>
         </p:spPr>
         <p:txBody>
-          <a:bodyPr anchorCtr="0" anchor="t" bIns="91425" lIns="91425" spcFirstLastPara="1" rIns="91425" wrap="square" tIns="91425">
+          <a:bodyPr spcFirstLastPara="1" wrap="square" lIns="91425" tIns="91425" rIns="91425" bIns="91425" anchor="t" anchorCtr="0">
             <a:noAutofit/>
           </a:bodyPr>
           <a:lstStyle/>
           <a:p>
-            <a:pPr indent="0" lvl="0" marL="0" rtl="0" algn="l">
-              <a:spcBef>
-                <a:spcPts val="0"/>
-              </a:spcBef>
-              <a:spcAft>
-                <a:spcPts val="0"/>
-              </a:spcAft>
-              <a:buNone/>
-            </a:pPr>
-            <a:r>
-              <a:t/>
-            </a:r>
+            <a:pPr marL="0" lvl="0" indent="0" algn="l" rtl="0">
+              <a:spcBef>
+                <a:spcPts val="0"/>
+              </a:spcBef>
+              <a:spcAft>
+                <a:spcPts val="0"/>
+              </a:spcAft>
+              <a:buNone/>
+            </a:pPr>
             <a:endParaRPr/>
           </a:p>
         </p:txBody>
@@ -1590,11 +1650,11 @@
 </file>
 
 <file path=ppt/notesSlides/notesSlide18.xml><?xml version="1.0" encoding="utf-8"?>
-<p:notes xmlns:a="http://schemas.openxmlformats.org/drawingml/2006/main" xmlns:r="http://schemas.openxmlformats.org/officeDocument/2006/relationships" xmlns:mc="http://schemas.openxmlformats.org/markup-compatibility/2006" xmlns:mv="urn:schemas-microsoft-com:mac:vml" xmlns:p="http://schemas.openxmlformats.org/presentationml/2006/main" xmlns:c="http://schemas.openxmlformats.org/drawingml/2006/chart" xmlns:dgm="http://schemas.openxmlformats.org/drawingml/2006/diagram" xmlns:o="urn:schemas-microsoft-com:office:office" xmlns:v="urn:schemas-microsoft-com:vml" xmlns:pvml="urn:schemas-microsoft-com:office:powerpoint" xmlns:com="http://schemas.openxmlformats.org/drawingml/2006/compatibility" xmlns:p14="http://schemas.microsoft.com/office/powerpoint/2010/main" xmlns:p15="http://schemas.microsoft.com/office/powerpoint/2012/main" xmlns:ahyp="http://schemas.microsoft.com/office/drawing/2018/hyperlinkcolor" showMasterPhAnim="0" showMasterSp="0">
+<p:notes xmlns:a="http://schemas.openxmlformats.org/drawingml/2006/main" xmlns:r="http://schemas.openxmlformats.org/officeDocument/2006/relationships" xmlns:p="http://schemas.openxmlformats.org/presentationml/2006/main" showMasterSp="0" showMasterPhAnim="0">
   <p:cSld>
     <p:spTree>
       <p:nvGrpSpPr>
-        <p:cNvPr id="157" name="Shape 157"/>
+        <p:cNvPr id="1" name="Shape 157"/>
         <p:cNvGrpSpPr/>
         <p:nvPr/>
       </p:nvGrpSpPr>
@@ -1609,9 +1669,11 @@
       <p:sp>
         <p:nvSpPr>
           <p:cNvPr id="158" name="Google Shape;158;g385949a9bd0_0_85:notes"/>
-          <p:cNvSpPr/>
+          <p:cNvSpPr>
+            <a:spLocks noGrp="1" noRot="1" noChangeAspect="1"/>
+          </p:cNvSpPr>
           <p:nvPr>
-            <p:ph idx="2" type="sldImg"/>
+            <p:ph type="sldImg" idx="2"/>
           </p:nvPr>
         </p:nvSpPr>
         <p:spPr>
@@ -1620,9 +1682,13 @@
             <a:ext cx="6096000" cy="3429000"/>
           </a:xfrm>
           <a:custGeom>
-            <a:rect b="b" l="l" r="r" t="t"/>
+            <a:avLst/>
+            <a:gdLst/>
+            <a:ahLst/>
+            <a:cxnLst/>
+            <a:rect l="l" t="t" r="r" b="b"/>
             <a:pathLst>
-              <a:path extrusionOk="0" h="120000" w="120000">
+              <a:path w="120000" h="120000" extrusionOk="0">
                 <a:moveTo>
                   <a:pt x="0" y="0"/>
                 </a:moveTo>
@@ -1644,9 +1710,11 @@
       <p:sp>
         <p:nvSpPr>
           <p:cNvPr id="159" name="Google Shape;159;g385949a9bd0_0_85:notes"/>
-          <p:cNvSpPr txBox="1"/>
+          <p:cNvSpPr txBox="1">
+            <a:spLocks noGrp="1"/>
+          </p:cNvSpPr>
           <p:nvPr>
-            <p:ph idx="1" type="body"/>
+            <p:ph type="body" idx="1"/>
           </p:nvPr>
         </p:nvSpPr>
         <p:spPr>
@@ -1659,23 +1727,20 @@
           </a:prstGeom>
         </p:spPr>
         <p:txBody>
-          <a:bodyPr anchorCtr="0" anchor="t" bIns="91425" lIns="91425" spcFirstLastPara="1" rIns="91425" wrap="square" tIns="91425">
+          <a:bodyPr spcFirstLastPara="1" wrap="square" lIns="91425" tIns="91425" rIns="91425" bIns="91425" anchor="t" anchorCtr="0">
             <a:noAutofit/>
           </a:bodyPr>
           <a:lstStyle/>
           <a:p>
-            <a:pPr indent="0" lvl="0" marL="0" rtl="0" algn="l">
-              <a:spcBef>
-                <a:spcPts val="0"/>
-              </a:spcBef>
-              <a:spcAft>
-                <a:spcPts val="0"/>
-              </a:spcAft>
-              <a:buNone/>
-            </a:pPr>
-            <a:r>
-              <a:t/>
-            </a:r>
+            <a:pPr marL="0" lvl="0" indent="0" algn="l" rtl="0">
+              <a:spcBef>
+                <a:spcPts val="0"/>
+              </a:spcBef>
+              <a:spcAft>
+                <a:spcPts val="0"/>
+              </a:spcAft>
+              <a:buNone/>
+            </a:pPr>
             <a:endParaRPr/>
           </a:p>
         </p:txBody>
@@ -1689,11 +1754,11 @@
 </file>
 
 <file path=ppt/notesSlides/notesSlide19.xml><?xml version="1.0" encoding="utf-8"?>
-<p:notes xmlns:a="http://schemas.openxmlformats.org/drawingml/2006/main" xmlns:r="http://schemas.openxmlformats.org/officeDocument/2006/relationships" xmlns:mc="http://schemas.openxmlformats.org/markup-compatibility/2006" xmlns:mv="urn:schemas-microsoft-com:mac:vml" xmlns:p="http://schemas.openxmlformats.org/presentationml/2006/main" xmlns:c="http://schemas.openxmlformats.org/drawingml/2006/chart" xmlns:dgm="http://schemas.openxmlformats.org/drawingml/2006/diagram" xmlns:o="urn:schemas-microsoft-com:office:office" xmlns:v="urn:schemas-microsoft-com:vml" xmlns:pvml="urn:schemas-microsoft-com:office:powerpoint" xmlns:com="http://schemas.openxmlformats.org/drawingml/2006/compatibility" xmlns:p14="http://schemas.microsoft.com/office/powerpoint/2010/main" xmlns:p15="http://schemas.microsoft.com/office/powerpoint/2012/main" xmlns:ahyp="http://schemas.microsoft.com/office/drawing/2018/hyperlinkcolor" showMasterPhAnim="0" showMasterSp="0">
+<p:notes xmlns:a="http://schemas.openxmlformats.org/drawingml/2006/main" xmlns:r="http://schemas.openxmlformats.org/officeDocument/2006/relationships" xmlns:p="http://schemas.openxmlformats.org/presentationml/2006/main" showMasterSp="0" showMasterPhAnim="0">
   <p:cSld>
     <p:spTree>
       <p:nvGrpSpPr>
-        <p:cNvPr id="163" name="Shape 163"/>
+        <p:cNvPr id="1" name="Shape 163"/>
         <p:cNvGrpSpPr/>
         <p:nvPr/>
       </p:nvGrpSpPr>
@@ -1708,9 +1773,11 @@
       <p:sp>
         <p:nvSpPr>
           <p:cNvPr id="164" name="Google Shape;164;g385949a9bd0_0_91:notes"/>
-          <p:cNvSpPr/>
+          <p:cNvSpPr>
+            <a:spLocks noGrp="1" noRot="1" noChangeAspect="1"/>
+          </p:cNvSpPr>
           <p:nvPr>
-            <p:ph idx="2" type="sldImg"/>
+            <p:ph type="sldImg" idx="2"/>
           </p:nvPr>
         </p:nvSpPr>
         <p:spPr>
@@ -1719,9 +1786,13 @@
             <a:ext cx="6096000" cy="3429000"/>
           </a:xfrm>
           <a:custGeom>
-            <a:rect b="b" l="l" r="r" t="t"/>
+            <a:avLst/>
+            <a:gdLst/>
+            <a:ahLst/>
+            <a:cxnLst/>
+            <a:rect l="l" t="t" r="r" b="b"/>
             <a:pathLst>
-              <a:path extrusionOk="0" h="120000" w="120000">
+              <a:path w="120000" h="120000" extrusionOk="0">
                 <a:moveTo>
                   <a:pt x="0" y="0"/>
                 </a:moveTo>
@@ -1743,9 +1814,11 @@
       <p:sp>
         <p:nvSpPr>
           <p:cNvPr id="165" name="Google Shape;165;g385949a9bd0_0_91:notes"/>
-          <p:cNvSpPr txBox="1"/>
+          <p:cNvSpPr txBox="1">
+            <a:spLocks noGrp="1"/>
+          </p:cNvSpPr>
           <p:nvPr>
-            <p:ph idx="1" type="body"/>
+            <p:ph type="body" idx="1"/>
           </p:nvPr>
         </p:nvSpPr>
         <p:spPr>
@@ -1758,23 +1831,20 @@
           </a:prstGeom>
         </p:spPr>
         <p:txBody>
-          <a:bodyPr anchorCtr="0" anchor="t" bIns="91425" lIns="91425" spcFirstLastPara="1" rIns="91425" wrap="square" tIns="91425">
+          <a:bodyPr spcFirstLastPara="1" wrap="square" lIns="91425" tIns="91425" rIns="91425" bIns="91425" anchor="t" anchorCtr="0">
             <a:noAutofit/>
           </a:bodyPr>
           <a:lstStyle/>
           <a:p>
-            <a:pPr indent="0" lvl="0" marL="0" rtl="0" algn="l">
-              <a:spcBef>
-                <a:spcPts val="0"/>
-              </a:spcBef>
-              <a:spcAft>
-                <a:spcPts val="0"/>
-              </a:spcAft>
-              <a:buNone/>
-            </a:pPr>
-            <a:r>
-              <a:t/>
-            </a:r>
+            <a:pPr marL="0" lvl="0" indent="0" algn="l" rtl="0">
+              <a:spcBef>
+                <a:spcPts val="0"/>
+              </a:spcBef>
+              <a:spcAft>
+                <a:spcPts val="0"/>
+              </a:spcAft>
+              <a:buNone/>
+            </a:pPr>
             <a:endParaRPr/>
           </a:p>
         </p:txBody>
@@ -1788,11 +1858,11 @@
 </file>
 
 <file path=ppt/notesSlides/notesSlide2.xml><?xml version="1.0" encoding="utf-8"?>
-<p:notes xmlns:a="http://schemas.openxmlformats.org/drawingml/2006/main" xmlns:r="http://schemas.openxmlformats.org/officeDocument/2006/relationships" xmlns:mc="http://schemas.openxmlformats.org/markup-compatibility/2006" xmlns:mv="urn:schemas-microsoft-com:mac:vml" xmlns:p="http://schemas.openxmlformats.org/presentationml/2006/main" xmlns:c="http://schemas.openxmlformats.org/drawingml/2006/chart" xmlns:dgm="http://schemas.openxmlformats.org/drawingml/2006/diagram" xmlns:o="urn:schemas-microsoft-com:office:office" xmlns:v="urn:schemas-microsoft-com:vml" xmlns:pvml="urn:schemas-microsoft-com:office:powerpoint" xmlns:com="http://schemas.openxmlformats.org/drawingml/2006/compatibility" xmlns:p14="http://schemas.microsoft.com/office/powerpoint/2010/main" xmlns:p15="http://schemas.microsoft.com/office/powerpoint/2012/main" xmlns:ahyp="http://schemas.microsoft.com/office/drawing/2018/hyperlinkcolor" showMasterPhAnim="0" showMasterSp="0">
+<p:notes xmlns:a="http://schemas.openxmlformats.org/drawingml/2006/main" xmlns:r="http://schemas.openxmlformats.org/officeDocument/2006/relationships" xmlns:p="http://schemas.openxmlformats.org/presentationml/2006/main" showMasterSp="0" showMasterPhAnim="0">
   <p:cSld>
     <p:spTree>
       <p:nvGrpSpPr>
-        <p:cNvPr id="57" name="Shape 57"/>
+        <p:cNvPr id="1" name="Shape 57"/>
         <p:cNvGrpSpPr/>
         <p:nvPr/>
       </p:nvGrpSpPr>
@@ -1807,9 +1877,11 @@
       <p:sp>
         <p:nvSpPr>
           <p:cNvPr id="58" name="Google Shape;58;g385949a9bd0_0_3:notes"/>
-          <p:cNvSpPr/>
+          <p:cNvSpPr>
+            <a:spLocks noGrp="1" noRot="1" noChangeAspect="1"/>
+          </p:cNvSpPr>
           <p:nvPr>
-            <p:ph idx="2" type="sldImg"/>
+            <p:ph type="sldImg" idx="2"/>
           </p:nvPr>
         </p:nvSpPr>
         <p:spPr>
@@ -1818,9 +1890,13 @@
             <a:ext cx="6096000" cy="3429000"/>
           </a:xfrm>
           <a:custGeom>
-            <a:rect b="b" l="l" r="r" t="t"/>
+            <a:avLst/>
+            <a:gdLst/>
+            <a:ahLst/>
+            <a:cxnLst/>
+            <a:rect l="l" t="t" r="r" b="b"/>
             <a:pathLst>
-              <a:path extrusionOk="0" h="120000" w="120000">
+              <a:path w="120000" h="120000" extrusionOk="0">
                 <a:moveTo>
                   <a:pt x="0" y="0"/>
                 </a:moveTo>
@@ -1842,9 +1918,11 @@
       <p:sp>
         <p:nvSpPr>
           <p:cNvPr id="59" name="Google Shape;59;g385949a9bd0_0_3:notes"/>
-          <p:cNvSpPr txBox="1"/>
+          <p:cNvSpPr txBox="1">
+            <a:spLocks noGrp="1"/>
+          </p:cNvSpPr>
           <p:nvPr>
-            <p:ph idx="1" type="body"/>
+            <p:ph type="body" idx="1"/>
           </p:nvPr>
         </p:nvSpPr>
         <p:spPr>
@@ -1857,23 +1935,20 @@
           </a:prstGeom>
         </p:spPr>
         <p:txBody>
-          <a:bodyPr anchorCtr="0" anchor="t" bIns="91425" lIns="91425" spcFirstLastPara="1" rIns="91425" wrap="square" tIns="91425">
+          <a:bodyPr spcFirstLastPara="1" wrap="square" lIns="91425" tIns="91425" rIns="91425" bIns="91425" anchor="t" anchorCtr="0">
             <a:noAutofit/>
           </a:bodyPr>
           <a:lstStyle/>
           <a:p>
-            <a:pPr indent="0" lvl="0" marL="0" rtl="0" algn="l">
-              <a:spcBef>
-                <a:spcPts val="0"/>
-              </a:spcBef>
-              <a:spcAft>
-                <a:spcPts val="0"/>
-              </a:spcAft>
-              <a:buNone/>
-            </a:pPr>
-            <a:r>
-              <a:t/>
-            </a:r>
+            <a:pPr marL="0" lvl="0" indent="0" algn="l" rtl="0">
+              <a:spcBef>
+                <a:spcPts val="0"/>
+              </a:spcBef>
+              <a:spcAft>
+                <a:spcPts val="0"/>
+              </a:spcAft>
+              <a:buNone/>
+            </a:pPr>
             <a:endParaRPr/>
           </a:p>
         </p:txBody>
@@ -1887,11 +1962,11 @@
 </file>
 
 <file path=ppt/notesSlides/notesSlide20.xml><?xml version="1.0" encoding="utf-8"?>
-<p:notes xmlns:a="http://schemas.openxmlformats.org/drawingml/2006/main" xmlns:r="http://schemas.openxmlformats.org/officeDocument/2006/relationships" xmlns:mc="http://schemas.openxmlformats.org/markup-compatibility/2006" xmlns:mv="urn:schemas-microsoft-com:mac:vml" xmlns:p="http://schemas.openxmlformats.org/presentationml/2006/main" xmlns:c="http://schemas.openxmlformats.org/drawingml/2006/chart" xmlns:dgm="http://schemas.openxmlformats.org/drawingml/2006/diagram" xmlns:o="urn:schemas-microsoft-com:office:office" xmlns:v="urn:schemas-microsoft-com:vml" xmlns:pvml="urn:schemas-microsoft-com:office:powerpoint" xmlns:com="http://schemas.openxmlformats.org/drawingml/2006/compatibility" xmlns:p14="http://schemas.microsoft.com/office/powerpoint/2010/main" xmlns:p15="http://schemas.microsoft.com/office/powerpoint/2012/main" xmlns:ahyp="http://schemas.microsoft.com/office/drawing/2018/hyperlinkcolor" showMasterPhAnim="0" showMasterSp="0">
+<p:notes xmlns:a="http://schemas.openxmlformats.org/drawingml/2006/main" xmlns:r="http://schemas.openxmlformats.org/officeDocument/2006/relationships" xmlns:p="http://schemas.openxmlformats.org/presentationml/2006/main" showMasterSp="0" showMasterPhAnim="0">
   <p:cSld>
     <p:spTree>
       <p:nvGrpSpPr>
-        <p:cNvPr id="170" name="Shape 170"/>
+        <p:cNvPr id="1" name="Shape 170"/>
         <p:cNvGrpSpPr/>
         <p:nvPr/>
       </p:nvGrpSpPr>
@@ -1906,9 +1981,11 @@
       <p:sp>
         <p:nvSpPr>
           <p:cNvPr id="171" name="Google Shape;171;g385949a9bd0_0_98:notes"/>
-          <p:cNvSpPr/>
+          <p:cNvSpPr>
+            <a:spLocks noGrp="1" noRot="1" noChangeAspect="1"/>
+          </p:cNvSpPr>
           <p:nvPr>
-            <p:ph idx="2" type="sldImg"/>
+            <p:ph type="sldImg" idx="2"/>
           </p:nvPr>
         </p:nvSpPr>
         <p:spPr>
@@ -1917,9 +1994,13 @@
             <a:ext cx="6096000" cy="3429000"/>
           </a:xfrm>
           <a:custGeom>
-            <a:rect b="b" l="l" r="r" t="t"/>
+            <a:avLst/>
+            <a:gdLst/>
+            <a:ahLst/>
+            <a:cxnLst/>
+            <a:rect l="l" t="t" r="r" b="b"/>
             <a:pathLst>
-              <a:path extrusionOk="0" h="120000" w="120000">
+              <a:path w="120000" h="120000" extrusionOk="0">
                 <a:moveTo>
                   <a:pt x="0" y="0"/>
                 </a:moveTo>
@@ -1941,9 +2022,11 @@
       <p:sp>
         <p:nvSpPr>
           <p:cNvPr id="172" name="Google Shape;172;g385949a9bd0_0_98:notes"/>
-          <p:cNvSpPr txBox="1"/>
+          <p:cNvSpPr txBox="1">
+            <a:spLocks noGrp="1"/>
+          </p:cNvSpPr>
           <p:nvPr>
-            <p:ph idx="1" type="body"/>
+            <p:ph type="body" idx="1"/>
           </p:nvPr>
         </p:nvSpPr>
         <p:spPr>
@@ -1956,23 +2039,20 @@
           </a:prstGeom>
         </p:spPr>
         <p:txBody>
-          <a:bodyPr anchorCtr="0" anchor="t" bIns="91425" lIns="91425" spcFirstLastPara="1" rIns="91425" wrap="square" tIns="91425">
+          <a:bodyPr spcFirstLastPara="1" wrap="square" lIns="91425" tIns="91425" rIns="91425" bIns="91425" anchor="t" anchorCtr="0">
             <a:noAutofit/>
           </a:bodyPr>
           <a:lstStyle/>
           <a:p>
-            <a:pPr indent="0" lvl="0" marL="0" rtl="0" algn="l">
-              <a:spcBef>
-                <a:spcPts val="0"/>
-              </a:spcBef>
-              <a:spcAft>
-                <a:spcPts val="0"/>
-              </a:spcAft>
-              <a:buNone/>
-            </a:pPr>
-            <a:r>
-              <a:t/>
-            </a:r>
+            <a:pPr marL="0" lvl="0" indent="0" algn="l" rtl="0">
+              <a:spcBef>
+                <a:spcPts val="0"/>
+              </a:spcBef>
+              <a:spcAft>
+                <a:spcPts val="0"/>
+              </a:spcAft>
+              <a:buNone/>
+            </a:pPr>
             <a:endParaRPr/>
           </a:p>
         </p:txBody>
@@ -1986,11 +2066,11 @@
 </file>
 
 <file path=ppt/notesSlides/notesSlide3.xml><?xml version="1.0" encoding="utf-8"?>
-<p:notes xmlns:a="http://schemas.openxmlformats.org/drawingml/2006/main" xmlns:r="http://schemas.openxmlformats.org/officeDocument/2006/relationships" xmlns:mc="http://schemas.openxmlformats.org/markup-compatibility/2006" xmlns:mv="urn:schemas-microsoft-com:mac:vml" xmlns:p="http://schemas.openxmlformats.org/presentationml/2006/main" xmlns:c="http://schemas.openxmlformats.org/drawingml/2006/chart" xmlns:dgm="http://schemas.openxmlformats.org/drawingml/2006/diagram" xmlns:o="urn:schemas-microsoft-com:office:office" xmlns:v="urn:schemas-microsoft-com:vml" xmlns:pvml="urn:schemas-microsoft-com:office:powerpoint" xmlns:com="http://schemas.openxmlformats.org/drawingml/2006/compatibility" xmlns:p14="http://schemas.microsoft.com/office/powerpoint/2010/main" xmlns:p15="http://schemas.microsoft.com/office/powerpoint/2012/main" xmlns:ahyp="http://schemas.microsoft.com/office/drawing/2018/hyperlinkcolor" showMasterPhAnim="0" showMasterSp="0">
+<p:notes xmlns:a="http://schemas.openxmlformats.org/drawingml/2006/main" xmlns:r="http://schemas.openxmlformats.org/officeDocument/2006/relationships" xmlns:p="http://schemas.openxmlformats.org/presentationml/2006/main" showMasterSp="0" showMasterPhAnim="0">
   <p:cSld>
     <p:spTree>
       <p:nvGrpSpPr>
-        <p:cNvPr id="63" name="Shape 63"/>
+        <p:cNvPr id="1" name="Shape 63"/>
         <p:cNvGrpSpPr/>
         <p:nvPr/>
       </p:nvGrpSpPr>
@@ -2005,9 +2085,11 @@
       <p:sp>
         <p:nvSpPr>
           <p:cNvPr id="64" name="Google Shape;64;g385949a9bd0_0_13:notes"/>
-          <p:cNvSpPr/>
+          <p:cNvSpPr>
+            <a:spLocks noGrp="1" noRot="1" noChangeAspect="1"/>
+          </p:cNvSpPr>
           <p:nvPr>
-            <p:ph idx="2" type="sldImg"/>
+            <p:ph type="sldImg" idx="2"/>
           </p:nvPr>
         </p:nvSpPr>
         <p:spPr>
@@ -2016,9 +2098,13 @@
             <a:ext cx="6096000" cy="3429000"/>
           </a:xfrm>
           <a:custGeom>
-            <a:rect b="b" l="l" r="r" t="t"/>
+            <a:avLst/>
+            <a:gdLst/>
+            <a:ahLst/>
+            <a:cxnLst/>
+            <a:rect l="l" t="t" r="r" b="b"/>
             <a:pathLst>
-              <a:path extrusionOk="0" h="120000" w="120000">
+              <a:path w="120000" h="120000" extrusionOk="0">
                 <a:moveTo>
                   <a:pt x="0" y="0"/>
                 </a:moveTo>
@@ -2040,9 +2126,11 @@
       <p:sp>
         <p:nvSpPr>
           <p:cNvPr id="65" name="Google Shape;65;g385949a9bd0_0_13:notes"/>
-          <p:cNvSpPr txBox="1"/>
+          <p:cNvSpPr txBox="1">
+            <a:spLocks noGrp="1"/>
+          </p:cNvSpPr>
           <p:nvPr>
-            <p:ph idx="1" type="body"/>
+            <p:ph type="body" idx="1"/>
           </p:nvPr>
         </p:nvSpPr>
         <p:spPr>
@@ -2055,23 +2143,20 @@
           </a:prstGeom>
         </p:spPr>
         <p:txBody>
-          <a:bodyPr anchorCtr="0" anchor="t" bIns="91425" lIns="91425" spcFirstLastPara="1" rIns="91425" wrap="square" tIns="91425">
+          <a:bodyPr spcFirstLastPara="1" wrap="square" lIns="91425" tIns="91425" rIns="91425" bIns="91425" anchor="t" anchorCtr="0">
             <a:noAutofit/>
           </a:bodyPr>
           <a:lstStyle/>
           <a:p>
-            <a:pPr indent="0" lvl="0" marL="0" rtl="0" algn="l">
-              <a:spcBef>
-                <a:spcPts val="0"/>
-              </a:spcBef>
-              <a:spcAft>
-                <a:spcPts val="0"/>
-              </a:spcAft>
-              <a:buNone/>
-            </a:pPr>
-            <a:r>
-              <a:t/>
-            </a:r>
+            <a:pPr marL="0" lvl="0" indent="0" algn="l" rtl="0">
+              <a:spcBef>
+                <a:spcPts val="0"/>
+              </a:spcBef>
+              <a:spcAft>
+                <a:spcPts val="0"/>
+              </a:spcAft>
+              <a:buNone/>
+            </a:pPr>
             <a:endParaRPr/>
           </a:p>
         </p:txBody>
@@ -2085,11 +2170,11 @@
 </file>
 
 <file path=ppt/notesSlides/notesSlide4.xml><?xml version="1.0" encoding="utf-8"?>
-<p:notes xmlns:a="http://schemas.openxmlformats.org/drawingml/2006/main" xmlns:r="http://schemas.openxmlformats.org/officeDocument/2006/relationships" xmlns:mc="http://schemas.openxmlformats.org/markup-compatibility/2006" xmlns:mv="urn:schemas-microsoft-com:mac:vml" xmlns:p="http://schemas.openxmlformats.org/presentationml/2006/main" xmlns:c="http://schemas.openxmlformats.org/drawingml/2006/chart" xmlns:dgm="http://schemas.openxmlformats.org/drawingml/2006/diagram" xmlns:o="urn:schemas-microsoft-com:office:office" xmlns:v="urn:schemas-microsoft-com:vml" xmlns:pvml="urn:schemas-microsoft-com:office:powerpoint" xmlns:com="http://schemas.openxmlformats.org/drawingml/2006/compatibility" xmlns:p14="http://schemas.microsoft.com/office/powerpoint/2010/main" xmlns:p15="http://schemas.microsoft.com/office/powerpoint/2012/main" xmlns:ahyp="http://schemas.microsoft.com/office/drawing/2018/hyperlinkcolor" showMasterPhAnim="0" showMasterSp="0">
+<p:notes xmlns:a="http://schemas.openxmlformats.org/drawingml/2006/main" xmlns:r="http://schemas.openxmlformats.org/officeDocument/2006/relationships" xmlns:p="http://schemas.openxmlformats.org/presentationml/2006/main" showMasterSp="0" showMasterPhAnim="0">
   <p:cSld>
     <p:spTree>
       <p:nvGrpSpPr>
-        <p:cNvPr id="69" name="Shape 69"/>
+        <p:cNvPr id="1" name="Shape 69"/>
         <p:cNvGrpSpPr/>
         <p:nvPr/>
       </p:nvGrpSpPr>
@@ -2104,9 +2189,11 @@
       <p:sp>
         <p:nvSpPr>
           <p:cNvPr id="70" name="Google Shape;70;g385949a9bd0_0_24:notes"/>
-          <p:cNvSpPr/>
+          <p:cNvSpPr>
+            <a:spLocks noGrp="1" noRot="1" noChangeAspect="1"/>
+          </p:cNvSpPr>
           <p:nvPr>
-            <p:ph idx="2" type="sldImg"/>
+            <p:ph type="sldImg" idx="2"/>
           </p:nvPr>
         </p:nvSpPr>
         <p:spPr>
@@ -2115,9 +2202,13 @@
             <a:ext cx="6096000" cy="3429000"/>
           </a:xfrm>
           <a:custGeom>
-            <a:rect b="b" l="l" r="r" t="t"/>
+            <a:avLst/>
+            <a:gdLst/>
+            <a:ahLst/>
+            <a:cxnLst/>
+            <a:rect l="l" t="t" r="r" b="b"/>
             <a:pathLst>
-              <a:path extrusionOk="0" h="120000" w="120000">
+              <a:path w="120000" h="120000" extrusionOk="0">
                 <a:moveTo>
                   <a:pt x="0" y="0"/>
                 </a:moveTo>
@@ -2139,9 +2230,11 @@
       <p:sp>
         <p:nvSpPr>
           <p:cNvPr id="71" name="Google Shape;71;g385949a9bd0_0_24:notes"/>
-          <p:cNvSpPr txBox="1"/>
+          <p:cNvSpPr txBox="1">
+            <a:spLocks noGrp="1"/>
+          </p:cNvSpPr>
           <p:nvPr>
-            <p:ph idx="1" type="body"/>
+            <p:ph type="body" idx="1"/>
           </p:nvPr>
         </p:nvSpPr>
         <p:spPr>
@@ -2154,23 +2247,20 @@
           </a:prstGeom>
         </p:spPr>
         <p:txBody>
-          <a:bodyPr anchorCtr="0" anchor="t" bIns="91425" lIns="91425" spcFirstLastPara="1" rIns="91425" wrap="square" tIns="91425">
+          <a:bodyPr spcFirstLastPara="1" wrap="square" lIns="91425" tIns="91425" rIns="91425" bIns="91425" anchor="t" anchorCtr="0">
             <a:noAutofit/>
           </a:bodyPr>
           <a:lstStyle/>
           <a:p>
-            <a:pPr indent="0" lvl="0" marL="0" rtl="0" algn="l">
-              <a:spcBef>
-                <a:spcPts val="0"/>
-              </a:spcBef>
-              <a:spcAft>
-                <a:spcPts val="0"/>
-              </a:spcAft>
-              <a:buNone/>
-            </a:pPr>
-            <a:r>
-              <a:t/>
-            </a:r>
+            <a:pPr marL="0" lvl="0" indent="0" algn="l" rtl="0">
+              <a:spcBef>
+                <a:spcPts val="0"/>
+              </a:spcBef>
+              <a:spcAft>
+                <a:spcPts val="0"/>
+              </a:spcAft>
+              <a:buNone/>
+            </a:pPr>
             <a:endParaRPr/>
           </a:p>
         </p:txBody>
@@ -2184,11 +2274,11 @@
 </file>
 
 <file path=ppt/notesSlides/notesSlide5.xml><?xml version="1.0" encoding="utf-8"?>
-<p:notes xmlns:a="http://schemas.openxmlformats.org/drawingml/2006/main" xmlns:r="http://schemas.openxmlformats.org/officeDocument/2006/relationships" xmlns:mc="http://schemas.openxmlformats.org/markup-compatibility/2006" xmlns:mv="urn:schemas-microsoft-com:mac:vml" xmlns:p="http://schemas.openxmlformats.org/presentationml/2006/main" xmlns:c="http://schemas.openxmlformats.org/drawingml/2006/chart" xmlns:dgm="http://schemas.openxmlformats.org/drawingml/2006/diagram" xmlns:o="urn:schemas-microsoft-com:office:office" xmlns:v="urn:schemas-microsoft-com:vml" xmlns:pvml="urn:schemas-microsoft-com:office:powerpoint" xmlns:com="http://schemas.openxmlformats.org/drawingml/2006/compatibility" xmlns:p14="http://schemas.microsoft.com/office/powerpoint/2010/main" xmlns:p15="http://schemas.microsoft.com/office/powerpoint/2012/main" xmlns:ahyp="http://schemas.microsoft.com/office/drawing/2018/hyperlinkcolor" showMasterPhAnim="0" showMasterSp="0">
+<p:notes xmlns:a="http://schemas.openxmlformats.org/drawingml/2006/main" xmlns:r="http://schemas.openxmlformats.org/officeDocument/2006/relationships" xmlns:p="http://schemas.openxmlformats.org/presentationml/2006/main" showMasterSp="0" showMasterPhAnim="0">
   <p:cSld>
     <p:spTree>
       <p:nvGrpSpPr>
-        <p:cNvPr id="75" name="Shape 75"/>
+        <p:cNvPr id="1" name="Shape 75"/>
         <p:cNvGrpSpPr/>
         <p:nvPr/>
       </p:nvGrpSpPr>
@@ -2203,9 +2293,11 @@
       <p:sp>
         <p:nvSpPr>
           <p:cNvPr id="76" name="Google Shape;76;g385949a9bd0_0_31:notes"/>
-          <p:cNvSpPr/>
+          <p:cNvSpPr>
+            <a:spLocks noGrp="1" noRot="1" noChangeAspect="1"/>
+          </p:cNvSpPr>
           <p:nvPr>
-            <p:ph idx="2" type="sldImg"/>
+            <p:ph type="sldImg" idx="2"/>
           </p:nvPr>
         </p:nvSpPr>
         <p:spPr>
@@ -2214,9 +2306,13 @@
             <a:ext cx="6096000" cy="3429000"/>
           </a:xfrm>
           <a:custGeom>
-            <a:rect b="b" l="l" r="r" t="t"/>
+            <a:avLst/>
+            <a:gdLst/>
+            <a:ahLst/>
+            <a:cxnLst/>
+            <a:rect l="l" t="t" r="r" b="b"/>
             <a:pathLst>
-              <a:path extrusionOk="0" h="120000" w="120000">
+              <a:path w="120000" h="120000" extrusionOk="0">
                 <a:moveTo>
                   <a:pt x="0" y="0"/>
                 </a:moveTo>
@@ -2238,9 +2334,11 @@
       <p:sp>
         <p:nvSpPr>
           <p:cNvPr id="77" name="Google Shape;77;g385949a9bd0_0_31:notes"/>
-          <p:cNvSpPr txBox="1"/>
+          <p:cNvSpPr txBox="1">
+            <a:spLocks noGrp="1"/>
+          </p:cNvSpPr>
           <p:nvPr>
-            <p:ph idx="1" type="body"/>
+            <p:ph type="body" idx="1"/>
           </p:nvPr>
         </p:nvSpPr>
         <p:spPr>
@@ -2253,23 +2351,20 @@
           </a:prstGeom>
         </p:spPr>
         <p:txBody>
-          <a:bodyPr anchorCtr="0" anchor="t" bIns="91425" lIns="91425" spcFirstLastPara="1" rIns="91425" wrap="square" tIns="91425">
+          <a:bodyPr spcFirstLastPara="1" wrap="square" lIns="91425" tIns="91425" rIns="91425" bIns="91425" anchor="t" anchorCtr="0">
             <a:noAutofit/>
           </a:bodyPr>
           <a:lstStyle/>
           <a:p>
-            <a:pPr indent="0" lvl="0" marL="0" rtl="0" algn="l">
-              <a:spcBef>
-                <a:spcPts val="0"/>
-              </a:spcBef>
-              <a:spcAft>
-                <a:spcPts val="0"/>
-              </a:spcAft>
-              <a:buNone/>
-            </a:pPr>
-            <a:r>
-              <a:t/>
-            </a:r>
+            <a:pPr marL="0" lvl="0" indent="0" algn="l" rtl="0">
+              <a:spcBef>
+                <a:spcPts val="0"/>
+              </a:spcBef>
+              <a:spcAft>
+                <a:spcPts val="0"/>
+              </a:spcAft>
+              <a:buNone/>
+            </a:pPr>
             <a:endParaRPr/>
           </a:p>
         </p:txBody>
@@ -2283,11 +2378,11 @@
 </file>
 
 <file path=ppt/notesSlides/notesSlide6.xml><?xml version="1.0" encoding="utf-8"?>
-<p:notes xmlns:a="http://schemas.openxmlformats.org/drawingml/2006/main" xmlns:r="http://schemas.openxmlformats.org/officeDocument/2006/relationships" xmlns:mc="http://schemas.openxmlformats.org/markup-compatibility/2006" xmlns:mv="urn:schemas-microsoft-com:mac:vml" xmlns:p="http://schemas.openxmlformats.org/presentationml/2006/main" xmlns:c="http://schemas.openxmlformats.org/drawingml/2006/chart" xmlns:dgm="http://schemas.openxmlformats.org/drawingml/2006/diagram" xmlns:o="urn:schemas-microsoft-com:office:office" xmlns:v="urn:schemas-microsoft-com:vml" xmlns:pvml="urn:schemas-microsoft-com:office:powerpoint" xmlns:com="http://schemas.openxmlformats.org/drawingml/2006/compatibility" xmlns:p14="http://schemas.microsoft.com/office/powerpoint/2010/main" xmlns:p15="http://schemas.microsoft.com/office/powerpoint/2012/main" xmlns:ahyp="http://schemas.microsoft.com/office/drawing/2018/hyperlinkcolor" showMasterPhAnim="0" showMasterSp="0">
+<p:notes xmlns:a="http://schemas.openxmlformats.org/drawingml/2006/main" xmlns:r="http://schemas.openxmlformats.org/officeDocument/2006/relationships" xmlns:p="http://schemas.openxmlformats.org/presentationml/2006/main" showMasterSp="0" showMasterPhAnim="0">
   <p:cSld>
     <p:spTree>
       <p:nvGrpSpPr>
-        <p:cNvPr id="81" name="Shape 81"/>
+        <p:cNvPr id="1" name="Shape 81"/>
         <p:cNvGrpSpPr/>
         <p:nvPr/>
       </p:nvGrpSpPr>
@@ -2302,9 +2397,11 @@
       <p:sp>
         <p:nvSpPr>
           <p:cNvPr id="82" name="Google Shape;82;g385949a9bd0_0_36:notes"/>
-          <p:cNvSpPr/>
+          <p:cNvSpPr>
+            <a:spLocks noGrp="1" noRot="1" noChangeAspect="1"/>
+          </p:cNvSpPr>
           <p:nvPr>
-            <p:ph idx="2" type="sldImg"/>
+            <p:ph type="sldImg" idx="2"/>
           </p:nvPr>
         </p:nvSpPr>
         <p:spPr>
@@ -2313,9 +2410,13 @@
             <a:ext cx="6096000" cy="3429000"/>
           </a:xfrm>
           <a:custGeom>
-            <a:rect b="b" l="l" r="r" t="t"/>
+            <a:avLst/>
+            <a:gdLst/>
+            <a:ahLst/>
+            <a:cxnLst/>
+            <a:rect l="l" t="t" r="r" b="b"/>
             <a:pathLst>
-              <a:path extrusionOk="0" h="120000" w="120000">
+              <a:path w="120000" h="120000" extrusionOk="0">
                 <a:moveTo>
                   <a:pt x="0" y="0"/>
                 </a:moveTo>
@@ -2337,9 +2438,11 @@
       <p:sp>
         <p:nvSpPr>
           <p:cNvPr id="83" name="Google Shape;83;g385949a9bd0_0_36:notes"/>
-          <p:cNvSpPr txBox="1"/>
+          <p:cNvSpPr txBox="1">
+            <a:spLocks noGrp="1"/>
+          </p:cNvSpPr>
           <p:nvPr>
-            <p:ph idx="1" type="body"/>
+            <p:ph type="body" idx="1"/>
           </p:nvPr>
         </p:nvSpPr>
         <p:spPr>
@@ -2352,23 +2455,20 @@
           </a:prstGeom>
         </p:spPr>
         <p:txBody>
-          <a:bodyPr anchorCtr="0" anchor="t" bIns="91425" lIns="91425" spcFirstLastPara="1" rIns="91425" wrap="square" tIns="91425">
+          <a:bodyPr spcFirstLastPara="1" wrap="square" lIns="91425" tIns="91425" rIns="91425" bIns="91425" anchor="t" anchorCtr="0">
             <a:noAutofit/>
           </a:bodyPr>
           <a:lstStyle/>
           <a:p>
-            <a:pPr indent="0" lvl="0" marL="0" rtl="0" algn="l">
-              <a:spcBef>
-                <a:spcPts val="0"/>
-              </a:spcBef>
-              <a:spcAft>
-                <a:spcPts val="0"/>
-              </a:spcAft>
-              <a:buNone/>
-            </a:pPr>
-            <a:r>
-              <a:t/>
-            </a:r>
+            <a:pPr marL="0" lvl="0" indent="0" algn="l" rtl="0">
+              <a:spcBef>
+                <a:spcPts val="0"/>
+              </a:spcBef>
+              <a:spcAft>
+                <a:spcPts val="0"/>
+              </a:spcAft>
+              <a:buNone/>
+            </a:pPr>
             <a:endParaRPr/>
           </a:p>
         </p:txBody>
@@ -2382,11 +2482,11 @@
 </file>
 
 <file path=ppt/notesSlides/notesSlide7.xml><?xml version="1.0" encoding="utf-8"?>
-<p:notes xmlns:a="http://schemas.openxmlformats.org/drawingml/2006/main" xmlns:r="http://schemas.openxmlformats.org/officeDocument/2006/relationships" xmlns:mc="http://schemas.openxmlformats.org/markup-compatibility/2006" xmlns:mv="urn:schemas-microsoft-com:mac:vml" xmlns:p="http://schemas.openxmlformats.org/presentationml/2006/main" xmlns:c="http://schemas.openxmlformats.org/drawingml/2006/chart" xmlns:dgm="http://schemas.openxmlformats.org/drawingml/2006/diagram" xmlns:o="urn:schemas-microsoft-com:office:office" xmlns:v="urn:schemas-microsoft-com:vml" xmlns:pvml="urn:schemas-microsoft-com:office:powerpoint" xmlns:com="http://schemas.openxmlformats.org/drawingml/2006/compatibility" xmlns:p14="http://schemas.microsoft.com/office/powerpoint/2010/main" xmlns:p15="http://schemas.microsoft.com/office/powerpoint/2012/main" xmlns:ahyp="http://schemas.microsoft.com/office/drawing/2018/hyperlinkcolor" showMasterPhAnim="0" showMasterSp="0">
+<p:notes xmlns:a="http://schemas.openxmlformats.org/drawingml/2006/main" xmlns:r="http://schemas.openxmlformats.org/officeDocument/2006/relationships" xmlns:p="http://schemas.openxmlformats.org/presentationml/2006/main" showMasterSp="0" showMasterPhAnim="0">
   <p:cSld>
     <p:spTree>
       <p:nvGrpSpPr>
-        <p:cNvPr id="87" name="Shape 87"/>
+        <p:cNvPr id="1" name="Shape 87"/>
         <p:cNvGrpSpPr/>
         <p:nvPr/>
       </p:nvGrpSpPr>
@@ -2401,9 +2501,11 @@
       <p:sp>
         <p:nvSpPr>
           <p:cNvPr id="88" name="Google Shape;88;g385978c505c_0_11:notes"/>
-          <p:cNvSpPr/>
+          <p:cNvSpPr>
+            <a:spLocks noGrp="1" noRot="1" noChangeAspect="1"/>
+          </p:cNvSpPr>
           <p:nvPr>
-            <p:ph idx="2" type="sldImg"/>
+            <p:ph type="sldImg" idx="2"/>
           </p:nvPr>
         </p:nvSpPr>
         <p:spPr>
@@ -2412,9 +2514,13 @@
             <a:ext cx="6096000" cy="3429000"/>
           </a:xfrm>
           <a:custGeom>
-            <a:rect b="b" l="l" r="r" t="t"/>
+            <a:avLst/>
+            <a:gdLst/>
+            <a:ahLst/>
+            <a:cxnLst/>
+            <a:rect l="l" t="t" r="r" b="b"/>
             <a:pathLst>
-              <a:path extrusionOk="0" h="120000" w="120000">
+              <a:path w="120000" h="120000" extrusionOk="0">
                 <a:moveTo>
                   <a:pt x="0" y="0"/>
                 </a:moveTo>
@@ -2436,9 +2542,11 @@
       <p:sp>
         <p:nvSpPr>
           <p:cNvPr id="89" name="Google Shape;89;g385978c505c_0_11:notes"/>
-          <p:cNvSpPr txBox="1"/>
+          <p:cNvSpPr txBox="1">
+            <a:spLocks noGrp="1"/>
+          </p:cNvSpPr>
           <p:nvPr>
-            <p:ph idx="1" type="body"/>
+            <p:ph type="body" idx="1"/>
           </p:nvPr>
         </p:nvSpPr>
         <p:spPr>
@@ -2451,23 +2559,20 @@
           </a:prstGeom>
         </p:spPr>
         <p:txBody>
-          <a:bodyPr anchorCtr="0" anchor="t" bIns="91425" lIns="91425" spcFirstLastPara="1" rIns="91425" wrap="square" tIns="91425">
+          <a:bodyPr spcFirstLastPara="1" wrap="square" lIns="91425" tIns="91425" rIns="91425" bIns="91425" anchor="t" anchorCtr="0">
             <a:noAutofit/>
           </a:bodyPr>
           <a:lstStyle/>
           <a:p>
-            <a:pPr indent="0" lvl="0" marL="0" rtl="0" algn="l">
-              <a:spcBef>
-                <a:spcPts val="0"/>
-              </a:spcBef>
-              <a:spcAft>
-                <a:spcPts val="0"/>
-              </a:spcAft>
-              <a:buNone/>
-            </a:pPr>
-            <a:r>
-              <a:t/>
-            </a:r>
+            <a:pPr marL="0" lvl="0" indent="0" algn="l" rtl="0">
+              <a:spcBef>
+                <a:spcPts val="0"/>
+              </a:spcBef>
+              <a:spcAft>
+                <a:spcPts val="0"/>
+              </a:spcAft>
+              <a:buNone/>
+            </a:pPr>
             <a:endParaRPr/>
           </a:p>
         </p:txBody>
@@ -2481,11 +2586,11 @@
 </file>
 
 <file path=ppt/notesSlides/notesSlide8.xml><?xml version="1.0" encoding="utf-8"?>
-<p:notes xmlns:a="http://schemas.openxmlformats.org/drawingml/2006/main" xmlns:r="http://schemas.openxmlformats.org/officeDocument/2006/relationships" xmlns:mc="http://schemas.openxmlformats.org/markup-compatibility/2006" xmlns:mv="urn:schemas-microsoft-com:mac:vml" xmlns:p="http://schemas.openxmlformats.org/presentationml/2006/main" xmlns:c="http://schemas.openxmlformats.org/drawingml/2006/chart" xmlns:dgm="http://schemas.openxmlformats.org/drawingml/2006/diagram" xmlns:o="urn:schemas-microsoft-com:office:office" xmlns:v="urn:schemas-microsoft-com:vml" xmlns:pvml="urn:schemas-microsoft-com:office:powerpoint" xmlns:com="http://schemas.openxmlformats.org/drawingml/2006/compatibility" xmlns:p14="http://schemas.microsoft.com/office/powerpoint/2010/main" xmlns:p15="http://schemas.microsoft.com/office/powerpoint/2012/main" xmlns:ahyp="http://schemas.microsoft.com/office/drawing/2018/hyperlinkcolor" showMasterPhAnim="0" showMasterSp="0">
+<p:notes xmlns:a="http://schemas.openxmlformats.org/drawingml/2006/main" xmlns:r="http://schemas.openxmlformats.org/officeDocument/2006/relationships" xmlns:p="http://schemas.openxmlformats.org/presentationml/2006/main" showMasterSp="0" showMasterPhAnim="0">
   <p:cSld>
     <p:spTree>
       <p:nvGrpSpPr>
-        <p:cNvPr id="93" name="Shape 93"/>
+        <p:cNvPr id="1" name="Shape 93"/>
         <p:cNvGrpSpPr/>
         <p:nvPr/>
       </p:nvGrpSpPr>
@@ -2500,9 +2605,11 @@
       <p:sp>
         <p:nvSpPr>
           <p:cNvPr id="94" name="Google Shape;94;g385949a9bd0_0_41:notes"/>
-          <p:cNvSpPr/>
+          <p:cNvSpPr>
+            <a:spLocks noGrp="1" noRot="1" noChangeAspect="1"/>
+          </p:cNvSpPr>
           <p:nvPr>
-            <p:ph idx="2" type="sldImg"/>
+            <p:ph type="sldImg" idx="2"/>
           </p:nvPr>
         </p:nvSpPr>
         <p:spPr>
@@ -2511,9 +2618,13 @@
             <a:ext cx="6096000" cy="3429000"/>
           </a:xfrm>
           <a:custGeom>
-            <a:rect b="b" l="l" r="r" t="t"/>
+            <a:avLst/>
+            <a:gdLst/>
+            <a:ahLst/>
+            <a:cxnLst/>
+            <a:rect l="l" t="t" r="r" b="b"/>
             <a:pathLst>
-              <a:path extrusionOk="0" h="120000" w="120000">
+              <a:path w="120000" h="120000" extrusionOk="0">
                 <a:moveTo>
                   <a:pt x="0" y="0"/>
                 </a:moveTo>
@@ -2535,9 +2646,11 @@
       <p:sp>
         <p:nvSpPr>
           <p:cNvPr id="95" name="Google Shape;95;g385949a9bd0_0_41:notes"/>
-          <p:cNvSpPr txBox="1"/>
+          <p:cNvSpPr txBox="1">
+            <a:spLocks noGrp="1"/>
+          </p:cNvSpPr>
           <p:nvPr>
-            <p:ph idx="1" type="body"/>
+            <p:ph type="body" idx="1"/>
           </p:nvPr>
         </p:nvSpPr>
         <p:spPr>
@@ -2550,23 +2663,20 @@
           </a:prstGeom>
         </p:spPr>
         <p:txBody>
-          <a:bodyPr anchorCtr="0" anchor="t" bIns="91425" lIns="91425" spcFirstLastPara="1" rIns="91425" wrap="square" tIns="91425">
+          <a:bodyPr spcFirstLastPara="1" wrap="square" lIns="91425" tIns="91425" rIns="91425" bIns="91425" anchor="t" anchorCtr="0">
             <a:noAutofit/>
           </a:bodyPr>
           <a:lstStyle/>
           <a:p>
-            <a:pPr indent="0" lvl="0" marL="0" rtl="0" algn="l">
-              <a:spcBef>
-                <a:spcPts val="0"/>
-              </a:spcBef>
-              <a:spcAft>
-                <a:spcPts val="0"/>
-              </a:spcAft>
-              <a:buNone/>
-            </a:pPr>
-            <a:r>
-              <a:t/>
-            </a:r>
+            <a:pPr marL="0" lvl="0" indent="0" algn="l" rtl="0">
+              <a:spcBef>
+                <a:spcPts val="0"/>
+              </a:spcBef>
+              <a:spcAft>
+                <a:spcPts val="0"/>
+              </a:spcAft>
+              <a:buNone/>
+            </a:pPr>
             <a:endParaRPr/>
           </a:p>
         </p:txBody>
@@ -2580,11 +2690,11 @@
 </file>
 
 <file path=ppt/notesSlides/notesSlide9.xml><?xml version="1.0" encoding="utf-8"?>
-<p:notes xmlns:a="http://schemas.openxmlformats.org/drawingml/2006/main" xmlns:r="http://schemas.openxmlformats.org/officeDocument/2006/relationships" xmlns:mc="http://schemas.openxmlformats.org/markup-compatibility/2006" xmlns:mv="urn:schemas-microsoft-com:mac:vml" xmlns:p="http://schemas.openxmlformats.org/presentationml/2006/main" xmlns:c="http://schemas.openxmlformats.org/drawingml/2006/chart" xmlns:dgm="http://schemas.openxmlformats.org/drawingml/2006/diagram" xmlns:o="urn:schemas-microsoft-com:office:office" xmlns:v="urn:schemas-microsoft-com:vml" xmlns:pvml="urn:schemas-microsoft-com:office:powerpoint" xmlns:com="http://schemas.openxmlformats.org/drawingml/2006/compatibility" xmlns:p14="http://schemas.microsoft.com/office/powerpoint/2010/main" xmlns:p15="http://schemas.microsoft.com/office/powerpoint/2012/main" xmlns:ahyp="http://schemas.microsoft.com/office/drawing/2018/hyperlinkcolor" showMasterPhAnim="0" showMasterSp="0">
+<p:notes xmlns:a="http://schemas.openxmlformats.org/drawingml/2006/main" xmlns:r="http://schemas.openxmlformats.org/officeDocument/2006/relationships" xmlns:p="http://schemas.openxmlformats.org/presentationml/2006/main" showMasterSp="0" showMasterPhAnim="0">
   <p:cSld>
     <p:spTree>
       <p:nvGrpSpPr>
-        <p:cNvPr id="100" name="Shape 100"/>
+        <p:cNvPr id="1" name="Shape 100"/>
         <p:cNvGrpSpPr/>
         <p:nvPr/>
       </p:nvGrpSpPr>
@@ -2599,9 +2709,11 @@
       <p:sp>
         <p:nvSpPr>
           <p:cNvPr id="101" name="Google Shape;101;g385949a9bd0_0_51:notes"/>
-          <p:cNvSpPr/>
+          <p:cNvSpPr>
+            <a:spLocks noGrp="1" noRot="1" noChangeAspect="1"/>
+          </p:cNvSpPr>
           <p:nvPr>
-            <p:ph idx="2" type="sldImg"/>
+            <p:ph type="sldImg" idx="2"/>
           </p:nvPr>
         </p:nvSpPr>
         <p:spPr>
@@ -2610,9 +2722,13 @@
             <a:ext cx="6096000" cy="3429000"/>
           </a:xfrm>
           <a:custGeom>
-            <a:rect b="b" l="l" r="r" t="t"/>
+            <a:avLst/>
+            <a:gdLst/>
+            <a:ahLst/>
+            <a:cxnLst/>
+            <a:rect l="l" t="t" r="r" b="b"/>
             <a:pathLst>
-              <a:path extrusionOk="0" h="120000" w="120000">
+              <a:path w="120000" h="120000" extrusionOk="0">
                 <a:moveTo>
                   <a:pt x="0" y="0"/>
                 </a:moveTo>
@@ -2634,9 +2750,11 @@
       <p:sp>
         <p:nvSpPr>
           <p:cNvPr id="102" name="Google Shape;102;g385949a9bd0_0_51:notes"/>
-          <p:cNvSpPr txBox="1"/>
+          <p:cNvSpPr txBox="1">
+            <a:spLocks noGrp="1"/>
+          </p:cNvSpPr>
           <p:nvPr>
-            <p:ph idx="1" type="body"/>
+            <p:ph type="body" idx="1"/>
           </p:nvPr>
         </p:nvSpPr>
         <p:spPr>
@@ -2649,23 +2767,20 @@
           </a:prstGeom>
         </p:spPr>
         <p:txBody>
-          <a:bodyPr anchorCtr="0" anchor="t" bIns="91425" lIns="91425" spcFirstLastPara="1" rIns="91425" wrap="square" tIns="91425">
+          <a:bodyPr spcFirstLastPara="1" wrap="square" lIns="91425" tIns="91425" rIns="91425" bIns="91425" anchor="t" anchorCtr="0">
             <a:noAutofit/>
           </a:bodyPr>
           <a:lstStyle/>
           <a:p>
-            <a:pPr indent="0" lvl="0" marL="0" rtl="0" algn="l">
-              <a:spcBef>
-                <a:spcPts val="0"/>
-              </a:spcBef>
-              <a:spcAft>
-                <a:spcPts val="0"/>
-              </a:spcAft>
-              <a:buNone/>
-            </a:pPr>
-            <a:r>
-              <a:t/>
-            </a:r>
+            <a:pPr marL="0" lvl="0" indent="0" algn="l" rtl="0">
+              <a:spcBef>
+                <a:spcPts val="0"/>
+              </a:spcBef>
+              <a:spcAft>
+                <a:spcPts val="0"/>
+              </a:spcAft>
+              <a:buNone/>
+            </a:pPr>
             <a:endParaRPr/>
           </a:p>
         </p:txBody>
@@ -2679,11 +2794,11 @@
 </file>
 
 <file path=ppt/slideLayouts/slideLayout1.xml><?xml version="1.0" encoding="utf-8"?>
-<p:sldLayout xmlns:a="http://schemas.openxmlformats.org/drawingml/2006/main" xmlns:r="http://schemas.openxmlformats.org/officeDocument/2006/relationships" xmlns:mc="http://schemas.openxmlformats.org/markup-compatibility/2006" xmlns:mv="urn:schemas-microsoft-com:mac:vml" xmlns:p="http://schemas.openxmlformats.org/presentationml/2006/main" xmlns:c="http://schemas.openxmlformats.org/drawingml/2006/chart" xmlns:dgm="http://schemas.openxmlformats.org/drawingml/2006/diagram" xmlns:o="urn:schemas-microsoft-com:office:office" xmlns:v="urn:schemas-microsoft-com:vml" xmlns:pvml="urn:schemas-microsoft-com:office:powerpoint" xmlns:com="http://schemas.openxmlformats.org/drawingml/2006/compatibility" xmlns:p14="http://schemas.microsoft.com/office/powerpoint/2010/main" xmlns:p15="http://schemas.microsoft.com/office/powerpoint/2012/main" xmlns:ahyp="http://schemas.microsoft.com/office/drawing/2018/hyperlinkcolor" matchingName="Title slide" type="title">
+<p:sldLayout xmlns:a="http://schemas.openxmlformats.org/drawingml/2006/main" xmlns:r="http://schemas.openxmlformats.org/officeDocument/2006/relationships" xmlns:p="http://schemas.openxmlformats.org/presentationml/2006/main" matchingName="Title slide" type="title">
   <p:cSld name="TITLE">
     <p:spTree>
       <p:nvGrpSpPr>
-        <p:cNvPr id="9" name="Shape 9"/>
+        <p:cNvPr id="1" name="Shape 9"/>
         <p:cNvGrpSpPr/>
         <p:nvPr/>
       </p:nvGrpSpPr>
@@ -2698,7 +2813,9 @@
       <p:sp>
         <p:nvSpPr>
           <p:cNvPr id="10" name="Google Shape;10;p2"/>
-          <p:cNvSpPr txBox="1"/>
+          <p:cNvSpPr txBox="1">
+            <a:spLocks noGrp="1"/>
+          </p:cNvSpPr>
           <p:nvPr>
             <p:ph type="ctrTitle"/>
           </p:nvPr>
@@ -2713,7 +2830,7 @@
           </a:prstGeom>
         </p:spPr>
         <p:txBody>
-          <a:bodyPr anchorCtr="0" anchor="b" bIns="91425" lIns="91425" spcFirstLastPara="1" rIns="91425" wrap="square" tIns="91425">
+          <a:bodyPr spcFirstLastPara="1" wrap="square" lIns="91425" tIns="91425" rIns="91425" bIns="91425" anchor="b" anchorCtr="0">
             <a:normAutofit/>
           </a:bodyPr>
           <a:lstStyle>
@@ -2817,15 +2934,19 @@
               <a:defRPr sz="5200"/>
             </a:lvl9pPr>
           </a:lstStyle>
-          <a:p/>
+          <a:p>
+            <a:endParaRPr/>
+          </a:p>
         </p:txBody>
       </p:sp>
       <p:sp>
         <p:nvSpPr>
           <p:cNvPr id="11" name="Google Shape;11;p2"/>
-          <p:cNvSpPr txBox="1"/>
+          <p:cNvSpPr txBox="1">
+            <a:spLocks noGrp="1"/>
+          </p:cNvSpPr>
           <p:nvPr>
-            <p:ph idx="1" type="subTitle"/>
+            <p:ph type="subTitle" idx="1"/>
           </p:nvPr>
         </p:nvSpPr>
         <p:spPr>
@@ -2838,7 +2959,7 @@
           </a:prstGeom>
         </p:spPr>
         <p:txBody>
-          <a:bodyPr anchorCtr="0" anchor="t" bIns="91425" lIns="91425" spcFirstLastPara="1" rIns="91425" wrap="square" tIns="91425">
+          <a:bodyPr spcFirstLastPara="1" wrap="square" lIns="91425" tIns="91425" rIns="91425" bIns="91425" anchor="t" anchorCtr="0">
             <a:normAutofit/>
           </a:bodyPr>
           <a:lstStyle>
@@ -2969,15 +3090,19 @@
               <a:defRPr sz="2800"/>
             </a:lvl9pPr>
           </a:lstStyle>
-          <a:p/>
+          <a:p>
+            <a:endParaRPr/>
+          </a:p>
         </p:txBody>
       </p:sp>
       <p:sp>
         <p:nvSpPr>
           <p:cNvPr id="12" name="Google Shape;12;p2"/>
-          <p:cNvSpPr txBox="1"/>
+          <p:cNvSpPr txBox="1">
+            <a:spLocks noGrp="1"/>
+          </p:cNvSpPr>
           <p:nvPr>
-            <p:ph idx="12" type="sldNum"/>
+            <p:ph type="sldNum" idx="12"/>
           </p:nvPr>
         </p:nvSpPr>
         <p:spPr>
@@ -2990,7 +3115,7 @@
           </a:prstGeom>
         </p:spPr>
         <p:txBody>
-          <a:bodyPr anchorCtr="0" anchor="ctr" bIns="91425" lIns="91425" spcFirstLastPara="1" rIns="91425" wrap="square" tIns="91425">
+          <a:bodyPr spcFirstLastPara="1" wrap="square" lIns="91425" tIns="91425" rIns="91425" bIns="91425" anchor="ctr" anchorCtr="0">
             <a:normAutofit/>
           </a:bodyPr>
           <a:lstStyle>
@@ -3032,7 +3157,7 @@
             </a:lvl9pPr>
           </a:lstStyle>
           <a:p>
-            <a:pPr indent="0" lvl="0" marL="0" rtl="0" algn="r">
+            <a:pPr marL="0" lvl="0" indent="0" algn="r" rtl="0">
               <a:spcBef>
                 <a:spcPts val="0"/>
               </a:spcBef>
@@ -3043,7 +3168,7 @@
             </a:pPr>
             <a:fld id="{00000000-1234-1234-1234-123412341234}" type="slidenum">
               <a:rPr lang="es"/>
-              <a:t>‹#›</a:t>
+              <a:t>‹Nº›</a:t>
             </a:fld>
             <a:endParaRPr/>
           </a:p>
@@ -3058,11 +3183,11 @@
 </file>
 
 <file path=ppt/slideLayouts/slideLayout10.xml><?xml version="1.0" encoding="utf-8"?>
-<p:sldLayout xmlns:a="http://schemas.openxmlformats.org/drawingml/2006/main" xmlns:r="http://schemas.openxmlformats.org/officeDocument/2006/relationships" xmlns:mc="http://schemas.openxmlformats.org/markup-compatibility/2006" xmlns:mv="urn:schemas-microsoft-com:mac:vml" xmlns:p="http://schemas.openxmlformats.org/presentationml/2006/main" xmlns:c="http://schemas.openxmlformats.org/drawingml/2006/chart" xmlns:dgm="http://schemas.openxmlformats.org/drawingml/2006/diagram" xmlns:o="urn:schemas-microsoft-com:office:office" xmlns:v="urn:schemas-microsoft-com:vml" xmlns:pvml="urn:schemas-microsoft-com:office:powerpoint" xmlns:com="http://schemas.openxmlformats.org/drawingml/2006/compatibility" xmlns:p14="http://schemas.microsoft.com/office/powerpoint/2010/main" xmlns:p15="http://schemas.microsoft.com/office/powerpoint/2012/main" xmlns:ahyp="http://schemas.microsoft.com/office/drawing/2018/hyperlinkcolor" matchingName="Big number">
+<p:sldLayout xmlns:a="http://schemas.openxmlformats.org/drawingml/2006/main" xmlns:r="http://schemas.openxmlformats.org/officeDocument/2006/relationships" xmlns:p="http://schemas.openxmlformats.org/presentationml/2006/main" matchingName="Big number">
   <p:cSld name="BIG_NUMBER">
     <p:spTree>
       <p:nvGrpSpPr>
-        <p:cNvPr id="44" name="Shape 44"/>
+        <p:cNvPr id="1" name="Shape 44"/>
         <p:cNvGrpSpPr/>
         <p:nvPr/>
       </p:nvGrpSpPr>
@@ -3077,9 +3202,11 @@
       <p:sp>
         <p:nvSpPr>
           <p:cNvPr id="45" name="Google Shape;45;p11"/>
-          <p:cNvSpPr txBox="1"/>
+          <p:cNvSpPr txBox="1">
+            <a:spLocks noGrp="1"/>
+          </p:cNvSpPr>
           <p:nvPr>
-            <p:ph hasCustomPrompt="1" type="title"/>
+            <p:ph type="title" hasCustomPrompt="1"/>
           </p:nvPr>
         </p:nvSpPr>
         <p:spPr>
@@ -3092,7 +3219,7 @@
           </a:prstGeom>
         </p:spPr>
         <p:txBody>
-          <a:bodyPr anchorCtr="0" anchor="b" bIns="91425" lIns="91425" spcFirstLastPara="1" rIns="91425" wrap="square" tIns="91425">
+          <a:bodyPr spcFirstLastPara="1" wrap="square" lIns="91425" tIns="91425" rIns="91425" bIns="91425" anchor="b" anchorCtr="0">
             <a:normAutofit/>
           </a:bodyPr>
           <a:lstStyle>
@@ -3206,9 +3333,11 @@
       <p:sp>
         <p:nvSpPr>
           <p:cNvPr id="46" name="Google Shape;46;p11"/>
-          <p:cNvSpPr txBox="1"/>
+          <p:cNvSpPr txBox="1">
+            <a:spLocks noGrp="1"/>
+          </p:cNvSpPr>
           <p:nvPr>
-            <p:ph idx="1" type="body"/>
+            <p:ph type="body" idx="1"/>
           </p:nvPr>
         </p:nvSpPr>
         <p:spPr>
@@ -3221,11 +3350,11 @@
           </a:prstGeom>
         </p:spPr>
         <p:txBody>
-          <a:bodyPr anchorCtr="0" anchor="t" bIns="91425" lIns="91425" spcFirstLastPara="1" rIns="91425" wrap="square" tIns="91425">
+          <a:bodyPr spcFirstLastPara="1" wrap="square" lIns="91425" tIns="91425" rIns="91425" bIns="91425" anchor="t" anchorCtr="0">
             <a:normAutofit/>
           </a:bodyPr>
           <a:lstStyle>
-            <a:lvl1pPr indent="-342900" lvl="0" marL="457200" algn="ctr">
+            <a:lvl1pPr marL="457200" lvl="0" indent="-342900" algn="ctr">
               <a:spcBef>
                 <a:spcPts val="0"/>
               </a:spcBef>
@@ -3236,7 +3365,7 @@
               <a:buChar char="●"/>
               <a:defRPr/>
             </a:lvl1pPr>
-            <a:lvl2pPr indent="-317500" lvl="1" marL="914400" algn="ctr">
+            <a:lvl2pPr marL="914400" lvl="1" indent="-317500" algn="ctr">
               <a:spcBef>
                 <a:spcPts val="0"/>
               </a:spcBef>
@@ -3247,7 +3376,7 @@
               <a:buChar char="○"/>
               <a:defRPr/>
             </a:lvl2pPr>
-            <a:lvl3pPr indent="-317500" lvl="2" marL="1371600" algn="ctr">
+            <a:lvl3pPr marL="1371600" lvl="2" indent="-317500" algn="ctr">
               <a:spcBef>
                 <a:spcPts val="0"/>
               </a:spcBef>
@@ -3258,7 +3387,7 @@
               <a:buChar char="■"/>
               <a:defRPr/>
             </a:lvl3pPr>
-            <a:lvl4pPr indent="-317500" lvl="3" marL="1828800" algn="ctr">
+            <a:lvl4pPr marL="1828800" lvl="3" indent="-317500" algn="ctr">
               <a:spcBef>
                 <a:spcPts val="0"/>
               </a:spcBef>
@@ -3269,7 +3398,7 @@
               <a:buChar char="●"/>
               <a:defRPr/>
             </a:lvl4pPr>
-            <a:lvl5pPr indent="-317500" lvl="4" marL="2286000" algn="ctr">
+            <a:lvl5pPr marL="2286000" lvl="4" indent="-317500" algn="ctr">
               <a:spcBef>
                 <a:spcPts val="0"/>
               </a:spcBef>
@@ -3280,7 +3409,7 @@
               <a:buChar char="○"/>
               <a:defRPr/>
             </a:lvl5pPr>
-            <a:lvl6pPr indent="-317500" lvl="5" marL="2743200" algn="ctr">
+            <a:lvl6pPr marL="2743200" lvl="5" indent="-317500" algn="ctr">
               <a:spcBef>
                 <a:spcPts val="0"/>
               </a:spcBef>
@@ -3291,7 +3420,7 @@
               <a:buChar char="■"/>
               <a:defRPr/>
             </a:lvl6pPr>
-            <a:lvl7pPr indent="-317500" lvl="6" marL="3200400" algn="ctr">
+            <a:lvl7pPr marL="3200400" lvl="6" indent="-317500" algn="ctr">
               <a:spcBef>
                 <a:spcPts val="0"/>
               </a:spcBef>
@@ -3302,7 +3431,7 @@
               <a:buChar char="●"/>
               <a:defRPr/>
             </a:lvl7pPr>
-            <a:lvl8pPr indent="-317500" lvl="7" marL="3657600" algn="ctr">
+            <a:lvl8pPr marL="3657600" lvl="7" indent="-317500" algn="ctr">
               <a:spcBef>
                 <a:spcPts val="0"/>
               </a:spcBef>
@@ -3313,7 +3442,7 @@
               <a:buChar char="○"/>
               <a:defRPr/>
             </a:lvl8pPr>
-            <a:lvl9pPr indent="-317500" lvl="8" marL="4114800" algn="ctr">
+            <a:lvl9pPr marL="4114800" lvl="8" indent="-317500" algn="ctr">
               <a:spcBef>
                 <a:spcPts val="0"/>
               </a:spcBef>
@@ -3325,15 +3454,19 @@
               <a:defRPr/>
             </a:lvl9pPr>
           </a:lstStyle>
-          <a:p/>
+          <a:p>
+            <a:endParaRPr/>
+          </a:p>
         </p:txBody>
       </p:sp>
       <p:sp>
         <p:nvSpPr>
           <p:cNvPr id="47" name="Google Shape;47;p11"/>
-          <p:cNvSpPr txBox="1"/>
+          <p:cNvSpPr txBox="1">
+            <a:spLocks noGrp="1"/>
+          </p:cNvSpPr>
           <p:nvPr>
-            <p:ph idx="12" type="sldNum"/>
+            <p:ph type="sldNum" idx="12"/>
           </p:nvPr>
         </p:nvSpPr>
         <p:spPr>
@@ -3346,7 +3479,7 @@
           </a:prstGeom>
         </p:spPr>
         <p:txBody>
-          <a:bodyPr anchorCtr="0" anchor="ctr" bIns="91425" lIns="91425" spcFirstLastPara="1" rIns="91425" wrap="square" tIns="91425">
+          <a:bodyPr spcFirstLastPara="1" wrap="square" lIns="91425" tIns="91425" rIns="91425" bIns="91425" anchor="ctr" anchorCtr="0">
             <a:normAutofit/>
           </a:bodyPr>
           <a:lstStyle>
@@ -3388,7 +3521,7 @@
             </a:lvl9pPr>
           </a:lstStyle>
           <a:p>
-            <a:pPr indent="0" lvl="0" marL="0" rtl="0" algn="r">
+            <a:pPr marL="0" lvl="0" indent="0" algn="r" rtl="0">
               <a:spcBef>
                 <a:spcPts val="0"/>
               </a:spcBef>
@@ -3399,7 +3532,7 @@
             </a:pPr>
             <a:fld id="{00000000-1234-1234-1234-123412341234}" type="slidenum">
               <a:rPr lang="es"/>
-              <a:t>‹#›</a:t>
+              <a:t>‹Nº›</a:t>
             </a:fld>
             <a:endParaRPr/>
           </a:p>
@@ -3414,11 +3547,11 @@
 </file>
 
 <file path=ppt/slideLayouts/slideLayout11.xml><?xml version="1.0" encoding="utf-8"?>
-<p:sldLayout xmlns:a="http://schemas.openxmlformats.org/drawingml/2006/main" xmlns:r="http://schemas.openxmlformats.org/officeDocument/2006/relationships" xmlns:mc="http://schemas.openxmlformats.org/markup-compatibility/2006" xmlns:mv="urn:schemas-microsoft-com:mac:vml" xmlns:p="http://schemas.openxmlformats.org/presentationml/2006/main" xmlns:c="http://schemas.openxmlformats.org/drawingml/2006/chart" xmlns:dgm="http://schemas.openxmlformats.org/drawingml/2006/diagram" xmlns:o="urn:schemas-microsoft-com:office:office" xmlns:v="urn:schemas-microsoft-com:vml" xmlns:pvml="urn:schemas-microsoft-com:office:powerpoint" xmlns:com="http://schemas.openxmlformats.org/drawingml/2006/compatibility" xmlns:p14="http://schemas.microsoft.com/office/powerpoint/2010/main" xmlns:p15="http://schemas.microsoft.com/office/powerpoint/2012/main" xmlns:ahyp="http://schemas.microsoft.com/office/drawing/2018/hyperlinkcolor" matchingName="Blank" type="blank">
+<p:sldLayout xmlns:a="http://schemas.openxmlformats.org/drawingml/2006/main" xmlns:r="http://schemas.openxmlformats.org/officeDocument/2006/relationships" xmlns:p="http://schemas.openxmlformats.org/presentationml/2006/main" matchingName="Blank" type="blank">
   <p:cSld name="BLANK">
     <p:spTree>
       <p:nvGrpSpPr>
-        <p:cNvPr id="48" name="Shape 48"/>
+        <p:cNvPr id="1" name="Shape 48"/>
         <p:cNvGrpSpPr/>
         <p:nvPr/>
       </p:nvGrpSpPr>
@@ -3433,9 +3566,11 @@
       <p:sp>
         <p:nvSpPr>
           <p:cNvPr id="49" name="Google Shape;49;p12"/>
-          <p:cNvSpPr txBox="1"/>
+          <p:cNvSpPr txBox="1">
+            <a:spLocks noGrp="1"/>
+          </p:cNvSpPr>
           <p:nvPr>
-            <p:ph idx="12" type="sldNum"/>
+            <p:ph type="sldNum" idx="12"/>
           </p:nvPr>
         </p:nvSpPr>
         <p:spPr>
@@ -3448,7 +3583,7 @@
           </a:prstGeom>
         </p:spPr>
         <p:txBody>
-          <a:bodyPr anchorCtr="0" anchor="ctr" bIns="91425" lIns="91425" spcFirstLastPara="1" rIns="91425" wrap="square" tIns="91425">
+          <a:bodyPr spcFirstLastPara="1" wrap="square" lIns="91425" tIns="91425" rIns="91425" bIns="91425" anchor="ctr" anchorCtr="0">
             <a:normAutofit/>
           </a:bodyPr>
           <a:lstStyle>
@@ -3490,7 +3625,7 @@
             </a:lvl9pPr>
           </a:lstStyle>
           <a:p>
-            <a:pPr indent="0" lvl="0" marL="0" rtl="0" algn="r">
+            <a:pPr marL="0" lvl="0" indent="0" algn="r" rtl="0">
               <a:spcBef>
                 <a:spcPts val="0"/>
               </a:spcBef>
@@ -3501,7 +3636,7 @@
             </a:pPr>
             <a:fld id="{00000000-1234-1234-1234-123412341234}" type="slidenum">
               <a:rPr lang="es"/>
-              <a:t>‹#›</a:t>
+              <a:t>‹Nº›</a:t>
             </a:fld>
             <a:endParaRPr/>
           </a:p>
@@ -3516,11 +3651,11 @@
 </file>
 
 <file path=ppt/slideLayouts/slideLayout2.xml><?xml version="1.0" encoding="utf-8"?>
-<p:sldLayout xmlns:a="http://schemas.openxmlformats.org/drawingml/2006/main" xmlns:r="http://schemas.openxmlformats.org/officeDocument/2006/relationships" xmlns:mc="http://schemas.openxmlformats.org/markup-compatibility/2006" xmlns:mv="urn:schemas-microsoft-com:mac:vml" xmlns:p="http://schemas.openxmlformats.org/presentationml/2006/main" xmlns:c="http://schemas.openxmlformats.org/drawingml/2006/chart" xmlns:dgm="http://schemas.openxmlformats.org/drawingml/2006/diagram" xmlns:o="urn:schemas-microsoft-com:office:office" xmlns:v="urn:schemas-microsoft-com:vml" xmlns:pvml="urn:schemas-microsoft-com:office:powerpoint" xmlns:com="http://schemas.openxmlformats.org/drawingml/2006/compatibility" xmlns:p14="http://schemas.microsoft.com/office/powerpoint/2010/main" xmlns:p15="http://schemas.microsoft.com/office/powerpoint/2012/main" xmlns:ahyp="http://schemas.microsoft.com/office/drawing/2018/hyperlinkcolor" matchingName="Section header" type="secHead">
+<p:sldLayout xmlns:a="http://schemas.openxmlformats.org/drawingml/2006/main" xmlns:r="http://schemas.openxmlformats.org/officeDocument/2006/relationships" xmlns:p="http://schemas.openxmlformats.org/presentationml/2006/main" matchingName="Section header" type="secHead">
   <p:cSld name="SECTION_HEADER">
     <p:spTree>
       <p:nvGrpSpPr>
-        <p:cNvPr id="13" name="Shape 13"/>
+        <p:cNvPr id="1" name="Shape 13"/>
         <p:cNvGrpSpPr/>
         <p:nvPr/>
       </p:nvGrpSpPr>
@@ -3535,7 +3670,9 @@
       <p:sp>
         <p:nvSpPr>
           <p:cNvPr id="14" name="Google Shape;14;p3"/>
-          <p:cNvSpPr txBox="1"/>
+          <p:cNvSpPr txBox="1">
+            <a:spLocks noGrp="1"/>
+          </p:cNvSpPr>
           <p:nvPr>
             <p:ph type="title"/>
           </p:nvPr>
@@ -3550,7 +3687,7 @@
           </a:prstGeom>
         </p:spPr>
         <p:txBody>
-          <a:bodyPr anchorCtr="0" anchor="ctr" bIns="91425" lIns="91425" spcFirstLastPara="1" rIns="91425" wrap="square" tIns="91425">
+          <a:bodyPr spcFirstLastPara="1" wrap="square" lIns="91425" tIns="91425" rIns="91425" bIns="91425" anchor="ctr" anchorCtr="0">
             <a:normAutofit/>
           </a:bodyPr>
           <a:lstStyle>
@@ -3654,15 +3791,19 @@
               <a:defRPr sz="3600"/>
             </a:lvl9pPr>
           </a:lstStyle>
-          <a:p/>
+          <a:p>
+            <a:endParaRPr/>
+          </a:p>
         </p:txBody>
       </p:sp>
       <p:sp>
         <p:nvSpPr>
           <p:cNvPr id="15" name="Google Shape;15;p3"/>
-          <p:cNvSpPr txBox="1"/>
+          <p:cNvSpPr txBox="1">
+            <a:spLocks noGrp="1"/>
+          </p:cNvSpPr>
           <p:nvPr>
-            <p:ph idx="12" type="sldNum"/>
+            <p:ph type="sldNum" idx="12"/>
           </p:nvPr>
         </p:nvSpPr>
         <p:spPr>
@@ -3675,7 +3816,7 @@
           </a:prstGeom>
         </p:spPr>
         <p:txBody>
-          <a:bodyPr anchorCtr="0" anchor="ctr" bIns="91425" lIns="91425" spcFirstLastPara="1" rIns="91425" wrap="square" tIns="91425">
+          <a:bodyPr spcFirstLastPara="1" wrap="square" lIns="91425" tIns="91425" rIns="91425" bIns="91425" anchor="ctr" anchorCtr="0">
             <a:normAutofit/>
           </a:bodyPr>
           <a:lstStyle>
@@ -3717,7 +3858,7 @@
             </a:lvl9pPr>
           </a:lstStyle>
           <a:p>
-            <a:pPr indent="0" lvl="0" marL="0" rtl="0" algn="r">
+            <a:pPr marL="0" lvl="0" indent="0" algn="r" rtl="0">
               <a:spcBef>
                 <a:spcPts val="0"/>
               </a:spcBef>
@@ -3728,7 +3869,7 @@
             </a:pPr>
             <a:fld id="{00000000-1234-1234-1234-123412341234}" type="slidenum">
               <a:rPr lang="es"/>
-              <a:t>‹#›</a:t>
+              <a:t>‹Nº›</a:t>
             </a:fld>
             <a:endParaRPr/>
           </a:p>
@@ -3743,11 +3884,11 @@
 </file>
 
 <file path=ppt/slideLayouts/slideLayout3.xml><?xml version="1.0" encoding="utf-8"?>
-<p:sldLayout xmlns:a="http://schemas.openxmlformats.org/drawingml/2006/main" xmlns:r="http://schemas.openxmlformats.org/officeDocument/2006/relationships" xmlns:mc="http://schemas.openxmlformats.org/markup-compatibility/2006" xmlns:mv="urn:schemas-microsoft-com:mac:vml" xmlns:p="http://schemas.openxmlformats.org/presentationml/2006/main" xmlns:c="http://schemas.openxmlformats.org/drawingml/2006/chart" xmlns:dgm="http://schemas.openxmlformats.org/drawingml/2006/diagram" xmlns:o="urn:schemas-microsoft-com:office:office" xmlns:v="urn:schemas-microsoft-com:vml" xmlns:pvml="urn:schemas-microsoft-com:office:powerpoint" xmlns:com="http://schemas.openxmlformats.org/drawingml/2006/compatibility" xmlns:p14="http://schemas.microsoft.com/office/powerpoint/2010/main" xmlns:p15="http://schemas.microsoft.com/office/powerpoint/2012/main" xmlns:ahyp="http://schemas.microsoft.com/office/drawing/2018/hyperlinkcolor" matchingName="Title and body" type="tx">
+<p:sldLayout xmlns:a="http://schemas.openxmlformats.org/drawingml/2006/main" xmlns:r="http://schemas.openxmlformats.org/officeDocument/2006/relationships" xmlns:p="http://schemas.openxmlformats.org/presentationml/2006/main" matchingName="Title and body" type="tx">
   <p:cSld name="TITLE_AND_BODY">
     <p:spTree>
       <p:nvGrpSpPr>
-        <p:cNvPr id="16" name="Shape 16"/>
+        <p:cNvPr id="1" name="Shape 16"/>
         <p:cNvGrpSpPr/>
         <p:nvPr/>
       </p:nvGrpSpPr>
@@ -3762,7 +3903,9 @@
       <p:sp>
         <p:nvSpPr>
           <p:cNvPr id="17" name="Google Shape;17;p4"/>
-          <p:cNvSpPr txBox="1"/>
+          <p:cNvSpPr txBox="1">
+            <a:spLocks noGrp="1"/>
+          </p:cNvSpPr>
           <p:nvPr>
             <p:ph type="title"/>
           </p:nvPr>
@@ -3777,7 +3920,7 @@
           </a:prstGeom>
         </p:spPr>
         <p:txBody>
-          <a:bodyPr anchorCtr="0" anchor="t" bIns="91425" lIns="91425" spcFirstLastPara="1" rIns="91425" wrap="square" tIns="91425">
+          <a:bodyPr spcFirstLastPara="1" wrap="square" lIns="91425" tIns="91425" rIns="91425" bIns="91425" anchor="t" anchorCtr="0">
             <a:normAutofit/>
           </a:bodyPr>
           <a:lstStyle>
@@ -3881,15 +4024,19 @@
               <a:defRPr/>
             </a:lvl9pPr>
           </a:lstStyle>
-          <a:p/>
+          <a:p>
+            <a:endParaRPr/>
+          </a:p>
         </p:txBody>
       </p:sp>
       <p:sp>
         <p:nvSpPr>
           <p:cNvPr id="18" name="Google Shape;18;p4"/>
-          <p:cNvSpPr txBox="1"/>
+          <p:cNvSpPr txBox="1">
+            <a:spLocks noGrp="1"/>
+          </p:cNvSpPr>
           <p:nvPr>
-            <p:ph idx="1" type="body"/>
+            <p:ph type="body" idx="1"/>
           </p:nvPr>
         </p:nvSpPr>
         <p:spPr>
@@ -3902,11 +4049,11 @@
           </a:prstGeom>
         </p:spPr>
         <p:txBody>
-          <a:bodyPr anchorCtr="0" anchor="t" bIns="91425" lIns="91425" spcFirstLastPara="1" rIns="91425" wrap="square" tIns="91425">
+          <a:bodyPr spcFirstLastPara="1" wrap="square" lIns="91425" tIns="91425" rIns="91425" bIns="91425" anchor="t" anchorCtr="0">
             <a:normAutofit/>
           </a:bodyPr>
           <a:lstStyle>
-            <a:lvl1pPr indent="-342900" lvl="0" marL="457200">
+            <a:lvl1pPr marL="457200" lvl="0" indent="-342900">
               <a:spcBef>
                 <a:spcPts val="0"/>
               </a:spcBef>
@@ -3917,7 +4064,7 @@
               <a:buChar char="●"/>
               <a:defRPr/>
             </a:lvl1pPr>
-            <a:lvl2pPr indent="-317500" lvl="1" marL="914400">
+            <a:lvl2pPr marL="914400" lvl="1" indent="-317500">
               <a:spcBef>
                 <a:spcPts val="0"/>
               </a:spcBef>
@@ -3928,7 +4075,7 @@
               <a:buChar char="○"/>
               <a:defRPr/>
             </a:lvl2pPr>
-            <a:lvl3pPr indent="-317500" lvl="2" marL="1371600">
+            <a:lvl3pPr marL="1371600" lvl="2" indent="-317500">
               <a:spcBef>
                 <a:spcPts val="0"/>
               </a:spcBef>
@@ -3939,7 +4086,7 @@
               <a:buChar char="■"/>
               <a:defRPr/>
             </a:lvl3pPr>
-            <a:lvl4pPr indent="-317500" lvl="3" marL="1828800">
+            <a:lvl4pPr marL="1828800" lvl="3" indent="-317500">
               <a:spcBef>
                 <a:spcPts val="0"/>
               </a:spcBef>
@@ -3950,7 +4097,7 @@
               <a:buChar char="●"/>
               <a:defRPr/>
             </a:lvl4pPr>
-            <a:lvl5pPr indent="-317500" lvl="4" marL="2286000">
+            <a:lvl5pPr marL="2286000" lvl="4" indent="-317500">
               <a:spcBef>
                 <a:spcPts val="0"/>
               </a:spcBef>
@@ -3961,7 +4108,7 @@
               <a:buChar char="○"/>
               <a:defRPr/>
             </a:lvl5pPr>
-            <a:lvl6pPr indent="-317500" lvl="5" marL="2743200">
+            <a:lvl6pPr marL="2743200" lvl="5" indent="-317500">
               <a:spcBef>
                 <a:spcPts val="0"/>
               </a:spcBef>
@@ -3972,7 +4119,7 @@
               <a:buChar char="■"/>
               <a:defRPr/>
             </a:lvl6pPr>
-            <a:lvl7pPr indent="-317500" lvl="6" marL="3200400">
+            <a:lvl7pPr marL="3200400" lvl="6" indent="-317500">
               <a:spcBef>
                 <a:spcPts val="0"/>
               </a:spcBef>
@@ -3983,7 +4130,7 @@
               <a:buChar char="●"/>
               <a:defRPr/>
             </a:lvl7pPr>
-            <a:lvl8pPr indent="-317500" lvl="7" marL="3657600">
+            <a:lvl8pPr marL="3657600" lvl="7" indent="-317500">
               <a:spcBef>
                 <a:spcPts val="0"/>
               </a:spcBef>
@@ -3994,7 +4141,7 @@
               <a:buChar char="○"/>
               <a:defRPr/>
             </a:lvl8pPr>
-            <a:lvl9pPr indent="-317500" lvl="8" marL="4114800">
+            <a:lvl9pPr marL="4114800" lvl="8" indent="-317500">
               <a:spcBef>
                 <a:spcPts val="0"/>
               </a:spcBef>
@@ -4006,15 +4153,19 @@
               <a:defRPr/>
             </a:lvl9pPr>
           </a:lstStyle>
-          <a:p/>
+          <a:p>
+            <a:endParaRPr/>
+          </a:p>
         </p:txBody>
       </p:sp>
       <p:sp>
         <p:nvSpPr>
           <p:cNvPr id="19" name="Google Shape;19;p4"/>
-          <p:cNvSpPr txBox="1"/>
+          <p:cNvSpPr txBox="1">
+            <a:spLocks noGrp="1"/>
+          </p:cNvSpPr>
           <p:nvPr>
-            <p:ph idx="12" type="sldNum"/>
+            <p:ph type="sldNum" idx="12"/>
           </p:nvPr>
         </p:nvSpPr>
         <p:spPr>
@@ -4027,7 +4178,7 @@
           </a:prstGeom>
         </p:spPr>
         <p:txBody>
-          <a:bodyPr anchorCtr="0" anchor="ctr" bIns="91425" lIns="91425" spcFirstLastPara="1" rIns="91425" wrap="square" tIns="91425">
+          <a:bodyPr spcFirstLastPara="1" wrap="square" lIns="91425" tIns="91425" rIns="91425" bIns="91425" anchor="ctr" anchorCtr="0">
             <a:normAutofit/>
           </a:bodyPr>
           <a:lstStyle>
@@ -4069,7 +4220,7 @@
             </a:lvl9pPr>
           </a:lstStyle>
           <a:p>
-            <a:pPr indent="0" lvl="0" marL="0" rtl="0" algn="r">
+            <a:pPr marL="0" lvl="0" indent="0" algn="r" rtl="0">
               <a:spcBef>
                 <a:spcPts val="0"/>
               </a:spcBef>
@@ -4080,7 +4231,7 @@
             </a:pPr>
             <a:fld id="{00000000-1234-1234-1234-123412341234}" type="slidenum">
               <a:rPr lang="es"/>
-              <a:t>‹#›</a:t>
+              <a:t>‹Nº›</a:t>
             </a:fld>
             <a:endParaRPr/>
           </a:p>
@@ -4095,11 +4246,11 @@
 </file>
 
 <file path=ppt/slideLayouts/slideLayout4.xml><?xml version="1.0" encoding="utf-8"?>
-<p:sldLayout xmlns:a="http://schemas.openxmlformats.org/drawingml/2006/main" xmlns:r="http://schemas.openxmlformats.org/officeDocument/2006/relationships" xmlns:mc="http://schemas.openxmlformats.org/markup-compatibility/2006" xmlns:mv="urn:schemas-microsoft-com:mac:vml" xmlns:p="http://schemas.openxmlformats.org/presentationml/2006/main" xmlns:c="http://schemas.openxmlformats.org/drawingml/2006/chart" xmlns:dgm="http://schemas.openxmlformats.org/drawingml/2006/diagram" xmlns:o="urn:schemas-microsoft-com:office:office" xmlns:v="urn:schemas-microsoft-com:vml" xmlns:pvml="urn:schemas-microsoft-com:office:powerpoint" xmlns:com="http://schemas.openxmlformats.org/drawingml/2006/compatibility" xmlns:p14="http://schemas.microsoft.com/office/powerpoint/2010/main" xmlns:p15="http://schemas.microsoft.com/office/powerpoint/2012/main" xmlns:ahyp="http://schemas.microsoft.com/office/drawing/2018/hyperlinkcolor" matchingName="Title and two columns" type="twoColTx">
+<p:sldLayout xmlns:a="http://schemas.openxmlformats.org/drawingml/2006/main" xmlns:r="http://schemas.openxmlformats.org/officeDocument/2006/relationships" xmlns:p="http://schemas.openxmlformats.org/presentationml/2006/main" matchingName="Title and two columns" type="twoColTx">
   <p:cSld name="TITLE_AND_TWO_COLUMNS">
     <p:spTree>
       <p:nvGrpSpPr>
-        <p:cNvPr id="20" name="Shape 20"/>
+        <p:cNvPr id="1" name="Shape 20"/>
         <p:cNvGrpSpPr/>
         <p:nvPr/>
       </p:nvGrpSpPr>
@@ -4114,7 +4265,9 @@
       <p:sp>
         <p:nvSpPr>
           <p:cNvPr id="21" name="Google Shape;21;p5"/>
-          <p:cNvSpPr txBox="1"/>
+          <p:cNvSpPr txBox="1">
+            <a:spLocks noGrp="1"/>
+          </p:cNvSpPr>
           <p:nvPr>
             <p:ph type="title"/>
           </p:nvPr>
@@ -4129,7 +4282,7 @@
           </a:prstGeom>
         </p:spPr>
         <p:txBody>
-          <a:bodyPr anchorCtr="0" anchor="t" bIns="91425" lIns="91425" spcFirstLastPara="1" rIns="91425" wrap="square" tIns="91425">
+          <a:bodyPr spcFirstLastPara="1" wrap="square" lIns="91425" tIns="91425" rIns="91425" bIns="91425" anchor="t" anchorCtr="0">
             <a:normAutofit/>
           </a:bodyPr>
           <a:lstStyle>
@@ -4233,15 +4386,19 @@
               <a:defRPr/>
             </a:lvl9pPr>
           </a:lstStyle>
-          <a:p/>
+          <a:p>
+            <a:endParaRPr/>
+          </a:p>
         </p:txBody>
       </p:sp>
       <p:sp>
         <p:nvSpPr>
           <p:cNvPr id="22" name="Google Shape;22;p5"/>
-          <p:cNvSpPr txBox="1"/>
+          <p:cNvSpPr txBox="1">
+            <a:spLocks noGrp="1"/>
+          </p:cNvSpPr>
           <p:nvPr>
-            <p:ph idx="1" type="body"/>
+            <p:ph type="body" idx="1"/>
           </p:nvPr>
         </p:nvSpPr>
         <p:spPr>
@@ -4254,11 +4411,11 @@
           </a:prstGeom>
         </p:spPr>
         <p:txBody>
-          <a:bodyPr anchorCtr="0" anchor="t" bIns="91425" lIns="91425" spcFirstLastPara="1" rIns="91425" wrap="square" tIns="91425">
+          <a:bodyPr spcFirstLastPara="1" wrap="square" lIns="91425" tIns="91425" rIns="91425" bIns="91425" anchor="t" anchorCtr="0">
             <a:normAutofit/>
           </a:bodyPr>
           <a:lstStyle>
-            <a:lvl1pPr indent="-317500" lvl="0" marL="457200">
+            <a:lvl1pPr marL="457200" lvl="0" indent="-317500">
               <a:spcBef>
                 <a:spcPts val="0"/>
               </a:spcBef>
@@ -4269,7 +4426,7 @@
               <a:buChar char="●"/>
               <a:defRPr sz="1400"/>
             </a:lvl1pPr>
-            <a:lvl2pPr indent="-304800" lvl="1" marL="914400">
+            <a:lvl2pPr marL="914400" lvl="1" indent="-304800">
               <a:spcBef>
                 <a:spcPts val="0"/>
               </a:spcBef>
@@ -4280,7 +4437,7 @@
               <a:buChar char="○"/>
               <a:defRPr sz="1200"/>
             </a:lvl2pPr>
-            <a:lvl3pPr indent="-304800" lvl="2" marL="1371600">
+            <a:lvl3pPr marL="1371600" lvl="2" indent="-304800">
               <a:spcBef>
                 <a:spcPts val="0"/>
               </a:spcBef>
@@ -4291,7 +4448,7 @@
               <a:buChar char="■"/>
               <a:defRPr sz="1200"/>
             </a:lvl3pPr>
-            <a:lvl4pPr indent="-304800" lvl="3" marL="1828800">
+            <a:lvl4pPr marL="1828800" lvl="3" indent="-304800">
               <a:spcBef>
                 <a:spcPts val="0"/>
               </a:spcBef>
@@ -4302,7 +4459,7 @@
               <a:buChar char="●"/>
               <a:defRPr sz="1200"/>
             </a:lvl4pPr>
-            <a:lvl5pPr indent="-304800" lvl="4" marL="2286000">
+            <a:lvl5pPr marL="2286000" lvl="4" indent="-304800">
               <a:spcBef>
                 <a:spcPts val="0"/>
               </a:spcBef>
@@ -4313,7 +4470,7 @@
               <a:buChar char="○"/>
               <a:defRPr sz="1200"/>
             </a:lvl5pPr>
-            <a:lvl6pPr indent="-304800" lvl="5" marL="2743200">
+            <a:lvl6pPr marL="2743200" lvl="5" indent="-304800">
               <a:spcBef>
                 <a:spcPts val="0"/>
               </a:spcBef>
@@ -4324,7 +4481,7 @@
               <a:buChar char="■"/>
               <a:defRPr sz="1200"/>
             </a:lvl6pPr>
-            <a:lvl7pPr indent="-304800" lvl="6" marL="3200400">
+            <a:lvl7pPr marL="3200400" lvl="6" indent="-304800">
               <a:spcBef>
                 <a:spcPts val="0"/>
               </a:spcBef>
@@ -4335,7 +4492,7 @@
               <a:buChar char="●"/>
               <a:defRPr sz="1200"/>
             </a:lvl7pPr>
-            <a:lvl8pPr indent="-304800" lvl="7" marL="3657600">
+            <a:lvl8pPr marL="3657600" lvl="7" indent="-304800">
               <a:spcBef>
                 <a:spcPts val="0"/>
               </a:spcBef>
@@ -4346,7 +4503,7 @@
               <a:buChar char="○"/>
               <a:defRPr sz="1200"/>
             </a:lvl8pPr>
-            <a:lvl9pPr indent="-304800" lvl="8" marL="4114800">
+            <a:lvl9pPr marL="4114800" lvl="8" indent="-304800">
               <a:spcBef>
                 <a:spcPts val="0"/>
               </a:spcBef>
@@ -4358,15 +4515,19 @@
               <a:defRPr sz="1200"/>
             </a:lvl9pPr>
           </a:lstStyle>
-          <a:p/>
+          <a:p>
+            <a:endParaRPr/>
+          </a:p>
         </p:txBody>
       </p:sp>
       <p:sp>
         <p:nvSpPr>
           <p:cNvPr id="23" name="Google Shape;23;p5"/>
-          <p:cNvSpPr txBox="1"/>
+          <p:cNvSpPr txBox="1">
+            <a:spLocks noGrp="1"/>
+          </p:cNvSpPr>
           <p:nvPr>
-            <p:ph idx="2" type="body"/>
+            <p:ph type="body" idx="2"/>
           </p:nvPr>
         </p:nvSpPr>
         <p:spPr>
@@ -4379,11 +4540,11 @@
           </a:prstGeom>
         </p:spPr>
         <p:txBody>
-          <a:bodyPr anchorCtr="0" anchor="t" bIns="91425" lIns="91425" spcFirstLastPara="1" rIns="91425" wrap="square" tIns="91425">
+          <a:bodyPr spcFirstLastPara="1" wrap="square" lIns="91425" tIns="91425" rIns="91425" bIns="91425" anchor="t" anchorCtr="0">
             <a:normAutofit/>
           </a:bodyPr>
           <a:lstStyle>
-            <a:lvl1pPr indent="-317500" lvl="0" marL="457200">
+            <a:lvl1pPr marL="457200" lvl="0" indent="-317500">
               <a:spcBef>
                 <a:spcPts val="0"/>
               </a:spcBef>
@@ -4394,7 +4555,7 @@
               <a:buChar char="●"/>
               <a:defRPr sz="1400"/>
             </a:lvl1pPr>
-            <a:lvl2pPr indent="-304800" lvl="1" marL="914400">
+            <a:lvl2pPr marL="914400" lvl="1" indent="-304800">
               <a:spcBef>
                 <a:spcPts val="0"/>
               </a:spcBef>
@@ -4405,7 +4566,7 @@
               <a:buChar char="○"/>
               <a:defRPr sz="1200"/>
             </a:lvl2pPr>
-            <a:lvl3pPr indent="-304800" lvl="2" marL="1371600">
+            <a:lvl3pPr marL="1371600" lvl="2" indent="-304800">
               <a:spcBef>
                 <a:spcPts val="0"/>
               </a:spcBef>
@@ -4416,7 +4577,7 @@
               <a:buChar char="■"/>
               <a:defRPr sz="1200"/>
             </a:lvl3pPr>
-            <a:lvl4pPr indent="-304800" lvl="3" marL="1828800">
+            <a:lvl4pPr marL="1828800" lvl="3" indent="-304800">
               <a:spcBef>
                 <a:spcPts val="0"/>
               </a:spcBef>
@@ -4427,7 +4588,7 @@
               <a:buChar char="●"/>
               <a:defRPr sz="1200"/>
             </a:lvl4pPr>
-            <a:lvl5pPr indent="-304800" lvl="4" marL="2286000">
+            <a:lvl5pPr marL="2286000" lvl="4" indent="-304800">
               <a:spcBef>
                 <a:spcPts val="0"/>
               </a:spcBef>
@@ -4438,7 +4599,7 @@
               <a:buChar char="○"/>
               <a:defRPr sz="1200"/>
             </a:lvl5pPr>
-            <a:lvl6pPr indent="-304800" lvl="5" marL="2743200">
+            <a:lvl6pPr marL="2743200" lvl="5" indent="-304800">
               <a:spcBef>
                 <a:spcPts val="0"/>
               </a:spcBef>
@@ -4449,7 +4610,7 @@
               <a:buChar char="■"/>
               <a:defRPr sz="1200"/>
             </a:lvl6pPr>
-            <a:lvl7pPr indent="-304800" lvl="6" marL="3200400">
+            <a:lvl7pPr marL="3200400" lvl="6" indent="-304800">
               <a:spcBef>
                 <a:spcPts val="0"/>
               </a:spcBef>
@@ -4460,7 +4621,7 @@
               <a:buChar char="●"/>
               <a:defRPr sz="1200"/>
             </a:lvl7pPr>
-            <a:lvl8pPr indent="-304800" lvl="7" marL="3657600">
+            <a:lvl8pPr marL="3657600" lvl="7" indent="-304800">
               <a:spcBef>
                 <a:spcPts val="0"/>
               </a:spcBef>
@@ -4471,7 +4632,7 @@
               <a:buChar char="○"/>
               <a:defRPr sz="1200"/>
             </a:lvl8pPr>
-            <a:lvl9pPr indent="-304800" lvl="8" marL="4114800">
+            <a:lvl9pPr marL="4114800" lvl="8" indent="-304800">
               <a:spcBef>
                 <a:spcPts val="0"/>
               </a:spcBef>
@@ -4483,15 +4644,19 @@
               <a:defRPr sz="1200"/>
             </a:lvl9pPr>
           </a:lstStyle>
-          <a:p/>
+          <a:p>
+            <a:endParaRPr/>
+          </a:p>
         </p:txBody>
       </p:sp>
       <p:sp>
         <p:nvSpPr>
           <p:cNvPr id="24" name="Google Shape;24;p5"/>
-          <p:cNvSpPr txBox="1"/>
+          <p:cNvSpPr txBox="1">
+            <a:spLocks noGrp="1"/>
+          </p:cNvSpPr>
           <p:nvPr>
-            <p:ph idx="12" type="sldNum"/>
+            <p:ph type="sldNum" idx="12"/>
           </p:nvPr>
         </p:nvSpPr>
         <p:spPr>
@@ -4504,7 +4669,7 @@
           </a:prstGeom>
         </p:spPr>
         <p:txBody>
-          <a:bodyPr anchorCtr="0" anchor="ctr" bIns="91425" lIns="91425" spcFirstLastPara="1" rIns="91425" wrap="square" tIns="91425">
+          <a:bodyPr spcFirstLastPara="1" wrap="square" lIns="91425" tIns="91425" rIns="91425" bIns="91425" anchor="ctr" anchorCtr="0">
             <a:normAutofit/>
           </a:bodyPr>
           <a:lstStyle>
@@ -4546,7 +4711,7 @@
             </a:lvl9pPr>
           </a:lstStyle>
           <a:p>
-            <a:pPr indent="0" lvl="0" marL="0" rtl="0" algn="r">
+            <a:pPr marL="0" lvl="0" indent="0" algn="r" rtl="0">
               <a:spcBef>
                 <a:spcPts val="0"/>
               </a:spcBef>
@@ -4557,7 +4722,7 @@
             </a:pPr>
             <a:fld id="{00000000-1234-1234-1234-123412341234}" type="slidenum">
               <a:rPr lang="es"/>
-              <a:t>‹#›</a:t>
+              <a:t>‹Nº›</a:t>
             </a:fld>
             <a:endParaRPr/>
           </a:p>
@@ -4572,11 +4737,11 @@
 </file>
 
 <file path=ppt/slideLayouts/slideLayout5.xml><?xml version="1.0" encoding="utf-8"?>
-<p:sldLayout xmlns:a="http://schemas.openxmlformats.org/drawingml/2006/main" xmlns:r="http://schemas.openxmlformats.org/officeDocument/2006/relationships" xmlns:mc="http://schemas.openxmlformats.org/markup-compatibility/2006" xmlns:mv="urn:schemas-microsoft-com:mac:vml" xmlns:p="http://schemas.openxmlformats.org/presentationml/2006/main" xmlns:c="http://schemas.openxmlformats.org/drawingml/2006/chart" xmlns:dgm="http://schemas.openxmlformats.org/drawingml/2006/diagram" xmlns:o="urn:schemas-microsoft-com:office:office" xmlns:v="urn:schemas-microsoft-com:vml" xmlns:pvml="urn:schemas-microsoft-com:office:powerpoint" xmlns:com="http://schemas.openxmlformats.org/drawingml/2006/compatibility" xmlns:p14="http://schemas.microsoft.com/office/powerpoint/2010/main" xmlns:p15="http://schemas.microsoft.com/office/powerpoint/2012/main" xmlns:ahyp="http://schemas.microsoft.com/office/drawing/2018/hyperlinkcolor" matchingName="Title only" type="titleOnly">
+<p:sldLayout xmlns:a="http://schemas.openxmlformats.org/drawingml/2006/main" xmlns:r="http://schemas.openxmlformats.org/officeDocument/2006/relationships" xmlns:p="http://schemas.openxmlformats.org/presentationml/2006/main" matchingName="Title only" type="titleOnly">
   <p:cSld name="TITLE_ONLY">
     <p:spTree>
       <p:nvGrpSpPr>
-        <p:cNvPr id="25" name="Shape 25"/>
+        <p:cNvPr id="1" name="Shape 25"/>
         <p:cNvGrpSpPr/>
         <p:nvPr/>
       </p:nvGrpSpPr>
@@ -4591,7 +4756,9 @@
       <p:sp>
         <p:nvSpPr>
           <p:cNvPr id="26" name="Google Shape;26;p6"/>
-          <p:cNvSpPr txBox="1"/>
+          <p:cNvSpPr txBox="1">
+            <a:spLocks noGrp="1"/>
+          </p:cNvSpPr>
           <p:nvPr>
             <p:ph type="title"/>
           </p:nvPr>
@@ -4606,7 +4773,7 @@
           </a:prstGeom>
         </p:spPr>
         <p:txBody>
-          <a:bodyPr anchorCtr="0" anchor="t" bIns="91425" lIns="91425" spcFirstLastPara="1" rIns="91425" wrap="square" tIns="91425">
+          <a:bodyPr spcFirstLastPara="1" wrap="square" lIns="91425" tIns="91425" rIns="91425" bIns="91425" anchor="t" anchorCtr="0">
             <a:normAutofit/>
           </a:bodyPr>
           <a:lstStyle>
@@ -4710,15 +4877,19 @@
               <a:defRPr/>
             </a:lvl9pPr>
           </a:lstStyle>
-          <a:p/>
+          <a:p>
+            <a:endParaRPr/>
+          </a:p>
         </p:txBody>
       </p:sp>
       <p:sp>
         <p:nvSpPr>
           <p:cNvPr id="27" name="Google Shape;27;p6"/>
-          <p:cNvSpPr txBox="1"/>
+          <p:cNvSpPr txBox="1">
+            <a:spLocks noGrp="1"/>
+          </p:cNvSpPr>
           <p:nvPr>
-            <p:ph idx="12" type="sldNum"/>
+            <p:ph type="sldNum" idx="12"/>
           </p:nvPr>
         </p:nvSpPr>
         <p:spPr>
@@ -4731,7 +4902,7 @@
           </a:prstGeom>
         </p:spPr>
         <p:txBody>
-          <a:bodyPr anchorCtr="0" anchor="ctr" bIns="91425" lIns="91425" spcFirstLastPara="1" rIns="91425" wrap="square" tIns="91425">
+          <a:bodyPr spcFirstLastPara="1" wrap="square" lIns="91425" tIns="91425" rIns="91425" bIns="91425" anchor="ctr" anchorCtr="0">
             <a:normAutofit/>
           </a:bodyPr>
           <a:lstStyle>
@@ -4773,7 +4944,7 @@
             </a:lvl9pPr>
           </a:lstStyle>
           <a:p>
-            <a:pPr indent="0" lvl="0" marL="0" rtl="0" algn="r">
+            <a:pPr marL="0" lvl="0" indent="0" algn="r" rtl="0">
               <a:spcBef>
                 <a:spcPts val="0"/>
               </a:spcBef>
@@ -4784,7 +4955,7 @@
             </a:pPr>
             <a:fld id="{00000000-1234-1234-1234-123412341234}" type="slidenum">
               <a:rPr lang="es"/>
-              <a:t>‹#›</a:t>
+              <a:t>‹Nº›</a:t>
             </a:fld>
             <a:endParaRPr/>
           </a:p>
@@ -4799,11 +4970,11 @@
 </file>
 
 <file path=ppt/slideLayouts/slideLayout6.xml><?xml version="1.0" encoding="utf-8"?>
-<p:sldLayout xmlns:a="http://schemas.openxmlformats.org/drawingml/2006/main" xmlns:r="http://schemas.openxmlformats.org/officeDocument/2006/relationships" xmlns:mc="http://schemas.openxmlformats.org/markup-compatibility/2006" xmlns:mv="urn:schemas-microsoft-com:mac:vml" xmlns:p="http://schemas.openxmlformats.org/presentationml/2006/main" xmlns:c="http://schemas.openxmlformats.org/drawingml/2006/chart" xmlns:dgm="http://schemas.openxmlformats.org/drawingml/2006/diagram" xmlns:o="urn:schemas-microsoft-com:office:office" xmlns:v="urn:schemas-microsoft-com:vml" xmlns:pvml="urn:schemas-microsoft-com:office:powerpoint" xmlns:com="http://schemas.openxmlformats.org/drawingml/2006/compatibility" xmlns:p14="http://schemas.microsoft.com/office/powerpoint/2010/main" xmlns:p15="http://schemas.microsoft.com/office/powerpoint/2012/main" xmlns:ahyp="http://schemas.microsoft.com/office/drawing/2018/hyperlinkcolor" matchingName="One column text">
+<p:sldLayout xmlns:a="http://schemas.openxmlformats.org/drawingml/2006/main" xmlns:r="http://schemas.openxmlformats.org/officeDocument/2006/relationships" xmlns:p="http://schemas.openxmlformats.org/presentationml/2006/main" matchingName="One column text">
   <p:cSld name="ONE_COLUMN_TEXT">
     <p:spTree>
       <p:nvGrpSpPr>
-        <p:cNvPr id="28" name="Shape 28"/>
+        <p:cNvPr id="1" name="Shape 28"/>
         <p:cNvGrpSpPr/>
         <p:nvPr/>
       </p:nvGrpSpPr>
@@ -4818,7 +4989,9 @@
       <p:sp>
         <p:nvSpPr>
           <p:cNvPr id="29" name="Google Shape;29;p7"/>
-          <p:cNvSpPr txBox="1"/>
+          <p:cNvSpPr txBox="1">
+            <a:spLocks noGrp="1"/>
+          </p:cNvSpPr>
           <p:nvPr>
             <p:ph type="title"/>
           </p:nvPr>
@@ -4833,7 +5006,7 @@
           </a:prstGeom>
         </p:spPr>
         <p:txBody>
-          <a:bodyPr anchorCtr="0" anchor="b" bIns="91425" lIns="91425" spcFirstLastPara="1" rIns="91425" wrap="square" tIns="91425">
+          <a:bodyPr spcFirstLastPara="1" wrap="square" lIns="91425" tIns="91425" rIns="91425" bIns="91425" anchor="b" anchorCtr="0">
             <a:normAutofit/>
           </a:bodyPr>
           <a:lstStyle>
@@ -4937,15 +5110,19 @@
               <a:defRPr sz="2400"/>
             </a:lvl9pPr>
           </a:lstStyle>
-          <a:p/>
+          <a:p>
+            <a:endParaRPr/>
+          </a:p>
         </p:txBody>
       </p:sp>
       <p:sp>
         <p:nvSpPr>
           <p:cNvPr id="30" name="Google Shape;30;p7"/>
-          <p:cNvSpPr txBox="1"/>
+          <p:cNvSpPr txBox="1">
+            <a:spLocks noGrp="1"/>
+          </p:cNvSpPr>
           <p:nvPr>
-            <p:ph idx="1" type="body"/>
+            <p:ph type="body" idx="1"/>
           </p:nvPr>
         </p:nvSpPr>
         <p:spPr>
@@ -4958,11 +5135,11 @@
           </a:prstGeom>
         </p:spPr>
         <p:txBody>
-          <a:bodyPr anchorCtr="0" anchor="t" bIns="91425" lIns="91425" spcFirstLastPara="1" rIns="91425" wrap="square" tIns="91425">
+          <a:bodyPr spcFirstLastPara="1" wrap="square" lIns="91425" tIns="91425" rIns="91425" bIns="91425" anchor="t" anchorCtr="0">
             <a:normAutofit/>
           </a:bodyPr>
           <a:lstStyle>
-            <a:lvl1pPr indent="-304800" lvl="0" marL="457200">
+            <a:lvl1pPr marL="457200" lvl="0" indent="-304800">
               <a:spcBef>
                 <a:spcPts val="0"/>
               </a:spcBef>
@@ -4973,7 +5150,7 @@
               <a:buChar char="●"/>
               <a:defRPr sz="1200"/>
             </a:lvl1pPr>
-            <a:lvl2pPr indent="-304800" lvl="1" marL="914400">
+            <a:lvl2pPr marL="914400" lvl="1" indent="-304800">
               <a:spcBef>
                 <a:spcPts val="0"/>
               </a:spcBef>
@@ -4984,7 +5161,7 @@
               <a:buChar char="○"/>
               <a:defRPr sz="1200"/>
             </a:lvl2pPr>
-            <a:lvl3pPr indent="-304800" lvl="2" marL="1371600">
+            <a:lvl3pPr marL="1371600" lvl="2" indent="-304800">
               <a:spcBef>
                 <a:spcPts val="0"/>
               </a:spcBef>
@@ -4995,7 +5172,7 @@
               <a:buChar char="■"/>
               <a:defRPr sz="1200"/>
             </a:lvl3pPr>
-            <a:lvl4pPr indent="-304800" lvl="3" marL="1828800">
+            <a:lvl4pPr marL="1828800" lvl="3" indent="-304800">
               <a:spcBef>
                 <a:spcPts val="0"/>
               </a:spcBef>
@@ -5006,7 +5183,7 @@
               <a:buChar char="●"/>
               <a:defRPr sz="1200"/>
             </a:lvl4pPr>
-            <a:lvl5pPr indent="-304800" lvl="4" marL="2286000">
+            <a:lvl5pPr marL="2286000" lvl="4" indent="-304800">
               <a:spcBef>
                 <a:spcPts val="0"/>
               </a:spcBef>
@@ -5017,7 +5194,7 @@
               <a:buChar char="○"/>
               <a:defRPr sz="1200"/>
             </a:lvl5pPr>
-            <a:lvl6pPr indent="-304800" lvl="5" marL="2743200">
+            <a:lvl6pPr marL="2743200" lvl="5" indent="-304800">
               <a:spcBef>
                 <a:spcPts val="0"/>
               </a:spcBef>
@@ -5028,7 +5205,7 @@
               <a:buChar char="■"/>
               <a:defRPr sz="1200"/>
             </a:lvl6pPr>
-            <a:lvl7pPr indent="-304800" lvl="6" marL="3200400">
+            <a:lvl7pPr marL="3200400" lvl="6" indent="-304800">
               <a:spcBef>
                 <a:spcPts val="0"/>
               </a:spcBef>
@@ -5039,7 +5216,7 @@
               <a:buChar char="●"/>
               <a:defRPr sz="1200"/>
             </a:lvl7pPr>
-            <a:lvl8pPr indent="-304800" lvl="7" marL="3657600">
+            <a:lvl8pPr marL="3657600" lvl="7" indent="-304800">
               <a:spcBef>
                 <a:spcPts val="0"/>
               </a:spcBef>
@@ -5050,7 +5227,7 @@
               <a:buChar char="○"/>
               <a:defRPr sz="1200"/>
             </a:lvl8pPr>
-            <a:lvl9pPr indent="-304800" lvl="8" marL="4114800">
+            <a:lvl9pPr marL="4114800" lvl="8" indent="-304800">
               <a:spcBef>
                 <a:spcPts val="0"/>
               </a:spcBef>
@@ -5062,15 +5239,19 @@
               <a:defRPr sz="1200"/>
             </a:lvl9pPr>
           </a:lstStyle>
-          <a:p/>
+          <a:p>
+            <a:endParaRPr/>
+          </a:p>
         </p:txBody>
       </p:sp>
       <p:sp>
         <p:nvSpPr>
           <p:cNvPr id="31" name="Google Shape;31;p7"/>
-          <p:cNvSpPr txBox="1"/>
+          <p:cNvSpPr txBox="1">
+            <a:spLocks noGrp="1"/>
+          </p:cNvSpPr>
           <p:nvPr>
-            <p:ph idx="12" type="sldNum"/>
+            <p:ph type="sldNum" idx="12"/>
           </p:nvPr>
         </p:nvSpPr>
         <p:spPr>
@@ -5083,7 +5264,7 @@
           </a:prstGeom>
         </p:spPr>
         <p:txBody>
-          <a:bodyPr anchorCtr="0" anchor="ctr" bIns="91425" lIns="91425" spcFirstLastPara="1" rIns="91425" wrap="square" tIns="91425">
+          <a:bodyPr spcFirstLastPara="1" wrap="square" lIns="91425" tIns="91425" rIns="91425" bIns="91425" anchor="ctr" anchorCtr="0">
             <a:normAutofit/>
           </a:bodyPr>
           <a:lstStyle>
@@ -5125,7 +5306,7 @@
             </a:lvl9pPr>
           </a:lstStyle>
           <a:p>
-            <a:pPr indent="0" lvl="0" marL="0" rtl="0" algn="r">
+            <a:pPr marL="0" lvl="0" indent="0" algn="r" rtl="0">
               <a:spcBef>
                 <a:spcPts val="0"/>
               </a:spcBef>
@@ -5136,7 +5317,7 @@
             </a:pPr>
             <a:fld id="{00000000-1234-1234-1234-123412341234}" type="slidenum">
               <a:rPr lang="es"/>
-              <a:t>‹#›</a:t>
+              <a:t>‹Nº›</a:t>
             </a:fld>
             <a:endParaRPr/>
           </a:p>
@@ -5151,11 +5332,11 @@
 </file>
 
 <file path=ppt/slideLayouts/slideLayout7.xml><?xml version="1.0" encoding="utf-8"?>
-<p:sldLayout xmlns:a="http://schemas.openxmlformats.org/drawingml/2006/main" xmlns:r="http://schemas.openxmlformats.org/officeDocument/2006/relationships" xmlns:mc="http://schemas.openxmlformats.org/markup-compatibility/2006" xmlns:mv="urn:schemas-microsoft-com:mac:vml" xmlns:p="http://schemas.openxmlformats.org/presentationml/2006/main" xmlns:c="http://schemas.openxmlformats.org/drawingml/2006/chart" xmlns:dgm="http://schemas.openxmlformats.org/drawingml/2006/diagram" xmlns:o="urn:schemas-microsoft-com:office:office" xmlns:v="urn:schemas-microsoft-com:vml" xmlns:pvml="urn:schemas-microsoft-com:office:powerpoint" xmlns:com="http://schemas.openxmlformats.org/drawingml/2006/compatibility" xmlns:p14="http://schemas.microsoft.com/office/powerpoint/2010/main" xmlns:p15="http://schemas.microsoft.com/office/powerpoint/2012/main" xmlns:ahyp="http://schemas.microsoft.com/office/drawing/2018/hyperlinkcolor" matchingName="Main point">
+<p:sldLayout xmlns:a="http://schemas.openxmlformats.org/drawingml/2006/main" xmlns:r="http://schemas.openxmlformats.org/officeDocument/2006/relationships" xmlns:p="http://schemas.openxmlformats.org/presentationml/2006/main" matchingName="Main point">
   <p:cSld name="MAIN_POINT">
     <p:spTree>
       <p:nvGrpSpPr>
-        <p:cNvPr id="32" name="Shape 32"/>
+        <p:cNvPr id="1" name="Shape 32"/>
         <p:cNvGrpSpPr/>
         <p:nvPr/>
       </p:nvGrpSpPr>
@@ -5170,7 +5351,9 @@
       <p:sp>
         <p:nvSpPr>
           <p:cNvPr id="33" name="Google Shape;33;p8"/>
-          <p:cNvSpPr txBox="1"/>
+          <p:cNvSpPr txBox="1">
+            <a:spLocks noGrp="1"/>
+          </p:cNvSpPr>
           <p:nvPr>
             <p:ph type="title"/>
           </p:nvPr>
@@ -5185,7 +5368,7 @@
           </a:prstGeom>
         </p:spPr>
         <p:txBody>
-          <a:bodyPr anchorCtr="0" anchor="ctr" bIns="91425" lIns="91425" spcFirstLastPara="1" rIns="91425" wrap="square" tIns="91425">
+          <a:bodyPr spcFirstLastPara="1" wrap="square" lIns="91425" tIns="91425" rIns="91425" bIns="91425" anchor="ctr" anchorCtr="0">
             <a:normAutofit/>
           </a:bodyPr>
           <a:lstStyle>
@@ -5289,15 +5472,19 @@
               <a:defRPr sz="4800"/>
             </a:lvl9pPr>
           </a:lstStyle>
-          <a:p/>
+          <a:p>
+            <a:endParaRPr/>
+          </a:p>
         </p:txBody>
       </p:sp>
       <p:sp>
         <p:nvSpPr>
           <p:cNvPr id="34" name="Google Shape;34;p8"/>
-          <p:cNvSpPr txBox="1"/>
+          <p:cNvSpPr txBox="1">
+            <a:spLocks noGrp="1"/>
+          </p:cNvSpPr>
           <p:nvPr>
-            <p:ph idx="12" type="sldNum"/>
+            <p:ph type="sldNum" idx="12"/>
           </p:nvPr>
         </p:nvSpPr>
         <p:spPr>
@@ -5310,7 +5497,7 @@
           </a:prstGeom>
         </p:spPr>
         <p:txBody>
-          <a:bodyPr anchorCtr="0" anchor="ctr" bIns="91425" lIns="91425" spcFirstLastPara="1" rIns="91425" wrap="square" tIns="91425">
+          <a:bodyPr spcFirstLastPara="1" wrap="square" lIns="91425" tIns="91425" rIns="91425" bIns="91425" anchor="ctr" anchorCtr="0">
             <a:normAutofit/>
           </a:bodyPr>
           <a:lstStyle>
@@ -5352,7 +5539,7 @@
             </a:lvl9pPr>
           </a:lstStyle>
           <a:p>
-            <a:pPr indent="0" lvl="0" marL="0" rtl="0" algn="r">
+            <a:pPr marL="0" lvl="0" indent="0" algn="r" rtl="0">
               <a:spcBef>
                 <a:spcPts val="0"/>
               </a:spcBef>
@@ -5363,7 +5550,7 @@
             </a:pPr>
             <a:fld id="{00000000-1234-1234-1234-123412341234}" type="slidenum">
               <a:rPr lang="es"/>
-              <a:t>‹#›</a:t>
+              <a:t>‹Nº›</a:t>
             </a:fld>
             <a:endParaRPr/>
           </a:p>
@@ -5378,11 +5565,11 @@
 </file>
 
 <file path=ppt/slideLayouts/slideLayout8.xml><?xml version="1.0" encoding="utf-8"?>
-<p:sldLayout xmlns:a="http://schemas.openxmlformats.org/drawingml/2006/main" xmlns:r="http://schemas.openxmlformats.org/officeDocument/2006/relationships" xmlns:mc="http://schemas.openxmlformats.org/markup-compatibility/2006" xmlns:mv="urn:schemas-microsoft-com:mac:vml" xmlns:p="http://schemas.openxmlformats.org/presentationml/2006/main" xmlns:c="http://schemas.openxmlformats.org/drawingml/2006/chart" xmlns:dgm="http://schemas.openxmlformats.org/drawingml/2006/diagram" xmlns:o="urn:schemas-microsoft-com:office:office" xmlns:v="urn:schemas-microsoft-com:vml" xmlns:pvml="urn:schemas-microsoft-com:office:powerpoint" xmlns:com="http://schemas.openxmlformats.org/drawingml/2006/compatibility" xmlns:p14="http://schemas.microsoft.com/office/powerpoint/2010/main" xmlns:p15="http://schemas.microsoft.com/office/powerpoint/2012/main" xmlns:ahyp="http://schemas.microsoft.com/office/drawing/2018/hyperlinkcolor" matchingName="Section title and description">
+<p:sldLayout xmlns:a="http://schemas.openxmlformats.org/drawingml/2006/main" xmlns:r="http://schemas.openxmlformats.org/officeDocument/2006/relationships" xmlns:p="http://schemas.openxmlformats.org/presentationml/2006/main" matchingName="Section title and description">
   <p:cSld name="SECTION_TITLE_AND_DESCRIPTION">
     <p:spTree>
       <p:nvGrpSpPr>
-        <p:cNvPr id="35" name="Shape 35"/>
+        <p:cNvPr id="1" name="Shape 35"/>
         <p:cNvGrpSpPr/>
         <p:nvPr/>
       </p:nvGrpSpPr>
@@ -5416,23 +5603,20 @@
           </a:ln>
         </p:spPr>
         <p:txBody>
-          <a:bodyPr anchorCtr="0" anchor="ctr" bIns="91425" lIns="91425" spcFirstLastPara="1" rIns="91425" wrap="square" tIns="91425">
+          <a:bodyPr spcFirstLastPara="1" wrap="square" lIns="91425" tIns="91425" rIns="91425" bIns="91425" anchor="ctr" anchorCtr="0">
             <a:noAutofit/>
           </a:bodyPr>
           <a:lstStyle/>
           <a:p>
-            <a:pPr indent="0" lvl="0" marL="0" rtl="0" algn="l">
-              <a:spcBef>
-                <a:spcPts val="0"/>
-              </a:spcBef>
-              <a:spcAft>
-                <a:spcPts val="0"/>
-              </a:spcAft>
-              <a:buNone/>
-            </a:pPr>
-            <a:r>
-              <a:t/>
-            </a:r>
+            <a:pPr marL="0" lvl="0" indent="0" algn="l" rtl="0">
+              <a:spcBef>
+                <a:spcPts val="0"/>
+              </a:spcBef>
+              <a:spcAft>
+                <a:spcPts val="0"/>
+              </a:spcAft>
+              <a:buNone/>
+            </a:pPr>
             <a:endParaRPr/>
           </a:p>
         </p:txBody>
@@ -5440,7 +5624,9 @@
       <p:sp>
         <p:nvSpPr>
           <p:cNvPr id="37" name="Google Shape;37;p9"/>
-          <p:cNvSpPr txBox="1"/>
+          <p:cNvSpPr txBox="1">
+            <a:spLocks noGrp="1"/>
+          </p:cNvSpPr>
           <p:nvPr>
             <p:ph type="title"/>
           </p:nvPr>
@@ -5455,7 +5641,7 @@
           </a:prstGeom>
         </p:spPr>
         <p:txBody>
-          <a:bodyPr anchorCtr="0" anchor="b" bIns="91425" lIns="91425" spcFirstLastPara="1" rIns="91425" wrap="square" tIns="91425">
+          <a:bodyPr spcFirstLastPara="1" wrap="square" lIns="91425" tIns="91425" rIns="91425" bIns="91425" anchor="b" anchorCtr="0">
             <a:normAutofit/>
           </a:bodyPr>
           <a:lstStyle>
@@ -5559,15 +5745,19 @@
               <a:defRPr sz="4200"/>
             </a:lvl9pPr>
           </a:lstStyle>
-          <a:p/>
+          <a:p>
+            <a:endParaRPr/>
+          </a:p>
         </p:txBody>
       </p:sp>
       <p:sp>
         <p:nvSpPr>
           <p:cNvPr id="38" name="Google Shape;38;p9"/>
-          <p:cNvSpPr txBox="1"/>
+          <p:cNvSpPr txBox="1">
+            <a:spLocks noGrp="1"/>
+          </p:cNvSpPr>
           <p:nvPr>
-            <p:ph idx="1" type="subTitle"/>
+            <p:ph type="subTitle" idx="1"/>
           </p:nvPr>
         </p:nvSpPr>
         <p:spPr>
@@ -5580,7 +5770,7 @@
           </a:prstGeom>
         </p:spPr>
         <p:txBody>
-          <a:bodyPr anchorCtr="0" anchor="t" bIns="91425" lIns="91425" spcFirstLastPara="1" rIns="91425" wrap="square" tIns="91425">
+          <a:bodyPr spcFirstLastPara="1" wrap="square" lIns="91425" tIns="91425" rIns="91425" bIns="91425" anchor="t" anchorCtr="0">
             <a:normAutofit/>
           </a:bodyPr>
           <a:lstStyle>
@@ -5711,15 +5901,19 @@
               <a:defRPr sz="2100"/>
             </a:lvl9pPr>
           </a:lstStyle>
-          <a:p/>
+          <a:p>
+            <a:endParaRPr/>
+          </a:p>
         </p:txBody>
       </p:sp>
       <p:sp>
         <p:nvSpPr>
           <p:cNvPr id="39" name="Google Shape;39;p9"/>
-          <p:cNvSpPr txBox="1"/>
+          <p:cNvSpPr txBox="1">
+            <a:spLocks noGrp="1"/>
+          </p:cNvSpPr>
           <p:nvPr>
-            <p:ph idx="2" type="body"/>
+            <p:ph type="body" idx="2"/>
           </p:nvPr>
         </p:nvSpPr>
         <p:spPr>
@@ -5732,11 +5926,11 @@
           </a:prstGeom>
         </p:spPr>
         <p:txBody>
-          <a:bodyPr anchorCtr="0" anchor="ctr" bIns="91425" lIns="91425" spcFirstLastPara="1" rIns="91425" wrap="square" tIns="91425">
+          <a:bodyPr spcFirstLastPara="1" wrap="square" lIns="91425" tIns="91425" rIns="91425" bIns="91425" anchor="ctr" anchorCtr="0">
             <a:normAutofit/>
           </a:bodyPr>
           <a:lstStyle>
-            <a:lvl1pPr indent="-342900" lvl="0" marL="457200">
+            <a:lvl1pPr marL="457200" lvl="0" indent="-342900">
               <a:spcBef>
                 <a:spcPts val="0"/>
               </a:spcBef>
@@ -5747,7 +5941,7 @@
               <a:buChar char="●"/>
               <a:defRPr/>
             </a:lvl1pPr>
-            <a:lvl2pPr indent="-317500" lvl="1" marL="914400">
+            <a:lvl2pPr marL="914400" lvl="1" indent="-317500">
               <a:spcBef>
                 <a:spcPts val="0"/>
               </a:spcBef>
@@ -5758,7 +5952,7 @@
               <a:buChar char="○"/>
               <a:defRPr/>
             </a:lvl2pPr>
-            <a:lvl3pPr indent="-317500" lvl="2" marL="1371600">
+            <a:lvl3pPr marL="1371600" lvl="2" indent="-317500">
               <a:spcBef>
                 <a:spcPts val="0"/>
               </a:spcBef>
@@ -5769,7 +5963,7 @@
               <a:buChar char="■"/>
               <a:defRPr/>
             </a:lvl3pPr>
-            <a:lvl4pPr indent="-317500" lvl="3" marL="1828800">
+            <a:lvl4pPr marL="1828800" lvl="3" indent="-317500">
               <a:spcBef>
                 <a:spcPts val="0"/>
               </a:spcBef>
@@ -5780,7 +5974,7 @@
               <a:buChar char="●"/>
               <a:defRPr/>
             </a:lvl4pPr>
-            <a:lvl5pPr indent="-317500" lvl="4" marL="2286000">
+            <a:lvl5pPr marL="2286000" lvl="4" indent="-317500">
               <a:spcBef>
                 <a:spcPts val="0"/>
               </a:spcBef>
@@ -5791,7 +5985,7 @@
               <a:buChar char="○"/>
               <a:defRPr/>
             </a:lvl5pPr>
-            <a:lvl6pPr indent="-317500" lvl="5" marL="2743200">
+            <a:lvl6pPr marL="2743200" lvl="5" indent="-317500">
               <a:spcBef>
                 <a:spcPts val="0"/>
               </a:spcBef>
@@ -5802,7 +5996,7 @@
               <a:buChar char="■"/>
               <a:defRPr/>
             </a:lvl6pPr>
-            <a:lvl7pPr indent="-317500" lvl="6" marL="3200400">
+            <a:lvl7pPr marL="3200400" lvl="6" indent="-317500">
               <a:spcBef>
                 <a:spcPts val="0"/>
               </a:spcBef>
@@ -5813,7 +6007,7 @@
               <a:buChar char="●"/>
               <a:defRPr/>
             </a:lvl7pPr>
-            <a:lvl8pPr indent="-317500" lvl="7" marL="3657600">
+            <a:lvl8pPr marL="3657600" lvl="7" indent="-317500">
               <a:spcBef>
                 <a:spcPts val="0"/>
               </a:spcBef>
@@ -5824,7 +6018,7 @@
               <a:buChar char="○"/>
               <a:defRPr/>
             </a:lvl8pPr>
-            <a:lvl9pPr indent="-317500" lvl="8" marL="4114800">
+            <a:lvl9pPr marL="4114800" lvl="8" indent="-317500">
               <a:spcBef>
                 <a:spcPts val="0"/>
               </a:spcBef>
@@ -5836,15 +6030,19 @@
               <a:defRPr/>
             </a:lvl9pPr>
           </a:lstStyle>
-          <a:p/>
+          <a:p>
+            <a:endParaRPr/>
+          </a:p>
         </p:txBody>
       </p:sp>
       <p:sp>
         <p:nvSpPr>
           <p:cNvPr id="40" name="Google Shape;40;p9"/>
-          <p:cNvSpPr txBox="1"/>
+          <p:cNvSpPr txBox="1">
+            <a:spLocks noGrp="1"/>
+          </p:cNvSpPr>
           <p:nvPr>
-            <p:ph idx="12" type="sldNum"/>
+            <p:ph type="sldNum" idx="12"/>
           </p:nvPr>
         </p:nvSpPr>
         <p:spPr>
@@ -5857,7 +6055,7 @@
           </a:prstGeom>
         </p:spPr>
         <p:txBody>
-          <a:bodyPr anchorCtr="0" anchor="ctr" bIns="91425" lIns="91425" spcFirstLastPara="1" rIns="91425" wrap="square" tIns="91425">
+          <a:bodyPr spcFirstLastPara="1" wrap="square" lIns="91425" tIns="91425" rIns="91425" bIns="91425" anchor="ctr" anchorCtr="0">
             <a:normAutofit/>
           </a:bodyPr>
           <a:lstStyle>
@@ -5899,7 +6097,7 @@
             </a:lvl9pPr>
           </a:lstStyle>
           <a:p>
-            <a:pPr indent="0" lvl="0" marL="0" rtl="0" algn="r">
+            <a:pPr marL="0" lvl="0" indent="0" algn="r" rtl="0">
               <a:spcBef>
                 <a:spcPts val="0"/>
               </a:spcBef>
@@ -5910,7 +6108,7 @@
             </a:pPr>
             <a:fld id="{00000000-1234-1234-1234-123412341234}" type="slidenum">
               <a:rPr lang="es"/>
-              <a:t>‹#›</a:t>
+              <a:t>‹Nº›</a:t>
             </a:fld>
             <a:endParaRPr/>
           </a:p>
@@ -5925,11 +6123,11 @@
 </file>
 
 <file path=ppt/slideLayouts/slideLayout9.xml><?xml version="1.0" encoding="utf-8"?>
-<p:sldLayout xmlns:a="http://schemas.openxmlformats.org/drawingml/2006/main" xmlns:r="http://schemas.openxmlformats.org/officeDocument/2006/relationships" xmlns:mc="http://schemas.openxmlformats.org/markup-compatibility/2006" xmlns:mv="urn:schemas-microsoft-com:mac:vml" xmlns:p="http://schemas.openxmlformats.org/presentationml/2006/main" xmlns:c="http://schemas.openxmlformats.org/drawingml/2006/chart" xmlns:dgm="http://schemas.openxmlformats.org/drawingml/2006/diagram" xmlns:o="urn:schemas-microsoft-com:office:office" xmlns:v="urn:schemas-microsoft-com:vml" xmlns:pvml="urn:schemas-microsoft-com:office:powerpoint" xmlns:com="http://schemas.openxmlformats.org/drawingml/2006/compatibility" xmlns:p14="http://schemas.microsoft.com/office/powerpoint/2010/main" xmlns:p15="http://schemas.microsoft.com/office/powerpoint/2012/main" xmlns:ahyp="http://schemas.microsoft.com/office/drawing/2018/hyperlinkcolor" matchingName="Caption">
+<p:sldLayout xmlns:a="http://schemas.openxmlformats.org/drawingml/2006/main" xmlns:r="http://schemas.openxmlformats.org/officeDocument/2006/relationships" xmlns:p="http://schemas.openxmlformats.org/presentationml/2006/main" matchingName="Caption">
   <p:cSld name="CAPTION_ONLY">
     <p:spTree>
       <p:nvGrpSpPr>
-        <p:cNvPr id="41" name="Shape 41"/>
+        <p:cNvPr id="1" name="Shape 41"/>
         <p:cNvGrpSpPr/>
         <p:nvPr/>
       </p:nvGrpSpPr>
@@ -5944,9 +6142,11 @@
       <p:sp>
         <p:nvSpPr>
           <p:cNvPr id="42" name="Google Shape;42;p10"/>
-          <p:cNvSpPr txBox="1"/>
+          <p:cNvSpPr txBox="1">
+            <a:spLocks noGrp="1"/>
+          </p:cNvSpPr>
           <p:nvPr>
-            <p:ph idx="1" type="body"/>
+            <p:ph type="body" idx="1"/>
           </p:nvPr>
         </p:nvSpPr>
         <p:spPr>
@@ -5959,11 +6159,11 @@
           </a:prstGeom>
         </p:spPr>
         <p:txBody>
-          <a:bodyPr anchorCtr="0" anchor="ctr" bIns="91425" lIns="91425" spcFirstLastPara="1" rIns="91425" wrap="square" tIns="91425">
+          <a:bodyPr spcFirstLastPara="1" wrap="square" lIns="91425" tIns="91425" rIns="91425" bIns="91425" anchor="ctr" anchorCtr="0">
             <a:normAutofit/>
           </a:bodyPr>
           <a:lstStyle>
-            <a:lvl1pPr indent="-228600" lvl="0" marL="457200">
+            <a:lvl1pPr marL="457200" lvl="0" indent="-228600">
               <a:lnSpc>
                 <a:spcPct val="100000"/>
               </a:lnSpc>
@@ -5978,15 +6178,19 @@
               <a:defRPr/>
             </a:lvl1pPr>
           </a:lstStyle>
-          <a:p/>
+          <a:p>
+            <a:endParaRPr/>
+          </a:p>
         </p:txBody>
       </p:sp>
       <p:sp>
         <p:nvSpPr>
           <p:cNvPr id="43" name="Google Shape;43;p10"/>
-          <p:cNvSpPr txBox="1"/>
+          <p:cNvSpPr txBox="1">
+            <a:spLocks noGrp="1"/>
+          </p:cNvSpPr>
           <p:nvPr>
-            <p:ph idx="12" type="sldNum"/>
+            <p:ph type="sldNum" idx="12"/>
           </p:nvPr>
         </p:nvSpPr>
         <p:spPr>
@@ -5999,7 +6203,7 @@
           </a:prstGeom>
         </p:spPr>
         <p:txBody>
-          <a:bodyPr anchorCtr="0" anchor="ctr" bIns="91425" lIns="91425" spcFirstLastPara="1" rIns="91425" wrap="square" tIns="91425">
+          <a:bodyPr spcFirstLastPara="1" wrap="square" lIns="91425" tIns="91425" rIns="91425" bIns="91425" anchor="ctr" anchorCtr="0">
             <a:normAutofit/>
           </a:bodyPr>
           <a:lstStyle>
@@ -6041,7 +6245,7 @@
             </a:lvl9pPr>
           </a:lstStyle>
           <a:p>
-            <a:pPr indent="0" lvl="0" marL="0" rtl="0" algn="r">
+            <a:pPr marL="0" lvl="0" indent="0" algn="r" rtl="0">
               <a:spcBef>
                 <a:spcPts val="0"/>
               </a:spcBef>
@@ -6052,7 +6256,7 @@
             </a:pPr>
             <a:fld id="{00000000-1234-1234-1234-123412341234}" type="slidenum">
               <a:rPr lang="es"/>
-              <a:t>‹#›</a:t>
+              <a:t>‹Nº›</a:t>
             </a:fld>
             <a:endParaRPr/>
           </a:p>
@@ -6067,18 +6271,19 @@
 </file>
 
 <file path=ppt/slideMasters/slideMaster1.xml><?xml version="1.0" encoding="utf-8"?>
-<p:sldMaster xmlns:a="http://schemas.openxmlformats.org/drawingml/2006/main" xmlns:r="http://schemas.openxmlformats.org/officeDocument/2006/relationships" xmlns:mc="http://schemas.openxmlformats.org/markup-compatibility/2006" xmlns:mv="urn:schemas-microsoft-com:mac:vml" xmlns:p="http://schemas.openxmlformats.org/presentationml/2006/main" xmlns:c="http://schemas.openxmlformats.org/drawingml/2006/chart" xmlns:dgm="http://schemas.openxmlformats.org/drawingml/2006/diagram" xmlns:o="urn:schemas-microsoft-com:office:office" xmlns:v="urn:schemas-microsoft-com:vml" xmlns:pvml="urn:schemas-microsoft-com:office:powerpoint" xmlns:com="http://schemas.openxmlformats.org/drawingml/2006/compatibility" xmlns:p14="http://schemas.microsoft.com/office/powerpoint/2010/main" xmlns:p15="http://schemas.microsoft.com/office/powerpoint/2012/main" xmlns:ahyp="http://schemas.microsoft.com/office/drawing/2018/hyperlinkcolor">
+<p:sldMaster xmlns:a="http://schemas.openxmlformats.org/drawingml/2006/main" xmlns:r="http://schemas.openxmlformats.org/officeDocument/2006/relationships" xmlns:p="http://schemas.openxmlformats.org/presentationml/2006/main">
   <p:cSld name="simple-light-2">
     <p:bg>
       <p:bgPr>
         <a:solidFill>
           <a:schemeClr val="lt1"/>
         </a:solidFill>
+        <a:effectLst/>
       </p:bgPr>
     </p:bg>
     <p:spTree>
       <p:nvGrpSpPr>
-        <p:cNvPr id="5" name="Shape 5"/>
+        <p:cNvPr id="1" name="Shape 5"/>
         <p:cNvGrpSpPr/>
         <p:nvPr/>
       </p:nvGrpSpPr>
@@ -6093,7 +6298,9 @@
       <p:sp>
         <p:nvSpPr>
           <p:cNvPr id="6" name="Google Shape;6;p1"/>
-          <p:cNvSpPr txBox="1"/>
+          <p:cNvSpPr txBox="1">
+            <a:spLocks noGrp="1"/>
+          </p:cNvSpPr>
           <p:nvPr>
             <p:ph type="title"/>
           </p:nvPr>
@@ -6112,7 +6319,7 @@
           </a:ln>
         </p:spPr>
         <p:txBody>
-          <a:bodyPr anchorCtr="0" anchor="t" bIns="91425" lIns="91425" spcFirstLastPara="1" rIns="91425" wrap="square" tIns="91425">
+          <a:bodyPr spcFirstLastPara="1" wrap="square" lIns="91425" tIns="91425" rIns="91425" bIns="91425" anchor="t" anchorCtr="0">
             <a:normAutofit/>
           </a:bodyPr>
           <a:lstStyle>
@@ -6279,15 +6486,19 @@
               </a:defRPr>
             </a:lvl9pPr>
           </a:lstStyle>
-          <a:p/>
+          <a:p>
+            <a:endParaRPr/>
+          </a:p>
         </p:txBody>
       </p:sp>
       <p:sp>
         <p:nvSpPr>
           <p:cNvPr id="7" name="Google Shape;7;p1"/>
-          <p:cNvSpPr txBox="1"/>
+          <p:cNvSpPr txBox="1">
+            <a:spLocks noGrp="1"/>
+          </p:cNvSpPr>
           <p:nvPr>
-            <p:ph idx="1" type="body"/>
+            <p:ph type="body" idx="1"/>
           </p:nvPr>
         </p:nvSpPr>
         <p:spPr>
@@ -6304,11 +6515,11 @@
           </a:ln>
         </p:spPr>
         <p:txBody>
-          <a:bodyPr anchorCtr="0" anchor="t" bIns="91425" lIns="91425" spcFirstLastPara="1" rIns="91425" wrap="square" tIns="91425">
+          <a:bodyPr spcFirstLastPara="1" wrap="square" lIns="91425" tIns="91425" rIns="91425" bIns="91425" anchor="t" anchorCtr="0">
             <a:normAutofit/>
           </a:bodyPr>
           <a:lstStyle>
-            <a:lvl1pPr indent="-342900" lvl="0" marL="457200">
+            <a:lvl1pPr marL="457200" lvl="0" indent="-342900">
               <a:lnSpc>
                 <a:spcPct val="115000"/>
               </a:lnSpc>
@@ -6329,7 +6540,7 @@
                 </a:solidFill>
               </a:defRPr>
             </a:lvl1pPr>
-            <a:lvl2pPr indent="-317500" lvl="1" marL="914400">
+            <a:lvl2pPr marL="914400" lvl="1" indent="-317500">
               <a:lnSpc>
                 <a:spcPct val="115000"/>
               </a:lnSpc>
@@ -6350,7 +6561,7 @@
                 </a:solidFill>
               </a:defRPr>
             </a:lvl2pPr>
-            <a:lvl3pPr indent="-317500" lvl="2" marL="1371600">
+            <a:lvl3pPr marL="1371600" lvl="2" indent="-317500">
               <a:lnSpc>
                 <a:spcPct val="115000"/>
               </a:lnSpc>
@@ -6371,7 +6582,7 @@
                 </a:solidFill>
               </a:defRPr>
             </a:lvl3pPr>
-            <a:lvl4pPr indent="-317500" lvl="3" marL="1828800">
+            <a:lvl4pPr marL="1828800" lvl="3" indent="-317500">
               <a:lnSpc>
                 <a:spcPct val="115000"/>
               </a:lnSpc>
@@ -6392,7 +6603,7 @@
                 </a:solidFill>
               </a:defRPr>
             </a:lvl4pPr>
-            <a:lvl5pPr indent="-317500" lvl="4" marL="2286000">
+            <a:lvl5pPr marL="2286000" lvl="4" indent="-317500">
               <a:lnSpc>
                 <a:spcPct val="115000"/>
               </a:lnSpc>
@@ -6413,7 +6624,7 @@
                 </a:solidFill>
               </a:defRPr>
             </a:lvl5pPr>
-            <a:lvl6pPr indent="-317500" lvl="5" marL="2743200">
+            <a:lvl6pPr marL="2743200" lvl="5" indent="-317500">
               <a:lnSpc>
                 <a:spcPct val="115000"/>
               </a:lnSpc>
@@ -6434,7 +6645,7 @@
                 </a:solidFill>
               </a:defRPr>
             </a:lvl6pPr>
-            <a:lvl7pPr indent="-317500" lvl="6" marL="3200400">
+            <a:lvl7pPr marL="3200400" lvl="6" indent="-317500">
               <a:lnSpc>
                 <a:spcPct val="115000"/>
               </a:lnSpc>
@@ -6455,7 +6666,7 @@
                 </a:solidFill>
               </a:defRPr>
             </a:lvl7pPr>
-            <a:lvl8pPr indent="-317500" lvl="7" marL="3657600">
+            <a:lvl8pPr marL="3657600" lvl="7" indent="-317500">
               <a:lnSpc>
                 <a:spcPct val="115000"/>
               </a:lnSpc>
@@ -6476,7 +6687,7 @@
                 </a:solidFill>
               </a:defRPr>
             </a:lvl8pPr>
-            <a:lvl9pPr indent="-317500" lvl="8" marL="4114800">
+            <a:lvl9pPr marL="4114800" lvl="8" indent="-317500">
               <a:lnSpc>
                 <a:spcPct val="115000"/>
               </a:lnSpc>
@@ -6498,15 +6709,19 @@
               </a:defRPr>
             </a:lvl9pPr>
           </a:lstStyle>
-          <a:p/>
+          <a:p>
+            <a:endParaRPr/>
+          </a:p>
         </p:txBody>
       </p:sp>
       <p:sp>
         <p:nvSpPr>
           <p:cNvPr id="8" name="Google Shape;8;p1"/>
-          <p:cNvSpPr txBox="1"/>
+          <p:cNvSpPr txBox="1">
+            <a:spLocks noGrp="1"/>
+          </p:cNvSpPr>
           <p:nvPr>
-            <p:ph idx="12" type="sldNum"/>
+            <p:ph type="sldNum" idx="12"/>
           </p:nvPr>
         </p:nvSpPr>
         <p:spPr>
@@ -6523,7 +6738,7 @@
           </a:ln>
         </p:spPr>
         <p:txBody>
-          <a:bodyPr anchorCtr="0" anchor="ctr" bIns="91425" lIns="91425" spcFirstLastPara="1" rIns="91425" wrap="square" tIns="91425">
+          <a:bodyPr spcFirstLastPara="1" wrap="square" lIns="91425" tIns="91425" rIns="91425" bIns="91425" anchor="ctr" anchorCtr="0">
             <a:normAutofit/>
           </a:bodyPr>
           <a:lstStyle>
@@ -6601,7 +6816,7 @@
             </a:lvl9pPr>
           </a:lstStyle>
           <a:p>
-            <a:pPr indent="0" lvl="0" marL="0" rtl="0" algn="r">
+            <a:pPr marL="0" lvl="0" indent="0" algn="r" rtl="0">
               <a:spcBef>
                 <a:spcPts val="0"/>
               </a:spcBef>
@@ -6612,7 +6827,7 @@
             </a:pPr>
             <a:fld id="{00000000-1234-1234-1234-123412341234}" type="slidenum">
               <a:rPr lang="es"/>
-              <a:t>‹#›</a:t>
+              <a:t>‹Nº›</a:t>
             </a:fld>
             <a:endParaRPr/>
           </a:p>
@@ -6620,7 +6835,7 @@
       </p:sp>
     </p:spTree>
   </p:cSld>
-  <p:clrMap accent1="accent1" accent2="accent2" accent3="accent3" accent4="accent4" accent5="accent5" accent6="accent6" bg1="lt1" bg2="dk2" tx1="dk1" tx2="lt2" folHlink="folHlink" hlink="hlink"/>
+  <p:clrMap bg1="lt1" tx1="dk1" bg2="dk2" tx2="lt2" accent1="accent1" accent2="accent2" accent3="accent3" accent4="accent4" accent5="accent5" accent6="accent6" hlink="hlink" folHlink="folHlink"/>
   <p:sldLayoutIdLst>
     <p:sldLayoutId id="2147483648" r:id="rId1"/>
     <p:sldLayoutId id="2147483649" r:id="rId2"/>
@@ -6634,10 +6849,10 @@
     <p:sldLayoutId id="2147483657" r:id="rId10"/>
     <p:sldLayoutId id="2147483658" r:id="rId11"/>
   </p:sldLayoutIdLst>
-  <p:hf dt="0" ftr="0" hdr="0" sldNum="0"/>
+  <p:hf sldNum="0" hdr="0" ftr="0" dt="0"/>
   <p:txStyles>
     <p:titleStyle>
-      <a:defPPr lvl="0" marR="0" rtl="0" algn="l">
+      <a:defPPr marR="0" lvl="0" algn="l" rtl="0">
         <a:lnSpc>
           <a:spcPct val="100000"/>
         </a:lnSpc>
@@ -6648,7 +6863,7 @@
           <a:spcPts val="0"/>
         </a:spcAft>
       </a:defPPr>
-      <a:lvl1pPr lvl="0" marR="0" rtl="0" algn="l">
+      <a:lvl1pPr marR="0" lvl="0" algn="l" rtl="0">
         <a:lnSpc>
           <a:spcPct val="100000"/>
         </a:lnSpc>
@@ -6662,7 +6877,7 @@
           <a:srgbClr val="000000"/>
         </a:buClr>
         <a:buFont typeface="Arial"/>
-        <a:defRPr b="0" i="0" sz="1400" u="none" cap="none" strike="noStrike">
+        <a:defRPr sz="1400" b="0" i="0" u="none" strike="noStrike" cap="none">
           <a:solidFill>
             <a:srgbClr val="000000"/>
           </a:solidFill>
@@ -6672,7 +6887,7 @@
           <a:sym typeface="Arial"/>
         </a:defRPr>
       </a:lvl1pPr>
-      <a:lvl2pPr lvl="1" marR="0" rtl="0" algn="l">
+      <a:lvl2pPr marR="0" lvl="1" algn="l" rtl="0">
         <a:lnSpc>
           <a:spcPct val="100000"/>
         </a:lnSpc>
@@ -6686,7 +6901,7 @@
           <a:srgbClr val="000000"/>
         </a:buClr>
         <a:buFont typeface="Arial"/>
-        <a:defRPr b="0" i="0" sz="1400" u="none" cap="none" strike="noStrike">
+        <a:defRPr sz="1400" b="0" i="0" u="none" strike="noStrike" cap="none">
           <a:solidFill>
             <a:srgbClr val="000000"/>
           </a:solidFill>
@@ -6696,7 +6911,7 @@
           <a:sym typeface="Arial"/>
         </a:defRPr>
       </a:lvl2pPr>
-      <a:lvl3pPr lvl="2" marR="0" rtl="0" algn="l">
+      <a:lvl3pPr marR="0" lvl="2" algn="l" rtl="0">
         <a:lnSpc>
           <a:spcPct val="100000"/>
         </a:lnSpc>
@@ -6710,7 +6925,7 @@
           <a:srgbClr val="000000"/>
         </a:buClr>
         <a:buFont typeface="Arial"/>
-        <a:defRPr b="0" i="0" sz="1400" u="none" cap="none" strike="noStrike">
+        <a:defRPr sz="1400" b="0" i="0" u="none" strike="noStrike" cap="none">
           <a:solidFill>
             <a:srgbClr val="000000"/>
           </a:solidFill>
@@ -6720,7 +6935,7 @@
           <a:sym typeface="Arial"/>
         </a:defRPr>
       </a:lvl3pPr>
-      <a:lvl4pPr lvl="3" marR="0" rtl="0" algn="l">
+      <a:lvl4pPr marR="0" lvl="3" algn="l" rtl="0">
         <a:lnSpc>
           <a:spcPct val="100000"/>
         </a:lnSpc>
@@ -6734,7 +6949,7 @@
           <a:srgbClr val="000000"/>
         </a:buClr>
         <a:buFont typeface="Arial"/>
-        <a:defRPr b="0" i="0" sz="1400" u="none" cap="none" strike="noStrike">
+        <a:defRPr sz="1400" b="0" i="0" u="none" strike="noStrike" cap="none">
           <a:solidFill>
             <a:srgbClr val="000000"/>
           </a:solidFill>
@@ -6744,7 +6959,7 @@
           <a:sym typeface="Arial"/>
         </a:defRPr>
       </a:lvl4pPr>
-      <a:lvl5pPr lvl="4" marR="0" rtl="0" algn="l">
+      <a:lvl5pPr marR="0" lvl="4" algn="l" rtl="0">
         <a:lnSpc>
           <a:spcPct val="100000"/>
         </a:lnSpc>
@@ -6758,7 +6973,7 @@
           <a:srgbClr val="000000"/>
         </a:buClr>
         <a:buFont typeface="Arial"/>
-        <a:defRPr b="0" i="0" sz="1400" u="none" cap="none" strike="noStrike">
+        <a:defRPr sz="1400" b="0" i="0" u="none" strike="noStrike" cap="none">
           <a:solidFill>
             <a:srgbClr val="000000"/>
           </a:solidFill>
@@ -6768,7 +6983,7 @@
           <a:sym typeface="Arial"/>
         </a:defRPr>
       </a:lvl5pPr>
-      <a:lvl6pPr lvl="5" marR="0" rtl="0" algn="l">
+      <a:lvl6pPr marR="0" lvl="5" algn="l" rtl="0">
         <a:lnSpc>
           <a:spcPct val="100000"/>
         </a:lnSpc>
@@ -6782,7 +6997,7 @@
           <a:srgbClr val="000000"/>
         </a:buClr>
         <a:buFont typeface="Arial"/>
-        <a:defRPr b="0" i="0" sz="1400" u="none" cap="none" strike="noStrike">
+        <a:defRPr sz="1400" b="0" i="0" u="none" strike="noStrike" cap="none">
           <a:solidFill>
             <a:srgbClr val="000000"/>
           </a:solidFill>
@@ -6792,7 +7007,7 @@
           <a:sym typeface="Arial"/>
         </a:defRPr>
       </a:lvl6pPr>
-      <a:lvl7pPr lvl="6" marR="0" rtl="0" algn="l">
+      <a:lvl7pPr marR="0" lvl="6" algn="l" rtl="0">
         <a:lnSpc>
           <a:spcPct val="100000"/>
         </a:lnSpc>
@@ -6806,7 +7021,7 @@
           <a:srgbClr val="000000"/>
         </a:buClr>
         <a:buFont typeface="Arial"/>
-        <a:defRPr b="0" i="0" sz="1400" u="none" cap="none" strike="noStrike">
+        <a:defRPr sz="1400" b="0" i="0" u="none" strike="noStrike" cap="none">
           <a:solidFill>
             <a:srgbClr val="000000"/>
           </a:solidFill>
@@ -6816,7 +7031,7 @@
           <a:sym typeface="Arial"/>
         </a:defRPr>
       </a:lvl7pPr>
-      <a:lvl8pPr lvl="7" marR="0" rtl="0" algn="l">
+      <a:lvl8pPr marR="0" lvl="7" algn="l" rtl="0">
         <a:lnSpc>
           <a:spcPct val="100000"/>
         </a:lnSpc>
@@ -6830,7 +7045,7 @@
           <a:srgbClr val="000000"/>
         </a:buClr>
         <a:buFont typeface="Arial"/>
-        <a:defRPr b="0" i="0" sz="1400" u="none" cap="none" strike="noStrike">
+        <a:defRPr sz="1400" b="0" i="0" u="none" strike="noStrike" cap="none">
           <a:solidFill>
             <a:srgbClr val="000000"/>
           </a:solidFill>
@@ -6840,7 +7055,7 @@
           <a:sym typeface="Arial"/>
         </a:defRPr>
       </a:lvl8pPr>
-      <a:lvl9pPr lvl="8" marR="0" rtl="0" algn="l">
+      <a:lvl9pPr marR="0" lvl="8" algn="l" rtl="0">
         <a:lnSpc>
           <a:spcPct val="100000"/>
         </a:lnSpc>
@@ -6854,7 +7069,7 @@
           <a:srgbClr val="000000"/>
         </a:buClr>
         <a:buFont typeface="Arial"/>
-        <a:defRPr b="0" i="0" sz="1400" u="none" cap="none" strike="noStrike">
+        <a:defRPr sz="1400" b="0" i="0" u="none" strike="noStrike" cap="none">
           <a:solidFill>
             <a:srgbClr val="000000"/>
           </a:solidFill>
@@ -6866,7 +7081,7 @@
       </a:lvl9pPr>
     </p:titleStyle>
     <p:bodyStyle>
-      <a:defPPr lvl="0" marR="0" rtl="0" algn="l">
+      <a:defPPr marR="0" lvl="0" algn="l" rtl="0">
         <a:lnSpc>
           <a:spcPct val="100000"/>
         </a:lnSpc>
@@ -6877,7 +7092,7 @@
           <a:spcPts val="0"/>
         </a:spcAft>
       </a:defPPr>
-      <a:lvl1pPr lvl="0" marR="0" rtl="0" algn="l">
+      <a:lvl1pPr marR="0" lvl="0" algn="l" rtl="0">
         <a:lnSpc>
           <a:spcPct val="100000"/>
         </a:lnSpc>
@@ -6891,7 +7106,7 @@
           <a:srgbClr val="000000"/>
         </a:buClr>
         <a:buFont typeface="Arial"/>
-        <a:defRPr b="0" i="0" sz="1400" u="none" cap="none" strike="noStrike">
+        <a:defRPr sz="1400" b="0" i="0" u="none" strike="noStrike" cap="none">
           <a:solidFill>
             <a:srgbClr val="000000"/>
           </a:solidFill>
@@ -6901,7 +7116,7 @@
           <a:sym typeface="Arial"/>
         </a:defRPr>
       </a:lvl1pPr>
-      <a:lvl2pPr lvl="1" marR="0" rtl="0" algn="l">
+      <a:lvl2pPr marR="0" lvl="1" algn="l" rtl="0">
         <a:lnSpc>
           <a:spcPct val="100000"/>
         </a:lnSpc>
@@ -6915,7 +7130,7 @@
           <a:srgbClr val="000000"/>
         </a:buClr>
         <a:buFont typeface="Arial"/>
-        <a:defRPr b="0" i="0" sz="1400" u="none" cap="none" strike="noStrike">
+        <a:defRPr sz="1400" b="0" i="0" u="none" strike="noStrike" cap="none">
           <a:solidFill>
             <a:srgbClr val="000000"/>
           </a:solidFill>
@@ -6925,7 +7140,7 @@
           <a:sym typeface="Arial"/>
         </a:defRPr>
       </a:lvl2pPr>
-      <a:lvl3pPr lvl="2" marR="0" rtl="0" algn="l">
+      <a:lvl3pPr marR="0" lvl="2" algn="l" rtl="0">
         <a:lnSpc>
           <a:spcPct val="100000"/>
         </a:lnSpc>
@@ -6939,7 +7154,7 @@
           <a:srgbClr val="000000"/>
         </a:buClr>
         <a:buFont typeface="Arial"/>
-        <a:defRPr b="0" i="0" sz="1400" u="none" cap="none" strike="noStrike">
+        <a:defRPr sz="1400" b="0" i="0" u="none" strike="noStrike" cap="none">
           <a:solidFill>
             <a:srgbClr val="000000"/>
           </a:solidFill>
@@ -6949,7 +7164,7 @@
           <a:sym typeface="Arial"/>
         </a:defRPr>
       </a:lvl3pPr>
-      <a:lvl4pPr lvl="3" marR="0" rtl="0" algn="l">
+      <a:lvl4pPr marR="0" lvl="3" algn="l" rtl="0">
         <a:lnSpc>
           <a:spcPct val="100000"/>
         </a:lnSpc>
@@ -6963,7 +7178,7 @@
           <a:srgbClr val="000000"/>
         </a:buClr>
         <a:buFont typeface="Arial"/>
-        <a:defRPr b="0" i="0" sz="1400" u="none" cap="none" strike="noStrike">
+        <a:defRPr sz="1400" b="0" i="0" u="none" strike="noStrike" cap="none">
           <a:solidFill>
             <a:srgbClr val="000000"/>
           </a:solidFill>
@@ -6973,7 +7188,7 @@
           <a:sym typeface="Arial"/>
         </a:defRPr>
       </a:lvl4pPr>
-      <a:lvl5pPr lvl="4" marR="0" rtl="0" algn="l">
+      <a:lvl5pPr marR="0" lvl="4" algn="l" rtl="0">
         <a:lnSpc>
           <a:spcPct val="100000"/>
         </a:lnSpc>
@@ -6987,7 +7202,7 @@
           <a:srgbClr val="000000"/>
         </a:buClr>
         <a:buFont typeface="Arial"/>
-        <a:defRPr b="0" i="0" sz="1400" u="none" cap="none" strike="noStrike">
+        <a:defRPr sz="1400" b="0" i="0" u="none" strike="noStrike" cap="none">
           <a:solidFill>
             <a:srgbClr val="000000"/>
           </a:solidFill>
@@ -6997,7 +7212,7 @@
           <a:sym typeface="Arial"/>
         </a:defRPr>
       </a:lvl5pPr>
-      <a:lvl6pPr lvl="5" marR="0" rtl="0" algn="l">
+      <a:lvl6pPr marR="0" lvl="5" algn="l" rtl="0">
         <a:lnSpc>
           <a:spcPct val="100000"/>
         </a:lnSpc>
@@ -7011,7 +7226,7 @@
           <a:srgbClr val="000000"/>
         </a:buClr>
         <a:buFont typeface="Arial"/>
-        <a:defRPr b="0" i="0" sz="1400" u="none" cap="none" strike="noStrike">
+        <a:defRPr sz="1400" b="0" i="0" u="none" strike="noStrike" cap="none">
           <a:solidFill>
             <a:srgbClr val="000000"/>
           </a:solidFill>
@@ -7021,7 +7236,7 @@
           <a:sym typeface="Arial"/>
         </a:defRPr>
       </a:lvl6pPr>
-      <a:lvl7pPr lvl="6" marR="0" rtl="0" algn="l">
+      <a:lvl7pPr marR="0" lvl="6" algn="l" rtl="0">
         <a:lnSpc>
           <a:spcPct val="100000"/>
         </a:lnSpc>
@@ -7035,7 +7250,7 @@
           <a:srgbClr val="000000"/>
         </a:buClr>
         <a:buFont typeface="Arial"/>
-        <a:defRPr b="0" i="0" sz="1400" u="none" cap="none" strike="noStrike">
+        <a:defRPr sz="1400" b="0" i="0" u="none" strike="noStrike" cap="none">
           <a:solidFill>
             <a:srgbClr val="000000"/>
           </a:solidFill>
@@ -7045,7 +7260,7 @@
           <a:sym typeface="Arial"/>
         </a:defRPr>
       </a:lvl7pPr>
-      <a:lvl8pPr lvl="7" marR="0" rtl="0" algn="l">
+      <a:lvl8pPr marR="0" lvl="7" algn="l" rtl="0">
         <a:lnSpc>
           <a:spcPct val="100000"/>
         </a:lnSpc>
@@ -7059,7 +7274,7 @@
           <a:srgbClr val="000000"/>
         </a:buClr>
         <a:buFont typeface="Arial"/>
-        <a:defRPr b="0" i="0" sz="1400" u="none" cap="none" strike="noStrike">
+        <a:defRPr sz="1400" b="0" i="0" u="none" strike="noStrike" cap="none">
           <a:solidFill>
             <a:srgbClr val="000000"/>
           </a:solidFill>
@@ -7069,7 +7284,7 @@
           <a:sym typeface="Arial"/>
         </a:defRPr>
       </a:lvl8pPr>
-      <a:lvl9pPr lvl="8" marR="0" rtl="0" algn="l">
+      <a:lvl9pPr marR="0" lvl="8" algn="l" rtl="0">
         <a:lnSpc>
           <a:spcPct val="100000"/>
         </a:lnSpc>
@@ -7083,7 +7298,7 @@
           <a:srgbClr val="000000"/>
         </a:buClr>
         <a:buFont typeface="Arial"/>
-        <a:defRPr b="0" i="0" sz="1400" u="none" cap="none" strike="noStrike">
+        <a:defRPr sz="1400" b="0" i="0" u="none" strike="noStrike" cap="none">
           <a:solidFill>
             <a:srgbClr val="000000"/>
           </a:solidFill>
@@ -7095,7 +7310,7 @@
       </a:lvl9pPr>
     </p:bodyStyle>
     <p:otherStyle>
-      <a:defPPr lvl="0" marR="0" rtl="0" algn="l">
+      <a:defPPr marR="0" lvl="0" algn="l" rtl="0">
         <a:lnSpc>
           <a:spcPct val="100000"/>
         </a:lnSpc>
@@ -7106,7 +7321,7 @@
           <a:spcPts val="0"/>
         </a:spcAft>
       </a:defPPr>
-      <a:lvl1pPr lvl="0" marR="0" rtl="0" algn="l">
+      <a:lvl1pPr marR="0" lvl="0" algn="l" rtl="0">
         <a:lnSpc>
           <a:spcPct val="100000"/>
         </a:lnSpc>
@@ -7120,7 +7335,7 @@
           <a:srgbClr val="000000"/>
         </a:buClr>
         <a:buFont typeface="Arial"/>
-        <a:defRPr b="0" i="0" sz="1400" u="none" cap="none" strike="noStrike">
+        <a:defRPr sz="1400" b="0" i="0" u="none" strike="noStrike" cap="none">
           <a:solidFill>
             <a:srgbClr val="000000"/>
           </a:solidFill>
@@ -7130,7 +7345,7 @@
           <a:sym typeface="Arial"/>
         </a:defRPr>
       </a:lvl1pPr>
-      <a:lvl2pPr lvl="1" marR="0" rtl="0" algn="l">
+      <a:lvl2pPr marR="0" lvl="1" algn="l" rtl="0">
         <a:lnSpc>
           <a:spcPct val="100000"/>
         </a:lnSpc>
@@ -7144,7 +7359,7 @@
           <a:srgbClr val="000000"/>
         </a:buClr>
         <a:buFont typeface="Arial"/>
-        <a:defRPr b="0" i="0" sz="1400" u="none" cap="none" strike="noStrike">
+        <a:defRPr sz="1400" b="0" i="0" u="none" strike="noStrike" cap="none">
           <a:solidFill>
             <a:srgbClr val="000000"/>
           </a:solidFill>
@@ -7154,7 +7369,7 @@
           <a:sym typeface="Arial"/>
         </a:defRPr>
       </a:lvl2pPr>
-      <a:lvl3pPr lvl="2" marR="0" rtl="0" algn="l">
+      <a:lvl3pPr marR="0" lvl="2" algn="l" rtl="0">
         <a:lnSpc>
           <a:spcPct val="100000"/>
         </a:lnSpc>
@@ -7168,7 +7383,7 @@
           <a:srgbClr val="000000"/>
         </a:buClr>
         <a:buFont typeface="Arial"/>
-        <a:defRPr b="0" i="0" sz="1400" u="none" cap="none" strike="noStrike">
+        <a:defRPr sz="1400" b="0" i="0" u="none" strike="noStrike" cap="none">
           <a:solidFill>
             <a:srgbClr val="000000"/>
           </a:solidFill>
@@ -7178,7 +7393,7 @@
           <a:sym typeface="Arial"/>
         </a:defRPr>
       </a:lvl3pPr>
-      <a:lvl4pPr lvl="3" marR="0" rtl="0" algn="l">
+      <a:lvl4pPr marR="0" lvl="3" algn="l" rtl="0">
         <a:lnSpc>
           <a:spcPct val="100000"/>
         </a:lnSpc>
@@ -7192,7 +7407,7 @@
           <a:srgbClr val="000000"/>
         </a:buClr>
         <a:buFont typeface="Arial"/>
-        <a:defRPr b="0" i="0" sz="1400" u="none" cap="none" strike="noStrike">
+        <a:defRPr sz="1400" b="0" i="0" u="none" strike="noStrike" cap="none">
           <a:solidFill>
             <a:srgbClr val="000000"/>
           </a:solidFill>
@@ -7202,7 +7417,7 @@
           <a:sym typeface="Arial"/>
         </a:defRPr>
       </a:lvl4pPr>
-      <a:lvl5pPr lvl="4" marR="0" rtl="0" algn="l">
+      <a:lvl5pPr marR="0" lvl="4" algn="l" rtl="0">
         <a:lnSpc>
           <a:spcPct val="100000"/>
         </a:lnSpc>
@@ -7216,7 +7431,7 @@
           <a:srgbClr val="000000"/>
         </a:buClr>
         <a:buFont typeface="Arial"/>
-        <a:defRPr b="0" i="0" sz="1400" u="none" cap="none" strike="noStrike">
+        <a:defRPr sz="1400" b="0" i="0" u="none" strike="noStrike" cap="none">
           <a:solidFill>
             <a:srgbClr val="000000"/>
           </a:solidFill>
@@ -7226,7 +7441,7 @@
           <a:sym typeface="Arial"/>
         </a:defRPr>
       </a:lvl5pPr>
-      <a:lvl6pPr lvl="5" marR="0" rtl="0" algn="l">
+      <a:lvl6pPr marR="0" lvl="5" algn="l" rtl="0">
         <a:lnSpc>
           <a:spcPct val="100000"/>
         </a:lnSpc>
@@ -7240,7 +7455,7 @@
           <a:srgbClr val="000000"/>
         </a:buClr>
         <a:buFont typeface="Arial"/>
-        <a:defRPr b="0" i="0" sz="1400" u="none" cap="none" strike="noStrike">
+        <a:defRPr sz="1400" b="0" i="0" u="none" strike="noStrike" cap="none">
           <a:solidFill>
             <a:srgbClr val="000000"/>
           </a:solidFill>
@@ -7250,7 +7465,7 @@
           <a:sym typeface="Arial"/>
         </a:defRPr>
       </a:lvl6pPr>
-      <a:lvl7pPr lvl="6" marR="0" rtl="0" algn="l">
+      <a:lvl7pPr marR="0" lvl="6" algn="l" rtl="0">
         <a:lnSpc>
           <a:spcPct val="100000"/>
         </a:lnSpc>
@@ -7264,7 +7479,7 @@
           <a:srgbClr val="000000"/>
         </a:buClr>
         <a:buFont typeface="Arial"/>
-        <a:defRPr b="0" i="0" sz="1400" u="none" cap="none" strike="noStrike">
+        <a:defRPr sz="1400" b="0" i="0" u="none" strike="noStrike" cap="none">
           <a:solidFill>
             <a:srgbClr val="000000"/>
           </a:solidFill>
@@ -7274,7 +7489,7 @@
           <a:sym typeface="Arial"/>
         </a:defRPr>
       </a:lvl7pPr>
-      <a:lvl8pPr lvl="7" marR="0" rtl="0" algn="l">
+      <a:lvl8pPr marR="0" lvl="7" algn="l" rtl="0">
         <a:lnSpc>
           <a:spcPct val="100000"/>
         </a:lnSpc>
@@ -7288,7 +7503,7 @@
           <a:srgbClr val="000000"/>
         </a:buClr>
         <a:buFont typeface="Arial"/>
-        <a:defRPr b="0" i="0" sz="1400" u="none" cap="none" strike="noStrike">
+        <a:defRPr sz="1400" b="0" i="0" u="none" strike="noStrike" cap="none">
           <a:solidFill>
             <a:srgbClr val="000000"/>
           </a:solidFill>
@@ -7298,7 +7513,7 @@
           <a:sym typeface="Arial"/>
         </a:defRPr>
       </a:lvl8pPr>
-      <a:lvl9pPr lvl="8" marR="0" rtl="0" algn="l">
+      <a:lvl9pPr marR="0" lvl="8" algn="l" rtl="0">
         <a:lnSpc>
           <a:spcPct val="100000"/>
         </a:lnSpc>
@@ -7312,7 +7527,7 @@
           <a:srgbClr val="000000"/>
         </a:buClr>
         <a:buFont typeface="Arial"/>
-        <a:defRPr b="0" i="0" sz="1400" u="none" cap="none" strike="noStrike">
+        <a:defRPr sz="1400" b="0" i="0" u="none" strike="noStrike" cap="none">
           <a:solidFill>
             <a:srgbClr val="000000"/>
           </a:solidFill>
@@ -7328,11 +7543,11 @@
 </file>
 
 <file path=ppt/slides/slide1.xml><?xml version="1.0" encoding="utf-8"?>
-<p:sld xmlns:a="http://schemas.openxmlformats.org/drawingml/2006/main" xmlns:r="http://schemas.openxmlformats.org/officeDocument/2006/relationships" xmlns:mc="http://schemas.openxmlformats.org/markup-compatibility/2006" xmlns:mv="urn:schemas-microsoft-com:mac:vml" xmlns:p="http://schemas.openxmlformats.org/presentationml/2006/main" xmlns:c="http://schemas.openxmlformats.org/drawingml/2006/chart" xmlns:dgm="http://schemas.openxmlformats.org/drawingml/2006/diagram" xmlns:o="urn:schemas-microsoft-com:office:office" xmlns:v="urn:schemas-microsoft-com:vml" xmlns:pvml="urn:schemas-microsoft-com:office:powerpoint" xmlns:com="http://schemas.openxmlformats.org/drawingml/2006/compatibility" xmlns:p14="http://schemas.microsoft.com/office/powerpoint/2010/main" xmlns:p15="http://schemas.microsoft.com/office/powerpoint/2012/main" xmlns:ahyp="http://schemas.microsoft.com/office/drawing/2018/hyperlinkcolor">
+<p:sld xmlns:a="http://schemas.openxmlformats.org/drawingml/2006/main" xmlns:r="http://schemas.openxmlformats.org/officeDocument/2006/relationships" xmlns:p="http://schemas.openxmlformats.org/presentationml/2006/main">
   <p:cSld>
     <p:spTree>
       <p:nvGrpSpPr>
-        <p:cNvPr id="53" name="Shape 53"/>
+        <p:cNvPr id="1" name="Shape 53"/>
         <p:cNvGrpSpPr/>
         <p:nvPr/>
       </p:nvGrpSpPr>
@@ -7347,7 +7562,9 @@
       <p:sp>
         <p:nvSpPr>
           <p:cNvPr id="54" name="Google Shape;54;p13"/>
-          <p:cNvSpPr txBox="1"/>
+          <p:cNvSpPr txBox="1">
+            <a:spLocks noGrp="1"/>
+          </p:cNvSpPr>
           <p:nvPr>
             <p:ph type="ctrTitle"/>
           </p:nvPr>
@@ -7362,144 +7579,117 @@
           </a:prstGeom>
         </p:spPr>
         <p:txBody>
-          <a:bodyPr anchorCtr="0" anchor="b" bIns="91425" lIns="91425" spcFirstLastPara="1" rIns="91425" wrap="square" tIns="91425">
+          <a:bodyPr spcFirstLastPara="1" wrap="square" lIns="91425" tIns="91425" rIns="91425" bIns="91425" anchor="b" anchorCtr="0">
             <a:normAutofit fontScale="90000"/>
           </a:bodyPr>
           <a:lstStyle/>
           <a:p>
-            <a:pPr indent="0" lvl="0" marL="0" rtl="0" algn="ctr">
-              <a:spcBef>
-                <a:spcPts val="0"/>
-              </a:spcBef>
-              <a:spcAft>
-                <a:spcPts val="0"/>
-              </a:spcAft>
-              <a:buNone/>
-            </a:pPr>
-            <a:r>
-              <a:t/>
-            </a:r>
-            <a:endParaRPr b="1" sz="1800"/>
-          </a:p>
-          <a:p>
-            <a:pPr indent="0" lvl="0" marL="0" rtl="0" algn="ctr">
-              <a:spcBef>
-                <a:spcPts val="0"/>
-              </a:spcBef>
-              <a:spcAft>
-                <a:spcPts val="0"/>
-              </a:spcAft>
-              <a:buNone/>
-            </a:pPr>
-            <a:r>
-              <a:t/>
-            </a:r>
-            <a:endParaRPr b="1" sz="1800"/>
-          </a:p>
-          <a:p>
-            <a:pPr indent="0" lvl="0" marL="0" rtl="0" algn="ctr">
-              <a:spcBef>
-                <a:spcPts val="0"/>
-              </a:spcBef>
-              <a:spcAft>
-                <a:spcPts val="0"/>
-              </a:spcAft>
-              <a:buNone/>
-            </a:pPr>
-            <a:r>
-              <a:t/>
-            </a:r>
-            <a:endParaRPr b="1" sz="1800"/>
-          </a:p>
-          <a:p>
-            <a:pPr indent="0" lvl="0" marL="0" rtl="0" algn="ctr">
-              <a:spcBef>
-                <a:spcPts val="0"/>
-              </a:spcBef>
-              <a:spcAft>
-                <a:spcPts val="0"/>
-              </a:spcAft>
-              <a:buNone/>
-            </a:pPr>
-            <a:r>
-              <a:t/>
-            </a:r>
-            <a:endParaRPr b="1" sz="1800"/>
-          </a:p>
-          <a:p>
-            <a:pPr indent="0" lvl="0" marL="0" rtl="0" algn="ctr">
-              <a:spcBef>
-                <a:spcPts val="0"/>
-              </a:spcBef>
-              <a:spcAft>
-                <a:spcPts val="0"/>
-              </a:spcAft>
-              <a:buNone/>
-            </a:pPr>
-            <a:r>
-              <a:t/>
-            </a:r>
-            <a:endParaRPr b="1" sz="1800"/>
-          </a:p>
-          <a:p>
-            <a:pPr indent="0" lvl="0" marL="0" rtl="0" algn="ctr">
-              <a:spcBef>
-                <a:spcPts val="0"/>
-              </a:spcBef>
-              <a:spcAft>
-                <a:spcPts val="0"/>
-              </a:spcAft>
-              <a:buNone/>
-            </a:pPr>
-            <a:r>
-              <a:t/>
-            </a:r>
-            <a:endParaRPr b="1" sz="1800"/>
-          </a:p>
-          <a:p>
-            <a:pPr indent="0" lvl="0" marL="0" rtl="0" algn="ctr">
-              <a:spcBef>
-                <a:spcPts val="0"/>
-              </a:spcBef>
-              <a:spcAft>
-                <a:spcPts val="0"/>
-              </a:spcAft>
-              <a:buNone/>
-            </a:pPr>
-            <a:r>
-              <a:t/>
-            </a:r>
-            <a:endParaRPr b="1" sz="1800"/>
-          </a:p>
-          <a:p>
-            <a:pPr indent="0" lvl="0" marL="0" rtl="0" algn="ctr">
-              <a:spcBef>
-                <a:spcPts val="0"/>
-              </a:spcBef>
-              <a:spcAft>
-                <a:spcPts val="0"/>
-              </a:spcAft>
-              <a:buNone/>
-            </a:pPr>
-            <a:r>
-              <a:t/>
-            </a:r>
-            <a:endParaRPr b="1" sz="1800"/>
-          </a:p>
-          <a:p>
-            <a:pPr indent="0" lvl="0" marL="0" rtl="0" algn="ctr">
-              <a:spcBef>
-                <a:spcPts val="0"/>
-              </a:spcBef>
-              <a:spcAft>
-                <a:spcPts val="0"/>
-              </a:spcAft>
-              <a:buNone/>
-            </a:pPr>
-            <a:r>
-              <a:t/>
-            </a:r>
-            <a:endParaRPr b="1" sz="1800">
+            <a:pPr marL="0" lvl="0" indent="0" algn="ctr" rtl="0">
+              <a:spcBef>
+                <a:spcPts val="0"/>
+              </a:spcBef>
+              <a:spcAft>
+                <a:spcPts val="0"/>
+              </a:spcAft>
+              <a:buNone/>
+            </a:pPr>
+            <a:endParaRPr sz="1800" b="1"/>
+          </a:p>
+          <a:p>
+            <a:pPr marL="0" lvl="0" indent="0" algn="ctr" rtl="0">
+              <a:spcBef>
+                <a:spcPts val="0"/>
+              </a:spcBef>
+              <a:spcAft>
+                <a:spcPts val="0"/>
+              </a:spcAft>
+              <a:buNone/>
+            </a:pPr>
+            <a:endParaRPr sz="1800" b="1"/>
+          </a:p>
+          <a:p>
+            <a:pPr marL="0" lvl="0" indent="0" algn="ctr" rtl="0">
+              <a:spcBef>
+                <a:spcPts val="0"/>
+              </a:spcBef>
+              <a:spcAft>
+                <a:spcPts val="0"/>
+              </a:spcAft>
+              <a:buNone/>
+            </a:pPr>
+            <a:endParaRPr sz="1800" b="1"/>
+          </a:p>
+          <a:p>
+            <a:pPr marL="0" lvl="0" indent="0" algn="ctr" rtl="0">
+              <a:spcBef>
+                <a:spcPts val="0"/>
+              </a:spcBef>
+              <a:spcAft>
+                <a:spcPts val="0"/>
+              </a:spcAft>
+              <a:buNone/>
+            </a:pPr>
+            <a:endParaRPr sz="1800" b="1"/>
+          </a:p>
+          <a:p>
+            <a:pPr marL="0" lvl="0" indent="0" algn="ctr" rtl="0">
+              <a:spcBef>
+                <a:spcPts val="0"/>
+              </a:spcBef>
+              <a:spcAft>
+                <a:spcPts val="0"/>
+              </a:spcAft>
+              <a:buNone/>
+            </a:pPr>
+            <a:endParaRPr sz="1800" b="1"/>
+          </a:p>
+          <a:p>
+            <a:pPr marL="0" lvl="0" indent="0" algn="ctr" rtl="0">
+              <a:spcBef>
+                <a:spcPts val="0"/>
+              </a:spcBef>
+              <a:spcAft>
+                <a:spcPts val="0"/>
+              </a:spcAft>
+              <a:buNone/>
+            </a:pPr>
+            <a:endParaRPr sz="1800" b="1"/>
+          </a:p>
+          <a:p>
+            <a:pPr marL="0" lvl="0" indent="0" algn="ctr" rtl="0">
+              <a:spcBef>
+                <a:spcPts val="0"/>
+              </a:spcBef>
+              <a:spcAft>
+                <a:spcPts val="0"/>
+              </a:spcAft>
+              <a:buNone/>
+            </a:pPr>
+            <a:endParaRPr sz="1800" b="1"/>
+          </a:p>
+          <a:p>
+            <a:pPr marL="0" lvl="0" indent="0" algn="ctr" rtl="0">
+              <a:spcBef>
+                <a:spcPts val="0"/>
+              </a:spcBef>
+              <a:spcAft>
+                <a:spcPts val="0"/>
+              </a:spcAft>
+              <a:buNone/>
+            </a:pPr>
+            <a:endParaRPr sz="1800" b="1"/>
+          </a:p>
+          <a:p>
+            <a:pPr marL="0" lvl="0" indent="0" algn="ctr" rtl="0">
+              <a:spcBef>
+                <a:spcPts val="0"/>
+              </a:spcBef>
+              <a:spcAft>
+                <a:spcPts val="0"/>
+              </a:spcAft>
+              <a:buNone/>
+            </a:pPr>
+            <a:endParaRPr sz="1800" b="1">
               <a:latin typeface="Montserrat"/>
               <a:ea typeface="Montserrat"/>
               <a:cs typeface="Montserrat"/>
@@ -7507,7 +7697,7 @@
             </a:endParaRPr>
           </a:p>
           <a:p>
-            <a:pPr indent="0" lvl="0" marL="0" rtl="0" algn="ctr">
+            <a:pPr marL="0" lvl="0" indent="0" algn="ctr" rtl="0">
               <a:spcBef>
                 <a:spcPts val="0"/>
               </a:spcBef>
@@ -7517,7 +7707,7 @@
               <a:buNone/>
             </a:pPr>
             <a:r>
-              <a:rPr b="1" lang="es" sz="1800">
+              <a:rPr lang="es" sz="1800" b="1">
                 <a:latin typeface="Montserrat"/>
                 <a:ea typeface="Montserrat"/>
                 <a:cs typeface="Montserrat"/>
@@ -7525,7 +7715,7 @@
               </a:rPr>
               <a:t>DESCRIPCIÓN DEL PROYECTO APT</a:t>
             </a:r>
-            <a:endParaRPr b="1" sz="1800">
+            <a:endParaRPr sz="1800" b="1">
               <a:latin typeface="Montserrat"/>
               <a:ea typeface="Montserrat"/>
               <a:cs typeface="Montserrat"/>
@@ -7533,7 +7723,7 @@
             </a:endParaRPr>
           </a:p>
           <a:p>
-            <a:pPr indent="0" lvl="0" marL="0" rtl="0" algn="ctr">
+            <a:pPr marL="0" lvl="0" indent="0" algn="ctr" rtl="0">
               <a:lnSpc>
                 <a:spcPct val="115000"/>
               </a:lnSpc>
@@ -7567,7 +7757,7 @@
             </a:endParaRPr>
           </a:p>
           <a:p>
-            <a:pPr indent="0" lvl="0" marL="0" rtl="0" algn="ctr">
+            <a:pPr marL="0" lvl="0" indent="0" algn="ctr" rtl="0">
               <a:spcBef>
                 <a:spcPts val="1200"/>
               </a:spcBef>
@@ -7576,9 +7766,6 @@
               </a:spcAft>
               <a:buNone/>
             </a:pPr>
-            <a:r>
-              <a:t/>
-            </a:r>
             <a:endParaRPr sz="1900"/>
           </a:p>
         </p:txBody>
@@ -7586,9 +7773,11 @@
       <p:sp>
         <p:nvSpPr>
           <p:cNvPr id="55" name="Google Shape;55;p13"/>
-          <p:cNvSpPr txBox="1"/>
+          <p:cNvSpPr txBox="1">
+            <a:spLocks noGrp="1"/>
+          </p:cNvSpPr>
           <p:nvPr>
-            <p:ph idx="1" type="subTitle"/>
+            <p:ph type="subTitle" idx="1"/>
           </p:nvPr>
         </p:nvSpPr>
         <p:spPr>
@@ -7601,12 +7790,12 @@
           </a:prstGeom>
         </p:spPr>
         <p:txBody>
-          <a:bodyPr anchorCtr="0" anchor="t" bIns="91425" lIns="91425" spcFirstLastPara="1" rIns="91425" wrap="square" tIns="91425">
+          <a:bodyPr spcFirstLastPara="1" wrap="square" lIns="91425" tIns="91425" rIns="91425" bIns="91425" anchor="t" anchorCtr="0">
             <a:normAutofit fontScale="25000" lnSpcReduction="20000"/>
           </a:bodyPr>
           <a:lstStyle/>
           <a:p>
-            <a:pPr indent="0" lvl="0" marL="0" rtl="0" algn="ctr">
+            <a:pPr marL="0" lvl="0" indent="0" algn="ctr" rtl="0">
               <a:lnSpc>
                 <a:spcPct val="115000"/>
               </a:lnSpc>
@@ -7630,16 +7819,7 @@
                 <a:cs typeface="Montserrat"/>
                 <a:sym typeface="Montserrat"/>
               </a:rPr>
-              <a:t>Estudiante: Mauricio</a:t>
-            </a:r>
-            <a:r>
-              <a:rPr lang="es" sz="4400">
-                <a:latin typeface="Montserrat"/>
-                <a:ea typeface="Montserrat"/>
-                <a:cs typeface="Montserrat"/>
-                <a:sym typeface="Montserrat"/>
-              </a:rPr>
-              <a:t> Andrés Piña Valenzuela</a:t>
+              <a:t>Estudiante: Mauricio Andrés Piña Valenzuela</a:t>
             </a:r>
             <a:br>
               <a:rPr lang="es" sz="4400">
@@ -7683,7 +7863,7 @@
             </a:endParaRPr>
           </a:p>
           <a:p>
-            <a:pPr indent="0" lvl="0" marL="0" rtl="0" algn="ctr">
+            <a:pPr marL="0" lvl="0" indent="0" algn="ctr" rtl="0">
               <a:spcBef>
                 <a:spcPts val="1200"/>
               </a:spcBef>
@@ -7692,9 +7872,6 @@
               </a:spcAft>
               <a:buNone/>
             </a:pPr>
-            <a:r>
-              <a:t/>
-            </a:r>
             <a:endParaRPr/>
           </a:p>
         </p:txBody>
@@ -7736,11 +7913,11 @@
 </file>
 
 <file path=ppt/slides/slide10.xml><?xml version="1.0" encoding="utf-8"?>
-<p:sld xmlns:a="http://schemas.openxmlformats.org/drawingml/2006/main" xmlns:r="http://schemas.openxmlformats.org/officeDocument/2006/relationships" xmlns:mc="http://schemas.openxmlformats.org/markup-compatibility/2006" xmlns:mv="urn:schemas-microsoft-com:mac:vml" xmlns:p="http://schemas.openxmlformats.org/presentationml/2006/main" xmlns:c="http://schemas.openxmlformats.org/drawingml/2006/chart" xmlns:dgm="http://schemas.openxmlformats.org/drawingml/2006/diagram" xmlns:o="urn:schemas-microsoft-com:office:office" xmlns:v="urn:schemas-microsoft-com:vml" xmlns:pvml="urn:schemas-microsoft-com:office:powerpoint" xmlns:com="http://schemas.openxmlformats.org/drawingml/2006/compatibility" xmlns:p14="http://schemas.microsoft.com/office/powerpoint/2010/main" xmlns:p15="http://schemas.microsoft.com/office/powerpoint/2012/main" xmlns:ahyp="http://schemas.microsoft.com/office/drawing/2018/hyperlinkcolor">
+<p:sld xmlns:a="http://schemas.openxmlformats.org/drawingml/2006/main" xmlns:r="http://schemas.openxmlformats.org/officeDocument/2006/relationships" xmlns:p="http://schemas.openxmlformats.org/presentationml/2006/main">
   <p:cSld>
     <p:spTree>
       <p:nvGrpSpPr>
-        <p:cNvPr id="110" name="Shape 110"/>
+        <p:cNvPr id="1" name="Shape 110"/>
         <p:cNvGrpSpPr/>
         <p:nvPr/>
       </p:nvGrpSpPr>
@@ -7755,7 +7932,9 @@
       <p:sp>
         <p:nvSpPr>
           <p:cNvPr id="111" name="Google Shape;111;p22"/>
-          <p:cNvSpPr txBox="1"/>
+          <p:cNvSpPr txBox="1">
+            <a:spLocks noGrp="1"/>
+          </p:cNvSpPr>
           <p:nvPr>
             <p:ph type="title"/>
           </p:nvPr>
@@ -7770,12 +7949,12 @@
           </a:prstGeom>
         </p:spPr>
         <p:txBody>
-          <a:bodyPr anchorCtr="0" anchor="t" bIns="91425" lIns="91425" spcFirstLastPara="1" rIns="91425" wrap="square" tIns="91425">
+          <a:bodyPr spcFirstLastPara="1" wrap="square" lIns="91425" tIns="91425" rIns="91425" bIns="91425" anchor="t" anchorCtr="0">
             <a:noAutofit/>
           </a:bodyPr>
           <a:lstStyle/>
           <a:p>
-            <a:pPr indent="0" lvl="0" marL="0" rtl="0" algn="l">
+            <a:pPr marL="0" lvl="0" indent="0" algn="l" rtl="0">
               <a:spcBef>
                 <a:spcPts val="0"/>
               </a:spcBef>
@@ -7791,16 +7970,7 @@
                 <a:cs typeface="Montserrat"/>
                 <a:sym typeface="Montserrat"/>
               </a:rPr>
-              <a:t>9</a:t>
-            </a:r>
-            <a:r>
-              <a:rPr lang="es" sz="1400">
-                <a:latin typeface="Montserrat"/>
-                <a:ea typeface="Montserrat"/>
-                <a:cs typeface="Montserrat"/>
-                <a:sym typeface="Montserrat"/>
-              </a:rPr>
-              <a:t>.  Anexos </a:t>
+              <a:t>9.  Anexos </a:t>
             </a:r>
             <a:endParaRPr sz="1400">
               <a:latin typeface="Montserrat"/>
@@ -7904,11 +8074,11 @@
 </file>
 
 <file path=ppt/slides/slide11.xml><?xml version="1.0" encoding="utf-8"?>
-<p:sld xmlns:a="http://schemas.openxmlformats.org/drawingml/2006/main" xmlns:r="http://schemas.openxmlformats.org/officeDocument/2006/relationships" xmlns:mc="http://schemas.openxmlformats.org/markup-compatibility/2006" xmlns:mv="urn:schemas-microsoft-com:mac:vml" xmlns:p="http://schemas.openxmlformats.org/presentationml/2006/main" xmlns:c="http://schemas.openxmlformats.org/drawingml/2006/chart" xmlns:dgm="http://schemas.openxmlformats.org/drawingml/2006/diagram" xmlns:o="urn:schemas-microsoft-com:office:office" xmlns:v="urn:schemas-microsoft-com:vml" xmlns:pvml="urn:schemas-microsoft-com:office:powerpoint" xmlns:com="http://schemas.openxmlformats.org/drawingml/2006/compatibility" xmlns:p14="http://schemas.microsoft.com/office/powerpoint/2010/main" xmlns:p15="http://schemas.microsoft.com/office/powerpoint/2012/main" xmlns:ahyp="http://schemas.microsoft.com/office/drawing/2018/hyperlinkcolor">
+<p:sld xmlns:a="http://schemas.openxmlformats.org/drawingml/2006/main" xmlns:r="http://schemas.openxmlformats.org/officeDocument/2006/relationships" xmlns:p="http://schemas.openxmlformats.org/presentationml/2006/main">
   <p:cSld>
     <p:spTree>
       <p:nvGrpSpPr>
-        <p:cNvPr id="118" name="Shape 118"/>
+        <p:cNvPr id="1" name="Shape 118"/>
         <p:cNvGrpSpPr/>
         <p:nvPr/>
       </p:nvGrpSpPr>
@@ -7923,7 +8093,9 @@
       <p:sp>
         <p:nvSpPr>
           <p:cNvPr id="119" name="Google Shape;119;p23"/>
-          <p:cNvSpPr txBox="1"/>
+          <p:cNvSpPr txBox="1">
+            <a:spLocks noGrp="1"/>
+          </p:cNvSpPr>
           <p:nvPr>
             <p:ph type="title"/>
           </p:nvPr>
@@ -7938,12 +8110,12 @@
           </a:prstGeom>
         </p:spPr>
         <p:txBody>
-          <a:bodyPr anchorCtr="0" anchor="t" bIns="91425" lIns="91425" spcFirstLastPara="1" rIns="91425" wrap="square" tIns="91425">
+          <a:bodyPr spcFirstLastPara="1" wrap="square" lIns="91425" tIns="91425" rIns="91425" bIns="91425" anchor="t" anchorCtr="0">
             <a:noAutofit/>
           </a:bodyPr>
           <a:lstStyle/>
           <a:p>
-            <a:pPr indent="0" lvl="0" marL="0" rtl="0" algn="l">
+            <a:pPr marL="0" lvl="0" indent="0" algn="l" rtl="0">
               <a:spcBef>
                 <a:spcPts val="0"/>
               </a:spcBef>
@@ -7973,9 +8145,11 @@
       <p:sp>
         <p:nvSpPr>
           <p:cNvPr id="120" name="Google Shape;120;p23"/>
-          <p:cNvSpPr txBox="1"/>
+          <p:cNvSpPr txBox="1">
+            <a:spLocks noGrp="1"/>
+          </p:cNvSpPr>
           <p:nvPr>
-            <p:ph idx="1" type="body"/>
+            <p:ph type="body" idx="1"/>
           </p:nvPr>
         </p:nvSpPr>
         <p:spPr>
@@ -7988,12 +8162,12 @@
           </a:prstGeom>
         </p:spPr>
         <p:txBody>
-          <a:bodyPr anchorCtr="0" anchor="t" bIns="91425" lIns="91425" spcFirstLastPara="1" rIns="91425" wrap="square" tIns="91425">
+          <a:bodyPr spcFirstLastPara="1" wrap="square" lIns="91425" tIns="91425" rIns="91425" bIns="91425" anchor="t" anchorCtr="0">
             <a:normAutofit/>
           </a:bodyPr>
           <a:lstStyle/>
           <a:p>
-            <a:pPr indent="-298450" lvl="0" marL="457200" rtl="0" algn="l">
+            <a:pPr marL="457200" lvl="0" indent="-298450" algn="l" rtl="0">
               <a:spcBef>
                 <a:spcPts val="1200"/>
               </a:spcBef>
@@ -8030,7 +8204,7 @@
             </a:endParaRPr>
           </a:p>
           <a:p>
-            <a:pPr indent="0" lvl="0" marL="457200" rtl="0" algn="l">
+            <a:pPr marL="457200" lvl="0" indent="0" algn="l" rtl="0">
               <a:spcBef>
                 <a:spcPts val="1200"/>
               </a:spcBef>
@@ -8039,9 +8213,6 @@
               </a:spcAft>
               <a:buNone/>
             </a:pPr>
-            <a:r>
-              <a:t/>
-            </a:r>
             <a:endParaRPr sz="1100">
               <a:solidFill>
                 <a:schemeClr val="dk1"/>
@@ -8053,7 +8224,7 @@
             </a:endParaRPr>
           </a:p>
           <a:p>
-            <a:pPr indent="-298450" lvl="0" marL="457200" rtl="0" algn="l">
+            <a:pPr marL="457200" lvl="0" indent="-298450" algn="l" rtl="0">
               <a:spcBef>
                 <a:spcPts val="1200"/>
               </a:spcBef>
@@ -8090,7 +8261,7 @@
             </a:endParaRPr>
           </a:p>
           <a:p>
-            <a:pPr indent="0" lvl="0" marL="457200" rtl="0" algn="l">
+            <a:pPr marL="457200" lvl="0" indent="0" algn="l" rtl="0">
               <a:spcBef>
                 <a:spcPts val="1200"/>
               </a:spcBef>
@@ -8099,9 +8270,6 @@
               </a:spcAft>
               <a:buNone/>
             </a:pPr>
-            <a:r>
-              <a:t/>
-            </a:r>
             <a:endParaRPr sz="1100">
               <a:solidFill>
                 <a:schemeClr val="dk1"/>
@@ -8113,7 +8281,7 @@
             </a:endParaRPr>
           </a:p>
           <a:p>
-            <a:pPr indent="0" lvl="0" marL="0" rtl="0" algn="l">
+            <a:pPr marL="0" lvl="0" indent="0" algn="l" rtl="0">
               <a:spcBef>
                 <a:spcPts val="1200"/>
               </a:spcBef>
@@ -8122,9 +8290,6 @@
               </a:spcAft>
               <a:buNone/>
             </a:pPr>
-            <a:r>
-              <a:t/>
-            </a:r>
             <a:endParaRPr sz="1100">
               <a:solidFill>
                 <a:schemeClr val="dk1"/>
@@ -8136,7 +8301,7 @@
             </a:endParaRPr>
           </a:p>
           <a:p>
-            <a:pPr indent="0" lvl="0" marL="0" rtl="0" algn="just">
+            <a:pPr marL="0" lvl="0" indent="0" algn="just" rtl="0">
               <a:spcBef>
                 <a:spcPts val="1200"/>
               </a:spcBef>
@@ -8145,9 +8310,6 @@
               </a:spcAft>
               <a:buNone/>
             </a:pPr>
-            <a:r>
-              <a:t/>
-            </a:r>
             <a:endParaRPr sz="1000">
               <a:solidFill>
                 <a:schemeClr val="dk1"/>
@@ -8159,18 +8321,15 @@
             </a:endParaRPr>
           </a:p>
           <a:p>
-            <a:pPr indent="0" lvl="0" marL="0" rtl="0" algn="just">
-              <a:spcBef>
-                <a:spcPts val="0"/>
-              </a:spcBef>
-              <a:spcAft>
-                <a:spcPts val="0"/>
-              </a:spcAft>
-              <a:buNone/>
-            </a:pPr>
-            <a:r>
-              <a:t/>
-            </a:r>
+            <a:pPr marL="0" lvl="0" indent="0" algn="just" rtl="0">
+              <a:spcBef>
+                <a:spcPts val="0"/>
+              </a:spcBef>
+              <a:spcAft>
+                <a:spcPts val="0"/>
+              </a:spcAft>
+              <a:buNone/>
+            </a:pPr>
             <a:endParaRPr sz="1200">
               <a:solidFill>
                 <a:schemeClr val="dk1"/>
@@ -8192,11 +8351,11 @@
 </file>
 
 <file path=ppt/slides/slide12.xml><?xml version="1.0" encoding="utf-8"?>
-<p:sld xmlns:a="http://schemas.openxmlformats.org/drawingml/2006/main" xmlns:r="http://schemas.openxmlformats.org/officeDocument/2006/relationships" xmlns:mc="http://schemas.openxmlformats.org/markup-compatibility/2006" xmlns:mv="urn:schemas-microsoft-com:mac:vml" xmlns:p="http://schemas.openxmlformats.org/presentationml/2006/main" xmlns:c="http://schemas.openxmlformats.org/drawingml/2006/chart" xmlns:dgm="http://schemas.openxmlformats.org/drawingml/2006/diagram" xmlns:o="urn:schemas-microsoft-com:office:office" xmlns:v="urn:schemas-microsoft-com:vml" xmlns:pvml="urn:schemas-microsoft-com:office:powerpoint" xmlns:com="http://schemas.openxmlformats.org/drawingml/2006/compatibility" xmlns:p14="http://schemas.microsoft.com/office/powerpoint/2010/main" xmlns:p15="http://schemas.microsoft.com/office/powerpoint/2012/main" xmlns:ahyp="http://schemas.microsoft.com/office/drawing/2018/hyperlinkcolor">
+<p:sld xmlns:a="http://schemas.openxmlformats.org/drawingml/2006/main" xmlns:r="http://schemas.openxmlformats.org/officeDocument/2006/relationships" xmlns:p="http://schemas.openxmlformats.org/presentationml/2006/main">
   <p:cSld>
     <p:spTree>
       <p:nvGrpSpPr>
-        <p:cNvPr id="124" name="Shape 124"/>
+        <p:cNvPr id="1" name="Shape 124"/>
         <p:cNvGrpSpPr/>
         <p:nvPr/>
       </p:nvGrpSpPr>
@@ -8211,7 +8370,9 @@
       <p:sp>
         <p:nvSpPr>
           <p:cNvPr id="125" name="Google Shape;125;p24"/>
-          <p:cNvSpPr txBox="1"/>
+          <p:cNvSpPr txBox="1">
+            <a:spLocks noGrp="1"/>
+          </p:cNvSpPr>
           <p:nvPr>
             <p:ph type="title"/>
           </p:nvPr>
@@ -8226,12 +8387,12 @@
           </a:prstGeom>
         </p:spPr>
         <p:txBody>
-          <a:bodyPr anchorCtr="0" anchor="t" bIns="91425" lIns="91425" spcFirstLastPara="1" rIns="91425" wrap="square" tIns="91425">
+          <a:bodyPr spcFirstLastPara="1" wrap="square" lIns="91425" tIns="91425" rIns="91425" bIns="91425" anchor="t" anchorCtr="0">
             <a:noAutofit/>
           </a:bodyPr>
           <a:lstStyle/>
           <a:p>
-            <a:pPr indent="0" lvl="0" marL="0" rtl="0" algn="l">
+            <a:pPr marL="0" lvl="0" indent="0" algn="l" rtl="0">
               <a:spcBef>
                 <a:spcPts val="0"/>
               </a:spcBef>
@@ -8247,16 +8408,7 @@
                 <a:cs typeface="Montserrat"/>
                 <a:sym typeface="Montserrat"/>
               </a:rPr>
-              <a:t>9</a:t>
-            </a:r>
-            <a:r>
-              <a:rPr lang="es" sz="1400">
-                <a:latin typeface="Montserrat"/>
-                <a:ea typeface="Montserrat"/>
-                <a:cs typeface="Montserrat"/>
-                <a:sym typeface="Montserrat"/>
-              </a:rPr>
-              <a:t>.  Anexos</a:t>
+              <a:t>9.  Anexos</a:t>
             </a:r>
             <a:endParaRPr sz="1400">
               <a:latin typeface="Montserrat"/>
@@ -8270,9 +8422,11 @@
       <p:sp>
         <p:nvSpPr>
           <p:cNvPr id="126" name="Google Shape;126;p24"/>
-          <p:cNvSpPr txBox="1"/>
+          <p:cNvSpPr txBox="1">
+            <a:spLocks noGrp="1"/>
+          </p:cNvSpPr>
           <p:nvPr>
-            <p:ph idx="1" type="body"/>
+            <p:ph type="body" idx="1"/>
           </p:nvPr>
         </p:nvSpPr>
         <p:spPr>
@@ -8285,12 +8439,12 @@
           </a:prstGeom>
         </p:spPr>
         <p:txBody>
-          <a:bodyPr anchorCtr="0" anchor="t" bIns="91425" lIns="91425" spcFirstLastPara="1" rIns="91425" wrap="square" tIns="91425">
+          <a:bodyPr spcFirstLastPara="1" wrap="square" lIns="91425" tIns="91425" rIns="91425" bIns="91425" anchor="t" anchorCtr="0">
             <a:normAutofit/>
           </a:bodyPr>
           <a:lstStyle/>
           <a:p>
-            <a:pPr indent="0" lvl="0" marL="0" rtl="0" algn="l">
+            <a:pPr marL="0" lvl="0" indent="0" algn="l" rtl="0">
               <a:spcBef>
                 <a:spcPts val="1400"/>
               </a:spcBef>
@@ -8327,7 +8481,7 @@
             </a:endParaRPr>
           </a:p>
           <a:p>
-            <a:pPr indent="0" lvl="0" marL="0" rtl="0" algn="l">
+            <a:pPr marL="0" lvl="0" indent="0" algn="l" rtl="0">
               <a:spcBef>
                 <a:spcPts val="1200"/>
               </a:spcBef>
@@ -8359,7 +8513,7 @@
             </a:endParaRPr>
           </a:p>
           <a:p>
-            <a:pPr indent="0" lvl="0" marL="0" rtl="0" algn="l">
+            <a:pPr marL="0" lvl="0" indent="0" algn="l" rtl="0">
               <a:spcBef>
                 <a:spcPts val="1200"/>
               </a:spcBef>
@@ -8368,9 +8522,6 @@
               </a:spcAft>
               <a:buNone/>
             </a:pPr>
-            <a:r>
-              <a:t/>
-            </a:r>
             <a:endParaRPr sz="1100">
               <a:solidFill>
                 <a:schemeClr val="dk1"/>
@@ -8382,7 +8533,7 @@
             </a:endParaRPr>
           </a:p>
           <a:p>
-            <a:pPr indent="-298450" lvl="0" marL="457200" rtl="0" algn="l">
+            <a:pPr marL="457200" lvl="0" indent="-298450" algn="l" rtl="0">
               <a:spcBef>
                 <a:spcPts val="1200"/>
               </a:spcBef>
@@ -8430,7 +8581,7 @@
             </a:endParaRPr>
           </a:p>
           <a:p>
-            <a:pPr indent="-298450" lvl="0" marL="457200" rtl="0" algn="l">
+            <a:pPr marL="457200" lvl="0" indent="-298450" algn="l" rtl="0">
               <a:spcBef>
                 <a:spcPts val="0"/>
               </a:spcBef>
@@ -8478,7 +8629,7 @@
             </a:endParaRPr>
           </a:p>
           <a:p>
-            <a:pPr indent="-298450" lvl="0" marL="457200" rtl="0" algn="l">
+            <a:pPr marL="457200" lvl="0" indent="-298450" algn="l" rtl="0">
               <a:spcBef>
                 <a:spcPts val="0"/>
               </a:spcBef>
@@ -8515,7 +8666,7 @@
             </a:endParaRPr>
           </a:p>
           <a:p>
-            <a:pPr indent="0" lvl="0" marL="0" rtl="0" algn="l">
+            <a:pPr marL="0" lvl="0" indent="0" algn="l" rtl="0">
               <a:spcBef>
                 <a:spcPts val="1200"/>
               </a:spcBef>
@@ -8529,9 +8680,6 @@
               <a:buFont typeface="Arial"/>
               <a:buNone/>
             </a:pPr>
-            <a:r>
-              <a:t/>
-            </a:r>
             <a:endParaRPr sz="1100">
               <a:solidFill>
                 <a:schemeClr val="dk1"/>
@@ -8543,7 +8691,7 @@
             </a:endParaRPr>
           </a:p>
           <a:p>
-            <a:pPr indent="0" lvl="0" marL="0" rtl="0" algn="just">
+            <a:pPr marL="0" lvl="0" indent="0" algn="just" rtl="0">
               <a:spcBef>
                 <a:spcPts val="1200"/>
               </a:spcBef>
@@ -8552,9 +8700,6 @@
               </a:spcAft>
               <a:buNone/>
             </a:pPr>
-            <a:r>
-              <a:t/>
-            </a:r>
             <a:endParaRPr sz="1000">
               <a:solidFill>
                 <a:schemeClr val="dk1"/>
@@ -8566,18 +8711,15 @@
             </a:endParaRPr>
           </a:p>
           <a:p>
-            <a:pPr indent="0" lvl="0" marL="0" rtl="0" algn="just">
-              <a:spcBef>
-                <a:spcPts val="0"/>
-              </a:spcBef>
-              <a:spcAft>
-                <a:spcPts val="0"/>
-              </a:spcAft>
-              <a:buNone/>
-            </a:pPr>
-            <a:r>
-              <a:t/>
-            </a:r>
+            <a:pPr marL="0" lvl="0" indent="0" algn="just" rtl="0">
+              <a:spcBef>
+                <a:spcPts val="0"/>
+              </a:spcBef>
+              <a:spcAft>
+                <a:spcPts val="0"/>
+              </a:spcAft>
+              <a:buNone/>
+            </a:pPr>
             <a:endParaRPr sz="1200">
               <a:solidFill>
                 <a:schemeClr val="dk1"/>
@@ -8599,11 +8741,11 @@
 </file>
 
 <file path=ppt/slides/slide13.xml><?xml version="1.0" encoding="utf-8"?>
-<p:sld xmlns:a="http://schemas.openxmlformats.org/drawingml/2006/main" xmlns:r="http://schemas.openxmlformats.org/officeDocument/2006/relationships" xmlns:mc="http://schemas.openxmlformats.org/markup-compatibility/2006" xmlns:mv="urn:schemas-microsoft-com:mac:vml" xmlns:p="http://schemas.openxmlformats.org/presentationml/2006/main" xmlns:c="http://schemas.openxmlformats.org/drawingml/2006/chart" xmlns:dgm="http://schemas.openxmlformats.org/drawingml/2006/diagram" xmlns:o="urn:schemas-microsoft-com:office:office" xmlns:v="urn:schemas-microsoft-com:vml" xmlns:pvml="urn:schemas-microsoft-com:office:powerpoint" xmlns:com="http://schemas.openxmlformats.org/drawingml/2006/compatibility" xmlns:p14="http://schemas.microsoft.com/office/powerpoint/2010/main" xmlns:p15="http://schemas.microsoft.com/office/powerpoint/2012/main" xmlns:ahyp="http://schemas.microsoft.com/office/drawing/2018/hyperlinkcolor">
+<p:sld xmlns:a="http://schemas.openxmlformats.org/drawingml/2006/main" xmlns:r="http://schemas.openxmlformats.org/officeDocument/2006/relationships" xmlns:p="http://schemas.openxmlformats.org/presentationml/2006/main">
   <p:cSld>
     <p:spTree>
       <p:nvGrpSpPr>
-        <p:cNvPr id="130" name="Shape 130"/>
+        <p:cNvPr id="1" name="Shape 130"/>
         <p:cNvGrpSpPr/>
         <p:nvPr/>
       </p:nvGrpSpPr>
@@ -8618,7 +8760,9 @@
       <p:sp>
         <p:nvSpPr>
           <p:cNvPr id="131" name="Google Shape;131;p25"/>
-          <p:cNvSpPr txBox="1"/>
+          <p:cNvSpPr txBox="1">
+            <a:spLocks noGrp="1"/>
+          </p:cNvSpPr>
           <p:nvPr>
             <p:ph type="title"/>
           </p:nvPr>
@@ -8633,12 +8777,12 @@
           </a:prstGeom>
         </p:spPr>
         <p:txBody>
-          <a:bodyPr anchorCtr="0" anchor="t" bIns="91425" lIns="91425" spcFirstLastPara="1" rIns="91425" wrap="square" tIns="91425">
+          <a:bodyPr spcFirstLastPara="1" wrap="square" lIns="91425" tIns="91425" rIns="91425" bIns="91425" anchor="t" anchorCtr="0">
             <a:noAutofit/>
           </a:bodyPr>
           <a:lstStyle/>
           <a:p>
-            <a:pPr indent="0" lvl="0" marL="0" rtl="0" algn="l">
+            <a:pPr marL="0" lvl="0" indent="0" algn="l" rtl="0">
               <a:spcBef>
                 <a:spcPts val="0"/>
               </a:spcBef>
@@ -8668,9 +8812,11 @@
       <p:sp>
         <p:nvSpPr>
           <p:cNvPr id="132" name="Google Shape;132;p25"/>
-          <p:cNvSpPr txBox="1"/>
+          <p:cNvSpPr txBox="1">
+            <a:spLocks noGrp="1"/>
+          </p:cNvSpPr>
           <p:nvPr>
-            <p:ph idx="1" type="body"/>
+            <p:ph type="body" idx="1"/>
           </p:nvPr>
         </p:nvSpPr>
         <p:spPr>
@@ -8683,12 +8829,12 @@
           </a:prstGeom>
         </p:spPr>
         <p:txBody>
-          <a:bodyPr anchorCtr="0" anchor="t" bIns="91425" lIns="91425" spcFirstLastPara="1" rIns="91425" wrap="square" tIns="91425">
+          <a:bodyPr spcFirstLastPara="1" wrap="square" lIns="91425" tIns="91425" rIns="91425" bIns="91425" anchor="t" anchorCtr="0">
             <a:normAutofit/>
           </a:bodyPr>
           <a:lstStyle/>
           <a:p>
-            <a:pPr indent="0" lvl="0" marL="0" rtl="0" algn="l">
+            <a:pPr marL="0" lvl="0" indent="0" algn="l" rtl="0">
               <a:spcBef>
                 <a:spcPts val="1400"/>
               </a:spcBef>
@@ -8707,19 +8853,7 @@
                 <a:cs typeface="Montserrat"/>
                 <a:sym typeface="Montserrat"/>
               </a:rPr>
-              <a:t>I</a:t>
-            </a:r>
-            <a:r>
-              <a:rPr lang="es" sz="1100">
-                <a:solidFill>
-                  <a:schemeClr val="dk1"/>
-                </a:solidFill>
-                <a:latin typeface="Montserrat"/>
-                <a:ea typeface="Montserrat"/>
-                <a:cs typeface="Montserrat"/>
-                <a:sym typeface="Montserrat"/>
-              </a:rPr>
-              <a:t>teración 2 – Certificados de residencia</a:t>
+              <a:t>Iteración 2 – Certificados de residencia</a:t>
             </a:r>
             <a:endParaRPr sz="1100">
               <a:solidFill>
@@ -8732,7 +8866,7 @@
             </a:endParaRPr>
           </a:p>
           <a:p>
-            <a:pPr indent="0" lvl="0" marL="0" rtl="0" algn="l">
+            <a:pPr marL="0" lvl="0" indent="0" algn="l" rtl="0">
               <a:spcBef>
                 <a:spcPts val="1200"/>
               </a:spcBef>
@@ -8764,7 +8898,7 @@
             </a:endParaRPr>
           </a:p>
           <a:p>
-            <a:pPr indent="0" lvl="0" marL="0" rtl="0" algn="l">
+            <a:pPr marL="0" lvl="0" indent="0" algn="l" rtl="0">
               <a:spcBef>
                 <a:spcPts val="1200"/>
               </a:spcBef>
@@ -8773,9 +8907,6 @@
               </a:spcAft>
               <a:buNone/>
             </a:pPr>
-            <a:r>
-              <a:t/>
-            </a:r>
             <a:endParaRPr sz="1100">
               <a:solidFill>
                 <a:schemeClr val="dk1"/>
@@ -8787,7 +8918,7 @@
             </a:endParaRPr>
           </a:p>
           <a:p>
-            <a:pPr indent="-298450" lvl="0" marL="457200" rtl="0" algn="l">
+            <a:pPr marL="457200" lvl="0" indent="-298450" algn="l" rtl="0">
               <a:spcBef>
                 <a:spcPts val="1200"/>
               </a:spcBef>
@@ -8835,7 +8966,7 @@
             </a:endParaRPr>
           </a:p>
           <a:p>
-            <a:pPr indent="-298450" lvl="0" marL="457200" rtl="0" algn="l">
+            <a:pPr marL="457200" lvl="0" indent="-298450" algn="l" rtl="0">
               <a:spcBef>
                 <a:spcPts val="0"/>
               </a:spcBef>
@@ -8883,7 +9014,7 @@
             </a:endParaRPr>
           </a:p>
           <a:p>
-            <a:pPr indent="-298450" lvl="0" marL="457200" rtl="0" algn="l">
+            <a:pPr marL="457200" lvl="0" indent="-298450" algn="l" rtl="0">
               <a:spcBef>
                 <a:spcPts val="0"/>
               </a:spcBef>
@@ -8920,7 +9051,7 @@
             </a:endParaRPr>
           </a:p>
           <a:p>
-            <a:pPr indent="0" lvl="0" marL="457200" rtl="0" algn="l">
+            <a:pPr marL="457200" lvl="0" indent="0" algn="l" rtl="0">
               <a:spcBef>
                 <a:spcPts val="1200"/>
               </a:spcBef>
@@ -8929,9 +9060,6 @@
               </a:spcAft>
               <a:buNone/>
             </a:pPr>
-            <a:r>
-              <a:t/>
-            </a:r>
             <a:endParaRPr sz="1100">
               <a:solidFill>
                 <a:schemeClr val="dk1"/>
@@ -8943,7 +9071,7 @@
             </a:endParaRPr>
           </a:p>
           <a:p>
-            <a:pPr indent="0" lvl="0" marL="0" rtl="0" algn="l">
+            <a:pPr marL="0" lvl="0" indent="0" algn="l" rtl="0">
               <a:spcBef>
                 <a:spcPts val="1200"/>
               </a:spcBef>
@@ -8952,9 +9080,6 @@
               </a:spcAft>
               <a:buNone/>
             </a:pPr>
-            <a:r>
-              <a:t/>
-            </a:r>
             <a:endParaRPr sz="1100">
               <a:solidFill>
                 <a:schemeClr val="dk1"/>
@@ -8966,7 +9091,7 @@
             </a:endParaRPr>
           </a:p>
           <a:p>
-            <a:pPr indent="0" lvl="0" marL="0" rtl="0" algn="just">
+            <a:pPr marL="0" lvl="0" indent="0" algn="just" rtl="0">
               <a:spcBef>
                 <a:spcPts val="1200"/>
               </a:spcBef>
@@ -8975,9 +9100,6 @@
               </a:spcAft>
               <a:buNone/>
             </a:pPr>
-            <a:r>
-              <a:t/>
-            </a:r>
             <a:endParaRPr sz="1000">
               <a:solidFill>
                 <a:schemeClr val="dk1"/>
@@ -8989,18 +9111,15 @@
             </a:endParaRPr>
           </a:p>
           <a:p>
-            <a:pPr indent="0" lvl="0" marL="0" rtl="0" algn="just">
-              <a:spcBef>
-                <a:spcPts val="0"/>
-              </a:spcBef>
-              <a:spcAft>
-                <a:spcPts val="0"/>
-              </a:spcAft>
-              <a:buNone/>
-            </a:pPr>
-            <a:r>
-              <a:t/>
-            </a:r>
+            <a:pPr marL="0" lvl="0" indent="0" algn="just" rtl="0">
+              <a:spcBef>
+                <a:spcPts val="0"/>
+              </a:spcBef>
+              <a:spcAft>
+                <a:spcPts val="0"/>
+              </a:spcAft>
+              <a:buNone/>
+            </a:pPr>
             <a:endParaRPr sz="1200">
               <a:solidFill>
                 <a:schemeClr val="dk1"/>
@@ -9022,11 +9141,11 @@
 </file>
 
 <file path=ppt/slides/slide14.xml><?xml version="1.0" encoding="utf-8"?>
-<p:sld xmlns:a="http://schemas.openxmlformats.org/drawingml/2006/main" xmlns:r="http://schemas.openxmlformats.org/officeDocument/2006/relationships" xmlns:mc="http://schemas.openxmlformats.org/markup-compatibility/2006" xmlns:mv="urn:schemas-microsoft-com:mac:vml" xmlns:p="http://schemas.openxmlformats.org/presentationml/2006/main" xmlns:c="http://schemas.openxmlformats.org/drawingml/2006/chart" xmlns:dgm="http://schemas.openxmlformats.org/drawingml/2006/diagram" xmlns:o="urn:schemas-microsoft-com:office:office" xmlns:v="urn:schemas-microsoft-com:vml" xmlns:pvml="urn:schemas-microsoft-com:office:powerpoint" xmlns:com="http://schemas.openxmlformats.org/drawingml/2006/compatibility" xmlns:p14="http://schemas.microsoft.com/office/powerpoint/2010/main" xmlns:p15="http://schemas.microsoft.com/office/powerpoint/2012/main" xmlns:ahyp="http://schemas.microsoft.com/office/drawing/2018/hyperlinkcolor">
+<p:sld xmlns:a="http://schemas.openxmlformats.org/drawingml/2006/main" xmlns:r="http://schemas.openxmlformats.org/officeDocument/2006/relationships" xmlns:p="http://schemas.openxmlformats.org/presentationml/2006/main">
   <p:cSld>
     <p:spTree>
       <p:nvGrpSpPr>
-        <p:cNvPr id="136" name="Shape 136"/>
+        <p:cNvPr id="1" name="Shape 136"/>
         <p:cNvGrpSpPr/>
         <p:nvPr/>
       </p:nvGrpSpPr>
@@ -9041,7 +9160,9 @@
       <p:sp>
         <p:nvSpPr>
           <p:cNvPr id="137" name="Google Shape;137;p26"/>
-          <p:cNvSpPr txBox="1"/>
+          <p:cNvSpPr txBox="1">
+            <a:spLocks noGrp="1"/>
+          </p:cNvSpPr>
           <p:nvPr>
             <p:ph type="title"/>
           </p:nvPr>
@@ -9056,12 +9177,12 @@
           </a:prstGeom>
         </p:spPr>
         <p:txBody>
-          <a:bodyPr anchorCtr="0" anchor="t" bIns="91425" lIns="91425" spcFirstLastPara="1" rIns="91425" wrap="square" tIns="91425">
+          <a:bodyPr spcFirstLastPara="1" wrap="square" lIns="91425" tIns="91425" rIns="91425" bIns="91425" anchor="t" anchorCtr="0">
             <a:noAutofit/>
           </a:bodyPr>
           <a:lstStyle/>
           <a:p>
-            <a:pPr indent="0" lvl="0" marL="0" rtl="0" algn="l">
+            <a:pPr marL="0" lvl="0" indent="0" algn="l" rtl="0">
               <a:spcBef>
                 <a:spcPts val="0"/>
               </a:spcBef>
@@ -9091,9 +9212,11 @@
       <p:sp>
         <p:nvSpPr>
           <p:cNvPr id="138" name="Google Shape;138;p26"/>
-          <p:cNvSpPr txBox="1"/>
+          <p:cNvSpPr txBox="1">
+            <a:spLocks noGrp="1"/>
+          </p:cNvSpPr>
           <p:nvPr>
-            <p:ph idx="1" type="body"/>
+            <p:ph type="body" idx="1"/>
           </p:nvPr>
         </p:nvSpPr>
         <p:spPr>
@@ -9106,12 +9229,12 @@
           </a:prstGeom>
         </p:spPr>
         <p:txBody>
-          <a:bodyPr anchorCtr="0" anchor="t" bIns="91425" lIns="91425" spcFirstLastPara="1" rIns="91425" wrap="square" tIns="91425">
+          <a:bodyPr spcFirstLastPara="1" wrap="square" lIns="91425" tIns="91425" rIns="91425" bIns="91425" anchor="t" anchorCtr="0">
             <a:normAutofit/>
           </a:bodyPr>
           <a:lstStyle/>
           <a:p>
-            <a:pPr indent="0" lvl="0" marL="0" rtl="0" algn="l">
+            <a:pPr marL="0" lvl="0" indent="0" algn="l" rtl="0">
               <a:spcBef>
                 <a:spcPts val="1400"/>
               </a:spcBef>
@@ -9143,7 +9266,7 @@
             </a:endParaRPr>
           </a:p>
           <a:p>
-            <a:pPr indent="0" lvl="0" marL="0" rtl="0" algn="l">
+            <a:pPr marL="0" lvl="0" indent="0" algn="l" rtl="0">
               <a:spcBef>
                 <a:spcPts val="1200"/>
               </a:spcBef>
@@ -9175,7 +9298,7 @@
             </a:endParaRPr>
           </a:p>
           <a:p>
-            <a:pPr indent="0" lvl="0" marL="0" rtl="0" algn="l">
+            <a:pPr marL="0" lvl="0" indent="0" algn="l" rtl="0">
               <a:spcBef>
                 <a:spcPts val="1400"/>
               </a:spcBef>
@@ -9184,9 +9307,6 @@
               </a:spcAft>
               <a:buNone/>
             </a:pPr>
-            <a:r>
-              <a:t/>
-            </a:r>
             <a:endParaRPr sz="1100">
               <a:solidFill>
                 <a:schemeClr val="dk1"/>
@@ -9198,7 +9318,7 @@
             </a:endParaRPr>
           </a:p>
           <a:p>
-            <a:pPr indent="-298450" lvl="0" marL="457200" rtl="0" algn="l">
+            <a:pPr marL="457200" lvl="0" indent="-298450" algn="l" rtl="0">
               <a:spcBef>
                 <a:spcPts val="1200"/>
               </a:spcBef>
@@ -9246,7 +9366,7 @@
             </a:endParaRPr>
           </a:p>
           <a:p>
-            <a:pPr indent="-298450" lvl="0" marL="457200" rtl="0" algn="l">
+            <a:pPr marL="457200" lvl="0" indent="-298450" algn="l" rtl="0">
               <a:spcBef>
                 <a:spcPts val="0"/>
               </a:spcBef>
@@ -9294,7 +9414,7 @@
             </a:endParaRPr>
           </a:p>
           <a:p>
-            <a:pPr indent="-298450" lvl="0" marL="457200" rtl="0" algn="l">
+            <a:pPr marL="457200" lvl="0" indent="-298450" algn="l" rtl="0">
               <a:spcBef>
                 <a:spcPts val="0"/>
               </a:spcBef>
@@ -9331,7 +9451,7 @@
             </a:endParaRPr>
           </a:p>
           <a:p>
-            <a:pPr indent="0" lvl="0" marL="0" rtl="0" algn="l">
+            <a:pPr marL="0" lvl="0" indent="0" algn="l" rtl="0">
               <a:spcBef>
                 <a:spcPts val="1200"/>
               </a:spcBef>
@@ -9340,9 +9460,6 @@
               </a:spcAft>
               <a:buNone/>
             </a:pPr>
-            <a:r>
-              <a:t/>
-            </a:r>
             <a:endParaRPr sz="1100">
               <a:solidFill>
                 <a:schemeClr val="dk1"/>
@@ -9354,7 +9471,7 @@
             </a:endParaRPr>
           </a:p>
           <a:p>
-            <a:pPr indent="0" lvl="0" marL="457200" rtl="0" algn="l">
+            <a:pPr marL="457200" lvl="0" indent="0" algn="l" rtl="0">
               <a:spcBef>
                 <a:spcPts val="1200"/>
               </a:spcBef>
@@ -9363,9 +9480,6 @@
               </a:spcAft>
               <a:buNone/>
             </a:pPr>
-            <a:r>
-              <a:t/>
-            </a:r>
             <a:endParaRPr sz="1100">
               <a:solidFill>
                 <a:schemeClr val="dk1"/>
@@ -9377,7 +9491,7 @@
             </a:endParaRPr>
           </a:p>
           <a:p>
-            <a:pPr indent="0" lvl="0" marL="0" rtl="0" algn="l">
+            <a:pPr marL="0" lvl="0" indent="0" algn="l" rtl="0">
               <a:spcBef>
                 <a:spcPts val="1200"/>
               </a:spcBef>
@@ -9386,9 +9500,6 @@
               </a:spcAft>
               <a:buNone/>
             </a:pPr>
-            <a:r>
-              <a:t/>
-            </a:r>
             <a:endParaRPr sz="1100">
               <a:solidFill>
                 <a:schemeClr val="dk1"/>
@@ -9400,7 +9511,7 @@
             </a:endParaRPr>
           </a:p>
           <a:p>
-            <a:pPr indent="0" lvl="0" marL="0" rtl="0" algn="just">
+            <a:pPr marL="0" lvl="0" indent="0" algn="just" rtl="0">
               <a:spcBef>
                 <a:spcPts val="1200"/>
               </a:spcBef>
@@ -9409,9 +9520,6 @@
               </a:spcAft>
               <a:buNone/>
             </a:pPr>
-            <a:r>
-              <a:t/>
-            </a:r>
             <a:endParaRPr sz="1000">
               <a:solidFill>
                 <a:schemeClr val="dk1"/>
@@ -9423,18 +9531,15 @@
             </a:endParaRPr>
           </a:p>
           <a:p>
-            <a:pPr indent="0" lvl="0" marL="0" rtl="0" algn="just">
-              <a:spcBef>
-                <a:spcPts val="0"/>
-              </a:spcBef>
-              <a:spcAft>
-                <a:spcPts val="0"/>
-              </a:spcAft>
-              <a:buNone/>
-            </a:pPr>
-            <a:r>
-              <a:t/>
-            </a:r>
+            <a:pPr marL="0" lvl="0" indent="0" algn="just" rtl="0">
+              <a:spcBef>
+                <a:spcPts val="0"/>
+              </a:spcBef>
+              <a:spcAft>
+                <a:spcPts val="0"/>
+              </a:spcAft>
+              <a:buNone/>
+            </a:pPr>
             <a:endParaRPr sz="1200">
               <a:solidFill>
                 <a:schemeClr val="dk1"/>
@@ -9456,11 +9561,11 @@
 </file>
 
 <file path=ppt/slides/slide15.xml><?xml version="1.0" encoding="utf-8"?>
-<p:sld xmlns:a="http://schemas.openxmlformats.org/drawingml/2006/main" xmlns:r="http://schemas.openxmlformats.org/officeDocument/2006/relationships" xmlns:mc="http://schemas.openxmlformats.org/markup-compatibility/2006" xmlns:mv="urn:schemas-microsoft-com:mac:vml" xmlns:p="http://schemas.openxmlformats.org/presentationml/2006/main" xmlns:c="http://schemas.openxmlformats.org/drawingml/2006/chart" xmlns:dgm="http://schemas.openxmlformats.org/drawingml/2006/diagram" xmlns:o="urn:schemas-microsoft-com:office:office" xmlns:v="urn:schemas-microsoft-com:vml" xmlns:pvml="urn:schemas-microsoft-com:office:powerpoint" xmlns:com="http://schemas.openxmlformats.org/drawingml/2006/compatibility" xmlns:p14="http://schemas.microsoft.com/office/powerpoint/2010/main" xmlns:p15="http://schemas.microsoft.com/office/powerpoint/2012/main" xmlns:ahyp="http://schemas.microsoft.com/office/drawing/2018/hyperlinkcolor">
+<p:sld xmlns:a="http://schemas.openxmlformats.org/drawingml/2006/main" xmlns:r="http://schemas.openxmlformats.org/officeDocument/2006/relationships" xmlns:p="http://schemas.openxmlformats.org/presentationml/2006/main">
   <p:cSld>
     <p:spTree>
       <p:nvGrpSpPr>
-        <p:cNvPr id="142" name="Shape 142"/>
+        <p:cNvPr id="1" name="Shape 142"/>
         <p:cNvGrpSpPr/>
         <p:nvPr/>
       </p:nvGrpSpPr>
@@ -9475,7 +9580,9 @@
       <p:sp>
         <p:nvSpPr>
           <p:cNvPr id="143" name="Google Shape;143;p27"/>
-          <p:cNvSpPr txBox="1"/>
+          <p:cNvSpPr txBox="1">
+            <a:spLocks noGrp="1"/>
+          </p:cNvSpPr>
           <p:nvPr>
             <p:ph type="title"/>
           </p:nvPr>
@@ -9490,12 +9597,12 @@
           </a:prstGeom>
         </p:spPr>
         <p:txBody>
-          <a:bodyPr anchorCtr="0" anchor="t" bIns="91425" lIns="91425" spcFirstLastPara="1" rIns="91425" wrap="square" tIns="91425">
+          <a:bodyPr spcFirstLastPara="1" wrap="square" lIns="91425" tIns="91425" rIns="91425" bIns="91425" anchor="t" anchorCtr="0">
             <a:noAutofit/>
           </a:bodyPr>
           <a:lstStyle/>
           <a:p>
-            <a:pPr indent="0" lvl="0" marL="0" rtl="0" algn="l">
+            <a:pPr marL="0" lvl="0" indent="0" algn="l" rtl="0">
               <a:spcBef>
                 <a:spcPts val="0"/>
               </a:spcBef>
@@ -9525,9 +9632,11 @@
       <p:sp>
         <p:nvSpPr>
           <p:cNvPr id="144" name="Google Shape;144;p27"/>
-          <p:cNvSpPr txBox="1"/>
+          <p:cNvSpPr txBox="1">
+            <a:spLocks noGrp="1"/>
+          </p:cNvSpPr>
           <p:nvPr>
-            <p:ph idx="1" type="body"/>
+            <p:ph type="body" idx="1"/>
           </p:nvPr>
         </p:nvSpPr>
         <p:spPr>
@@ -9540,12 +9649,12 @@
           </a:prstGeom>
         </p:spPr>
         <p:txBody>
-          <a:bodyPr anchorCtr="0" anchor="t" bIns="91425" lIns="91425" spcFirstLastPara="1" rIns="91425" wrap="square" tIns="91425">
+          <a:bodyPr spcFirstLastPara="1" wrap="square" lIns="91425" tIns="91425" rIns="91425" bIns="91425" anchor="t" anchorCtr="0">
             <a:normAutofit/>
           </a:bodyPr>
           <a:lstStyle/>
           <a:p>
-            <a:pPr indent="0" lvl="0" marL="0" rtl="0" algn="l">
+            <a:pPr marL="0" lvl="0" indent="0" algn="l" rtl="0">
               <a:spcBef>
                 <a:spcPts val="1400"/>
               </a:spcBef>
@@ -9577,7 +9686,7 @@
             </a:endParaRPr>
           </a:p>
           <a:p>
-            <a:pPr indent="0" lvl="0" marL="0" rtl="0" algn="l">
+            <a:pPr marL="0" lvl="0" indent="0" algn="l" rtl="0">
               <a:spcBef>
                 <a:spcPts val="1200"/>
               </a:spcBef>
@@ -9609,7 +9718,7 @@
             </a:endParaRPr>
           </a:p>
           <a:p>
-            <a:pPr indent="0" lvl="0" marL="0" rtl="0" algn="l">
+            <a:pPr marL="0" lvl="0" indent="0" algn="l" rtl="0">
               <a:spcBef>
                 <a:spcPts val="1200"/>
               </a:spcBef>
@@ -9618,9 +9727,6 @@
               </a:spcAft>
               <a:buNone/>
             </a:pPr>
-            <a:r>
-              <a:t/>
-            </a:r>
             <a:endParaRPr sz="1100">
               <a:solidFill>
                 <a:schemeClr val="dk1"/>
@@ -9632,7 +9738,7 @@
             </a:endParaRPr>
           </a:p>
           <a:p>
-            <a:pPr indent="-298450" lvl="0" marL="457200" rtl="0" algn="l">
+            <a:pPr marL="457200" lvl="0" indent="-298450" algn="l" rtl="0">
               <a:spcBef>
                 <a:spcPts val="1400"/>
               </a:spcBef>
@@ -9680,7 +9786,7 @@
             </a:endParaRPr>
           </a:p>
           <a:p>
-            <a:pPr indent="-298450" lvl="0" marL="457200" rtl="0" algn="l">
+            <a:pPr marL="457200" lvl="0" indent="-298450" algn="l" rtl="0">
               <a:spcBef>
                 <a:spcPts val="0"/>
               </a:spcBef>
@@ -9728,7 +9834,7 @@
             </a:endParaRPr>
           </a:p>
           <a:p>
-            <a:pPr indent="-298450" lvl="0" marL="457200" rtl="0" algn="l">
+            <a:pPr marL="457200" lvl="0" indent="-298450" algn="l" rtl="0">
               <a:spcBef>
                 <a:spcPts val="0"/>
               </a:spcBef>
@@ -9765,7 +9871,7 @@
             </a:endParaRPr>
           </a:p>
           <a:p>
-            <a:pPr indent="0" lvl="0" marL="0" rtl="0" algn="l">
+            <a:pPr marL="0" lvl="0" indent="0" algn="l" rtl="0">
               <a:spcBef>
                 <a:spcPts val="1400"/>
               </a:spcBef>
@@ -9774,9 +9880,6 @@
               </a:spcAft>
               <a:buNone/>
             </a:pPr>
-            <a:r>
-              <a:t/>
-            </a:r>
             <a:endParaRPr sz="1100">
               <a:solidFill>
                 <a:schemeClr val="dk1"/>
@@ -9788,7 +9891,7 @@
             </a:endParaRPr>
           </a:p>
           <a:p>
-            <a:pPr indent="0" lvl="0" marL="457200" rtl="0" algn="l">
+            <a:pPr marL="457200" lvl="0" indent="0" algn="l" rtl="0">
               <a:spcBef>
                 <a:spcPts val="1200"/>
               </a:spcBef>
@@ -9797,9 +9900,6 @@
               </a:spcAft>
               <a:buNone/>
             </a:pPr>
-            <a:r>
-              <a:t/>
-            </a:r>
             <a:endParaRPr sz="1100">
               <a:solidFill>
                 <a:schemeClr val="dk1"/>
@@ -9811,7 +9911,7 @@
             </a:endParaRPr>
           </a:p>
           <a:p>
-            <a:pPr indent="0" lvl="0" marL="0" rtl="0" algn="l">
+            <a:pPr marL="0" lvl="0" indent="0" algn="l" rtl="0">
               <a:spcBef>
                 <a:spcPts val="1200"/>
               </a:spcBef>
@@ -9820,9 +9920,6 @@
               </a:spcAft>
               <a:buNone/>
             </a:pPr>
-            <a:r>
-              <a:t/>
-            </a:r>
             <a:endParaRPr sz="1100">
               <a:solidFill>
                 <a:schemeClr val="dk1"/>
@@ -9834,7 +9931,7 @@
             </a:endParaRPr>
           </a:p>
           <a:p>
-            <a:pPr indent="0" lvl="0" marL="0" rtl="0" algn="just">
+            <a:pPr marL="0" lvl="0" indent="0" algn="just" rtl="0">
               <a:spcBef>
                 <a:spcPts val="1200"/>
               </a:spcBef>
@@ -9843,9 +9940,6 @@
               </a:spcAft>
               <a:buNone/>
             </a:pPr>
-            <a:r>
-              <a:t/>
-            </a:r>
             <a:endParaRPr sz="1000">
               <a:solidFill>
                 <a:schemeClr val="dk1"/>
@@ -9857,18 +9951,15 @@
             </a:endParaRPr>
           </a:p>
           <a:p>
-            <a:pPr indent="0" lvl="0" marL="0" rtl="0" algn="just">
-              <a:spcBef>
-                <a:spcPts val="0"/>
-              </a:spcBef>
-              <a:spcAft>
-                <a:spcPts val="0"/>
-              </a:spcAft>
-              <a:buNone/>
-            </a:pPr>
-            <a:r>
-              <a:t/>
-            </a:r>
+            <a:pPr marL="0" lvl="0" indent="0" algn="just" rtl="0">
+              <a:spcBef>
+                <a:spcPts val="0"/>
+              </a:spcBef>
+              <a:spcAft>
+                <a:spcPts val="0"/>
+              </a:spcAft>
+              <a:buNone/>
+            </a:pPr>
             <a:endParaRPr sz="1200">
               <a:solidFill>
                 <a:schemeClr val="dk1"/>
@@ -9890,11 +9981,11 @@
 </file>
 
 <file path=ppt/slides/slide16.xml><?xml version="1.0" encoding="utf-8"?>
-<p:sld xmlns:a="http://schemas.openxmlformats.org/drawingml/2006/main" xmlns:r="http://schemas.openxmlformats.org/officeDocument/2006/relationships" xmlns:mc="http://schemas.openxmlformats.org/markup-compatibility/2006" xmlns:mv="urn:schemas-microsoft-com:mac:vml" xmlns:p="http://schemas.openxmlformats.org/presentationml/2006/main" xmlns:c="http://schemas.openxmlformats.org/drawingml/2006/chart" xmlns:dgm="http://schemas.openxmlformats.org/drawingml/2006/diagram" xmlns:o="urn:schemas-microsoft-com:office:office" xmlns:v="urn:schemas-microsoft-com:vml" xmlns:pvml="urn:schemas-microsoft-com:office:powerpoint" xmlns:com="http://schemas.openxmlformats.org/drawingml/2006/compatibility" xmlns:p14="http://schemas.microsoft.com/office/powerpoint/2010/main" xmlns:p15="http://schemas.microsoft.com/office/powerpoint/2012/main" xmlns:ahyp="http://schemas.microsoft.com/office/drawing/2018/hyperlinkcolor">
+<p:sld xmlns:a="http://schemas.openxmlformats.org/drawingml/2006/main" xmlns:r="http://schemas.openxmlformats.org/officeDocument/2006/relationships" xmlns:p="http://schemas.openxmlformats.org/presentationml/2006/main">
   <p:cSld>
     <p:spTree>
       <p:nvGrpSpPr>
-        <p:cNvPr id="148" name="Shape 148"/>
+        <p:cNvPr id="1" name="Shape 148"/>
         <p:cNvGrpSpPr/>
         <p:nvPr/>
       </p:nvGrpSpPr>
@@ -9909,7 +10000,9 @@
       <p:sp>
         <p:nvSpPr>
           <p:cNvPr id="149" name="Google Shape;149;p28"/>
-          <p:cNvSpPr txBox="1"/>
+          <p:cNvSpPr txBox="1">
+            <a:spLocks noGrp="1"/>
+          </p:cNvSpPr>
           <p:nvPr>
             <p:ph type="title"/>
           </p:nvPr>
@@ -9924,12 +10017,12 @@
           </a:prstGeom>
         </p:spPr>
         <p:txBody>
-          <a:bodyPr anchorCtr="0" anchor="t" bIns="91425" lIns="91425" spcFirstLastPara="1" rIns="91425" wrap="square" tIns="91425">
+          <a:bodyPr spcFirstLastPara="1" wrap="square" lIns="91425" tIns="91425" rIns="91425" bIns="91425" anchor="t" anchorCtr="0">
             <a:noAutofit/>
           </a:bodyPr>
           <a:lstStyle/>
           <a:p>
-            <a:pPr indent="0" lvl="0" marL="0" rtl="0" algn="l">
+            <a:pPr marL="0" lvl="0" indent="0" algn="l" rtl="0">
               <a:spcBef>
                 <a:spcPts val="0"/>
               </a:spcBef>
@@ -9959,9 +10052,11 @@
       <p:sp>
         <p:nvSpPr>
           <p:cNvPr id="150" name="Google Shape;150;p28"/>
-          <p:cNvSpPr txBox="1"/>
+          <p:cNvSpPr txBox="1">
+            <a:spLocks noGrp="1"/>
+          </p:cNvSpPr>
           <p:nvPr>
-            <p:ph idx="1" type="body"/>
+            <p:ph type="body" idx="1"/>
           </p:nvPr>
         </p:nvSpPr>
         <p:spPr>
@@ -9974,12 +10069,12 @@
           </a:prstGeom>
         </p:spPr>
         <p:txBody>
-          <a:bodyPr anchorCtr="0" anchor="t" bIns="91425" lIns="91425" spcFirstLastPara="1" rIns="91425" wrap="square" tIns="91425">
+          <a:bodyPr spcFirstLastPara="1" wrap="square" lIns="91425" tIns="91425" rIns="91425" bIns="91425" anchor="t" anchorCtr="0">
             <a:normAutofit/>
           </a:bodyPr>
           <a:lstStyle/>
           <a:p>
-            <a:pPr indent="0" lvl="0" marL="0" rtl="0" algn="l">
+            <a:pPr marL="0" lvl="0" indent="0" algn="l" rtl="0">
               <a:spcBef>
                 <a:spcPts val="1400"/>
               </a:spcBef>
@@ -9989,7 +10084,7 @@
               <a:buNone/>
             </a:pPr>
             <a:r>
-              <a:rPr lang="es" sz="1100">
+              <a:rPr lang="es" sz="1100" dirty="0">
                 <a:solidFill>
                   <a:schemeClr val="dk1"/>
                 </a:solidFill>
@@ -10000,7 +10095,7 @@
               </a:rPr>
               <a:t>Iteración 5 – Noticias y Comunicados</a:t>
             </a:r>
-            <a:endParaRPr sz="1100">
+            <a:endParaRPr sz="1100" dirty="0">
               <a:solidFill>
                 <a:schemeClr val="dk1"/>
               </a:solidFill>
@@ -10011,7 +10106,7 @@
             </a:endParaRPr>
           </a:p>
           <a:p>
-            <a:pPr indent="0" lvl="0" marL="0" rtl="0" algn="l">
+            <a:pPr marL="0" lvl="0" indent="0" algn="l" rtl="0">
               <a:spcBef>
                 <a:spcPts val="1200"/>
               </a:spcBef>
@@ -10021,7 +10116,7 @@
               <a:buNone/>
             </a:pPr>
             <a:r>
-              <a:rPr lang="es" sz="1100">
+              <a:rPr lang="es" sz="1100" dirty="0">
                 <a:solidFill>
                   <a:schemeClr val="dk1"/>
                 </a:solidFill>
@@ -10032,7 +10127,7 @@
               </a:rPr>
               <a:t>Se implementa un espacio para publicar noticias y comunicados, mejorando la comunicación de la directiva con la comunidad.</a:t>
             </a:r>
-            <a:endParaRPr sz="1100">
+            <a:endParaRPr sz="1100" dirty="0">
               <a:solidFill>
                 <a:schemeClr val="dk1"/>
               </a:solidFill>
@@ -10043,7 +10138,7 @@
             </a:endParaRPr>
           </a:p>
           <a:p>
-            <a:pPr indent="0" lvl="0" marL="0" rtl="0" algn="l">
+            <a:pPr marL="0" lvl="0" indent="0" algn="l" rtl="0">
               <a:spcBef>
                 <a:spcPts val="1400"/>
               </a:spcBef>
@@ -10052,10 +10147,7 @@
               </a:spcAft>
               <a:buNone/>
             </a:pPr>
-            <a:r>
-              <a:t/>
-            </a:r>
-            <a:endParaRPr sz="1100">
+            <a:endParaRPr sz="1100" dirty="0">
               <a:solidFill>
                 <a:schemeClr val="dk1"/>
               </a:solidFill>
@@ -10066,7 +10158,7 @@
             </a:endParaRPr>
           </a:p>
           <a:p>
-            <a:pPr indent="-298450" lvl="0" marL="457200" rtl="0" algn="l">
+            <a:pPr marL="457200" lvl="0" indent="-298450" algn="l" rtl="0">
               <a:spcBef>
                 <a:spcPts val="1400"/>
               </a:spcBef>
@@ -10081,7 +10173,7 @@
               <a:buChar char="●"/>
             </a:pPr>
             <a:r>
-              <a:rPr lang="es" sz="1100">
+              <a:rPr lang="es" sz="1100" dirty="0">
                 <a:solidFill>
                   <a:schemeClr val="dk1"/>
                 </a:solidFill>
@@ -10093,7 +10185,7 @@
               <a:t>HU13 (Alta): Como directiva, quiero publicar noticias y comunicados para mantener informados a los vecinos.</a:t>
             </a:r>
             <a:br>
-              <a:rPr lang="es" sz="1100">
+              <a:rPr lang="es" sz="1100" dirty="0">
                 <a:solidFill>
                   <a:schemeClr val="dk1"/>
                 </a:solidFill>
@@ -10103,7 +10195,7 @@
                 <a:sym typeface="Montserrat"/>
               </a:rPr>
             </a:br>
-            <a:endParaRPr sz="1100">
+            <a:endParaRPr sz="1100" dirty="0">
               <a:solidFill>
                 <a:schemeClr val="dk1"/>
               </a:solidFill>
@@ -10114,7 +10206,7 @@
             </a:endParaRPr>
           </a:p>
           <a:p>
-            <a:pPr indent="-298450" lvl="0" marL="457200" rtl="0" algn="l">
+            <a:pPr marL="457200" lvl="0" indent="-298450" algn="l" rtl="0">
               <a:spcBef>
                 <a:spcPts val="0"/>
               </a:spcBef>
@@ -10129,7 +10221,7 @@
               <a:buChar char="●"/>
             </a:pPr>
             <a:r>
-              <a:rPr lang="es" sz="1100">
+              <a:rPr lang="es" sz="1100" dirty="0">
                 <a:solidFill>
                   <a:schemeClr val="dk1"/>
                 </a:solidFill>
@@ -10141,7 +10233,7 @@
               <a:t>HU14 (Media): Como vecino, quiero visualizar noticias en un panel para enterarme de novedades.</a:t>
             </a:r>
             <a:br>
-              <a:rPr lang="es" sz="1100">
+              <a:rPr lang="es" sz="1100" dirty="0">
                 <a:solidFill>
                   <a:schemeClr val="dk1"/>
                 </a:solidFill>
@@ -10151,7 +10243,7 @@
                 <a:sym typeface="Montserrat"/>
               </a:rPr>
             </a:br>
-            <a:endParaRPr sz="1100">
+            <a:endParaRPr sz="1100" dirty="0">
               <a:solidFill>
                 <a:schemeClr val="dk1"/>
               </a:solidFill>
@@ -10162,7 +10254,7 @@
             </a:endParaRPr>
           </a:p>
           <a:p>
-            <a:pPr indent="-298450" lvl="0" marL="457200" rtl="0" algn="l">
+            <a:pPr marL="457200" lvl="0" indent="-298450" algn="l" rtl="0">
               <a:spcBef>
                 <a:spcPts val="0"/>
               </a:spcBef>
@@ -10177,7 +10269,7 @@
               <a:buChar char="●"/>
             </a:pPr>
             <a:r>
-              <a:rPr lang="es" sz="1100">
+              <a:rPr lang="es" sz="1100" dirty="0">
                 <a:solidFill>
                   <a:schemeClr val="dk1"/>
                 </a:solidFill>
@@ -10188,7 +10280,7 @@
               </a:rPr>
               <a:t>HU15 (Baja): Como directiva, quiero editar/eliminar comunicados para corregir información.</a:t>
             </a:r>
-            <a:endParaRPr sz="1100">
+            <a:endParaRPr sz="1100" dirty="0">
               <a:solidFill>
                 <a:schemeClr val="dk1"/>
               </a:solidFill>
@@ -10199,7 +10291,7 @@
             </a:endParaRPr>
           </a:p>
           <a:p>
-            <a:pPr indent="0" lvl="0" marL="0" rtl="0" algn="l">
+            <a:pPr marL="0" lvl="0" indent="0" algn="l" rtl="0">
               <a:spcBef>
                 <a:spcPts val="1400"/>
               </a:spcBef>
@@ -10208,10 +10300,7 @@
               </a:spcAft>
               <a:buNone/>
             </a:pPr>
-            <a:r>
-              <a:t/>
-            </a:r>
-            <a:endParaRPr sz="1100">
+            <a:endParaRPr sz="1100" dirty="0">
               <a:solidFill>
                 <a:schemeClr val="dk1"/>
               </a:solidFill>
@@ -10222,7 +10311,7 @@
             </a:endParaRPr>
           </a:p>
           <a:p>
-            <a:pPr indent="0" lvl="0" marL="457200" rtl="0" algn="l">
+            <a:pPr marL="457200" lvl="0" indent="0" algn="l" rtl="0">
               <a:spcBef>
                 <a:spcPts val="1200"/>
               </a:spcBef>
@@ -10231,10 +10320,7 @@
               </a:spcAft>
               <a:buNone/>
             </a:pPr>
-            <a:r>
-              <a:t/>
-            </a:r>
-            <a:endParaRPr sz="1100">
+            <a:endParaRPr sz="1100" dirty="0">
               <a:solidFill>
                 <a:schemeClr val="dk1"/>
               </a:solidFill>
@@ -10245,7 +10331,7 @@
             </a:endParaRPr>
           </a:p>
           <a:p>
-            <a:pPr indent="0" lvl="0" marL="0" rtl="0" algn="l">
+            <a:pPr marL="0" lvl="0" indent="0" algn="l" rtl="0">
               <a:spcBef>
                 <a:spcPts val="1200"/>
               </a:spcBef>
@@ -10254,10 +10340,7 @@
               </a:spcAft>
               <a:buNone/>
             </a:pPr>
-            <a:r>
-              <a:t/>
-            </a:r>
-            <a:endParaRPr sz="1100">
+            <a:endParaRPr sz="1100" dirty="0">
               <a:solidFill>
                 <a:schemeClr val="dk1"/>
               </a:solidFill>
@@ -10268,7 +10351,7 @@
             </a:endParaRPr>
           </a:p>
           <a:p>
-            <a:pPr indent="0" lvl="0" marL="0" rtl="0" algn="just">
+            <a:pPr marL="0" lvl="0" indent="0" algn="just" rtl="0">
               <a:spcBef>
                 <a:spcPts val="1200"/>
               </a:spcBef>
@@ -10277,10 +10360,7 @@
               </a:spcAft>
               <a:buNone/>
             </a:pPr>
-            <a:r>
-              <a:t/>
-            </a:r>
-            <a:endParaRPr sz="1000">
+            <a:endParaRPr sz="1000" dirty="0">
               <a:solidFill>
                 <a:schemeClr val="dk1"/>
               </a:solidFill>
@@ -10291,19 +10371,16 @@
             </a:endParaRPr>
           </a:p>
           <a:p>
-            <a:pPr indent="0" lvl="0" marL="0" rtl="0" algn="just">
-              <a:spcBef>
-                <a:spcPts val="0"/>
-              </a:spcBef>
-              <a:spcAft>
-                <a:spcPts val="0"/>
-              </a:spcAft>
-              <a:buNone/>
-            </a:pPr>
-            <a:r>
-              <a:t/>
-            </a:r>
-            <a:endParaRPr sz="1200">
+            <a:pPr marL="0" lvl="0" indent="0" algn="just" rtl="0">
+              <a:spcBef>
+                <a:spcPts val="0"/>
+              </a:spcBef>
+              <a:spcAft>
+                <a:spcPts val="0"/>
+              </a:spcAft>
+              <a:buNone/>
+            </a:pPr>
+            <a:endParaRPr sz="1200" dirty="0">
               <a:solidFill>
                 <a:schemeClr val="dk1"/>
               </a:solidFill>
@@ -10324,11 +10401,11 @@
 </file>
 
 <file path=ppt/slides/slide17.xml><?xml version="1.0" encoding="utf-8"?>
-<p:sld xmlns:a="http://schemas.openxmlformats.org/drawingml/2006/main" xmlns:r="http://schemas.openxmlformats.org/officeDocument/2006/relationships" xmlns:mc="http://schemas.openxmlformats.org/markup-compatibility/2006" xmlns:mv="urn:schemas-microsoft-com:mac:vml" xmlns:p="http://schemas.openxmlformats.org/presentationml/2006/main" xmlns:c="http://schemas.openxmlformats.org/drawingml/2006/chart" xmlns:dgm="http://schemas.openxmlformats.org/drawingml/2006/diagram" xmlns:o="urn:schemas-microsoft-com:office:office" xmlns:v="urn:schemas-microsoft-com:vml" xmlns:pvml="urn:schemas-microsoft-com:office:powerpoint" xmlns:com="http://schemas.openxmlformats.org/drawingml/2006/compatibility" xmlns:p14="http://schemas.microsoft.com/office/powerpoint/2010/main" xmlns:p15="http://schemas.microsoft.com/office/powerpoint/2012/main" xmlns:ahyp="http://schemas.microsoft.com/office/drawing/2018/hyperlinkcolor">
+<p:sld xmlns:a="http://schemas.openxmlformats.org/drawingml/2006/main" xmlns:r="http://schemas.openxmlformats.org/officeDocument/2006/relationships" xmlns:p="http://schemas.openxmlformats.org/presentationml/2006/main">
   <p:cSld>
     <p:spTree>
       <p:nvGrpSpPr>
-        <p:cNvPr id="154" name="Shape 154"/>
+        <p:cNvPr id="1" name="Shape 154"/>
         <p:cNvGrpSpPr/>
         <p:nvPr/>
       </p:nvGrpSpPr>
@@ -10343,7 +10420,9 @@
       <p:sp>
         <p:nvSpPr>
           <p:cNvPr id="155" name="Google Shape;155;p29"/>
-          <p:cNvSpPr txBox="1"/>
+          <p:cNvSpPr txBox="1">
+            <a:spLocks noGrp="1"/>
+          </p:cNvSpPr>
           <p:nvPr>
             <p:ph type="title"/>
           </p:nvPr>
@@ -10358,12 +10437,12 @@
           </a:prstGeom>
         </p:spPr>
         <p:txBody>
-          <a:bodyPr anchorCtr="0" anchor="t" bIns="91425" lIns="91425" spcFirstLastPara="1" rIns="91425" wrap="square" tIns="91425">
+          <a:bodyPr spcFirstLastPara="1" wrap="square" lIns="91425" tIns="91425" rIns="91425" bIns="91425" anchor="t" anchorCtr="0">
             <a:noAutofit/>
           </a:bodyPr>
           <a:lstStyle/>
           <a:p>
-            <a:pPr indent="0" lvl="0" marL="0" rtl="0" algn="l">
+            <a:pPr marL="0" lvl="0" indent="0" algn="l" rtl="0">
               <a:spcBef>
                 <a:spcPts val="0"/>
               </a:spcBef>
@@ -10393,9 +10472,11 @@
       <p:sp>
         <p:nvSpPr>
           <p:cNvPr id="156" name="Google Shape;156;p29"/>
-          <p:cNvSpPr txBox="1"/>
+          <p:cNvSpPr txBox="1">
+            <a:spLocks noGrp="1"/>
+          </p:cNvSpPr>
           <p:nvPr>
-            <p:ph idx="1" type="body"/>
+            <p:ph type="body" idx="1"/>
           </p:nvPr>
         </p:nvSpPr>
         <p:spPr>
@@ -10408,12 +10489,12 @@
           </a:prstGeom>
         </p:spPr>
         <p:txBody>
-          <a:bodyPr anchorCtr="0" anchor="t" bIns="91425" lIns="91425" spcFirstLastPara="1" rIns="91425" wrap="square" tIns="91425">
-            <a:normAutofit fontScale="92500" lnSpcReduction="10000"/>
+          <a:bodyPr spcFirstLastPara="1" wrap="square" lIns="91425" tIns="91425" rIns="91425" bIns="91425" anchor="t" anchorCtr="0">
+            <a:normAutofit/>
           </a:bodyPr>
           <a:lstStyle/>
           <a:p>
-            <a:pPr indent="0" lvl="0" marL="0" rtl="0" algn="l">
+            <a:pPr marL="0" lvl="0" indent="0" algn="l" rtl="0">
               <a:spcBef>
                 <a:spcPts val="1400"/>
               </a:spcBef>
@@ -10423,7 +10504,7 @@
               <a:buNone/>
             </a:pPr>
             <a:r>
-              <a:rPr lang="es" sz="1208">
+              <a:rPr lang="es" sz="1100" dirty="0">
                 <a:solidFill>
                   <a:schemeClr val="dk1"/>
                 </a:solidFill>
@@ -10434,7 +10515,7 @@
               </a:rPr>
               <a:t>Iteración 6 – Documentación y Cierre</a:t>
             </a:r>
-            <a:endParaRPr sz="1208">
+            <a:endParaRPr sz="1100" dirty="0">
               <a:solidFill>
                 <a:schemeClr val="dk1"/>
               </a:solidFill>
@@ -10445,7 +10526,7 @@
             </a:endParaRPr>
           </a:p>
           <a:p>
-            <a:pPr indent="0" lvl="0" marL="0" rtl="0" algn="l">
+            <a:pPr marL="0" lvl="0" indent="0" algn="l" rtl="0">
               <a:spcBef>
                 <a:spcPts val="1200"/>
               </a:spcBef>
@@ -10455,7 +10536,7 @@
               <a:buNone/>
             </a:pPr>
             <a:r>
-              <a:rPr lang="es" sz="1208">
+              <a:rPr lang="es" sz="1100" dirty="0">
                 <a:solidFill>
                   <a:schemeClr val="dk1"/>
                 </a:solidFill>
@@ -10464,10 +10545,55 @@
                 <a:cs typeface="Montserrat"/>
                 <a:sym typeface="Montserrat"/>
               </a:rPr>
-              <a:t>Se preparan los entregables finales: documentación, reportes de pruebas</a:t>
+              <a:t>Se preparan los entregables finales: documentación, reportes de pruebas, además de la consolidación del sistema completo.</a:t>
             </a:r>
+            <a:endParaRPr sz="1100" dirty="0">
+              <a:solidFill>
+                <a:schemeClr val="dk1"/>
+              </a:solidFill>
+              <a:latin typeface="Montserrat"/>
+              <a:ea typeface="Montserrat"/>
+              <a:cs typeface="Montserrat"/>
+              <a:sym typeface="Montserrat"/>
+            </a:endParaRPr>
+          </a:p>
+          <a:p>
+            <a:pPr marL="0" lvl="0" indent="0" algn="l" rtl="0">
+              <a:spcBef>
+                <a:spcPts val="1400"/>
+              </a:spcBef>
+              <a:spcAft>
+                <a:spcPts val="0"/>
+              </a:spcAft>
+              <a:buNone/>
+            </a:pPr>
+            <a:endParaRPr sz="1100" dirty="0">
+              <a:solidFill>
+                <a:schemeClr val="dk1"/>
+              </a:solidFill>
+              <a:latin typeface="Montserrat"/>
+              <a:ea typeface="Montserrat"/>
+              <a:cs typeface="Montserrat"/>
+              <a:sym typeface="Montserrat"/>
+            </a:endParaRPr>
+          </a:p>
+          <a:p>
+            <a:pPr marL="457200" lvl="0" indent="-299561" algn="l" rtl="0">
+              <a:spcBef>
+                <a:spcPts val="1400"/>
+              </a:spcBef>
+              <a:spcAft>
+                <a:spcPts val="0"/>
+              </a:spcAft>
+              <a:buClr>
+                <a:schemeClr val="dk1"/>
+              </a:buClr>
+              <a:buSzPct val="100000"/>
+              <a:buFont typeface="Montserrat"/>
+              <a:buChar char="●"/>
+            </a:pPr>
             <a:r>
-              <a:rPr lang="es" sz="1208">
+              <a:rPr lang="es" sz="1100" dirty="0">
                 <a:solidFill>
                   <a:schemeClr val="dk1"/>
                 </a:solidFill>
@@ -10476,82 +10602,10 @@
                 <a:cs typeface="Montserrat"/>
                 <a:sym typeface="Montserrat"/>
               </a:rPr>
-              <a:t> y manuales</a:t>
-            </a:r>
-            <a:r>
-              <a:rPr lang="es" sz="1208">
-                <a:solidFill>
-                  <a:schemeClr val="dk1"/>
-                </a:solidFill>
-                <a:latin typeface="Montserrat"/>
-                <a:ea typeface="Montserrat"/>
-                <a:cs typeface="Montserrat"/>
-                <a:sym typeface="Montserrat"/>
-              </a:rPr>
-              <a:t>, además de la consolidación del sistema completo.</a:t>
-            </a:r>
-            <a:endParaRPr sz="1208">
-              <a:solidFill>
-                <a:schemeClr val="dk1"/>
-              </a:solidFill>
-              <a:latin typeface="Montserrat"/>
-              <a:ea typeface="Montserrat"/>
-              <a:cs typeface="Montserrat"/>
-              <a:sym typeface="Montserrat"/>
-            </a:endParaRPr>
-          </a:p>
-          <a:p>
-            <a:pPr indent="0" lvl="0" marL="0" rtl="0" algn="l">
-              <a:spcBef>
-                <a:spcPts val="1400"/>
-              </a:spcBef>
-              <a:spcAft>
-                <a:spcPts val="0"/>
-              </a:spcAft>
-              <a:buNone/>
-            </a:pPr>
-            <a:r>
-              <a:t/>
-            </a:r>
-            <a:endParaRPr sz="1100">
-              <a:solidFill>
-                <a:schemeClr val="dk1"/>
-              </a:solidFill>
-              <a:latin typeface="Montserrat"/>
-              <a:ea typeface="Montserrat"/>
-              <a:cs typeface="Montserrat"/>
-              <a:sym typeface="Montserrat"/>
-            </a:endParaRPr>
-          </a:p>
-          <a:p>
-            <a:pPr indent="-299561" lvl="0" marL="457200" rtl="0" algn="l">
-              <a:spcBef>
-                <a:spcPts val="1400"/>
-              </a:spcBef>
-              <a:spcAft>
-                <a:spcPts val="0"/>
-              </a:spcAft>
-              <a:buClr>
-                <a:schemeClr val="dk1"/>
-              </a:buClr>
-              <a:buSzPct val="100000"/>
-              <a:buFont typeface="Montserrat"/>
-              <a:buChar char="●"/>
-            </a:pPr>
-            <a:r>
-              <a:rPr lang="es" sz="1208">
-                <a:solidFill>
-                  <a:schemeClr val="dk1"/>
-                </a:solidFill>
-                <a:latin typeface="Montserrat"/>
-                <a:ea typeface="Montserrat"/>
-                <a:cs typeface="Montserrat"/>
-                <a:sym typeface="Montserrat"/>
-              </a:rPr>
-              <a:t>HU16 (Alta): Como docente evaluador, quiero acceder al manual del sistema para entender su uso.</a:t>
+              <a:t>HU16 (Alta): Como docente evaluador, quiero acceder al uso del sistema para entender su uso.</a:t>
             </a:r>
             <a:br>
-              <a:rPr lang="es" sz="1208">
+              <a:rPr lang="es" sz="1100" dirty="0">
                 <a:solidFill>
                   <a:schemeClr val="dk1"/>
                 </a:solidFill>
@@ -10561,7 +10615,7 @@
                 <a:sym typeface="Montserrat"/>
               </a:rPr>
             </a:br>
-            <a:endParaRPr sz="1208">
+            <a:endParaRPr sz="1100" dirty="0">
               <a:solidFill>
                 <a:schemeClr val="dk1"/>
               </a:solidFill>
@@ -10572,7 +10626,7 @@
             </a:endParaRPr>
           </a:p>
           <a:p>
-            <a:pPr indent="-299561" lvl="0" marL="457200" rtl="0" algn="l">
+            <a:pPr marL="457200" lvl="0" indent="-299561" algn="l" rtl="0">
               <a:spcBef>
                 <a:spcPts val="0"/>
               </a:spcBef>
@@ -10587,7 +10641,7 @@
               <a:buChar char="●"/>
             </a:pPr>
             <a:r>
-              <a:rPr lang="es" sz="1208">
+              <a:rPr lang="es" sz="1100" dirty="0">
                 <a:solidFill>
                   <a:schemeClr val="dk1"/>
                 </a:solidFill>
@@ -10599,7 +10653,7 @@
               <a:t>HU17 (Alta): Como docente evaluador, quiero revisar la arquitectura y base de datos para validar el diseño.</a:t>
             </a:r>
             <a:br>
-              <a:rPr lang="es" sz="1208">
+              <a:rPr lang="es" sz="1100" dirty="0">
                 <a:solidFill>
                   <a:schemeClr val="dk1"/>
                 </a:solidFill>
@@ -10609,7 +10663,7 @@
                 <a:sym typeface="Montserrat"/>
               </a:rPr>
             </a:br>
-            <a:endParaRPr sz="1208">
+            <a:endParaRPr sz="1100" dirty="0">
               <a:solidFill>
                 <a:schemeClr val="dk1"/>
               </a:solidFill>
@@ -10620,7 +10674,7 @@
             </a:endParaRPr>
           </a:p>
           <a:p>
-            <a:pPr indent="-299561" lvl="0" marL="457200" rtl="0" algn="l">
+            <a:pPr marL="457200" lvl="0" indent="-299561" algn="l" rtl="0">
               <a:spcBef>
                 <a:spcPts val="0"/>
               </a:spcBef>
@@ -10635,7 +10689,7 @@
               <a:buChar char="●"/>
             </a:pPr>
             <a:r>
-              <a:rPr lang="es" sz="1208">
+              <a:rPr lang="es" sz="1100" dirty="0">
                 <a:solidFill>
                   <a:schemeClr val="dk1"/>
                 </a:solidFill>
@@ -10646,7 +10700,7 @@
               </a:rPr>
               <a:t>HU18 (Media): Como docente evaluador, quiero ver evidencias de pruebas para confirmar la calidad del sistema.</a:t>
             </a:r>
-            <a:endParaRPr sz="1208">
+            <a:endParaRPr sz="1100" dirty="0">
               <a:solidFill>
                 <a:schemeClr val="dk1"/>
               </a:solidFill>
@@ -10657,7 +10711,7 @@
             </a:endParaRPr>
           </a:p>
           <a:p>
-            <a:pPr indent="0" lvl="0" marL="0" rtl="0" algn="l">
+            <a:pPr marL="0" lvl="0" indent="0" algn="l" rtl="0">
               <a:spcBef>
                 <a:spcPts val="1400"/>
               </a:spcBef>
@@ -10666,10 +10720,7 @@
               </a:spcAft>
               <a:buNone/>
             </a:pPr>
-            <a:r>
-              <a:t/>
-            </a:r>
-            <a:endParaRPr sz="1100">
+            <a:endParaRPr sz="1100" dirty="0">
               <a:solidFill>
                 <a:schemeClr val="dk1"/>
               </a:solidFill>
@@ -10680,7 +10731,7 @@
             </a:endParaRPr>
           </a:p>
           <a:p>
-            <a:pPr indent="0" lvl="0" marL="0" rtl="0" algn="l">
+            <a:pPr marL="0" lvl="0" indent="0" algn="l" rtl="0">
               <a:spcBef>
                 <a:spcPts val="1400"/>
               </a:spcBef>
@@ -10689,10 +10740,7 @@
               </a:spcAft>
               <a:buNone/>
             </a:pPr>
-            <a:r>
-              <a:t/>
-            </a:r>
-            <a:endParaRPr sz="1100">
+            <a:endParaRPr sz="1100" dirty="0">
               <a:solidFill>
                 <a:schemeClr val="dk1"/>
               </a:solidFill>
@@ -10703,7 +10751,7 @@
             </a:endParaRPr>
           </a:p>
           <a:p>
-            <a:pPr indent="0" lvl="0" marL="457200" rtl="0" algn="l">
+            <a:pPr marL="457200" lvl="0" indent="0" algn="l" rtl="0">
               <a:spcBef>
                 <a:spcPts val="1200"/>
               </a:spcBef>
@@ -10712,10 +10760,7 @@
               </a:spcAft>
               <a:buNone/>
             </a:pPr>
-            <a:r>
-              <a:t/>
-            </a:r>
-            <a:endParaRPr sz="1100">
+            <a:endParaRPr sz="1100" dirty="0">
               <a:solidFill>
                 <a:schemeClr val="dk1"/>
               </a:solidFill>
@@ -10726,7 +10771,7 @@
             </a:endParaRPr>
           </a:p>
           <a:p>
-            <a:pPr indent="0" lvl="0" marL="0" rtl="0" algn="l">
+            <a:pPr marL="0" lvl="0" indent="0" algn="l" rtl="0">
               <a:spcBef>
                 <a:spcPts val="1200"/>
               </a:spcBef>
@@ -10735,10 +10780,7 @@
               </a:spcAft>
               <a:buNone/>
             </a:pPr>
-            <a:r>
-              <a:t/>
-            </a:r>
-            <a:endParaRPr sz="1100">
+            <a:endParaRPr sz="1100" dirty="0">
               <a:solidFill>
                 <a:schemeClr val="dk1"/>
               </a:solidFill>
@@ -10749,7 +10791,7 @@
             </a:endParaRPr>
           </a:p>
           <a:p>
-            <a:pPr indent="0" lvl="0" marL="0" rtl="0" algn="just">
+            <a:pPr marL="0" lvl="0" indent="0" algn="just" rtl="0">
               <a:spcBef>
                 <a:spcPts val="1200"/>
               </a:spcBef>
@@ -10758,10 +10800,7 @@
               </a:spcAft>
               <a:buNone/>
             </a:pPr>
-            <a:r>
-              <a:t/>
-            </a:r>
-            <a:endParaRPr sz="1000">
+            <a:endParaRPr sz="1000" dirty="0">
               <a:solidFill>
                 <a:schemeClr val="dk1"/>
               </a:solidFill>
@@ -10772,19 +10811,16 @@
             </a:endParaRPr>
           </a:p>
           <a:p>
-            <a:pPr indent="0" lvl="0" marL="0" rtl="0" algn="just">
-              <a:spcBef>
-                <a:spcPts val="0"/>
-              </a:spcBef>
-              <a:spcAft>
-                <a:spcPts val="0"/>
-              </a:spcAft>
-              <a:buNone/>
-            </a:pPr>
-            <a:r>
-              <a:t/>
-            </a:r>
-            <a:endParaRPr sz="1200">
+            <a:pPr marL="0" lvl="0" indent="0" algn="just" rtl="0">
+              <a:spcBef>
+                <a:spcPts val="0"/>
+              </a:spcBef>
+              <a:spcAft>
+                <a:spcPts val="0"/>
+              </a:spcAft>
+              <a:buNone/>
+            </a:pPr>
+            <a:endParaRPr sz="1200" dirty="0">
               <a:solidFill>
                 <a:schemeClr val="dk1"/>
               </a:solidFill>
@@ -10805,11 +10841,11 @@
 </file>
 
 <file path=ppt/slides/slide18.xml><?xml version="1.0" encoding="utf-8"?>
-<p:sld xmlns:a="http://schemas.openxmlformats.org/drawingml/2006/main" xmlns:r="http://schemas.openxmlformats.org/officeDocument/2006/relationships" xmlns:mc="http://schemas.openxmlformats.org/markup-compatibility/2006" xmlns:mv="urn:schemas-microsoft-com:mac:vml" xmlns:p="http://schemas.openxmlformats.org/presentationml/2006/main" xmlns:c="http://schemas.openxmlformats.org/drawingml/2006/chart" xmlns:dgm="http://schemas.openxmlformats.org/drawingml/2006/diagram" xmlns:o="urn:schemas-microsoft-com:office:office" xmlns:v="urn:schemas-microsoft-com:vml" xmlns:pvml="urn:schemas-microsoft-com:office:powerpoint" xmlns:com="http://schemas.openxmlformats.org/drawingml/2006/compatibility" xmlns:p14="http://schemas.microsoft.com/office/powerpoint/2010/main" xmlns:p15="http://schemas.microsoft.com/office/powerpoint/2012/main" xmlns:ahyp="http://schemas.microsoft.com/office/drawing/2018/hyperlinkcolor">
+<p:sld xmlns:a="http://schemas.openxmlformats.org/drawingml/2006/main" xmlns:r="http://schemas.openxmlformats.org/officeDocument/2006/relationships" xmlns:p="http://schemas.openxmlformats.org/presentationml/2006/main">
   <p:cSld>
     <p:spTree>
       <p:nvGrpSpPr>
-        <p:cNvPr id="160" name="Shape 160"/>
+        <p:cNvPr id="1" name="Shape 160"/>
         <p:cNvGrpSpPr/>
         <p:nvPr/>
       </p:nvGrpSpPr>
@@ -10824,7 +10860,9 @@
       <p:sp>
         <p:nvSpPr>
           <p:cNvPr id="161" name="Google Shape;161;p30"/>
-          <p:cNvSpPr txBox="1"/>
+          <p:cNvSpPr txBox="1">
+            <a:spLocks noGrp="1"/>
+          </p:cNvSpPr>
           <p:nvPr>
             <p:ph type="title"/>
           </p:nvPr>
@@ -10839,12 +10877,12 @@
           </a:prstGeom>
         </p:spPr>
         <p:txBody>
-          <a:bodyPr anchorCtr="0" anchor="t" bIns="91425" lIns="91425" spcFirstLastPara="1" rIns="91425" wrap="square" tIns="91425">
+          <a:bodyPr spcFirstLastPara="1" wrap="square" lIns="91425" tIns="91425" rIns="91425" bIns="91425" anchor="t" anchorCtr="0">
             <a:noAutofit/>
           </a:bodyPr>
           <a:lstStyle/>
           <a:p>
-            <a:pPr indent="0" lvl="0" marL="0" rtl="0" algn="l">
+            <a:pPr marL="0" lvl="0" indent="0" algn="l" rtl="0">
               <a:spcBef>
                 <a:spcPts val="0"/>
               </a:spcBef>
@@ -10860,16 +10898,7 @@
                 <a:cs typeface="Montserrat"/>
                 <a:sym typeface="Montserrat"/>
               </a:rPr>
-              <a:t>9</a:t>
-            </a:r>
-            <a:r>
-              <a:rPr lang="es" sz="1400">
-                <a:latin typeface="Montserrat"/>
-                <a:ea typeface="Montserrat"/>
-                <a:cs typeface="Montserrat"/>
-                <a:sym typeface="Montserrat"/>
-              </a:rPr>
-              <a:t>.  Anexos</a:t>
+              <a:t>9.  Anexos</a:t>
             </a:r>
             <a:endParaRPr sz="1400">
               <a:latin typeface="Montserrat"/>
@@ -10917,11 +10946,11 @@
 </file>
 
 <file path=ppt/slides/slide19.xml><?xml version="1.0" encoding="utf-8"?>
-<p:sld xmlns:a="http://schemas.openxmlformats.org/drawingml/2006/main" xmlns:r="http://schemas.openxmlformats.org/officeDocument/2006/relationships" xmlns:mc="http://schemas.openxmlformats.org/markup-compatibility/2006" xmlns:mv="urn:schemas-microsoft-com:mac:vml" xmlns:p="http://schemas.openxmlformats.org/presentationml/2006/main" xmlns:c="http://schemas.openxmlformats.org/drawingml/2006/chart" xmlns:dgm="http://schemas.openxmlformats.org/drawingml/2006/diagram" xmlns:o="urn:schemas-microsoft-com:office:office" xmlns:v="urn:schemas-microsoft-com:vml" xmlns:pvml="urn:schemas-microsoft-com:office:powerpoint" xmlns:com="http://schemas.openxmlformats.org/drawingml/2006/compatibility" xmlns:p14="http://schemas.microsoft.com/office/powerpoint/2010/main" xmlns:p15="http://schemas.microsoft.com/office/powerpoint/2012/main" xmlns:ahyp="http://schemas.microsoft.com/office/drawing/2018/hyperlinkcolor">
+<p:sld xmlns:a="http://schemas.openxmlformats.org/drawingml/2006/main" xmlns:r="http://schemas.openxmlformats.org/officeDocument/2006/relationships" xmlns:p="http://schemas.openxmlformats.org/presentationml/2006/main">
   <p:cSld>
     <p:spTree>
       <p:nvGrpSpPr>
-        <p:cNvPr id="166" name="Shape 166"/>
+        <p:cNvPr id="1" name="Shape 166"/>
         <p:cNvGrpSpPr/>
         <p:nvPr/>
       </p:nvGrpSpPr>
@@ -10936,7 +10965,9 @@
       <p:sp>
         <p:nvSpPr>
           <p:cNvPr id="167" name="Google Shape;167;p31"/>
-          <p:cNvSpPr txBox="1"/>
+          <p:cNvSpPr txBox="1">
+            <a:spLocks noGrp="1"/>
+          </p:cNvSpPr>
           <p:nvPr>
             <p:ph type="title"/>
           </p:nvPr>
@@ -10951,12 +10982,12 @@
           </a:prstGeom>
         </p:spPr>
         <p:txBody>
-          <a:bodyPr anchorCtr="0" anchor="t" bIns="91425" lIns="91425" spcFirstLastPara="1" rIns="91425" wrap="square" tIns="91425">
+          <a:bodyPr spcFirstLastPara="1" wrap="square" lIns="91425" tIns="91425" rIns="91425" bIns="91425" anchor="t" anchorCtr="0">
             <a:noAutofit/>
           </a:bodyPr>
           <a:lstStyle/>
           <a:p>
-            <a:pPr indent="0" lvl="0" marL="0" rtl="0" algn="l">
+            <a:pPr marL="0" lvl="0" indent="0" algn="l" rtl="0">
               <a:spcBef>
                 <a:spcPts val="0"/>
               </a:spcBef>
@@ -10972,16 +11003,7 @@
                 <a:cs typeface="Montserrat"/>
                 <a:sym typeface="Montserrat"/>
               </a:rPr>
-              <a:t>9</a:t>
-            </a:r>
-            <a:r>
-              <a:rPr lang="es" sz="1400">
-                <a:latin typeface="Montserrat"/>
-                <a:ea typeface="Montserrat"/>
-                <a:cs typeface="Montserrat"/>
-                <a:sym typeface="Montserrat"/>
-              </a:rPr>
-              <a:t>.  Anexos</a:t>
+              <a:t>9.  Anexos</a:t>
             </a:r>
             <a:endParaRPr sz="1400">
               <a:latin typeface="Montserrat"/>
@@ -11057,11 +11079,11 @@
 </file>
 
 <file path=ppt/slides/slide2.xml><?xml version="1.0" encoding="utf-8"?>
-<p:sld xmlns:a="http://schemas.openxmlformats.org/drawingml/2006/main" xmlns:r="http://schemas.openxmlformats.org/officeDocument/2006/relationships" xmlns:mc="http://schemas.openxmlformats.org/markup-compatibility/2006" xmlns:mv="urn:schemas-microsoft-com:mac:vml" xmlns:p="http://schemas.openxmlformats.org/presentationml/2006/main" xmlns:c="http://schemas.openxmlformats.org/drawingml/2006/chart" xmlns:dgm="http://schemas.openxmlformats.org/drawingml/2006/diagram" xmlns:o="urn:schemas-microsoft-com:office:office" xmlns:v="urn:schemas-microsoft-com:vml" xmlns:pvml="urn:schemas-microsoft-com:office:powerpoint" xmlns:com="http://schemas.openxmlformats.org/drawingml/2006/compatibility" xmlns:p14="http://schemas.microsoft.com/office/powerpoint/2010/main" xmlns:p15="http://schemas.microsoft.com/office/powerpoint/2012/main" xmlns:ahyp="http://schemas.microsoft.com/office/drawing/2018/hyperlinkcolor">
+<p:sld xmlns:a="http://schemas.openxmlformats.org/drawingml/2006/main" xmlns:r="http://schemas.openxmlformats.org/officeDocument/2006/relationships" xmlns:p="http://schemas.openxmlformats.org/presentationml/2006/main">
   <p:cSld>
     <p:spTree>
       <p:nvGrpSpPr>
-        <p:cNvPr id="60" name="Shape 60"/>
+        <p:cNvPr id="1" name="Shape 60"/>
         <p:cNvGrpSpPr/>
         <p:nvPr/>
       </p:nvGrpSpPr>
@@ -11076,7 +11098,9 @@
       <p:sp>
         <p:nvSpPr>
           <p:cNvPr id="61" name="Google Shape;61;p14"/>
-          <p:cNvSpPr txBox="1"/>
+          <p:cNvSpPr txBox="1">
+            <a:spLocks noGrp="1"/>
+          </p:cNvSpPr>
           <p:nvPr>
             <p:ph type="title"/>
           </p:nvPr>
@@ -11091,12 +11115,12 @@
           </a:prstGeom>
         </p:spPr>
         <p:txBody>
-          <a:bodyPr anchorCtr="0" anchor="t" bIns="91425" lIns="91425" spcFirstLastPara="1" rIns="91425" wrap="square" tIns="91425">
+          <a:bodyPr spcFirstLastPara="1" wrap="square" lIns="91425" tIns="91425" rIns="91425" bIns="91425" anchor="t" anchorCtr="0">
             <a:noAutofit/>
           </a:bodyPr>
           <a:lstStyle/>
           <a:p>
-            <a:pPr indent="-317500" lvl="0" marL="457200" rtl="0" algn="l">
+            <a:pPr marL="457200" lvl="0" indent="-317500" algn="l" rtl="0">
               <a:spcBef>
                 <a:spcPts val="0"/>
               </a:spcBef>
@@ -11128,9 +11152,11 @@
       <p:sp>
         <p:nvSpPr>
           <p:cNvPr id="62" name="Google Shape;62;p14"/>
-          <p:cNvSpPr txBox="1"/>
+          <p:cNvSpPr txBox="1">
+            <a:spLocks noGrp="1"/>
+          </p:cNvSpPr>
           <p:nvPr>
-            <p:ph idx="1" type="body"/>
+            <p:ph type="body" idx="1"/>
           </p:nvPr>
         </p:nvSpPr>
         <p:spPr>
@@ -11143,12 +11169,12 @@
           </a:prstGeom>
         </p:spPr>
         <p:txBody>
-          <a:bodyPr anchorCtr="0" anchor="t" bIns="91425" lIns="91425" spcFirstLastPara="1" rIns="91425" wrap="square" tIns="91425">
+          <a:bodyPr spcFirstLastPara="1" wrap="square" lIns="91425" tIns="91425" rIns="91425" bIns="91425" anchor="t" anchorCtr="0">
             <a:normAutofit/>
           </a:bodyPr>
           <a:lstStyle/>
           <a:p>
-            <a:pPr indent="-298450" lvl="0" marL="457200" rtl="0" algn="l">
+            <a:pPr marL="457200" lvl="0" indent="-298450" algn="l" rtl="0">
               <a:spcBef>
                 <a:spcPts val="1200"/>
               </a:spcBef>
@@ -11185,7 +11211,7 @@
             </a:endParaRPr>
           </a:p>
           <a:p>
-            <a:pPr indent="0" lvl="0" marL="457200" rtl="0" algn="l">
+            <a:pPr marL="457200" lvl="0" indent="0" algn="l" rtl="0">
               <a:spcBef>
                 <a:spcPts val="1200"/>
               </a:spcBef>
@@ -11194,9 +11220,6 @@
               </a:spcAft>
               <a:buNone/>
             </a:pPr>
-            <a:r>
-              <a:t/>
-            </a:r>
             <a:endParaRPr sz="1100">
               <a:solidFill>
                 <a:schemeClr val="dk1"/>
@@ -11208,7 +11231,7 @@
             </a:endParaRPr>
           </a:p>
           <a:p>
-            <a:pPr indent="-298450" lvl="0" marL="457200" rtl="0" algn="l">
+            <a:pPr marL="457200" lvl="0" indent="-298450" algn="l" rtl="0">
               <a:spcBef>
                 <a:spcPts val="1200"/>
               </a:spcBef>
@@ -11245,7 +11268,7 @@
             </a:endParaRPr>
           </a:p>
           <a:p>
-            <a:pPr indent="0" lvl="0" marL="457200" rtl="0" algn="l">
+            <a:pPr marL="457200" lvl="0" indent="0" algn="l" rtl="0">
               <a:spcBef>
                 <a:spcPts val="1200"/>
               </a:spcBef>
@@ -11254,9 +11277,6 @@
               </a:spcAft>
               <a:buNone/>
             </a:pPr>
-            <a:r>
-              <a:t/>
-            </a:r>
             <a:endParaRPr sz="1100">
               <a:solidFill>
                 <a:schemeClr val="dk1"/>
@@ -11268,7 +11288,7 @@
             </a:endParaRPr>
           </a:p>
           <a:p>
-            <a:pPr indent="-298450" lvl="0" marL="457200" rtl="0" algn="l">
+            <a:pPr marL="457200" lvl="0" indent="-298450" algn="l" rtl="0">
               <a:spcBef>
                 <a:spcPts val="1200"/>
               </a:spcBef>
@@ -11305,7 +11325,7 @@
             </a:endParaRPr>
           </a:p>
           <a:p>
-            <a:pPr indent="0" lvl="0" marL="914400" rtl="0" algn="just">
+            <a:pPr marL="914400" lvl="0" indent="0" algn="just" rtl="0">
               <a:spcBef>
                 <a:spcPts val="1200"/>
               </a:spcBef>
@@ -11314,9 +11334,6 @@
               </a:spcAft>
               <a:buNone/>
             </a:pPr>
-            <a:r>
-              <a:t/>
-            </a:r>
             <a:endParaRPr sz="1000">
               <a:solidFill>
                 <a:schemeClr val="dk1"/>
@@ -11338,11 +11355,11 @@
 </file>
 
 <file path=ppt/slides/slide20.xml><?xml version="1.0" encoding="utf-8"?>
-<p:sld xmlns:a="http://schemas.openxmlformats.org/drawingml/2006/main" xmlns:r="http://schemas.openxmlformats.org/officeDocument/2006/relationships" xmlns:mc="http://schemas.openxmlformats.org/markup-compatibility/2006" xmlns:mv="urn:schemas-microsoft-com:mac:vml" xmlns:p="http://schemas.openxmlformats.org/presentationml/2006/main" xmlns:c="http://schemas.openxmlformats.org/drawingml/2006/chart" xmlns:dgm="http://schemas.openxmlformats.org/drawingml/2006/diagram" xmlns:o="urn:schemas-microsoft-com:office:office" xmlns:v="urn:schemas-microsoft-com:vml" xmlns:pvml="urn:schemas-microsoft-com:office:powerpoint" xmlns:com="http://schemas.openxmlformats.org/drawingml/2006/compatibility" xmlns:p14="http://schemas.microsoft.com/office/powerpoint/2010/main" xmlns:p15="http://schemas.microsoft.com/office/powerpoint/2012/main" xmlns:ahyp="http://schemas.microsoft.com/office/drawing/2018/hyperlinkcolor">
+<p:sld xmlns:a="http://schemas.openxmlformats.org/drawingml/2006/main" xmlns:r="http://schemas.openxmlformats.org/officeDocument/2006/relationships" xmlns:p="http://schemas.openxmlformats.org/presentationml/2006/main">
   <p:cSld>
     <p:spTree>
       <p:nvGrpSpPr>
-        <p:cNvPr id="173" name="Shape 173"/>
+        <p:cNvPr id="1" name="Shape 173"/>
         <p:cNvGrpSpPr/>
         <p:nvPr/>
       </p:nvGrpSpPr>
@@ -11357,7 +11374,9 @@
       <p:sp>
         <p:nvSpPr>
           <p:cNvPr id="174" name="Google Shape;174;p32"/>
-          <p:cNvSpPr txBox="1"/>
+          <p:cNvSpPr txBox="1">
+            <a:spLocks noGrp="1"/>
+          </p:cNvSpPr>
           <p:nvPr>
             <p:ph type="title"/>
           </p:nvPr>
@@ -11372,12 +11391,12 @@
           </a:prstGeom>
         </p:spPr>
         <p:txBody>
-          <a:bodyPr anchorCtr="0" anchor="t" bIns="91425" lIns="91425" spcFirstLastPara="1" rIns="91425" wrap="square" tIns="91425">
+          <a:bodyPr spcFirstLastPara="1" wrap="square" lIns="91425" tIns="91425" rIns="91425" bIns="91425" anchor="t" anchorCtr="0">
             <a:noAutofit/>
           </a:bodyPr>
           <a:lstStyle/>
           <a:p>
-            <a:pPr indent="0" lvl="0" marL="0" rtl="0" algn="l">
+            <a:pPr marL="0" lvl="0" indent="0" algn="l" rtl="0">
               <a:spcBef>
                 <a:spcPts val="0"/>
               </a:spcBef>
@@ -11393,16 +11412,7 @@
                 <a:cs typeface="Montserrat"/>
                 <a:sym typeface="Montserrat"/>
               </a:rPr>
-              <a:t>9</a:t>
-            </a:r>
-            <a:r>
-              <a:rPr lang="es" sz="1400">
-                <a:latin typeface="Montserrat"/>
-                <a:ea typeface="Montserrat"/>
-                <a:cs typeface="Montserrat"/>
-                <a:sym typeface="Montserrat"/>
-              </a:rPr>
-              <a:t>.  Anexos</a:t>
+              <a:t>9.  Anexos</a:t>
             </a:r>
             <a:endParaRPr sz="1400">
               <a:latin typeface="Montserrat"/>
@@ -11450,11 +11460,11 @@
 </file>
 
 <file path=ppt/slides/slide3.xml><?xml version="1.0" encoding="utf-8"?>
-<p:sld xmlns:a="http://schemas.openxmlformats.org/drawingml/2006/main" xmlns:r="http://schemas.openxmlformats.org/officeDocument/2006/relationships" xmlns:mc="http://schemas.openxmlformats.org/markup-compatibility/2006" xmlns:mv="urn:schemas-microsoft-com:mac:vml" xmlns:p="http://schemas.openxmlformats.org/presentationml/2006/main" xmlns:c="http://schemas.openxmlformats.org/drawingml/2006/chart" xmlns:dgm="http://schemas.openxmlformats.org/drawingml/2006/diagram" xmlns:o="urn:schemas-microsoft-com:office:office" xmlns:v="urn:schemas-microsoft-com:vml" xmlns:pvml="urn:schemas-microsoft-com:office:powerpoint" xmlns:com="http://schemas.openxmlformats.org/drawingml/2006/compatibility" xmlns:p14="http://schemas.microsoft.com/office/powerpoint/2010/main" xmlns:p15="http://schemas.microsoft.com/office/powerpoint/2012/main" xmlns:ahyp="http://schemas.microsoft.com/office/drawing/2018/hyperlinkcolor">
+<p:sld xmlns:a="http://schemas.openxmlformats.org/drawingml/2006/main" xmlns:r="http://schemas.openxmlformats.org/officeDocument/2006/relationships" xmlns:p="http://schemas.openxmlformats.org/presentationml/2006/main">
   <p:cSld>
     <p:spTree>
       <p:nvGrpSpPr>
-        <p:cNvPr id="66" name="Shape 66"/>
+        <p:cNvPr id="1" name="Shape 66"/>
         <p:cNvGrpSpPr/>
         <p:nvPr/>
       </p:nvGrpSpPr>
@@ -11469,7 +11479,9 @@
       <p:sp>
         <p:nvSpPr>
           <p:cNvPr id="67" name="Google Shape;67;p15"/>
-          <p:cNvSpPr txBox="1"/>
+          <p:cNvSpPr txBox="1">
+            <a:spLocks noGrp="1"/>
+          </p:cNvSpPr>
           <p:nvPr>
             <p:ph type="title"/>
           </p:nvPr>
@@ -11484,12 +11496,12 @@
           </a:prstGeom>
         </p:spPr>
         <p:txBody>
-          <a:bodyPr anchorCtr="0" anchor="t" bIns="91425" lIns="91425" spcFirstLastPara="1" rIns="91425" wrap="square" tIns="91425">
+          <a:bodyPr spcFirstLastPara="1" wrap="square" lIns="91425" tIns="91425" rIns="91425" bIns="91425" anchor="t" anchorCtr="0">
             <a:noAutofit/>
           </a:bodyPr>
           <a:lstStyle/>
           <a:p>
-            <a:pPr indent="0" lvl="0" marL="0" rtl="0" algn="l">
+            <a:pPr marL="0" lvl="0" indent="0" algn="l" rtl="0">
               <a:spcBef>
                 <a:spcPts val="0"/>
               </a:spcBef>
@@ -11519,9 +11531,11 @@
       <p:sp>
         <p:nvSpPr>
           <p:cNvPr id="68" name="Google Shape;68;p15"/>
-          <p:cNvSpPr txBox="1"/>
+          <p:cNvSpPr txBox="1">
+            <a:spLocks noGrp="1"/>
+          </p:cNvSpPr>
           <p:nvPr>
-            <p:ph idx="1" type="body"/>
+            <p:ph type="body" idx="1"/>
           </p:nvPr>
         </p:nvSpPr>
         <p:spPr>
@@ -11534,12 +11548,12 @@
           </a:prstGeom>
         </p:spPr>
         <p:txBody>
-          <a:bodyPr anchorCtr="0" anchor="t" bIns="91425" lIns="91425" spcFirstLastPara="1" rIns="91425" wrap="square" tIns="91425">
+          <a:bodyPr spcFirstLastPara="1" wrap="square" lIns="91425" tIns="91425" rIns="91425" bIns="91425" anchor="t" anchorCtr="0">
             <a:normAutofit/>
           </a:bodyPr>
           <a:lstStyle/>
           <a:p>
-            <a:pPr indent="-298450" lvl="0" marL="457200" rtl="0" algn="just">
+            <a:pPr marL="457200" lvl="0" indent="-298450" algn="just" rtl="0">
               <a:spcBef>
                 <a:spcPts val="0"/>
               </a:spcBef>
@@ -11576,18 +11590,15 @@
             </a:endParaRPr>
           </a:p>
           <a:p>
-            <a:pPr indent="0" lvl="0" marL="457200" rtl="0" algn="just">
-              <a:spcBef>
-                <a:spcPts val="0"/>
-              </a:spcBef>
-              <a:spcAft>
-                <a:spcPts val="0"/>
-              </a:spcAft>
-              <a:buNone/>
-            </a:pPr>
-            <a:r>
-              <a:t/>
-            </a:r>
+            <a:pPr marL="457200" lvl="0" indent="0" algn="just" rtl="0">
+              <a:spcBef>
+                <a:spcPts val="0"/>
+              </a:spcBef>
+              <a:spcAft>
+                <a:spcPts val="0"/>
+              </a:spcAft>
+              <a:buNone/>
+            </a:pPr>
             <a:endParaRPr sz="1100">
               <a:solidFill>
                 <a:schemeClr val="dk1"/>
@@ -11599,18 +11610,15 @@
             </a:endParaRPr>
           </a:p>
           <a:p>
-            <a:pPr indent="0" lvl="0" marL="457200" rtl="0" algn="just">
-              <a:spcBef>
-                <a:spcPts val="0"/>
-              </a:spcBef>
-              <a:spcAft>
-                <a:spcPts val="0"/>
-              </a:spcAft>
-              <a:buNone/>
-            </a:pPr>
-            <a:r>
-              <a:t/>
-            </a:r>
+            <a:pPr marL="457200" lvl="0" indent="0" algn="just" rtl="0">
+              <a:spcBef>
+                <a:spcPts val="0"/>
+              </a:spcBef>
+              <a:spcAft>
+                <a:spcPts val="0"/>
+              </a:spcAft>
+              <a:buNone/>
+            </a:pPr>
             <a:endParaRPr sz="1100">
               <a:solidFill>
                 <a:schemeClr val="dk1"/>
@@ -11622,7 +11630,7 @@
             </a:endParaRPr>
           </a:p>
           <a:p>
-            <a:pPr indent="-298450" lvl="0" marL="457200" rtl="0" algn="just">
+            <a:pPr marL="457200" lvl="0" indent="-298450" algn="just" rtl="0">
               <a:spcBef>
                 <a:spcPts val="0"/>
               </a:spcBef>
@@ -11659,18 +11667,15 @@
             </a:endParaRPr>
           </a:p>
           <a:p>
-            <a:pPr indent="0" lvl="0" marL="457200" rtl="0" algn="just">
-              <a:spcBef>
-                <a:spcPts val="0"/>
-              </a:spcBef>
-              <a:spcAft>
-                <a:spcPts val="0"/>
-              </a:spcAft>
-              <a:buNone/>
-            </a:pPr>
-            <a:r>
-              <a:t/>
-            </a:r>
+            <a:pPr marL="457200" lvl="0" indent="0" algn="just" rtl="0">
+              <a:spcBef>
+                <a:spcPts val="0"/>
+              </a:spcBef>
+              <a:spcAft>
+                <a:spcPts val="0"/>
+              </a:spcAft>
+              <a:buNone/>
+            </a:pPr>
             <a:endParaRPr sz="1100">
               <a:solidFill>
                 <a:schemeClr val="dk1"/>
@@ -11682,18 +11687,15 @@
             </a:endParaRPr>
           </a:p>
           <a:p>
-            <a:pPr indent="0" lvl="0" marL="0" rtl="0" algn="just">
-              <a:spcBef>
-                <a:spcPts val="0"/>
-              </a:spcBef>
-              <a:spcAft>
-                <a:spcPts val="0"/>
-              </a:spcAft>
-              <a:buNone/>
-            </a:pPr>
-            <a:r>
-              <a:t/>
-            </a:r>
+            <a:pPr marL="0" lvl="0" indent="0" algn="just" rtl="0">
+              <a:spcBef>
+                <a:spcPts val="0"/>
+              </a:spcBef>
+              <a:spcAft>
+                <a:spcPts val="0"/>
+              </a:spcAft>
+              <a:buNone/>
+            </a:pPr>
             <a:endParaRPr sz="1100">
               <a:solidFill>
                 <a:schemeClr val="dk1"/>
@@ -11705,7 +11707,7 @@
             </a:endParaRPr>
           </a:p>
           <a:p>
-            <a:pPr indent="-298450" lvl="0" marL="457200" rtl="0" algn="just">
+            <a:pPr marL="457200" lvl="0" indent="-298450" algn="just" rtl="0">
               <a:spcBef>
                 <a:spcPts val="0"/>
               </a:spcBef>
@@ -11752,11 +11754,11 @@
 </file>
 
 <file path=ppt/slides/slide4.xml><?xml version="1.0" encoding="utf-8"?>
-<p:sld xmlns:a="http://schemas.openxmlformats.org/drawingml/2006/main" xmlns:r="http://schemas.openxmlformats.org/officeDocument/2006/relationships" xmlns:mc="http://schemas.openxmlformats.org/markup-compatibility/2006" xmlns:mv="urn:schemas-microsoft-com:mac:vml" xmlns:p="http://schemas.openxmlformats.org/presentationml/2006/main" xmlns:c="http://schemas.openxmlformats.org/drawingml/2006/chart" xmlns:dgm="http://schemas.openxmlformats.org/drawingml/2006/diagram" xmlns:o="urn:schemas-microsoft-com:office:office" xmlns:v="urn:schemas-microsoft-com:vml" xmlns:pvml="urn:schemas-microsoft-com:office:powerpoint" xmlns:com="http://schemas.openxmlformats.org/drawingml/2006/compatibility" xmlns:p14="http://schemas.microsoft.com/office/powerpoint/2010/main" xmlns:p15="http://schemas.microsoft.com/office/powerpoint/2012/main" xmlns:ahyp="http://schemas.microsoft.com/office/drawing/2018/hyperlinkcolor">
+<p:sld xmlns:a="http://schemas.openxmlformats.org/drawingml/2006/main" xmlns:r="http://schemas.openxmlformats.org/officeDocument/2006/relationships" xmlns:p="http://schemas.openxmlformats.org/presentationml/2006/main">
   <p:cSld>
     <p:spTree>
       <p:nvGrpSpPr>
-        <p:cNvPr id="72" name="Shape 72"/>
+        <p:cNvPr id="1" name="Shape 72"/>
         <p:cNvGrpSpPr/>
         <p:nvPr/>
       </p:nvGrpSpPr>
@@ -11771,7 +11773,9 @@
       <p:sp>
         <p:nvSpPr>
           <p:cNvPr id="73" name="Google Shape;73;p16"/>
-          <p:cNvSpPr txBox="1"/>
+          <p:cNvSpPr txBox="1">
+            <a:spLocks noGrp="1"/>
+          </p:cNvSpPr>
           <p:nvPr>
             <p:ph type="title"/>
           </p:nvPr>
@@ -11786,12 +11790,12 @@
           </a:prstGeom>
         </p:spPr>
         <p:txBody>
-          <a:bodyPr anchorCtr="0" anchor="t" bIns="91425" lIns="91425" spcFirstLastPara="1" rIns="91425" wrap="square" tIns="91425">
+          <a:bodyPr spcFirstLastPara="1" wrap="square" lIns="91425" tIns="91425" rIns="91425" bIns="91425" anchor="t" anchorCtr="0">
             <a:noAutofit/>
           </a:bodyPr>
           <a:lstStyle/>
           <a:p>
-            <a:pPr indent="0" lvl="0" marL="0" rtl="0" algn="l">
+            <a:pPr marL="0" lvl="0" indent="0" algn="l" rtl="0">
               <a:spcBef>
                 <a:spcPts val="0"/>
               </a:spcBef>
@@ -11821,9 +11825,11 @@
       <p:sp>
         <p:nvSpPr>
           <p:cNvPr id="74" name="Google Shape;74;p16"/>
-          <p:cNvSpPr txBox="1"/>
+          <p:cNvSpPr txBox="1">
+            <a:spLocks noGrp="1"/>
+          </p:cNvSpPr>
           <p:nvPr>
-            <p:ph idx="1" type="body"/>
+            <p:ph type="body" idx="1"/>
           </p:nvPr>
         </p:nvSpPr>
         <p:spPr>
@@ -11836,12 +11842,12 @@
           </a:prstGeom>
         </p:spPr>
         <p:txBody>
-          <a:bodyPr anchorCtr="0" anchor="t" bIns="91425" lIns="91425" spcFirstLastPara="1" rIns="91425" wrap="square" tIns="91425">
+          <a:bodyPr spcFirstLastPara="1" wrap="square" lIns="91425" tIns="91425" rIns="91425" bIns="91425" anchor="t" anchorCtr="0">
             <a:normAutofit/>
           </a:bodyPr>
           <a:lstStyle/>
           <a:p>
-            <a:pPr indent="-298450" lvl="0" marL="457200" rtl="0" algn="l">
+            <a:pPr marL="457200" lvl="0" indent="-298450" algn="l" rtl="0">
               <a:spcBef>
                 <a:spcPts val="1200"/>
               </a:spcBef>
@@ -11878,7 +11884,7 @@
             </a:endParaRPr>
           </a:p>
           <a:p>
-            <a:pPr indent="0" lvl="0" marL="457200" rtl="0" algn="l">
+            <a:pPr marL="457200" lvl="0" indent="0" algn="l" rtl="0">
               <a:spcBef>
                 <a:spcPts val="1200"/>
               </a:spcBef>
@@ -11887,9 +11893,6 @@
               </a:spcAft>
               <a:buNone/>
             </a:pPr>
-            <a:r>
-              <a:t/>
-            </a:r>
             <a:endParaRPr sz="1100">
               <a:solidFill>
                 <a:schemeClr val="dk1"/>
@@ -11901,7 +11904,7 @@
             </a:endParaRPr>
           </a:p>
           <a:p>
-            <a:pPr indent="-298450" lvl="0" marL="457200" rtl="0" algn="l">
+            <a:pPr marL="457200" lvl="0" indent="-298450" algn="l" rtl="0">
               <a:spcBef>
                 <a:spcPts val="1200"/>
               </a:spcBef>
@@ -11938,7 +11941,7 @@
             </a:endParaRPr>
           </a:p>
           <a:p>
-            <a:pPr indent="0" lvl="0" marL="457200" rtl="0" algn="l">
+            <a:pPr marL="457200" lvl="0" indent="0" algn="l" rtl="0">
               <a:spcBef>
                 <a:spcPts val="1200"/>
               </a:spcBef>
@@ -11947,9 +11950,6 @@
               </a:spcAft>
               <a:buNone/>
             </a:pPr>
-            <a:r>
-              <a:t/>
-            </a:r>
             <a:endParaRPr sz="1100">
               <a:solidFill>
                 <a:schemeClr val="dk1"/>
@@ -11961,7 +11961,7 @@
             </a:endParaRPr>
           </a:p>
           <a:p>
-            <a:pPr indent="0" lvl="0" marL="457200" rtl="0" algn="just">
+            <a:pPr marL="457200" lvl="0" indent="0" algn="just" rtl="0">
               <a:spcBef>
                 <a:spcPts val="1200"/>
               </a:spcBef>
@@ -11970,9 +11970,6 @@
               </a:spcAft>
               <a:buNone/>
             </a:pPr>
-            <a:r>
-              <a:t/>
-            </a:r>
             <a:endParaRPr sz="1000">
               <a:solidFill>
                 <a:schemeClr val="dk1"/>
@@ -11994,11 +11991,11 @@
 </file>
 
 <file path=ppt/slides/slide5.xml><?xml version="1.0" encoding="utf-8"?>
-<p:sld xmlns:a="http://schemas.openxmlformats.org/drawingml/2006/main" xmlns:r="http://schemas.openxmlformats.org/officeDocument/2006/relationships" xmlns:mc="http://schemas.openxmlformats.org/markup-compatibility/2006" xmlns:mv="urn:schemas-microsoft-com:mac:vml" xmlns:p="http://schemas.openxmlformats.org/presentationml/2006/main" xmlns:c="http://schemas.openxmlformats.org/drawingml/2006/chart" xmlns:dgm="http://schemas.openxmlformats.org/drawingml/2006/diagram" xmlns:o="urn:schemas-microsoft-com:office:office" xmlns:v="urn:schemas-microsoft-com:vml" xmlns:pvml="urn:schemas-microsoft-com:office:powerpoint" xmlns:com="http://schemas.openxmlformats.org/drawingml/2006/compatibility" xmlns:p14="http://schemas.microsoft.com/office/powerpoint/2010/main" xmlns:p15="http://schemas.microsoft.com/office/powerpoint/2012/main" xmlns:ahyp="http://schemas.microsoft.com/office/drawing/2018/hyperlinkcolor">
+<p:sld xmlns:a="http://schemas.openxmlformats.org/drawingml/2006/main" xmlns:r="http://schemas.openxmlformats.org/officeDocument/2006/relationships" xmlns:p="http://schemas.openxmlformats.org/presentationml/2006/main">
   <p:cSld>
     <p:spTree>
       <p:nvGrpSpPr>
-        <p:cNvPr id="78" name="Shape 78"/>
+        <p:cNvPr id="1" name="Shape 78"/>
         <p:cNvGrpSpPr/>
         <p:nvPr/>
       </p:nvGrpSpPr>
@@ -12013,7 +12010,9 @@
       <p:sp>
         <p:nvSpPr>
           <p:cNvPr id="79" name="Google Shape;79;p17"/>
-          <p:cNvSpPr txBox="1"/>
+          <p:cNvSpPr txBox="1">
+            <a:spLocks noGrp="1"/>
+          </p:cNvSpPr>
           <p:nvPr>
             <p:ph type="title"/>
           </p:nvPr>
@@ -12028,12 +12027,12 @@
           </a:prstGeom>
         </p:spPr>
         <p:txBody>
-          <a:bodyPr anchorCtr="0" anchor="t" bIns="91425" lIns="91425" spcFirstLastPara="1" rIns="91425" wrap="square" tIns="91425">
+          <a:bodyPr spcFirstLastPara="1" wrap="square" lIns="91425" tIns="91425" rIns="91425" bIns="91425" anchor="t" anchorCtr="0">
             <a:noAutofit/>
           </a:bodyPr>
           <a:lstStyle/>
           <a:p>
-            <a:pPr indent="0" lvl="0" marL="0" rtl="0" algn="l">
+            <a:pPr marL="0" lvl="0" indent="0" algn="l" rtl="0">
               <a:spcBef>
                 <a:spcPts val="0"/>
               </a:spcBef>
@@ -12063,9 +12062,11 @@
       <p:sp>
         <p:nvSpPr>
           <p:cNvPr id="80" name="Google Shape;80;p17"/>
-          <p:cNvSpPr txBox="1"/>
+          <p:cNvSpPr txBox="1">
+            <a:spLocks noGrp="1"/>
+          </p:cNvSpPr>
           <p:nvPr>
-            <p:ph idx="1" type="body"/>
+            <p:ph type="body" idx="1"/>
           </p:nvPr>
         </p:nvSpPr>
         <p:spPr>
@@ -12078,12 +12079,12 @@
           </a:prstGeom>
         </p:spPr>
         <p:txBody>
-          <a:bodyPr anchorCtr="0" anchor="t" bIns="91425" lIns="91425" spcFirstLastPara="1" rIns="91425" wrap="square" tIns="91425">
+          <a:bodyPr spcFirstLastPara="1" wrap="square" lIns="91425" tIns="91425" rIns="91425" bIns="91425" anchor="t" anchorCtr="0">
             <a:normAutofit/>
           </a:bodyPr>
           <a:lstStyle/>
           <a:p>
-            <a:pPr indent="0" lvl="0" marL="0" rtl="0" algn="just">
+            <a:pPr marL="0" lvl="0" indent="0" algn="just" rtl="0">
               <a:spcBef>
                 <a:spcPts val="0"/>
               </a:spcBef>
@@ -12115,18 +12116,15 @@
             </a:endParaRPr>
           </a:p>
           <a:p>
-            <a:pPr indent="0" lvl="0" marL="0" rtl="0" algn="just">
-              <a:spcBef>
-                <a:spcPts val="0"/>
-              </a:spcBef>
-              <a:spcAft>
-                <a:spcPts val="0"/>
-              </a:spcAft>
-              <a:buNone/>
-            </a:pPr>
-            <a:r>
-              <a:t/>
-            </a:r>
+            <a:pPr marL="0" lvl="0" indent="0" algn="just" rtl="0">
+              <a:spcBef>
+                <a:spcPts val="0"/>
+              </a:spcBef>
+              <a:spcAft>
+                <a:spcPts val="0"/>
+              </a:spcAft>
+              <a:buNone/>
+            </a:pPr>
             <a:endParaRPr sz="1100">
               <a:solidFill>
                 <a:schemeClr val="dk1"/>
@@ -12138,7 +12136,7 @@
             </a:endParaRPr>
           </a:p>
           <a:p>
-            <a:pPr indent="0" lvl="0" marL="0" rtl="0" algn="just">
+            <a:pPr marL="0" lvl="0" indent="0" algn="just" rtl="0">
               <a:spcBef>
                 <a:spcPts val="0"/>
               </a:spcBef>
@@ -12170,18 +12168,15 @@
             </a:endParaRPr>
           </a:p>
           <a:p>
-            <a:pPr indent="0" lvl="0" marL="457200" rtl="0" algn="just">
-              <a:spcBef>
-                <a:spcPts val="0"/>
-              </a:spcBef>
-              <a:spcAft>
-                <a:spcPts val="0"/>
-              </a:spcAft>
-              <a:buNone/>
-            </a:pPr>
-            <a:r>
-              <a:t/>
-            </a:r>
+            <a:pPr marL="457200" lvl="0" indent="0" algn="just" rtl="0">
+              <a:spcBef>
+                <a:spcPts val="0"/>
+              </a:spcBef>
+              <a:spcAft>
+                <a:spcPts val="0"/>
+              </a:spcAft>
+              <a:buNone/>
+            </a:pPr>
             <a:endParaRPr sz="1100">
               <a:solidFill>
                 <a:schemeClr val="dk1"/>
@@ -12193,7 +12188,7 @@
             </a:endParaRPr>
           </a:p>
           <a:p>
-            <a:pPr indent="0" lvl="0" marL="0" rtl="0" algn="just">
+            <a:pPr marL="0" lvl="0" indent="0" algn="just" rtl="0">
               <a:spcBef>
                 <a:spcPts val="0"/>
               </a:spcBef>
@@ -12212,31 +12207,7 @@
                 <a:cs typeface="Montserrat"/>
                 <a:sym typeface="Montserrat"/>
               </a:rPr>
-              <a:t>Objetivos </a:t>
-            </a:r>
-            <a:r>
-              <a:rPr lang="es" sz="1100">
-                <a:solidFill>
-                  <a:schemeClr val="dk1"/>
-                </a:solidFill>
-                <a:latin typeface="Montserrat"/>
-                <a:ea typeface="Montserrat"/>
-                <a:cs typeface="Montserrat"/>
-                <a:sym typeface="Montserrat"/>
-              </a:rPr>
-              <a:t>Específicos</a:t>
-            </a:r>
-            <a:r>
-              <a:rPr lang="es" sz="1100">
-                <a:solidFill>
-                  <a:schemeClr val="dk1"/>
-                </a:solidFill>
-                <a:latin typeface="Montserrat"/>
-                <a:ea typeface="Montserrat"/>
-                <a:cs typeface="Montserrat"/>
-                <a:sym typeface="Montserrat"/>
-              </a:rPr>
-              <a:t>: </a:t>
+              <a:t>Objetivos Específicos: </a:t>
             </a:r>
             <a:endParaRPr sz="1100">
               <a:solidFill>
@@ -12249,7 +12220,7 @@
             </a:endParaRPr>
           </a:p>
           <a:p>
-            <a:pPr indent="-298450" lvl="0" marL="457200" rtl="0" algn="just">
+            <a:pPr marL="457200" lvl="0" indent="-298450" algn="just" rtl="0">
               <a:spcBef>
                 <a:spcPts val="1200"/>
               </a:spcBef>
@@ -12286,7 +12257,7 @@
             </a:endParaRPr>
           </a:p>
           <a:p>
-            <a:pPr indent="-298450" lvl="0" marL="457200" rtl="0" algn="just">
+            <a:pPr marL="457200" lvl="0" indent="-298450" algn="just" rtl="0">
               <a:spcBef>
                 <a:spcPts val="0"/>
               </a:spcBef>
@@ -12323,7 +12294,7 @@
             </a:endParaRPr>
           </a:p>
           <a:p>
-            <a:pPr indent="-298450" lvl="0" marL="457200" rtl="0" algn="just">
+            <a:pPr marL="457200" lvl="0" indent="-298450" algn="just" rtl="0">
               <a:spcBef>
                 <a:spcPts val="0"/>
               </a:spcBef>
@@ -12360,7 +12331,7 @@
             </a:endParaRPr>
           </a:p>
           <a:p>
-            <a:pPr indent="-298450" lvl="0" marL="457200" rtl="0" algn="just">
+            <a:pPr marL="457200" lvl="0" indent="-298450" algn="just" rtl="0">
               <a:spcBef>
                 <a:spcPts val="0"/>
               </a:spcBef>
@@ -12397,7 +12368,7 @@
             </a:endParaRPr>
           </a:p>
           <a:p>
-            <a:pPr indent="-298450" lvl="0" marL="457200" rtl="0" algn="just">
+            <a:pPr marL="457200" lvl="0" indent="-298450" algn="just" rtl="0">
               <a:spcBef>
                 <a:spcPts val="0"/>
               </a:spcBef>
@@ -12434,7 +12405,7 @@
             </a:endParaRPr>
           </a:p>
           <a:p>
-            <a:pPr indent="-298450" lvl="0" marL="457200" rtl="0" algn="just">
+            <a:pPr marL="457200" lvl="0" indent="-298450" algn="just" rtl="0">
               <a:spcBef>
                 <a:spcPts val="0"/>
               </a:spcBef>
@@ -12471,7 +12442,7 @@
             </a:endParaRPr>
           </a:p>
           <a:p>
-            <a:pPr indent="0" lvl="0" marL="457200" rtl="0" algn="just">
+            <a:pPr marL="457200" lvl="0" indent="0" algn="just" rtl="0">
               <a:spcBef>
                 <a:spcPts val="1200"/>
               </a:spcBef>
@@ -12480,9 +12451,6 @@
               </a:spcAft>
               <a:buNone/>
             </a:pPr>
-            <a:r>
-              <a:t/>
-            </a:r>
             <a:endParaRPr sz="1000">
               <a:solidFill>
                 <a:schemeClr val="dk1"/>
@@ -12504,11 +12472,11 @@
 </file>
 
 <file path=ppt/slides/slide6.xml><?xml version="1.0" encoding="utf-8"?>
-<p:sld xmlns:a="http://schemas.openxmlformats.org/drawingml/2006/main" xmlns:r="http://schemas.openxmlformats.org/officeDocument/2006/relationships" xmlns:mc="http://schemas.openxmlformats.org/markup-compatibility/2006" xmlns:mv="urn:schemas-microsoft-com:mac:vml" xmlns:p="http://schemas.openxmlformats.org/presentationml/2006/main" xmlns:c="http://schemas.openxmlformats.org/drawingml/2006/chart" xmlns:dgm="http://schemas.openxmlformats.org/drawingml/2006/diagram" xmlns:o="urn:schemas-microsoft-com:office:office" xmlns:v="urn:schemas-microsoft-com:vml" xmlns:pvml="urn:schemas-microsoft-com:office:powerpoint" xmlns:com="http://schemas.openxmlformats.org/drawingml/2006/compatibility" xmlns:p14="http://schemas.microsoft.com/office/powerpoint/2010/main" xmlns:p15="http://schemas.microsoft.com/office/powerpoint/2012/main" xmlns:ahyp="http://schemas.microsoft.com/office/drawing/2018/hyperlinkcolor">
+<p:sld xmlns:a="http://schemas.openxmlformats.org/drawingml/2006/main" xmlns:r="http://schemas.openxmlformats.org/officeDocument/2006/relationships" xmlns:p="http://schemas.openxmlformats.org/presentationml/2006/main">
   <p:cSld>
     <p:spTree>
       <p:nvGrpSpPr>
-        <p:cNvPr id="84" name="Shape 84"/>
+        <p:cNvPr id="1" name="Shape 84"/>
         <p:cNvGrpSpPr/>
         <p:nvPr/>
       </p:nvGrpSpPr>
@@ -12523,7 +12491,9 @@
       <p:sp>
         <p:nvSpPr>
           <p:cNvPr id="85" name="Google Shape;85;p18"/>
-          <p:cNvSpPr txBox="1"/>
+          <p:cNvSpPr txBox="1">
+            <a:spLocks noGrp="1"/>
+          </p:cNvSpPr>
           <p:nvPr>
             <p:ph type="title"/>
           </p:nvPr>
@@ -12538,12 +12508,12 @@
           </a:prstGeom>
         </p:spPr>
         <p:txBody>
-          <a:bodyPr anchorCtr="0" anchor="t" bIns="91425" lIns="91425" spcFirstLastPara="1" rIns="91425" wrap="square" tIns="91425">
+          <a:bodyPr spcFirstLastPara="1" wrap="square" lIns="91425" tIns="91425" rIns="91425" bIns="91425" anchor="t" anchorCtr="0">
             <a:noAutofit/>
           </a:bodyPr>
           <a:lstStyle/>
           <a:p>
-            <a:pPr indent="0" lvl="0" marL="0" rtl="0" algn="l">
+            <a:pPr marL="0" lvl="0" indent="0" algn="l" rtl="0">
               <a:spcBef>
                 <a:spcPts val="0"/>
               </a:spcBef>
@@ -12573,9 +12543,11 @@
       <p:sp>
         <p:nvSpPr>
           <p:cNvPr id="86" name="Google Shape;86;p18"/>
-          <p:cNvSpPr txBox="1"/>
+          <p:cNvSpPr txBox="1">
+            <a:spLocks noGrp="1"/>
+          </p:cNvSpPr>
           <p:nvPr>
-            <p:ph idx="1" type="body"/>
+            <p:ph type="body" idx="1"/>
           </p:nvPr>
         </p:nvSpPr>
         <p:spPr>
@@ -12588,12 +12560,12 @@
           </a:prstGeom>
         </p:spPr>
         <p:txBody>
-          <a:bodyPr anchorCtr="0" anchor="t" bIns="91425" lIns="91425" spcFirstLastPara="1" rIns="91425" wrap="square" tIns="91425">
+          <a:bodyPr spcFirstLastPara="1" wrap="square" lIns="91425" tIns="91425" rIns="91425" bIns="91425" anchor="t" anchorCtr="0">
             <a:normAutofit/>
           </a:bodyPr>
           <a:lstStyle/>
           <a:p>
-            <a:pPr indent="-298450" lvl="0" marL="457200" rtl="0" algn="just">
+            <a:pPr marL="457200" lvl="0" indent="-298450" algn="just" rtl="0">
               <a:spcBef>
                 <a:spcPts val="1200"/>
               </a:spcBef>
@@ -12630,7 +12602,7 @@
             </a:endParaRPr>
           </a:p>
           <a:p>
-            <a:pPr indent="0" lvl="0" marL="457200" rtl="0" algn="just">
+            <a:pPr marL="457200" lvl="0" indent="0" algn="just" rtl="0">
               <a:spcBef>
                 <a:spcPts val="1200"/>
               </a:spcBef>
@@ -12639,9 +12611,6 @@
               </a:spcAft>
               <a:buNone/>
             </a:pPr>
-            <a:r>
-              <a:t/>
-            </a:r>
             <a:endParaRPr sz="1100">
               <a:solidFill>
                 <a:schemeClr val="dk1"/>
@@ -12653,7 +12622,7 @@
             </a:endParaRPr>
           </a:p>
           <a:p>
-            <a:pPr indent="-298450" lvl="0" marL="457200" rtl="0" algn="just">
+            <a:pPr marL="457200" lvl="0" indent="-298450" algn="just" rtl="0">
               <a:spcBef>
                 <a:spcPts val="1200"/>
               </a:spcBef>
@@ -12700,11 +12669,11 @@
 </file>
 
 <file path=ppt/slides/slide7.xml><?xml version="1.0" encoding="utf-8"?>
-<p:sld xmlns:a="http://schemas.openxmlformats.org/drawingml/2006/main" xmlns:r="http://schemas.openxmlformats.org/officeDocument/2006/relationships" xmlns:mc="http://schemas.openxmlformats.org/markup-compatibility/2006" xmlns:mv="urn:schemas-microsoft-com:mac:vml" xmlns:p="http://schemas.openxmlformats.org/presentationml/2006/main" xmlns:c="http://schemas.openxmlformats.org/drawingml/2006/chart" xmlns:dgm="http://schemas.openxmlformats.org/drawingml/2006/diagram" xmlns:o="urn:schemas-microsoft-com:office:office" xmlns:v="urn:schemas-microsoft-com:vml" xmlns:pvml="urn:schemas-microsoft-com:office:powerpoint" xmlns:com="http://schemas.openxmlformats.org/drawingml/2006/compatibility" xmlns:p14="http://schemas.microsoft.com/office/powerpoint/2010/main" xmlns:p15="http://schemas.microsoft.com/office/powerpoint/2012/main" xmlns:ahyp="http://schemas.microsoft.com/office/drawing/2018/hyperlinkcolor">
+<p:sld xmlns:a="http://schemas.openxmlformats.org/drawingml/2006/main" xmlns:r="http://schemas.openxmlformats.org/officeDocument/2006/relationships" xmlns:p="http://schemas.openxmlformats.org/presentationml/2006/main">
   <p:cSld>
     <p:spTree>
       <p:nvGrpSpPr>
-        <p:cNvPr id="90" name="Shape 90"/>
+        <p:cNvPr id="1" name="Shape 90"/>
         <p:cNvGrpSpPr/>
         <p:nvPr/>
       </p:nvGrpSpPr>
@@ -12719,7 +12688,9 @@
       <p:sp>
         <p:nvSpPr>
           <p:cNvPr id="91" name="Google Shape;91;p19"/>
-          <p:cNvSpPr txBox="1"/>
+          <p:cNvSpPr txBox="1">
+            <a:spLocks noGrp="1"/>
+          </p:cNvSpPr>
           <p:nvPr>
             <p:ph type="title"/>
           </p:nvPr>
@@ -12734,12 +12705,12 @@
           </a:prstGeom>
         </p:spPr>
         <p:txBody>
-          <a:bodyPr anchorCtr="0" anchor="t" bIns="91425" lIns="91425" spcFirstLastPara="1" rIns="91425" wrap="square" tIns="91425">
+          <a:bodyPr spcFirstLastPara="1" wrap="square" lIns="91425" tIns="91425" rIns="91425" bIns="91425" anchor="t" anchorCtr="0">
             <a:noAutofit/>
           </a:bodyPr>
           <a:lstStyle/>
           <a:p>
-            <a:pPr indent="0" lvl="0" marL="0" rtl="0" algn="l">
+            <a:pPr marL="0" lvl="0" indent="0" algn="l" rtl="0">
               <a:spcBef>
                 <a:spcPts val="0"/>
               </a:spcBef>
@@ -12784,10 +12755,34 @@
                 <a:tableStyleId>{8B16A9A5-FB79-4CD4-AA30-6E96ADC75B55}</a:tableStyleId>
               </a:tblPr>
               <a:tblGrid>
-                <a:gridCol w="1858950"/>
-                <a:gridCol w="1858950"/>
-                <a:gridCol w="1858950"/>
-                <a:gridCol w="1858950"/>
+                <a:gridCol w="1858950">
+                  <a:extLst>
+                    <a:ext uri="{9D8B030D-6E8A-4147-A177-3AD203B41FA5}">
+                      <a16:colId xmlns:a16="http://schemas.microsoft.com/office/drawing/2014/main" val="20000"/>
+                    </a:ext>
+                  </a:extLst>
+                </a:gridCol>
+                <a:gridCol w="1858950">
+                  <a:extLst>
+                    <a:ext uri="{9D8B030D-6E8A-4147-A177-3AD203B41FA5}">
+                      <a16:colId xmlns:a16="http://schemas.microsoft.com/office/drawing/2014/main" val="20001"/>
+                    </a:ext>
+                  </a:extLst>
+                </a:gridCol>
+                <a:gridCol w="1858950">
+                  <a:extLst>
+                    <a:ext uri="{9D8B030D-6E8A-4147-A177-3AD203B41FA5}">
+                      <a16:colId xmlns:a16="http://schemas.microsoft.com/office/drawing/2014/main" val="20002"/>
+                    </a:ext>
+                  </a:extLst>
+                </a:gridCol>
+                <a:gridCol w="1858950">
+                  <a:extLst>
+                    <a:ext uri="{9D8B030D-6E8A-4147-A177-3AD203B41FA5}">
+                      <a16:colId xmlns:a16="http://schemas.microsoft.com/office/drawing/2014/main" val="20003"/>
+                    </a:ext>
+                  </a:extLst>
+                </a:gridCol>
               </a:tblGrid>
               <a:tr h="427150">
                 <a:tc>
@@ -12795,7 +12790,7 @@
                     <a:bodyPr/>
                     <a:lstStyle/>
                     <a:p>
-                      <a:pPr indent="0" lvl="0" marL="0" rtl="0" algn="l">
+                      <a:pPr marL="0" lvl="0" indent="0" algn="l" rtl="0">
                         <a:spcBef>
                           <a:spcPts val="0"/>
                         </a:spcBef>
@@ -12821,14 +12816,14 @@
                       </a:endParaRPr>
                     </a:p>
                   </a:txBody>
-                  <a:tcPr marT="91425" marB="91425" marR="91425" marL="91425"/>
+                  <a:tcPr marL="91425" marR="91425" marT="91425" marB="91425"/>
                 </a:tc>
                 <a:tc>
                   <a:txBody>
                     <a:bodyPr/>
                     <a:lstStyle/>
                     <a:p>
-                      <a:pPr indent="0" lvl="0" marL="0" rtl="0" algn="l">
+                      <a:pPr marL="0" lvl="0" indent="0" algn="l" rtl="0">
                         <a:spcBef>
                           <a:spcPts val="0"/>
                         </a:spcBef>
@@ -12854,14 +12849,14 @@
                       </a:endParaRPr>
                     </a:p>
                   </a:txBody>
-                  <a:tcPr marT="91425" marB="91425" marR="91425" marL="91425"/>
+                  <a:tcPr marL="91425" marR="91425" marT="91425" marB="91425"/>
                 </a:tc>
                 <a:tc>
                   <a:txBody>
                     <a:bodyPr/>
                     <a:lstStyle/>
                     <a:p>
-                      <a:pPr indent="0" lvl="0" marL="0" rtl="0" algn="l">
+                      <a:pPr marL="0" lvl="0" indent="0" algn="l" rtl="0">
                         <a:spcBef>
                           <a:spcPts val="0"/>
                         </a:spcBef>
@@ -12887,14 +12882,14 @@
                       </a:endParaRPr>
                     </a:p>
                   </a:txBody>
-                  <a:tcPr marT="91425" marB="91425" marR="91425" marL="91425"/>
+                  <a:tcPr marL="91425" marR="91425" marT="91425" marB="91425"/>
                 </a:tc>
                 <a:tc>
                   <a:txBody>
                     <a:bodyPr/>
                     <a:lstStyle/>
                     <a:p>
-                      <a:pPr indent="0" lvl="0" marL="0" rtl="0" algn="l">
+                      <a:pPr marL="0" lvl="0" indent="0" algn="l" rtl="0">
                         <a:spcBef>
                           <a:spcPts val="0"/>
                         </a:spcBef>
@@ -12920,8 +12915,13 @@
                       </a:endParaRPr>
                     </a:p>
                   </a:txBody>
-                  <a:tcPr marT="91425" marB="91425" marR="91425" marL="91425"/>
+                  <a:tcPr marL="91425" marR="91425" marT="91425" marB="91425"/>
                 </a:tc>
+                <a:extLst>
+                  <a:ext uri="{0D108BD9-81ED-4DB2-BD59-A6C34878D82A}">
+                    <a16:rowId xmlns:a16="http://schemas.microsoft.com/office/drawing/2014/main" val="10000"/>
+                  </a:ext>
+                </a:extLst>
               </a:tr>
               <a:tr h="427150">
                 <a:tc>
@@ -12929,7 +12929,7 @@
                     <a:bodyPr/>
                     <a:lstStyle/>
                     <a:p>
-                      <a:pPr indent="0" lvl="0" marL="0" rtl="0" algn="l">
+                      <a:pPr marL="0" lvl="0" indent="0" algn="l" rtl="0">
                         <a:spcBef>
                           <a:spcPts val="0"/>
                         </a:spcBef>
@@ -12955,14 +12955,14 @@
                       </a:endParaRPr>
                     </a:p>
                   </a:txBody>
-                  <a:tcPr marT="91425" marB="91425" marR="91425" marL="91425"/>
+                  <a:tcPr marL="91425" marR="91425" marT="91425" marB="91425"/>
                 </a:tc>
                 <a:tc>
                   <a:txBody>
                     <a:bodyPr/>
                     <a:lstStyle/>
                     <a:p>
-                      <a:pPr indent="0" lvl="0" marL="0" rtl="0" algn="l">
+                      <a:pPr marL="0" lvl="0" indent="0" algn="l" rtl="0">
                         <a:spcBef>
                           <a:spcPts val="0"/>
                         </a:spcBef>
@@ -12996,14 +12996,14 @@
                       </a:endParaRPr>
                     </a:p>
                   </a:txBody>
-                  <a:tcPr marT="91425" marB="91425" marR="91425" marL="91425"/>
+                  <a:tcPr marL="91425" marR="91425" marT="91425" marB="91425"/>
                 </a:tc>
                 <a:tc>
                   <a:txBody>
                     <a:bodyPr/>
                     <a:lstStyle/>
                     <a:p>
-                      <a:pPr indent="0" lvl="0" marL="0" rtl="0" algn="l">
+                      <a:pPr marL="0" lvl="0" indent="0" algn="l" rtl="0">
                         <a:spcBef>
                           <a:spcPts val="0"/>
                         </a:spcBef>
@@ -13037,14 +13037,14 @@
                       </a:endParaRPr>
                     </a:p>
                   </a:txBody>
-                  <a:tcPr marT="91425" marB="91425" marR="91425" marL="91425"/>
+                  <a:tcPr marL="91425" marR="91425" marT="91425" marB="91425"/>
                 </a:tc>
                 <a:tc>
                   <a:txBody>
                     <a:bodyPr/>
                     <a:lstStyle/>
                     <a:p>
-                      <a:pPr indent="0" lvl="0" marL="0" rtl="0" algn="l">
+                      <a:pPr marL="0" lvl="0" indent="0" algn="l" rtl="0">
                         <a:spcBef>
                           <a:spcPts val="0"/>
                         </a:spcBef>
@@ -13073,8 +13073,13 @@
                       </a:endParaRPr>
                     </a:p>
                   </a:txBody>
-                  <a:tcPr marT="91425" marB="91425" marR="91425" marL="91425"/>
+                  <a:tcPr marL="91425" marR="91425" marT="91425" marB="91425"/>
                 </a:tc>
+                <a:extLst>
+                  <a:ext uri="{0D108BD9-81ED-4DB2-BD59-A6C34878D82A}">
+                    <a16:rowId xmlns:a16="http://schemas.microsoft.com/office/drawing/2014/main" val="10001"/>
+                  </a:ext>
+                </a:extLst>
               </a:tr>
               <a:tr h="427150">
                 <a:tc>
@@ -13082,7 +13087,7 @@
                     <a:bodyPr/>
                     <a:lstStyle/>
                     <a:p>
-                      <a:pPr indent="0" lvl="0" marL="0" rtl="0" algn="l">
+                      <a:pPr marL="0" lvl="0" indent="0" algn="l" rtl="0">
                         <a:spcBef>
                           <a:spcPts val="0"/>
                         </a:spcBef>
@@ -13108,14 +13113,14 @@
                       </a:endParaRPr>
                     </a:p>
                   </a:txBody>
-                  <a:tcPr marT="91425" marB="91425" marR="91425" marL="91425"/>
+                  <a:tcPr marL="91425" marR="91425" marT="91425" marB="91425"/>
                 </a:tc>
                 <a:tc>
                   <a:txBody>
                     <a:bodyPr/>
                     <a:lstStyle/>
                     <a:p>
-                      <a:pPr indent="0" lvl="0" marL="0" rtl="0" algn="l">
+                      <a:pPr marL="0" lvl="0" indent="0" algn="l" rtl="0">
                         <a:spcBef>
                           <a:spcPts val="0"/>
                         </a:spcBef>
@@ -13141,14 +13146,14 @@
                       </a:endParaRPr>
                     </a:p>
                   </a:txBody>
-                  <a:tcPr marT="91425" marB="91425" marR="91425" marL="91425"/>
+                  <a:tcPr marL="91425" marR="91425" marT="91425" marB="91425"/>
                 </a:tc>
                 <a:tc>
                   <a:txBody>
                     <a:bodyPr/>
                     <a:lstStyle/>
                     <a:p>
-                      <a:pPr indent="0" lvl="0" marL="0" rtl="0" algn="l">
+                      <a:pPr marL="0" lvl="0" indent="0" algn="l" rtl="0">
                         <a:spcBef>
                           <a:spcPts val="0"/>
                         </a:spcBef>
@@ -13189,14 +13194,14 @@
                       </a:endParaRPr>
                     </a:p>
                   </a:txBody>
-                  <a:tcPr marT="91425" marB="91425" marR="91425" marL="91425"/>
+                  <a:tcPr marL="91425" marR="91425" marT="91425" marB="91425"/>
                 </a:tc>
                 <a:tc>
                   <a:txBody>
                     <a:bodyPr/>
                     <a:lstStyle/>
                     <a:p>
-                      <a:pPr indent="0" lvl="0" marL="0" rtl="0" algn="l">
+                      <a:pPr marL="0" lvl="0" indent="0" algn="l" rtl="0">
                         <a:spcBef>
                           <a:spcPts val="0"/>
                         </a:spcBef>
@@ -13225,8 +13230,13 @@
                       </a:endParaRPr>
                     </a:p>
                   </a:txBody>
-                  <a:tcPr marT="91425" marB="91425" marR="91425" marL="91425"/>
+                  <a:tcPr marL="91425" marR="91425" marT="91425" marB="91425"/>
                 </a:tc>
+                <a:extLst>
+                  <a:ext uri="{0D108BD9-81ED-4DB2-BD59-A6C34878D82A}">
+                    <a16:rowId xmlns:a16="http://schemas.microsoft.com/office/drawing/2014/main" val="10002"/>
+                  </a:ext>
+                </a:extLst>
               </a:tr>
               <a:tr h="427150">
                 <a:tc>
@@ -13234,7 +13244,7 @@
                     <a:bodyPr/>
                     <a:lstStyle/>
                     <a:p>
-                      <a:pPr indent="0" lvl="0" marL="0" rtl="0" algn="l">
+                      <a:pPr marL="0" lvl="0" indent="0" algn="l" rtl="0">
                         <a:spcBef>
                           <a:spcPts val="0"/>
                         </a:spcBef>
@@ -13260,14 +13270,14 @@
                       </a:endParaRPr>
                     </a:p>
                   </a:txBody>
-                  <a:tcPr marT="91425" marB="91425" marR="91425" marL="91425"/>
+                  <a:tcPr marL="91425" marR="91425" marT="91425" marB="91425"/>
                 </a:tc>
                 <a:tc>
                   <a:txBody>
                     <a:bodyPr/>
                     <a:lstStyle/>
                     <a:p>
-                      <a:pPr indent="0" lvl="0" marL="0" rtl="0" algn="l">
+                      <a:pPr marL="0" lvl="0" indent="0" algn="l" rtl="0">
                         <a:spcBef>
                           <a:spcPts val="0"/>
                         </a:spcBef>
@@ -13293,14 +13303,14 @@
                       </a:endParaRPr>
                     </a:p>
                   </a:txBody>
-                  <a:tcPr marT="91425" marB="91425" marR="91425" marL="91425"/>
+                  <a:tcPr marL="91425" marR="91425" marT="91425" marB="91425"/>
                 </a:tc>
                 <a:tc>
                   <a:txBody>
                     <a:bodyPr/>
                     <a:lstStyle/>
                     <a:p>
-                      <a:pPr indent="0" lvl="0" marL="0" rtl="0" algn="l">
+                      <a:pPr marL="0" lvl="0" indent="0" algn="l" rtl="0">
                         <a:spcBef>
                           <a:spcPts val="0"/>
                         </a:spcBef>
@@ -13329,15 +13339,15 @@
                       </a:endParaRPr>
                     </a:p>
                   </a:txBody>
-                  <a:tcPr marT="91425" marB="91425" marR="91425" marL="91425">
-                    <a:lnB cap="flat" cmpd="sng" w="12700">
+                  <a:tcPr marL="91425" marR="91425" marT="91425" marB="91425">
+                    <a:lnB w="12700" cap="flat" cmpd="sng">
                       <a:solidFill>
                         <a:srgbClr val="BFBFBF"/>
                       </a:solidFill>
                       <a:prstDash val="solid"/>
                       <a:round/>
-                      <a:headEnd len="sm" w="sm" type="none"/>
-                      <a:tailEnd len="sm" w="sm" type="none"/>
+                      <a:headEnd type="none" w="sm" len="sm"/>
+                      <a:tailEnd type="none" w="sm" len="sm"/>
                     </a:lnB>
                   </a:tcPr>
                 </a:tc>
@@ -13346,7 +13356,7 @@
                     <a:bodyPr/>
                     <a:lstStyle/>
                     <a:p>
-                      <a:pPr indent="0" lvl="0" marL="0" rtl="0" algn="l">
+                      <a:pPr marL="0" lvl="0" indent="0" algn="l" rtl="0">
                         <a:spcBef>
                           <a:spcPts val="0"/>
                         </a:spcBef>
@@ -13375,8 +13385,13 @@
                       </a:endParaRPr>
                     </a:p>
                   </a:txBody>
-                  <a:tcPr marT="91425" marB="91425" marR="91425" marL="91425"/>
+                  <a:tcPr marL="91425" marR="91425" marT="91425" marB="91425"/>
                 </a:tc>
+                <a:extLst>
+                  <a:ext uri="{0D108BD9-81ED-4DB2-BD59-A6C34878D82A}">
+                    <a16:rowId xmlns:a16="http://schemas.microsoft.com/office/drawing/2014/main" val="10003"/>
+                  </a:ext>
+                </a:extLst>
               </a:tr>
               <a:tr h="427150">
                 <a:tc>
@@ -13384,7 +13399,7 @@
                     <a:bodyPr/>
                     <a:lstStyle/>
                     <a:p>
-                      <a:pPr indent="0" lvl="0" marL="0" rtl="0" algn="l">
+                      <a:pPr marL="0" lvl="0" indent="0" algn="l" rtl="0">
                         <a:spcBef>
                           <a:spcPts val="0"/>
                         </a:spcBef>
@@ -13410,14 +13425,14 @@
                       </a:endParaRPr>
                     </a:p>
                   </a:txBody>
-                  <a:tcPr marT="91425" marB="91425" marR="91425" marL="91425"/>
+                  <a:tcPr marL="91425" marR="91425" marT="91425" marB="91425"/>
                 </a:tc>
                 <a:tc>
                   <a:txBody>
                     <a:bodyPr/>
                     <a:lstStyle/>
                     <a:p>
-                      <a:pPr indent="0" lvl="0" marL="0" rtl="0" algn="l">
+                      <a:pPr marL="0" lvl="0" indent="0" algn="l" rtl="0">
                         <a:spcBef>
                           <a:spcPts val="0"/>
                         </a:spcBef>
@@ -13443,15 +13458,15 @@
                       </a:endParaRPr>
                     </a:p>
                   </a:txBody>
-                  <a:tcPr marT="91425" marB="91425" marR="91425" marL="91425">
-                    <a:lnR cap="flat" cmpd="sng" w="12700">
+                  <a:tcPr marL="91425" marR="91425" marT="91425" marB="91425">
+                    <a:lnR w="12700" cap="flat" cmpd="sng">
                       <a:solidFill>
                         <a:srgbClr val="BFBFBF"/>
                       </a:solidFill>
                       <a:prstDash val="solid"/>
                       <a:round/>
-                      <a:headEnd len="sm" w="sm" type="none"/>
-                      <a:tailEnd len="sm" w="sm" type="none"/>
+                      <a:headEnd type="none" w="sm" len="sm"/>
+                      <a:tailEnd type="none" w="sm" len="sm"/>
                     </a:lnR>
                   </a:tcPr>
                 </a:tc>
@@ -13460,7 +13475,7 @@
                     <a:bodyPr/>
                     <a:lstStyle/>
                     <a:p>
-                      <a:pPr indent="0" lvl="0" marL="0" rtl="0" algn="just">
+                      <a:pPr marL="0" lvl="0" indent="0" algn="just" rtl="0">
                         <a:lnSpc>
                           <a:spcPct val="115000"/>
                         </a:lnSpc>
@@ -13489,42 +13504,42 @@
                       </a:endParaRPr>
                     </a:p>
                   </a:txBody>
-                  <a:tcPr marT="91425" marB="91425" marR="68575" marL="68575">
-                    <a:lnL cap="flat" cmpd="sng" w="12700">
+                  <a:tcPr marL="68575" marR="68575" marT="91425" marB="91425">
+                    <a:lnL w="12700" cap="flat" cmpd="sng">
                       <a:solidFill>
                         <a:srgbClr val="BFBFBF"/>
                       </a:solidFill>
                       <a:prstDash val="solid"/>
                       <a:round/>
-                      <a:headEnd len="sm" w="sm" type="none"/>
-                      <a:tailEnd len="sm" w="sm" type="none"/>
+                      <a:headEnd type="none" w="sm" len="sm"/>
+                      <a:tailEnd type="none" w="sm" len="sm"/>
                     </a:lnL>
-                    <a:lnR cap="flat" cmpd="sng" w="12700">
+                    <a:lnR w="12700" cap="flat" cmpd="sng">
                       <a:solidFill>
                         <a:srgbClr val="BFBFBF"/>
                       </a:solidFill>
                       <a:prstDash val="solid"/>
                       <a:round/>
-                      <a:headEnd len="sm" w="sm" type="none"/>
-                      <a:tailEnd len="sm" w="sm" type="none"/>
+                      <a:headEnd type="none" w="sm" len="sm"/>
+                      <a:tailEnd type="none" w="sm" len="sm"/>
                     </a:lnR>
-                    <a:lnT cap="flat" cmpd="sng" w="12700">
+                    <a:lnT w="12700" cap="flat" cmpd="sng">
                       <a:solidFill>
                         <a:srgbClr val="BFBFBF"/>
                       </a:solidFill>
                       <a:prstDash val="solid"/>
                       <a:round/>
-                      <a:headEnd len="sm" w="sm" type="none"/>
-                      <a:tailEnd len="sm" w="sm" type="none"/>
+                      <a:headEnd type="none" w="sm" len="sm"/>
+                      <a:tailEnd type="none" w="sm" len="sm"/>
                     </a:lnT>
-                    <a:lnB cap="flat" cmpd="sng" w="12700">
+                    <a:lnB w="12700" cap="flat" cmpd="sng">
                       <a:solidFill>
                         <a:srgbClr val="BFBFBF"/>
                       </a:solidFill>
                       <a:prstDash val="solid"/>
                       <a:round/>
-                      <a:headEnd len="sm" w="sm" type="none"/>
-                      <a:tailEnd len="sm" w="sm" type="none"/>
+                      <a:headEnd type="none" w="sm" len="sm"/>
+                      <a:tailEnd type="none" w="sm" len="sm"/>
                     </a:lnB>
                   </a:tcPr>
                 </a:tc>
@@ -13533,7 +13548,7 @@
                     <a:bodyPr/>
                     <a:lstStyle/>
                     <a:p>
-                      <a:pPr indent="0" lvl="0" marL="0" rtl="0" algn="l">
+                      <a:pPr marL="0" lvl="0" indent="0" algn="l" rtl="0">
                         <a:spcBef>
                           <a:spcPts val="0"/>
                         </a:spcBef>
@@ -13562,18 +13577,23 @@
                       </a:endParaRPr>
                     </a:p>
                   </a:txBody>
-                  <a:tcPr marT="91425" marB="91425" marR="91425" marL="91425">
-                    <a:lnL cap="flat" cmpd="sng" w="12700">
+                  <a:tcPr marL="91425" marR="91425" marT="91425" marB="91425">
+                    <a:lnL w="12700" cap="flat" cmpd="sng">
                       <a:solidFill>
                         <a:srgbClr val="BFBFBF"/>
                       </a:solidFill>
                       <a:prstDash val="solid"/>
                       <a:round/>
-                      <a:headEnd len="sm" w="sm" type="none"/>
-                      <a:tailEnd len="sm" w="sm" type="none"/>
+                      <a:headEnd type="none" w="sm" len="sm"/>
+                      <a:tailEnd type="none" w="sm" len="sm"/>
                     </a:lnL>
                   </a:tcPr>
                 </a:tc>
+                <a:extLst>
+                  <a:ext uri="{0D108BD9-81ED-4DB2-BD59-A6C34878D82A}">
+                    <a16:rowId xmlns:a16="http://schemas.microsoft.com/office/drawing/2014/main" val="10004"/>
+                  </a:ext>
+                </a:extLst>
               </a:tr>
             </a:tbl>
           </a:graphicData>
@@ -13588,11 +13608,11 @@
 </file>
 
 <file path=ppt/slides/slide8.xml><?xml version="1.0" encoding="utf-8"?>
-<p:sld xmlns:a="http://schemas.openxmlformats.org/drawingml/2006/main" xmlns:r="http://schemas.openxmlformats.org/officeDocument/2006/relationships" xmlns:mc="http://schemas.openxmlformats.org/markup-compatibility/2006" xmlns:mv="urn:schemas-microsoft-com:mac:vml" xmlns:p="http://schemas.openxmlformats.org/presentationml/2006/main" xmlns:c="http://schemas.openxmlformats.org/drawingml/2006/chart" xmlns:dgm="http://schemas.openxmlformats.org/drawingml/2006/diagram" xmlns:o="urn:schemas-microsoft-com:office:office" xmlns:v="urn:schemas-microsoft-com:vml" xmlns:pvml="urn:schemas-microsoft-com:office:powerpoint" xmlns:com="http://schemas.openxmlformats.org/drawingml/2006/compatibility" xmlns:p14="http://schemas.microsoft.com/office/powerpoint/2010/main" xmlns:p15="http://schemas.microsoft.com/office/powerpoint/2012/main" xmlns:ahyp="http://schemas.microsoft.com/office/drawing/2018/hyperlinkcolor">
+<p:sld xmlns:a="http://schemas.openxmlformats.org/drawingml/2006/main" xmlns:r="http://schemas.openxmlformats.org/officeDocument/2006/relationships" xmlns:p="http://schemas.openxmlformats.org/presentationml/2006/main">
   <p:cSld>
     <p:spTree>
       <p:nvGrpSpPr>
-        <p:cNvPr id="96" name="Shape 96"/>
+        <p:cNvPr id="1" name="Shape 96"/>
         <p:cNvGrpSpPr/>
         <p:nvPr/>
       </p:nvGrpSpPr>
@@ -13607,7 +13627,9 @@
       <p:sp>
         <p:nvSpPr>
           <p:cNvPr id="97" name="Google Shape;97;p20"/>
-          <p:cNvSpPr txBox="1"/>
+          <p:cNvSpPr txBox="1">
+            <a:spLocks noGrp="1"/>
+          </p:cNvSpPr>
           <p:nvPr>
             <p:ph type="title"/>
           </p:nvPr>
@@ -13622,12 +13644,12 @@
           </a:prstGeom>
         </p:spPr>
         <p:txBody>
-          <a:bodyPr anchorCtr="0" anchor="t" bIns="91425" lIns="91425" spcFirstLastPara="1" rIns="91425" wrap="square" tIns="91425">
+          <a:bodyPr spcFirstLastPara="1" wrap="square" lIns="91425" tIns="91425" rIns="91425" bIns="91425" anchor="t" anchorCtr="0">
             <a:noAutofit/>
           </a:bodyPr>
           <a:lstStyle/>
           <a:p>
-            <a:pPr indent="0" lvl="0" marL="0" rtl="0" algn="l">
+            <a:pPr marL="0" lvl="0" indent="0" algn="l" rtl="0">
               <a:spcBef>
                 <a:spcPts val="0"/>
               </a:spcBef>
@@ -13657,9 +13679,11 @@
       <p:sp>
         <p:nvSpPr>
           <p:cNvPr id="98" name="Google Shape;98;p20"/>
-          <p:cNvSpPr txBox="1"/>
+          <p:cNvSpPr txBox="1">
+            <a:spLocks noGrp="1"/>
+          </p:cNvSpPr>
           <p:nvPr>
-            <p:ph idx="1" type="body"/>
+            <p:ph type="body" idx="1"/>
           </p:nvPr>
         </p:nvSpPr>
         <p:spPr>
@@ -13672,12 +13696,12 @@
           </a:prstGeom>
         </p:spPr>
         <p:txBody>
-          <a:bodyPr anchorCtr="0" anchor="t" bIns="91425" lIns="91425" spcFirstLastPara="1" rIns="91425" wrap="square" tIns="91425">
+          <a:bodyPr spcFirstLastPara="1" wrap="square" lIns="91425" tIns="91425" rIns="91425" bIns="91425" anchor="t" anchorCtr="0">
             <a:normAutofit/>
           </a:bodyPr>
           <a:lstStyle/>
           <a:p>
-            <a:pPr indent="-304800" lvl="0" marL="457200" rtl="0" algn="just">
+            <a:pPr marL="457200" lvl="0" indent="-304800" algn="just" rtl="0">
               <a:spcBef>
                 <a:spcPts val="0"/>
               </a:spcBef>
@@ -13714,18 +13738,15 @@
             </a:endParaRPr>
           </a:p>
           <a:p>
-            <a:pPr indent="0" lvl="0" marL="0" rtl="0" algn="just">
-              <a:spcBef>
-                <a:spcPts val="0"/>
-              </a:spcBef>
-              <a:spcAft>
-                <a:spcPts val="0"/>
-              </a:spcAft>
-              <a:buNone/>
-            </a:pPr>
-            <a:r>
-              <a:t/>
-            </a:r>
+            <a:pPr marL="0" lvl="0" indent="0" algn="just" rtl="0">
+              <a:spcBef>
+                <a:spcPts val="0"/>
+              </a:spcBef>
+              <a:spcAft>
+                <a:spcPts val="0"/>
+              </a:spcAft>
+              <a:buNone/>
+            </a:pPr>
             <a:endParaRPr sz="1200">
               <a:solidFill>
                 <a:schemeClr val="dk1"/>
@@ -13775,11 +13796,11 @@
 </file>
 
 <file path=ppt/slides/slide9.xml><?xml version="1.0" encoding="utf-8"?>
-<p:sld xmlns:a="http://schemas.openxmlformats.org/drawingml/2006/main" xmlns:r="http://schemas.openxmlformats.org/officeDocument/2006/relationships" xmlns:mc="http://schemas.openxmlformats.org/markup-compatibility/2006" xmlns:mv="urn:schemas-microsoft-com:mac:vml" xmlns:p="http://schemas.openxmlformats.org/presentationml/2006/main" xmlns:c="http://schemas.openxmlformats.org/drawingml/2006/chart" xmlns:dgm="http://schemas.openxmlformats.org/drawingml/2006/diagram" xmlns:o="urn:schemas-microsoft-com:office:office" xmlns:v="urn:schemas-microsoft-com:vml" xmlns:pvml="urn:schemas-microsoft-com:office:powerpoint" xmlns:com="http://schemas.openxmlformats.org/drawingml/2006/compatibility" xmlns:p14="http://schemas.microsoft.com/office/powerpoint/2010/main" xmlns:p15="http://schemas.microsoft.com/office/powerpoint/2012/main" xmlns:ahyp="http://schemas.microsoft.com/office/drawing/2018/hyperlinkcolor">
+<p:sld xmlns:a="http://schemas.openxmlformats.org/drawingml/2006/main" xmlns:r="http://schemas.openxmlformats.org/officeDocument/2006/relationships" xmlns:p="http://schemas.openxmlformats.org/presentationml/2006/main">
   <p:cSld>
     <p:spTree>
       <p:nvGrpSpPr>
-        <p:cNvPr id="103" name="Shape 103"/>
+        <p:cNvPr id="1" name="Shape 103"/>
         <p:cNvGrpSpPr/>
         <p:nvPr/>
       </p:nvGrpSpPr>
@@ -13794,7 +13815,9 @@
       <p:sp>
         <p:nvSpPr>
           <p:cNvPr id="104" name="Google Shape;104;p21"/>
-          <p:cNvSpPr txBox="1"/>
+          <p:cNvSpPr txBox="1">
+            <a:spLocks noGrp="1"/>
+          </p:cNvSpPr>
           <p:nvPr>
             <p:ph type="title"/>
           </p:nvPr>
@@ -13809,12 +13832,12 @@
           </a:prstGeom>
         </p:spPr>
         <p:txBody>
-          <a:bodyPr anchorCtr="0" anchor="t" bIns="91425" lIns="91425" spcFirstLastPara="1" rIns="91425" wrap="square" tIns="91425">
+          <a:bodyPr spcFirstLastPara="1" wrap="square" lIns="91425" tIns="91425" rIns="91425" bIns="91425" anchor="t" anchorCtr="0">
             <a:noAutofit/>
           </a:bodyPr>
           <a:lstStyle/>
           <a:p>
-            <a:pPr indent="0" lvl="0" marL="0" rtl="0" algn="l">
+            <a:pPr marL="0" lvl="0" indent="0" algn="l" rtl="0">
               <a:spcBef>
                 <a:spcPts val="0"/>
               </a:spcBef>
@@ -13830,16 +13853,7 @@
                 <a:cs typeface="Montserrat"/>
                 <a:sym typeface="Montserrat"/>
               </a:rPr>
-              <a:t>7</a:t>
-            </a:r>
-            <a:r>
-              <a:rPr lang="es" sz="1400">
-                <a:latin typeface="Montserrat"/>
-                <a:ea typeface="Montserrat"/>
-                <a:cs typeface="Montserrat"/>
-                <a:sym typeface="Montserrat"/>
-              </a:rPr>
-              <a:t>. Cronograma</a:t>
+              <a:t>7. Cronograma</a:t>
             </a:r>
             <a:endParaRPr sz="1400">
               <a:latin typeface="Montserrat"/>
@@ -13853,9 +13867,11 @@
       <p:sp>
         <p:nvSpPr>
           <p:cNvPr id="105" name="Google Shape;105;p21"/>
-          <p:cNvSpPr txBox="1"/>
+          <p:cNvSpPr txBox="1">
+            <a:spLocks noGrp="1"/>
+          </p:cNvSpPr>
           <p:nvPr>
-            <p:ph idx="1" type="body"/>
+            <p:ph type="body" idx="1"/>
           </p:nvPr>
         </p:nvSpPr>
         <p:spPr>
@@ -13868,12 +13884,12 @@
           </a:prstGeom>
         </p:spPr>
         <p:txBody>
-          <a:bodyPr anchorCtr="0" anchor="t" bIns="91425" lIns="91425" spcFirstLastPara="1" rIns="91425" wrap="square" tIns="91425">
+          <a:bodyPr spcFirstLastPara="1" wrap="square" lIns="91425" tIns="91425" rIns="91425" bIns="91425" anchor="t" anchorCtr="0">
             <a:normAutofit/>
           </a:bodyPr>
           <a:lstStyle/>
           <a:p>
-            <a:pPr indent="-304800" lvl="0" marL="457200" rtl="0" algn="just">
+            <a:pPr marL="457200" lvl="0" indent="-304800" algn="just" rtl="0">
               <a:spcBef>
                 <a:spcPts val="0"/>
               </a:spcBef>
@@ -13910,18 +13926,15 @@
             </a:endParaRPr>
           </a:p>
           <a:p>
-            <a:pPr indent="0" lvl="0" marL="0" rtl="0" algn="just">
-              <a:spcBef>
-                <a:spcPts val="0"/>
-              </a:spcBef>
-              <a:spcAft>
-                <a:spcPts val="0"/>
-              </a:spcAft>
-              <a:buNone/>
-            </a:pPr>
-            <a:r>
-              <a:t/>
-            </a:r>
+            <a:pPr marL="0" lvl="0" indent="0" algn="just" rtl="0">
+              <a:spcBef>
+                <a:spcPts val="0"/>
+              </a:spcBef>
+              <a:spcAft>
+                <a:spcPts val="0"/>
+              </a:spcAft>
+              <a:buNone/>
+            </a:pPr>
             <a:endParaRPr sz="1200">
               <a:solidFill>
                 <a:schemeClr val="dk1"/>
@@ -13971,7 +13984,7 @@
 </file>
 
 <file path=ppt/theme/theme1.xml><?xml version="1.0" encoding="utf-8"?>
-<a:theme xmlns:a="http://schemas.openxmlformats.org/drawingml/2006/main" xmlns:r="http://schemas.openxmlformats.org/officeDocument/2006/relationships" name="Simple Light">
+<a:theme xmlns:a="http://schemas.openxmlformats.org/drawingml/2006/main" name="Simple Light">
   <a:themeElements>
     <a:clrScheme name="Simple Light">
       <a:dk1>
@@ -14246,11 +14259,13 @@
       </a:bgFillStyleLst>
     </a:fmtScheme>
   </a:themeElements>
+  <a:objectDefaults/>
+  <a:extraClrSchemeLst/>
 </a:theme>
 </file>
 
 <file path=ppt/theme/theme2.xml><?xml version="1.0" encoding="utf-8"?>
-<a:theme xmlns:a="http://schemas.openxmlformats.org/drawingml/2006/main" xmlns:r="http://schemas.openxmlformats.org/officeDocument/2006/relationships">
+<a:theme xmlns:a="http://schemas.openxmlformats.org/drawingml/2006/main">
   <a:themeElements>
     <a:clrScheme name="Default">
       <a:dk1>
@@ -14525,5 +14540,7 @@
       </a:bgFillStyleLst>
     </a:fmtScheme>
   </a:themeElements>
+  <a:objectDefaults/>
+  <a:extraClrSchemeLst/>
 </a:theme>
 </file>
--- a/DOCUMENTOS FASE1/evidencias grupales/Presentacion_Proyecto.pptx
+++ b/DOCUMENTOS FASE1/evidencias grupales/Presentacion_Proyecto.pptx
@@ -269,6 +269,11 @@
       </a:defRPr>
     </a:lvl9pPr>
   </p:defaultTextStyle>
+  <p:extLst>
+    <p:ext uri="{EFAFB233-063F-42B5-8137-9DF3F51BA10A}">
+      <p15:sldGuideLst xmlns:p15="http://schemas.microsoft.com/office/powerpoint/2012/main"/>
+    </p:ext>
+  </p:extLst>
 </p:presentation>
 </file>
 
@@ -10602,7 +10607,31 @@
                 <a:cs typeface="Montserrat"/>
                 <a:sym typeface="Montserrat"/>
               </a:rPr>
-              <a:t>HU16 (Alta): Como docente evaluador, quiero acceder al uso del sistema para entender su uso.</a:t>
+              <a:t>HU16 (Alta): Como docente evaluador, quiero </a:t>
+            </a:r>
+            <a:r>
+              <a:rPr lang="es" sz="1100">
+                <a:solidFill>
+                  <a:schemeClr val="dk1"/>
+                </a:solidFill>
+                <a:latin typeface="Montserrat"/>
+                <a:ea typeface="Montserrat"/>
+                <a:cs typeface="Montserrat"/>
+                <a:sym typeface="Montserrat"/>
+              </a:rPr>
+              <a:t>acceder al sistema </a:t>
+            </a:r>
+            <a:r>
+              <a:rPr lang="es" sz="1100" dirty="0">
+                <a:solidFill>
+                  <a:schemeClr val="dk1"/>
+                </a:solidFill>
+                <a:latin typeface="Montserrat"/>
+                <a:ea typeface="Montserrat"/>
+                <a:cs typeface="Montserrat"/>
+                <a:sym typeface="Montserrat"/>
+              </a:rPr>
+              <a:t>para entender su uso.</a:t>
             </a:r>
             <a:br>
               <a:rPr lang="es" sz="1100" dirty="0">
